--- a/slides/MET_talk.pptx
+++ b/slides/MET_talk.pptx
@@ -5,10 +5,10 @@
     <p:sldMasterId id="2147483648" r:id="rId1"/>
   </p:sldMasterIdLst>
   <p:notesMasterIdLst>
-    <p:notesMasterId r:id="rId50"/>
+    <p:notesMasterId r:id="rId51"/>
   </p:notesMasterIdLst>
   <p:handoutMasterIdLst>
-    <p:handoutMasterId r:id="rId51"/>
+    <p:handoutMasterId r:id="rId52"/>
   </p:handoutMasterIdLst>
   <p:sldIdLst>
     <p:sldId id="256" r:id="rId2"/>
@@ -35,30 +35,31 @@
     <p:sldId id="337" r:id="rId23"/>
     <p:sldId id="296" r:id="rId24"/>
     <p:sldId id="297" r:id="rId25"/>
-    <p:sldId id="298" r:id="rId26"/>
-    <p:sldId id="299" r:id="rId27"/>
-    <p:sldId id="301" r:id="rId28"/>
-    <p:sldId id="313" r:id="rId29"/>
-    <p:sldId id="314" r:id="rId30"/>
-    <p:sldId id="315" r:id="rId31"/>
-    <p:sldId id="316" r:id="rId32"/>
-    <p:sldId id="317" r:id="rId33"/>
-    <p:sldId id="318" r:id="rId34"/>
-    <p:sldId id="331" r:id="rId35"/>
-    <p:sldId id="319" r:id="rId36"/>
-    <p:sldId id="320" r:id="rId37"/>
-    <p:sldId id="321" r:id="rId38"/>
-    <p:sldId id="322" r:id="rId39"/>
-    <p:sldId id="328" r:id="rId40"/>
-    <p:sldId id="329" r:id="rId41"/>
-    <p:sldId id="323" r:id="rId42"/>
-    <p:sldId id="330" r:id="rId43"/>
-    <p:sldId id="324" r:id="rId44"/>
-    <p:sldId id="326" r:id="rId45"/>
-    <p:sldId id="335" r:id="rId46"/>
-    <p:sldId id="333" r:id="rId47"/>
-    <p:sldId id="334" r:id="rId48"/>
-    <p:sldId id="327" r:id="rId49"/>
+    <p:sldId id="338" r:id="rId26"/>
+    <p:sldId id="298" r:id="rId27"/>
+    <p:sldId id="299" r:id="rId28"/>
+    <p:sldId id="301" r:id="rId29"/>
+    <p:sldId id="313" r:id="rId30"/>
+    <p:sldId id="314" r:id="rId31"/>
+    <p:sldId id="315" r:id="rId32"/>
+    <p:sldId id="316" r:id="rId33"/>
+    <p:sldId id="317" r:id="rId34"/>
+    <p:sldId id="318" r:id="rId35"/>
+    <p:sldId id="331" r:id="rId36"/>
+    <p:sldId id="319" r:id="rId37"/>
+    <p:sldId id="320" r:id="rId38"/>
+    <p:sldId id="321" r:id="rId39"/>
+    <p:sldId id="322" r:id="rId40"/>
+    <p:sldId id="328" r:id="rId41"/>
+    <p:sldId id="329" r:id="rId42"/>
+    <p:sldId id="323" r:id="rId43"/>
+    <p:sldId id="330" r:id="rId44"/>
+    <p:sldId id="324" r:id="rId45"/>
+    <p:sldId id="326" r:id="rId46"/>
+    <p:sldId id="335" r:id="rId47"/>
+    <p:sldId id="333" r:id="rId48"/>
+    <p:sldId id="334" r:id="rId49"/>
+    <p:sldId id="327" r:id="rId50"/>
   </p:sldIdLst>
   <p:sldSz cx="9144000" cy="6858000" type="screen4x3"/>
   <p:notesSz cx="6858000" cy="9144000"/>
@@ -190,6 +191,7 @@
             <p14:sldId id="337"/>
             <p14:sldId id="296"/>
             <p14:sldId id="297"/>
+            <p14:sldId id="338"/>
             <p14:sldId id="298"/>
             <p14:sldId id="299"/>
             <p14:sldId id="301"/>
@@ -310,7 +312,7 @@
           <a:p>
             <a:fld id="{7E37B48D-A559-6F41-A85D-9198382D8E74}" type="datetime1">
               <a:rPr lang="en-US" smtClean="0"/>
-              <a:t>10/3/15</a:t>
+              <a:t>10/5/15</a:t>
             </a:fld>
             <a:endParaRPr lang="en-US"/>
           </a:p>
@@ -476,7 +478,7 @@
           <a:p>
             <a:fld id="{A07269D8-8511-224D-9EC2-608B032B74D9}" type="datetime1">
               <a:rPr lang="en-US" smtClean="0"/>
-              <a:t>10/3/15</a:t>
+              <a:t>10/5/15</a:t>
             </a:fld>
             <a:endParaRPr lang="en-US"/>
           </a:p>
@@ -906,7 +908,7 @@
           <a:p>
             <a:fld id="{08B4712D-D2CB-8747-9EC4-89869EAABFB2}" type="slidenum">
               <a:rPr lang="en-US" smtClean="0"/>
-              <a:t>31</a:t>
+              <a:t>32</a:t>
             </a:fld>
             <a:endParaRPr lang="en-US"/>
           </a:p>
@@ -1006,7 +1008,7 @@
           <a:p>
             <a:fld id="{08B4712D-D2CB-8747-9EC4-89869EAABFB2}" type="slidenum">
               <a:rPr lang="en-US" smtClean="0"/>
-              <a:t>32</a:t>
+              <a:t>33</a:t>
             </a:fld>
             <a:endParaRPr lang="en-US"/>
           </a:p>
@@ -1110,7 +1112,7 @@
           <a:p>
             <a:fld id="{08B4712D-D2CB-8747-9EC4-89869EAABFB2}" type="slidenum">
               <a:rPr lang="en-US" smtClean="0"/>
-              <a:t>35</a:t>
+              <a:t>36</a:t>
             </a:fld>
             <a:endParaRPr lang="en-US"/>
           </a:p>
@@ -1202,7 +1204,7 @@
           <a:p>
             <a:fld id="{08B4712D-D2CB-8747-9EC4-89869EAABFB2}" type="slidenum">
               <a:rPr lang="en-US" smtClean="0"/>
-              <a:t>48</a:t>
+              <a:t>49</a:t>
             </a:fld>
             <a:endParaRPr lang="en-US"/>
           </a:p>
@@ -1886,7 +1888,7 @@
           <a:p>
             <a:fld id="{08B4712D-D2CB-8747-9EC4-89869EAABFB2}" type="slidenum">
               <a:rPr lang="en-US" smtClean="0"/>
-              <a:t>29</a:t>
+              <a:t>30</a:t>
             </a:fld>
             <a:endParaRPr lang="en-US"/>
           </a:p>
@@ -2086,7 +2088,7 @@
           <a:p>
             <a:fld id="{6BFECD78-3C8E-49F2-8FAB-59489D168ABB}" type="datetimeFigureOut">
               <a:rPr lang="en-US" smtClean="0"/>
-              <a:t>10/3/15</a:t>
+              <a:t>10/5/15</a:t>
             </a:fld>
             <a:endParaRPr lang="en-US"/>
           </a:p>
@@ -2256,7 +2258,7 @@
           <a:p>
             <a:fld id="{6BFECD78-3C8E-49F2-8FAB-59489D168ABB}" type="datetimeFigureOut">
               <a:rPr lang="en-US" smtClean="0"/>
-              <a:t>10/3/15</a:t>
+              <a:t>10/5/15</a:t>
             </a:fld>
             <a:endParaRPr lang="en-US"/>
           </a:p>
@@ -2436,7 +2438,7 @@
           <a:p>
             <a:fld id="{6BFECD78-3C8E-49F2-8FAB-59489D168ABB}" type="datetimeFigureOut">
               <a:rPr lang="en-US" smtClean="0"/>
-              <a:t>10/3/15</a:t>
+              <a:t>10/5/15</a:t>
             </a:fld>
             <a:endParaRPr lang="en-US"/>
           </a:p>
@@ -2606,7 +2608,7 @@
           <a:p>
             <a:fld id="{6BFECD78-3C8E-49F2-8FAB-59489D168ABB}" type="datetimeFigureOut">
               <a:rPr lang="en-US" smtClean="0"/>
-              <a:t>10/3/15</a:t>
+              <a:t>10/5/15</a:t>
             </a:fld>
             <a:endParaRPr lang="en-US"/>
           </a:p>
@@ -2852,7 +2854,7 @@
           <a:p>
             <a:fld id="{6BFECD78-3C8E-49F2-8FAB-59489D168ABB}" type="datetimeFigureOut">
               <a:rPr lang="en-US" smtClean="0"/>
-              <a:t>10/3/15</a:t>
+              <a:t>10/5/15</a:t>
             </a:fld>
             <a:endParaRPr lang="en-US"/>
           </a:p>
@@ -3140,7 +3142,7 @@
           <a:p>
             <a:fld id="{6BFECD78-3C8E-49F2-8FAB-59489D168ABB}" type="datetimeFigureOut">
               <a:rPr lang="en-US" smtClean="0"/>
-              <a:t>10/3/15</a:t>
+              <a:t>10/5/15</a:t>
             </a:fld>
             <a:endParaRPr lang="en-US"/>
           </a:p>
@@ -3562,7 +3564,7 @@
           <a:p>
             <a:fld id="{6BFECD78-3C8E-49F2-8FAB-59489D168ABB}" type="datetimeFigureOut">
               <a:rPr lang="en-US" smtClean="0"/>
-              <a:t>10/3/15</a:t>
+              <a:t>10/5/15</a:t>
             </a:fld>
             <a:endParaRPr lang="en-US"/>
           </a:p>
@@ -3680,7 +3682,7 @@
           <a:p>
             <a:fld id="{6BFECD78-3C8E-49F2-8FAB-59489D168ABB}" type="datetimeFigureOut">
               <a:rPr lang="en-US" smtClean="0"/>
-              <a:t>10/3/15</a:t>
+              <a:t>10/5/15</a:t>
             </a:fld>
             <a:endParaRPr lang="en-US"/>
           </a:p>
@@ -3775,7 +3777,7 @@
           <a:p>
             <a:fld id="{6BFECD78-3C8E-49F2-8FAB-59489D168ABB}" type="datetimeFigureOut">
               <a:rPr lang="en-US" smtClean="0"/>
-              <a:t>10/3/15</a:t>
+              <a:t>10/5/15</a:t>
             </a:fld>
             <a:endParaRPr lang="en-US"/>
           </a:p>
@@ -4052,7 +4054,7 @@
           <a:p>
             <a:fld id="{6BFECD78-3C8E-49F2-8FAB-59489D168ABB}" type="datetimeFigureOut">
               <a:rPr lang="en-US" smtClean="0"/>
-              <a:t>10/3/15</a:t>
+              <a:t>10/5/15</a:t>
             </a:fld>
             <a:endParaRPr lang="en-US"/>
           </a:p>
@@ -4309,7 +4311,7 @@
           <a:p>
             <a:fld id="{6BFECD78-3C8E-49F2-8FAB-59489D168ABB}" type="datetimeFigureOut">
               <a:rPr lang="en-US" smtClean="0"/>
-              <a:t>10/3/15</a:t>
+              <a:t>10/5/15</a:t>
             </a:fld>
             <a:endParaRPr lang="en-US"/>
           </a:p>
@@ -4522,7 +4524,7 @@
           <a:p>
             <a:fld id="{6BFECD78-3C8E-49F2-8FAB-59489D168ABB}" type="datetimeFigureOut">
               <a:rPr lang="en-US" smtClean="0"/>
-              <a:t>10/3/15</a:t>
+              <a:t>10/5/15</a:t>
             </a:fld>
             <a:endParaRPr lang="en-US"/>
           </a:p>
@@ -5159,11 +5161,7 @@
             </a:r>
             <a:r>
               <a:rPr lang="en-US" dirty="0" smtClean="0"/>
-              <a:t>Steward Observatory, University of </a:t>
-            </a:r>
-            <a:r>
-              <a:rPr lang="en-US" dirty="0" smtClean="0"/>
-              <a:t>Arizona</a:t>
+              <a:t>Steward Observatory, University of Arizona</a:t>
             </a:r>
           </a:p>
           <a:p>
@@ -8641,15 +8639,7 @@
                   <a:srgbClr val="FFFF00"/>
                 </a:solidFill>
               </a:rPr>
-              <a:t>realistic </a:t>
-            </a:r>
-            <a:r>
-              <a:rPr lang="en-US" sz="3800" dirty="0" smtClean="0">
-                <a:solidFill>
-                  <a:srgbClr val="FFFF00"/>
-                </a:solidFill>
-              </a:rPr>
-              <a:t>EOS</a:t>
+              <a:t>realistic EOS</a:t>
             </a:r>
             <a:endParaRPr lang="en-US" sz="3800" dirty="0">
               <a:solidFill>
@@ -9096,15 +9086,7 @@
                   <a:srgbClr val="FFFF00"/>
                 </a:solidFill>
               </a:rPr>
-              <a:t>realistic </a:t>
-            </a:r>
-            <a:r>
-              <a:rPr lang="en-US" sz="3800" smtClean="0">
-                <a:solidFill>
-                  <a:srgbClr val="FFFF00"/>
-                </a:solidFill>
-              </a:rPr>
-              <a:t>EOS</a:t>
+              <a:t>realistic EOS</a:t>
             </a:r>
             <a:endParaRPr lang="en-US" sz="3800" dirty="0">
               <a:solidFill>
@@ -9750,15 +9732,7 @@
                   <a:srgbClr val="FFFF00"/>
                 </a:solidFill>
               </a:rPr>
-              <a:t>realistic </a:t>
-            </a:r>
-            <a:r>
-              <a:rPr lang="en-US" sz="3800" dirty="0" smtClean="0">
-                <a:solidFill>
-                  <a:srgbClr val="FFFF00"/>
-                </a:solidFill>
-              </a:rPr>
-              <a:t>EOS</a:t>
+              <a:t>realistic EOS</a:t>
             </a:r>
             <a:endParaRPr lang="en-US" sz="3800" dirty="0">
               <a:solidFill>
@@ -10231,15 +10205,7 @@
                   <a:srgbClr val="FFFF00"/>
                 </a:solidFill>
               </a:rPr>
-              <a:t>realistic </a:t>
-            </a:r>
-            <a:r>
-              <a:rPr lang="en-US" sz="3800" dirty="0" smtClean="0">
-                <a:solidFill>
-                  <a:srgbClr val="FFFF00"/>
-                </a:solidFill>
-              </a:rPr>
-              <a:t>EOS</a:t>
+              <a:t>realistic EOS</a:t>
             </a:r>
             <a:endParaRPr lang="en-US" sz="3800" dirty="0">
               <a:solidFill>
@@ -11392,15 +11358,7 @@
                   <a:srgbClr val="FFFF00"/>
                 </a:solidFill>
               </a:rPr>
-              <a:t>realistic </a:t>
-            </a:r>
-            <a:r>
-              <a:rPr lang="en-US" sz="3800" dirty="0" smtClean="0">
-                <a:solidFill>
-                  <a:srgbClr val="FFFF00"/>
-                </a:solidFill>
-              </a:rPr>
-              <a:t>EOS</a:t>
+              <a:t>realistic EOS</a:t>
             </a:r>
             <a:r>
               <a:rPr lang="en-US" sz="3800" dirty="0" smtClean="0"/>
@@ -12827,268 +12785,6 @@
       </p:sp>
       <p:sp>
         <p:nvSpPr>
-          <p:cNvPr id="6" name="TextBox 5"/>
-          <p:cNvSpPr txBox="1"/>
-          <p:nvPr/>
-        </p:nvSpPr>
-        <p:spPr>
-          <a:xfrm>
-            <a:off x="2580722" y="5546246"/>
-            <a:ext cx="2715840" cy="338554"/>
-          </a:xfrm>
-          <a:prstGeom prst="rect">
-            <a:avLst/>
-          </a:prstGeom>
-          <a:noFill/>
-        </p:spPr>
-        <p:txBody>
-          <a:bodyPr wrap="square" rtlCol="0">
-            <a:spAutoFit/>
-          </a:bodyPr>
-          <a:lstStyle/>
-          <a:p>
-            <a:r>
-              <a:rPr lang="en-US" sz="1600" dirty="0" err="1">
-                <a:solidFill>
-                  <a:srgbClr val="000000"/>
-                </a:solidFill>
-              </a:rPr>
-              <a:t>t_disk</a:t>
-            </a:r>
-            <a:r>
-              <a:rPr lang="en-US" sz="1600" dirty="0">
-                <a:solidFill>
-                  <a:srgbClr val="000000"/>
-                </a:solidFill>
-              </a:rPr>
-              <a:t> ~ 3 </a:t>
-            </a:r>
-            <a:r>
-              <a:rPr lang="en-US" sz="1600" dirty="0" err="1" smtClean="0">
-                <a:solidFill>
-                  <a:srgbClr val="000000"/>
-                </a:solidFill>
-              </a:rPr>
-              <a:t>Myr</a:t>
-            </a:r>
-            <a:r>
-              <a:rPr lang="en-US" sz="1600" dirty="0" smtClean="0">
-                <a:solidFill>
-                  <a:srgbClr val="000000"/>
-                </a:solidFill>
-              </a:rPr>
-              <a:t>, realistic EOS</a:t>
-            </a:r>
-            <a:endParaRPr lang="en-US" sz="1600" dirty="0">
-              <a:solidFill>
-                <a:srgbClr val="000000"/>
-              </a:solidFill>
-            </a:endParaRPr>
-          </a:p>
-        </p:txBody>
-      </p:sp>
-      <p:sp>
-        <p:nvSpPr>
-          <p:cNvPr id="7" name="TextBox 6"/>
-          <p:cNvSpPr txBox="1"/>
-          <p:nvPr/>
-        </p:nvSpPr>
-        <p:spPr>
-          <a:xfrm>
-            <a:off x="5958633" y="5663361"/>
-            <a:ext cx="2782215" cy="307777"/>
-          </a:xfrm>
-          <a:prstGeom prst="rect">
-            <a:avLst/>
-          </a:prstGeom>
-          <a:noFill/>
-        </p:spPr>
-        <p:txBody>
-          <a:bodyPr wrap="square" rtlCol="0">
-            <a:spAutoFit/>
-          </a:bodyPr>
-          <a:lstStyle/>
-          <a:p>
-            <a:r>
-              <a:rPr lang="en-US" sz="1400" dirty="0" smtClean="0">
-                <a:solidFill>
-                  <a:srgbClr val="000000"/>
-                </a:solidFill>
-              </a:rPr>
-              <a:t>Piso, </a:t>
-            </a:r>
-            <a:r>
-              <a:rPr lang="en-US" sz="1400" dirty="0" err="1" smtClean="0">
-                <a:solidFill>
-                  <a:srgbClr val="000000"/>
-                </a:solidFill>
-              </a:rPr>
-              <a:t>Youdin</a:t>
-            </a:r>
-            <a:r>
-              <a:rPr lang="en-US" sz="1400" dirty="0" smtClean="0">
-                <a:solidFill>
-                  <a:srgbClr val="000000"/>
-                </a:solidFill>
-              </a:rPr>
-              <a:t>, &amp; Murray-Clay (2015)</a:t>
-            </a:r>
-            <a:endParaRPr lang="en-US" sz="1400" dirty="0">
-              <a:solidFill>
-                <a:srgbClr val="000000"/>
-              </a:solidFill>
-            </a:endParaRPr>
-          </a:p>
-        </p:txBody>
-      </p:sp>
-      <p:pic>
-        <p:nvPicPr>
-          <p:cNvPr id="8" name="Picture 7" descr="Mcrit_vs_a_gg.pdf"/>
-          <p:cNvPicPr>
-            <a:picLocks noChangeAspect="1"/>
-          </p:cNvPicPr>
-          <p:nvPr/>
-        </p:nvPicPr>
-        <p:blipFill>
-          <a:blip r:embed="rId2">
-            <a:extLst>
-              <a:ext uri="{28A0092B-C50C-407E-A947-70E740481C1C}">
-                <a14:useLocalDpi xmlns:a14="http://schemas.microsoft.com/office/drawing/2010/main" val="0"/>
-              </a:ext>
-            </a:extLst>
-          </a:blip>
-          <a:stretch>
-            <a:fillRect/>
-          </a:stretch>
-        </p:blipFill>
-        <p:spPr>
-          <a:xfrm>
-            <a:off x="2664189" y="1296048"/>
-            <a:ext cx="6346899" cy="4765822"/>
-          </a:xfrm>
-          <a:prstGeom prst="rect">
-            <a:avLst/>
-          </a:prstGeom>
-        </p:spPr>
-      </p:pic>
-      <p:sp>
-        <p:nvSpPr>
-          <p:cNvPr id="11" name="TextBox 10"/>
-          <p:cNvSpPr txBox="1"/>
-          <p:nvPr/>
-        </p:nvSpPr>
-        <p:spPr>
-          <a:xfrm>
-            <a:off x="2729354" y="5546246"/>
-            <a:ext cx="2715840" cy="338554"/>
-          </a:xfrm>
-          <a:prstGeom prst="rect">
-            <a:avLst/>
-          </a:prstGeom>
-          <a:noFill/>
-        </p:spPr>
-        <p:txBody>
-          <a:bodyPr wrap="square" rtlCol="0">
-            <a:spAutoFit/>
-          </a:bodyPr>
-          <a:lstStyle/>
-          <a:p>
-            <a:r>
-              <a:rPr lang="en-US" sz="1600" dirty="0" err="1">
-                <a:solidFill>
-                  <a:srgbClr val="000000"/>
-                </a:solidFill>
-              </a:rPr>
-              <a:t>t_disk</a:t>
-            </a:r>
-            <a:r>
-              <a:rPr lang="en-US" sz="1600" dirty="0">
-                <a:solidFill>
-                  <a:srgbClr val="000000"/>
-                </a:solidFill>
-              </a:rPr>
-              <a:t> ~ 3 </a:t>
-            </a:r>
-            <a:r>
-              <a:rPr lang="en-US" sz="1600" dirty="0" err="1" smtClean="0">
-                <a:solidFill>
-                  <a:srgbClr val="000000"/>
-                </a:solidFill>
-              </a:rPr>
-              <a:t>Myr</a:t>
-            </a:r>
-            <a:r>
-              <a:rPr lang="en-US" sz="1600" dirty="0" smtClean="0">
-                <a:solidFill>
-                  <a:srgbClr val="000000"/>
-                </a:solidFill>
-              </a:rPr>
-              <a:t>, realistic EOS</a:t>
-            </a:r>
-            <a:endParaRPr lang="en-US" sz="1600" dirty="0">
-              <a:solidFill>
-                <a:srgbClr val="000000"/>
-              </a:solidFill>
-            </a:endParaRPr>
-          </a:p>
-        </p:txBody>
-      </p:sp>
-      <p:sp>
-        <p:nvSpPr>
-          <p:cNvPr id="12" name="TextBox 11"/>
-          <p:cNvSpPr txBox="1"/>
-          <p:nvPr/>
-        </p:nvSpPr>
-        <p:spPr>
-          <a:xfrm>
-            <a:off x="6336969" y="5703891"/>
-            <a:ext cx="2782215" cy="307777"/>
-          </a:xfrm>
-          <a:prstGeom prst="rect">
-            <a:avLst/>
-          </a:prstGeom>
-          <a:noFill/>
-        </p:spPr>
-        <p:txBody>
-          <a:bodyPr wrap="square" rtlCol="0">
-            <a:spAutoFit/>
-          </a:bodyPr>
-          <a:lstStyle/>
-          <a:p>
-            <a:r>
-              <a:rPr lang="en-US" sz="1400" dirty="0" smtClean="0">
-                <a:solidFill>
-                  <a:srgbClr val="000000"/>
-                </a:solidFill>
-              </a:rPr>
-              <a:t>Piso, </a:t>
-            </a:r>
-            <a:r>
-              <a:rPr lang="en-US" sz="1400" dirty="0" err="1" smtClean="0">
-                <a:solidFill>
-                  <a:srgbClr val="000000"/>
-                </a:solidFill>
-              </a:rPr>
-              <a:t>Youdin</a:t>
-            </a:r>
-            <a:r>
-              <a:rPr lang="en-US" sz="1400" dirty="0" smtClean="0">
-                <a:solidFill>
-                  <a:srgbClr val="000000"/>
-                </a:solidFill>
-              </a:rPr>
-              <a:t>, &amp; Murray-Clay (2015)</a:t>
-            </a:r>
-            <a:endParaRPr lang="en-US" sz="1400" dirty="0">
-              <a:solidFill>
-                <a:srgbClr val="000000"/>
-              </a:solidFill>
-            </a:endParaRPr>
-          </a:p>
-        </p:txBody>
-      </p:sp>
-      <p:sp>
-        <p:nvSpPr>
           <p:cNvPr id="9" name="TextBox 8"/>
           <p:cNvSpPr txBox="1"/>
           <p:nvPr/>
@@ -13189,55 +12885,10 @@
           </a:p>
         </p:txBody>
       </p:sp>
-      <p:sp>
-        <p:nvSpPr>
-          <p:cNvPr id="10" name="Rectangle 9"/>
-          <p:cNvSpPr/>
-          <p:nvPr/>
-        </p:nvSpPr>
-        <p:spPr>
-          <a:xfrm>
-            <a:off x="3814756" y="4120778"/>
-            <a:ext cx="4832699" cy="769831"/>
-          </a:xfrm>
-          <a:prstGeom prst="rect">
-            <a:avLst/>
-          </a:prstGeom>
-          <a:noFill/>
-          <a:ln w="38100">
-            <a:solidFill>
-              <a:srgbClr val="BD117E"/>
-            </a:solidFill>
-          </a:ln>
-          <a:effectLst/>
-        </p:spPr>
-        <p:style>
-          <a:lnRef idx="1">
-            <a:schemeClr val="accent1"/>
-          </a:lnRef>
-          <a:fillRef idx="3">
-            <a:schemeClr val="accent1"/>
-          </a:fillRef>
-          <a:effectRef idx="2">
-            <a:schemeClr val="accent1"/>
-          </a:effectRef>
-          <a:fontRef idx="minor">
-            <a:schemeClr val="lt1"/>
-          </a:fontRef>
-        </p:style>
-        <p:txBody>
-          <a:bodyPr rtlCol="0" anchor="ctr"/>
-          <a:lstStyle/>
-          <a:p>
-            <a:pPr algn="ctr"/>
-            <a:endParaRPr lang="en-US"/>
-          </a:p>
-        </p:txBody>
-      </p:sp>
     </p:spTree>
     <p:extLst>
       <p:ext uri="{BB962C8B-B14F-4D97-AF65-F5344CB8AC3E}">
-        <p14:creationId xmlns:p14="http://schemas.microsoft.com/office/powerpoint/2010/main" val="872566693"/>
+        <p14:creationId xmlns:p14="http://schemas.microsoft.com/office/powerpoint/2010/main" val="2896403982"/>
       </p:ext>
     </p:extLst>
   </p:cSld>
@@ -13321,9 +12972,125 @@
           </a:p>
         </p:txBody>
       </p:sp>
+      <p:sp>
+        <p:nvSpPr>
+          <p:cNvPr id="6" name="TextBox 5"/>
+          <p:cNvSpPr txBox="1"/>
+          <p:nvPr/>
+        </p:nvSpPr>
+        <p:spPr>
+          <a:xfrm>
+            <a:off x="2580722" y="5546246"/>
+            <a:ext cx="2715840" cy="338554"/>
+          </a:xfrm>
+          <a:prstGeom prst="rect">
+            <a:avLst/>
+          </a:prstGeom>
+          <a:noFill/>
+        </p:spPr>
+        <p:txBody>
+          <a:bodyPr wrap="square" rtlCol="0">
+            <a:spAutoFit/>
+          </a:bodyPr>
+          <a:lstStyle/>
+          <a:p>
+            <a:r>
+              <a:rPr lang="en-US" sz="1600" dirty="0" err="1">
+                <a:solidFill>
+                  <a:srgbClr val="000000"/>
+                </a:solidFill>
+              </a:rPr>
+              <a:t>t_disk</a:t>
+            </a:r>
+            <a:r>
+              <a:rPr lang="en-US" sz="1600" dirty="0">
+                <a:solidFill>
+                  <a:srgbClr val="000000"/>
+                </a:solidFill>
+              </a:rPr>
+              <a:t> ~ 3 </a:t>
+            </a:r>
+            <a:r>
+              <a:rPr lang="en-US" sz="1600" dirty="0" err="1" smtClean="0">
+                <a:solidFill>
+                  <a:srgbClr val="000000"/>
+                </a:solidFill>
+              </a:rPr>
+              <a:t>Myr</a:t>
+            </a:r>
+            <a:r>
+              <a:rPr lang="en-US" sz="1600" dirty="0" smtClean="0">
+                <a:solidFill>
+                  <a:srgbClr val="000000"/>
+                </a:solidFill>
+              </a:rPr>
+              <a:t>, realistic EOS</a:t>
+            </a:r>
+            <a:endParaRPr lang="en-US" sz="1600" dirty="0">
+              <a:solidFill>
+                <a:srgbClr val="000000"/>
+              </a:solidFill>
+            </a:endParaRPr>
+          </a:p>
+        </p:txBody>
+      </p:sp>
+      <p:sp>
+        <p:nvSpPr>
+          <p:cNvPr id="7" name="TextBox 6"/>
+          <p:cNvSpPr txBox="1"/>
+          <p:nvPr/>
+        </p:nvSpPr>
+        <p:spPr>
+          <a:xfrm>
+            <a:off x="5958633" y="5663361"/>
+            <a:ext cx="2782215" cy="307777"/>
+          </a:xfrm>
+          <a:prstGeom prst="rect">
+            <a:avLst/>
+          </a:prstGeom>
+          <a:noFill/>
+        </p:spPr>
+        <p:txBody>
+          <a:bodyPr wrap="square" rtlCol="0">
+            <a:spAutoFit/>
+          </a:bodyPr>
+          <a:lstStyle/>
+          <a:p>
+            <a:r>
+              <a:rPr lang="en-US" sz="1400" dirty="0" smtClean="0">
+                <a:solidFill>
+                  <a:srgbClr val="000000"/>
+                </a:solidFill>
+              </a:rPr>
+              <a:t>Piso, </a:t>
+            </a:r>
+            <a:r>
+              <a:rPr lang="en-US" sz="1400" dirty="0" err="1" smtClean="0">
+                <a:solidFill>
+                  <a:srgbClr val="000000"/>
+                </a:solidFill>
+              </a:rPr>
+              <a:t>Youdin</a:t>
+            </a:r>
+            <a:r>
+              <a:rPr lang="en-US" sz="1400" dirty="0" smtClean="0">
+                <a:solidFill>
+                  <a:srgbClr val="000000"/>
+                </a:solidFill>
+              </a:rPr>
+              <a:t>, &amp; Murray-Clay (2015)</a:t>
+            </a:r>
+            <a:endParaRPr lang="en-US" sz="1400" dirty="0">
+              <a:solidFill>
+                <a:srgbClr val="000000"/>
+              </a:solidFill>
+            </a:endParaRPr>
+          </a:p>
+        </p:txBody>
+      </p:sp>
       <p:pic>
         <p:nvPicPr>
-          <p:cNvPr id="4" name="Picture 3" descr="Mcrit_vs_a_gg.pdf"/>
+          <p:cNvPr id="8" name="Picture 7" descr="Mcrit_vs_a_gg.pdf"/>
           <p:cNvPicPr>
             <a:picLocks noChangeAspect="1"/>
           </p:cNvPicPr>
@@ -13353,7 +13120,7 @@
       </p:pic>
       <p:sp>
         <p:nvSpPr>
-          <p:cNvPr id="6" name="TextBox 5"/>
+          <p:cNvPr id="11" name="TextBox 10"/>
           <p:cNvSpPr txBox="1"/>
           <p:nvPr/>
         </p:nvSpPr>
@@ -13415,7 +13182,7 @@
       </p:sp>
       <p:sp>
         <p:nvSpPr>
-          <p:cNvPr id="7" name="TextBox 6"/>
+          <p:cNvPr id="12" name="TextBox 11"/>
           <p:cNvSpPr txBox="1"/>
           <p:nvPr/>
         </p:nvSpPr>
@@ -13469,7 +13236,109 @@
       </p:sp>
       <p:sp>
         <p:nvSpPr>
-          <p:cNvPr id="8" name="Rectangle 7"/>
+          <p:cNvPr id="9" name="TextBox 8"/>
+          <p:cNvSpPr txBox="1"/>
+          <p:nvPr/>
+        </p:nvSpPr>
+        <p:spPr>
+          <a:xfrm>
+            <a:off x="389645" y="1296048"/>
+            <a:ext cx="1799244" cy="1672252"/>
+          </a:xfrm>
+          <a:prstGeom prst="rect">
+            <a:avLst/>
+          </a:prstGeom>
+          <a:noFill/>
+          <a:ln w="38100">
+            <a:solidFill>
+              <a:srgbClr val="FFFF00"/>
+            </a:solidFill>
+          </a:ln>
+        </p:spPr>
+        <p:txBody>
+          <a:bodyPr wrap="square" rtlCol="0">
+            <a:spAutoFit/>
+          </a:bodyPr>
+          <a:lstStyle/>
+          <a:p>
+            <a:r>
+              <a:rPr lang="en-US" sz="2800" i="1" dirty="0" err="1" smtClean="0">
+                <a:solidFill>
+                  <a:srgbClr val="FFFF00"/>
+                </a:solidFill>
+              </a:rPr>
+              <a:t>dN</a:t>
+            </a:r>
+            <a:r>
+              <a:rPr lang="en-US" sz="2800" i="1" dirty="0" smtClean="0">
+                <a:solidFill>
+                  <a:srgbClr val="FFFF00"/>
+                </a:solidFill>
+              </a:rPr>
+              <a:t>/ds ~ s</a:t>
+            </a:r>
+            <a:r>
+              <a:rPr lang="en-US" sz="2800" i="1" baseline="30000" dirty="0" smtClean="0">
+                <a:solidFill>
+                  <a:srgbClr val="FFFF00"/>
+                </a:solidFill>
+              </a:rPr>
+              <a:t>-p</a:t>
+            </a:r>
+          </a:p>
+          <a:p>
+            <a:endParaRPr lang="en-US" sz="2800" i="1" baseline="30000" dirty="0">
+              <a:solidFill>
+                <a:srgbClr val="FFFF00"/>
+              </a:solidFill>
+            </a:endParaRPr>
+          </a:p>
+          <a:p>
+            <a:r>
+              <a:rPr lang="en-US" sz="2800" i="1" dirty="0" smtClean="0">
+                <a:solidFill>
+                  <a:srgbClr val="FFFF00"/>
+                </a:solidFill>
+              </a:rPr>
+              <a:t>p = 3.5</a:t>
+            </a:r>
+          </a:p>
+          <a:p>
+            <a:r>
+              <a:rPr lang="en-US" sz="2800" i="1" dirty="0" err="1">
+                <a:solidFill>
+                  <a:srgbClr val="FFFF00"/>
+                </a:solidFill>
+              </a:rPr>
+              <a:t>s</a:t>
+            </a:r>
+            <a:r>
+              <a:rPr lang="en-US" sz="2800" baseline="-25000" dirty="0" err="1" smtClean="0">
+                <a:solidFill>
+                  <a:srgbClr val="FFFF00"/>
+                </a:solidFill>
+              </a:rPr>
+              <a:t>max</a:t>
+            </a:r>
+            <a:r>
+              <a:rPr lang="en-US" sz="2800" dirty="0" smtClean="0">
+                <a:solidFill>
+                  <a:srgbClr val="FFFF00"/>
+                </a:solidFill>
+              </a:rPr>
+              <a:t> = 1 cm</a:t>
+            </a:r>
+            <a:endParaRPr lang="en-US" sz="2800" i="1" dirty="0">
+              <a:solidFill>
+                <a:srgbClr val="FFFF00"/>
+              </a:solidFill>
+            </a:endParaRPr>
+          </a:p>
+        </p:txBody>
+      </p:sp>
+      <p:sp>
+        <p:nvSpPr>
+          <p:cNvPr id="10" name="Rectangle 9"/>
           <p:cNvSpPr/>
           <p:nvPr/>
         </p:nvSpPr>
@@ -13512,280 +13381,10 @@
           </a:p>
         </p:txBody>
       </p:sp>
-      <p:sp>
-        <p:nvSpPr>
-          <p:cNvPr id="10" name="TextBox 9"/>
-          <p:cNvSpPr txBox="1"/>
-          <p:nvPr/>
-        </p:nvSpPr>
-        <p:spPr>
-          <a:xfrm>
-            <a:off x="389645" y="1296048"/>
-            <a:ext cx="1799244" cy="1672252"/>
-          </a:xfrm>
-          <a:prstGeom prst="rect">
-            <a:avLst/>
-          </a:prstGeom>
-          <a:noFill/>
-          <a:ln w="38100">
-            <a:solidFill>
-              <a:srgbClr val="FFFF00"/>
-            </a:solidFill>
-          </a:ln>
-        </p:spPr>
-        <p:txBody>
-          <a:bodyPr wrap="square" rtlCol="0">
-            <a:spAutoFit/>
-          </a:bodyPr>
-          <a:lstStyle/>
-          <a:p>
-            <a:r>
-              <a:rPr lang="en-US" sz="2800" i="1" dirty="0" err="1" smtClean="0">
-                <a:solidFill>
-                  <a:srgbClr val="FFFF00"/>
-                </a:solidFill>
-              </a:rPr>
-              <a:t>dN</a:t>
-            </a:r>
-            <a:r>
-              <a:rPr lang="en-US" sz="2800" i="1" dirty="0" smtClean="0">
-                <a:solidFill>
-                  <a:srgbClr val="FFFF00"/>
-                </a:solidFill>
-              </a:rPr>
-              <a:t>/ds ~ s</a:t>
-            </a:r>
-            <a:r>
-              <a:rPr lang="en-US" sz="2800" i="1" baseline="30000" dirty="0" smtClean="0">
-                <a:solidFill>
-                  <a:srgbClr val="FFFF00"/>
-                </a:solidFill>
-              </a:rPr>
-              <a:t>-p</a:t>
-            </a:r>
-          </a:p>
-          <a:p>
-            <a:endParaRPr lang="en-US" sz="2800" i="1" baseline="30000" dirty="0">
-              <a:solidFill>
-                <a:srgbClr val="FFFF00"/>
-              </a:solidFill>
-            </a:endParaRPr>
-          </a:p>
-          <a:p>
-            <a:r>
-              <a:rPr lang="en-US" sz="2800" i="1" dirty="0" smtClean="0">
-                <a:solidFill>
-                  <a:srgbClr val="FFFF00"/>
-                </a:solidFill>
-              </a:rPr>
-              <a:t>p = 3.5</a:t>
-            </a:r>
-          </a:p>
-          <a:p>
-            <a:r>
-              <a:rPr lang="en-US" sz="2800" i="1" dirty="0" err="1">
-                <a:solidFill>
-                  <a:srgbClr val="FFFF00"/>
-                </a:solidFill>
-              </a:rPr>
-              <a:t>s</a:t>
-            </a:r>
-            <a:r>
-              <a:rPr lang="en-US" sz="2800" baseline="-25000" dirty="0" err="1" smtClean="0">
-                <a:solidFill>
-                  <a:srgbClr val="FFFF00"/>
-                </a:solidFill>
-              </a:rPr>
-              <a:t>max</a:t>
-            </a:r>
-            <a:r>
-              <a:rPr lang="en-US" sz="2800" dirty="0" smtClean="0">
-                <a:solidFill>
-                  <a:srgbClr val="FFFF00"/>
-                </a:solidFill>
-              </a:rPr>
-              <a:t> = 1 cm</a:t>
-            </a:r>
-            <a:endParaRPr lang="en-US" sz="2800" i="1" dirty="0">
-              <a:solidFill>
-                <a:srgbClr val="FFFF00"/>
-              </a:solidFill>
-            </a:endParaRPr>
-          </a:p>
-        </p:txBody>
-      </p:sp>
-      <p:sp>
-        <p:nvSpPr>
-          <p:cNvPr id="3" name="TextBox 2"/>
-          <p:cNvSpPr txBox="1"/>
-          <p:nvPr/>
-        </p:nvSpPr>
-        <p:spPr>
-          <a:xfrm>
-            <a:off x="202677" y="3958422"/>
-            <a:ext cx="2310490" cy="1846659"/>
-          </a:xfrm>
-          <a:prstGeom prst="rect">
-            <a:avLst/>
-          </a:prstGeom>
-          <a:solidFill>
-            <a:srgbClr val="FFFF00"/>
-          </a:solidFill>
-          <a:ln w="38100">
-            <a:solidFill>
-              <a:srgbClr val="0000FF"/>
-            </a:solidFill>
-          </a:ln>
-        </p:spPr>
-        <p:txBody>
-          <a:bodyPr wrap="square" rtlCol="0">
-            <a:spAutoFit/>
-          </a:bodyPr>
-          <a:lstStyle/>
-          <a:p>
-            <a:pPr algn="ctr"/>
-            <a:r>
-              <a:rPr lang="en-US" sz="2400" dirty="0" err="1" smtClean="0">
-                <a:solidFill>
-                  <a:schemeClr val="bg1"/>
-                </a:solidFill>
-              </a:rPr>
-              <a:t>M</a:t>
-            </a:r>
-            <a:r>
-              <a:rPr lang="en-US" sz="2400" baseline="-25000" dirty="0" err="1" smtClean="0">
-                <a:solidFill>
-                  <a:schemeClr val="bg1"/>
-                </a:solidFill>
-              </a:rPr>
-              <a:t>crit</a:t>
-            </a:r>
-            <a:r>
-              <a:rPr lang="en-US" sz="2400" dirty="0">
-                <a:solidFill>
-                  <a:schemeClr val="bg1"/>
-                </a:solidFill>
-              </a:rPr>
-              <a:t>:</a:t>
-            </a:r>
-            <a:endParaRPr lang="en-US" sz="2400" dirty="0" smtClean="0">
-              <a:solidFill>
-                <a:schemeClr val="bg1"/>
-              </a:solidFill>
-            </a:endParaRPr>
-          </a:p>
-          <a:p>
-            <a:endParaRPr lang="en-US" sz="2400" dirty="0" smtClean="0">
-              <a:solidFill>
-                <a:schemeClr val="bg1"/>
-              </a:solidFill>
-            </a:endParaRPr>
-          </a:p>
-          <a:p>
-            <a:r>
-              <a:rPr lang="en-US" sz="2400" baseline="-25000" dirty="0" smtClean="0">
-                <a:solidFill>
-                  <a:schemeClr val="bg1"/>
-                </a:solidFill>
-              </a:rPr>
-              <a:t> </a:t>
-            </a:r>
-            <a:r>
-              <a:rPr lang="en-US" sz="2400" dirty="0" smtClean="0">
-                <a:solidFill>
-                  <a:schemeClr val="bg1"/>
-                </a:solidFill>
-              </a:rPr>
-              <a:t>~8 M</a:t>
-            </a:r>
-            <a:r>
-              <a:rPr lang="en-US" sz="2400" baseline="-25000" dirty="0" smtClean="0">
-                <a:solidFill>
-                  <a:schemeClr val="bg1"/>
-                </a:solidFill>
-              </a:rPr>
-              <a:t>E</a:t>
-            </a:r>
-            <a:r>
-              <a:rPr lang="en-US" sz="2400" dirty="0" smtClean="0">
-                <a:solidFill>
-                  <a:schemeClr val="bg1"/>
-                </a:solidFill>
-              </a:rPr>
-              <a:t> @ 5 AU</a:t>
-            </a:r>
-          </a:p>
-          <a:p>
-            <a:r>
-              <a:rPr lang="en-US" sz="2400" baseline="-25000" dirty="0" smtClean="0">
-                <a:solidFill>
-                  <a:schemeClr val="bg1"/>
-                </a:solidFill>
-              </a:rPr>
-              <a:t> </a:t>
-            </a:r>
-            <a:r>
-              <a:rPr lang="en-US" sz="2400" dirty="0" smtClean="0">
-                <a:solidFill>
-                  <a:schemeClr val="bg1"/>
-                </a:solidFill>
-              </a:rPr>
-              <a:t>~5 </a:t>
-            </a:r>
-            <a:r>
-              <a:rPr lang="en-US" sz="2400" dirty="0">
-                <a:solidFill>
-                  <a:schemeClr val="bg1"/>
-                </a:solidFill>
-              </a:rPr>
-              <a:t>M</a:t>
-            </a:r>
-            <a:r>
-              <a:rPr lang="en-US" sz="2400" baseline="-25000" dirty="0">
-                <a:solidFill>
-                  <a:schemeClr val="bg1"/>
-                </a:solidFill>
-              </a:rPr>
-              <a:t>E</a:t>
-            </a:r>
-            <a:r>
-              <a:rPr lang="en-US" sz="2400" dirty="0">
-                <a:solidFill>
-                  <a:schemeClr val="bg1"/>
-                </a:solidFill>
-              </a:rPr>
-              <a:t> @ </a:t>
-            </a:r>
-            <a:r>
-              <a:rPr lang="en-US" sz="2400" dirty="0" smtClean="0">
-                <a:solidFill>
-                  <a:schemeClr val="bg1"/>
-                </a:solidFill>
-              </a:rPr>
-              <a:t>100 </a:t>
-            </a:r>
-            <a:r>
-              <a:rPr lang="en-US" sz="2400" dirty="0">
-                <a:solidFill>
-                  <a:schemeClr val="bg1"/>
-                </a:solidFill>
-              </a:rPr>
-              <a:t>AU</a:t>
-            </a:r>
-          </a:p>
-          <a:p>
-            <a:endParaRPr lang="en-US" dirty="0">
-              <a:solidFill>
-                <a:srgbClr val="FFFF00"/>
-              </a:solidFill>
-            </a:endParaRPr>
-          </a:p>
-        </p:txBody>
-      </p:sp>
     </p:spTree>
     <p:extLst>
       <p:ext uri="{BB962C8B-B14F-4D97-AF65-F5344CB8AC3E}">
-        <p14:creationId xmlns:p14="http://schemas.microsoft.com/office/powerpoint/2010/main" val="3082910392"/>
+        <p14:creationId xmlns:p14="http://schemas.microsoft.com/office/powerpoint/2010/main" val="872566693"/>
       </p:ext>
     </p:extLst>
   </p:cSld>
@@ -13831,17 +13430,19 @@
         </p:nvSpPr>
         <p:spPr>
           <a:xfrm>
-            <a:off x="457200" y="155938"/>
+            <a:off x="457200" y="153048"/>
             <a:ext cx="8229600" cy="1143000"/>
           </a:xfrm>
         </p:spPr>
         <p:txBody>
-          <a:bodyPr/>
+          <a:bodyPr>
+            <a:normAutofit fontScale="90000"/>
+          </a:bodyPr>
           <a:lstStyle/>
           <a:p>
             <a:r>
               <a:rPr lang="en-US" dirty="0" smtClean="0"/>
-              <a:t>Summary of </a:t>
+              <a:t>Grain growth opacity </a:t>
             </a:r>
             <a:r>
               <a:rPr lang="en-US" dirty="0" smtClean="0">
@@ -13849,8 +13450,477 @@
                   <a:srgbClr val="FFFF00"/>
                 </a:solidFill>
               </a:rPr>
-              <a:t>Part I</a:t>
-            </a:r>
+              <a:t>DECREASES</a:t>
+            </a:r>
+            <a:r>
+              <a:rPr lang="en-US" dirty="0" smtClean="0"/>
+              <a:t> </a:t>
+            </a:r>
+            <a:r>
+              <a:rPr lang="en-US" dirty="0" err="1" smtClean="0"/>
+              <a:t>M</a:t>
+            </a:r>
+            <a:r>
+              <a:rPr lang="en-US" baseline="-25000" dirty="0" err="1" smtClean="0"/>
+              <a:t>crit</a:t>
+            </a:r>
+            <a:endParaRPr lang="en-US" dirty="0"/>
+          </a:p>
+        </p:txBody>
+      </p:sp>
+      <p:pic>
+        <p:nvPicPr>
+          <p:cNvPr id="4" name="Picture 3" descr="Mcrit_vs_a_gg.pdf"/>
+          <p:cNvPicPr>
+            <a:picLocks noChangeAspect="1"/>
+          </p:cNvPicPr>
+          <p:nvPr/>
+        </p:nvPicPr>
+        <p:blipFill>
+          <a:blip r:embed="rId2">
+            <a:extLst>
+              <a:ext uri="{28A0092B-C50C-407E-A947-70E740481C1C}">
+                <a14:useLocalDpi xmlns:a14="http://schemas.microsoft.com/office/drawing/2010/main" val="0"/>
+              </a:ext>
+            </a:extLst>
+          </a:blip>
+          <a:stretch>
+            <a:fillRect/>
+          </a:stretch>
+        </p:blipFill>
+        <p:spPr>
+          <a:xfrm>
+            <a:off x="2664189" y="1296048"/>
+            <a:ext cx="6346899" cy="4765822"/>
+          </a:xfrm>
+          <a:prstGeom prst="rect">
+            <a:avLst/>
+          </a:prstGeom>
+        </p:spPr>
+      </p:pic>
+      <p:sp>
+        <p:nvSpPr>
+          <p:cNvPr id="6" name="TextBox 5"/>
+          <p:cNvSpPr txBox="1"/>
+          <p:nvPr/>
+        </p:nvSpPr>
+        <p:spPr>
+          <a:xfrm>
+            <a:off x="2729354" y="5546246"/>
+            <a:ext cx="2715840" cy="338554"/>
+          </a:xfrm>
+          <a:prstGeom prst="rect">
+            <a:avLst/>
+          </a:prstGeom>
+          <a:noFill/>
+        </p:spPr>
+        <p:txBody>
+          <a:bodyPr wrap="square" rtlCol="0">
+            <a:spAutoFit/>
+          </a:bodyPr>
+          <a:lstStyle/>
+          <a:p>
+            <a:r>
+              <a:rPr lang="en-US" sz="1600" dirty="0" err="1">
+                <a:solidFill>
+                  <a:srgbClr val="000000"/>
+                </a:solidFill>
+              </a:rPr>
+              <a:t>t_disk</a:t>
+            </a:r>
+            <a:r>
+              <a:rPr lang="en-US" sz="1600" dirty="0">
+                <a:solidFill>
+                  <a:srgbClr val="000000"/>
+                </a:solidFill>
+              </a:rPr>
+              <a:t> ~ 3 </a:t>
+            </a:r>
+            <a:r>
+              <a:rPr lang="en-US" sz="1600" dirty="0" err="1" smtClean="0">
+                <a:solidFill>
+                  <a:srgbClr val="000000"/>
+                </a:solidFill>
+              </a:rPr>
+              <a:t>Myr</a:t>
+            </a:r>
+            <a:r>
+              <a:rPr lang="en-US" sz="1600" dirty="0" smtClean="0">
+                <a:solidFill>
+                  <a:srgbClr val="000000"/>
+                </a:solidFill>
+              </a:rPr>
+              <a:t>, realistic EOS</a:t>
+            </a:r>
+            <a:endParaRPr lang="en-US" sz="1600" dirty="0">
+              <a:solidFill>
+                <a:srgbClr val="000000"/>
+              </a:solidFill>
+            </a:endParaRPr>
+          </a:p>
+        </p:txBody>
+      </p:sp>
+      <p:sp>
+        <p:nvSpPr>
+          <p:cNvPr id="7" name="TextBox 6"/>
+          <p:cNvSpPr txBox="1"/>
+          <p:nvPr/>
+        </p:nvSpPr>
+        <p:spPr>
+          <a:xfrm>
+            <a:off x="6336969" y="5703891"/>
+            <a:ext cx="2782215" cy="307777"/>
+          </a:xfrm>
+          <a:prstGeom prst="rect">
+            <a:avLst/>
+          </a:prstGeom>
+          <a:noFill/>
+        </p:spPr>
+        <p:txBody>
+          <a:bodyPr wrap="square" rtlCol="0">
+            <a:spAutoFit/>
+          </a:bodyPr>
+          <a:lstStyle/>
+          <a:p>
+            <a:r>
+              <a:rPr lang="en-US" sz="1400" dirty="0" smtClean="0">
+                <a:solidFill>
+                  <a:srgbClr val="000000"/>
+                </a:solidFill>
+              </a:rPr>
+              <a:t>Piso, </a:t>
+            </a:r>
+            <a:r>
+              <a:rPr lang="en-US" sz="1400" dirty="0" err="1" smtClean="0">
+                <a:solidFill>
+                  <a:srgbClr val="000000"/>
+                </a:solidFill>
+              </a:rPr>
+              <a:t>Youdin</a:t>
+            </a:r>
+            <a:r>
+              <a:rPr lang="en-US" sz="1400" dirty="0" smtClean="0">
+                <a:solidFill>
+                  <a:srgbClr val="000000"/>
+                </a:solidFill>
+              </a:rPr>
+              <a:t>, &amp; Murray-Clay (2015)</a:t>
+            </a:r>
+            <a:endParaRPr lang="en-US" sz="1400" dirty="0">
+              <a:solidFill>
+                <a:srgbClr val="000000"/>
+              </a:solidFill>
+            </a:endParaRPr>
+          </a:p>
+        </p:txBody>
+      </p:sp>
+      <p:sp>
+        <p:nvSpPr>
+          <p:cNvPr id="8" name="Rectangle 7"/>
+          <p:cNvSpPr/>
+          <p:nvPr/>
+        </p:nvSpPr>
+        <p:spPr>
+          <a:xfrm>
+            <a:off x="3814756" y="4120778"/>
+            <a:ext cx="4832699" cy="769831"/>
+          </a:xfrm>
+          <a:prstGeom prst="rect">
+            <a:avLst/>
+          </a:prstGeom>
+          <a:noFill/>
+          <a:ln w="38100">
+            <a:solidFill>
+              <a:srgbClr val="BD117E"/>
+            </a:solidFill>
+          </a:ln>
+          <a:effectLst/>
+        </p:spPr>
+        <p:style>
+          <a:lnRef idx="1">
+            <a:schemeClr val="accent1"/>
+          </a:lnRef>
+          <a:fillRef idx="3">
+            <a:schemeClr val="accent1"/>
+          </a:fillRef>
+          <a:effectRef idx="2">
+            <a:schemeClr val="accent1"/>
+          </a:effectRef>
+          <a:fontRef idx="minor">
+            <a:schemeClr val="lt1"/>
+          </a:fontRef>
+        </p:style>
+        <p:txBody>
+          <a:bodyPr rtlCol="0" anchor="ctr"/>
+          <a:lstStyle/>
+          <a:p>
+            <a:pPr algn="ctr"/>
+            <a:endParaRPr lang="en-US"/>
+          </a:p>
+        </p:txBody>
+      </p:sp>
+      <p:sp>
+        <p:nvSpPr>
+          <p:cNvPr id="10" name="TextBox 9"/>
+          <p:cNvSpPr txBox="1"/>
+          <p:nvPr/>
+        </p:nvSpPr>
+        <p:spPr>
+          <a:xfrm>
+            <a:off x="389645" y="1296048"/>
+            <a:ext cx="1799244" cy="1672252"/>
+          </a:xfrm>
+          <a:prstGeom prst="rect">
+            <a:avLst/>
+          </a:prstGeom>
+          <a:noFill/>
+          <a:ln w="38100">
+            <a:solidFill>
+              <a:srgbClr val="FFFF00"/>
+            </a:solidFill>
+          </a:ln>
+        </p:spPr>
+        <p:txBody>
+          <a:bodyPr wrap="square" rtlCol="0">
+            <a:spAutoFit/>
+          </a:bodyPr>
+          <a:lstStyle/>
+          <a:p>
+            <a:r>
+              <a:rPr lang="en-US" sz="2800" i="1" dirty="0" err="1" smtClean="0">
+                <a:solidFill>
+                  <a:srgbClr val="FFFF00"/>
+                </a:solidFill>
+              </a:rPr>
+              <a:t>dN</a:t>
+            </a:r>
+            <a:r>
+              <a:rPr lang="en-US" sz="2800" i="1" dirty="0" smtClean="0">
+                <a:solidFill>
+                  <a:srgbClr val="FFFF00"/>
+                </a:solidFill>
+              </a:rPr>
+              <a:t>/ds ~ s</a:t>
+            </a:r>
+            <a:r>
+              <a:rPr lang="en-US" sz="2800" i="1" baseline="30000" dirty="0" smtClean="0">
+                <a:solidFill>
+                  <a:srgbClr val="FFFF00"/>
+                </a:solidFill>
+              </a:rPr>
+              <a:t>-p</a:t>
+            </a:r>
+          </a:p>
+          <a:p>
+            <a:endParaRPr lang="en-US" sz="2800" i="1" baseline="30000" dirty="0">
+              <a:solidFill>
+                <a:srgbClr val="FFFF00"/>
+              </a:solidFill>
+            </a:endParaRPr>
+          </a:p>
+          <a:p>
+            <a:r>
+              <a:rPr lang="en-US" sz="2800" i="1" dirty="0" smtClean="0">
+                <a:solidFill>
+                  <a:srgbClr val="FFFF00"/>
+                </a:solidFill>
+              </a:rPr>
+              <a:t>p = 3.5</a:t>
+            </a:r>
+          </a:p>
+          <a:p>
+            <a:r>
+              <a:rPr lang="en-US" sz="2800" i="1" dirty="0" err="1">
+                <a:solidFill>
+                  <a:srgbClr val="FFFF00"/>
+                </a:solidFill>
+              </a:rPr>
+              <a:t>s</a:t>
+            </a:r>
+            <a:r>
+              <a:rPr lang="en-US" sz="2800" baseline="-25000" dirty="0" err="1" smtClean="0">
+                <a:solidFill>
+                  <a:srgbClr val="FFFF00"/>
+                </a:solidFill>
+              </a:rPr>
+              <a:t>max</a:t>
+            </a:r>
+            <a:r>
+              <a:rPr lang="en-US" sz="2800" dirty="0" smtClean="0">
+                <a:solidFill>
+                  <a:srgbClr val="FFFF00"/>
+                </a:solidFill>
+              </a:rPr>
+              <a:t> = 1 cm</a:t>
+            </a:r>
+            <a:endParaRPr lang="en-US" sz="2800" i="1" dirty="0">
+              <a:solidFill>
+                <a:srgbClr val="FFFF00"/>
+              </a:solidFill>
+            </a:endParaRPr>
+          </a:p>
+        </p:txBody>
+      </p:sp>
+      <p:sp>
+        <p:nvSpPr>
+          <p:cNvPr id="3" name="TextBox 2"/>
+          <p:cNvSpPr txBox="1"/>
+          <p:nvPr/>
+        </p:nvSpPr>
+        <p:spPr>
+          <a:xfrm>
+            <a:off x="202677" y="3958422"/>
+            <a:ext cx="2310490" cy="1846659"/>
+          </a:xfrm>
+          <a:prstGeom prst="rect">
+            <a:avLst/>
+          </a:prstGeom>
+          <a:solidFill>
+            <a:srgbClr val="FFFF00"/>
+          </a:solidFill>
+          <a:ln w="38100">
+            <a:solidFill>
+              <a:srgbClr val="0000FF"/>
+            </a:solidFill>
+          </a:ln>
+        </p:spPr>
+        <p:txBody>
+          <a:bodyPr wrap="square" rtlCol="0">
+            <a:spAutoFit/>
+          </a:bodyPr>
+          <a:lstStyle/>
+          <a:p>
+            <a:pPr algn="ctr"/>
+            <a:r>
+              <a:rPr lang="en-US" sz="2400" dirty="0" err="1" smtClean="0">
+                <a:solidFill>
+                  <a:schemeClr val="bg1"/>
+                </a:solidFill>
+              </a:rPr>
+              <a:t>M</a:t>
+            </a:r>
+            <a:r>
+              <a:rPr lang="en-US" sz="2400" baseline="-25000" dirty="0" err="1" smtClean="0">
+                <a:solidFill>
+                  <a:schemeClr val="bg1"/>
+                </a:solidFill>
+              </a:rPr>
+              <a:t>crit</a:t>
+            </a:r>
+            <a:r>
+              <a:rPr lang="en-US" sz="2400" dirty="0">
+                <a:solidFill>
+                  <a:schemeClr val="bg1"/>
+                </a:solidFill>
+              </a:rPr>
+              <a:t>:</a:t>
+            </a:r>
+            <a:endParaRPr lang="en-US" sz="2400" dirty="0" smtClean="0">
+              <a:solidFill>
+                <a:schemeClr val="bg1"/>
+              </a:solidFill>
+            </a:endParaRPr>
+          </a:p>
+          <a:p>
+            <a:endParaRPr lang="en-US" sz="2400" dirty="0" smtClean="0">
+              <a:solidFill>
+                <a:schemeClr val="bg1"/>
+              </a:solidFill>
+            </a:endParaRPr>
+          </a:p>
+          <a:p>
+            <a:r>
+              <a:rPr lang="en-US" sz="2400" baseline="-25000" dirty="0" smtClean="0">
+                <a:solidFill>
+                  <a:schemeClr val="bg1"/>
+                </a:solidFill>
+              </a:rPr>
+              <a:t> </a:t>
+            </a:r>
+            <a:r>
+              <a:rPr lang="en-US" sz="2400" dirty="0" smtClean="0">
+                <a:solidFill>
+                  <a:schemeClr val="bg1"/>
+                </a:solidFill>
+              </a:rPr>
+              <a:t>~8 M</a:t>
+            </a:r>
+            <a:r>
+              <a:rPr lang="en-US" sz="2400" baseline="-25000" dirty="0" smtClean="0">
+                <a:solidFill>
+                  <a:schemeClr val="bg1"/>
+                </a:solidFill>
+              </a:rPr>
+              <a:t>E</a:t>
+            </a:r>
+            <a:r>
+              <a:rPr lang="en-US" sz="2400" dirty="0" smtClean="0">
+                <a:solidFill>
+                  <a:schemeClr val="bg1"/>
+                </a:solidFill>
+              </a:rPr>
+              <a:t> @ 5 AU</a:t>
+            </a:r>
+          </a:p>
+          <a:p>
+            <a:r>
+              <a:rPr lang="en-US" sz="2400" baseline="-25000" dirty="0" smtClean="0">
+                <a:solidFill>
+                  <a:schemeClr val="bg1"/>
+                </a:solidFill>
+              </a:rPr>
+              <a:t> </a:t>
+            </a:r>
+            <a:r>
+              <a:rPr lang="en-US" sz="2400" dirty="0" smtClean="0">
+                <a:solidFill>
+                  <a:schemeClr val="bg1"/>
+                </a:solidFill>
+              </a:rPr>
+              <a:t>~5 </a:t>
+            </a:r>
+            <a:r>
+              <a:rPr lang="en-US" sz="2400" dirty="0">
+                <a:solidFill>
+                  <a:schemeClr val="bg1"/>
+                </a:solidFill>
+              </a:rPr>
+              <a:t>M</a:t>
+            </a:r>
+            <a:r>
+              <a:rPr lang="en-US" sz="2400" baseline="-25000" dirty="0">
+                <a:solidFill>
+                  <a:schemeClr val="bg1"/>
+                </a:solidFill>
+              </a:rPr>
+              <a:t>E</a:t>
+            </a:r>
+            <a:r>
+              <a:rPr lang="en-US" sz="2400" dirty="0">
+                <a:solidFill>
+                  <a:schemeClr val="bg1"/>
+                </a:solidFill>
+              </a:rPr>
+              <a:t> @ </a:t>
+            </a:r>
+            <a:r>
+              <a:rPr lang="en-US" sz="2400" dirty="0" smtClean="0">
+                <a:solidFill>
+                  <a:schemeClr val="bg1"/>
+                </a:solidFill>
+              </a:rPr>
+              <a:t>100 </a:t>
+            </a:r>
+            <a:r>
+              <a:rPr lang="en-US" sz="2400" dirty="0">
+                <a:solidFill>
+                  <a:schemeClr val="bg1"/>
+                </a:solidFill>
+              </a:rPr>
+              <a:t>AU</a:t>
+            </a:r>
+          </a:p>
+          <a:p>
             <a:endParaRPr lang="en-US" dirty="0">
               <a:solidFill>
                 <a:srgbClr val="FFFF00"/>
@@ -13859,429 +13929,109 @@
           </a:p>
         </p:txBody>
       </p:sp>
-      <p:sp>
-        <p:nvSpPr>
-          <p:cNvPr id="3" name="Content Placeholder 2"/>
-          <p:cNvSpPr>
-            <a:spLocks noGrp="1"/>
-          </p:cNvSpPr>
-          <p:nvPr>
-            <p:ph idx="1"/>
-          </p:nvPr>
-        </p:nvSpPr>
-        <p:spPr>
-          <a:xfrm>
-            <a:off x="457200" y="1412552"/>
-            <a:ext cx="8229600" cy="5104180"/>
-          </a:xfrm>
-        </p:spPr>
-        <p:txBody>
-          <a:bodyPr>
-            <a:normAutofit fontScale="77500" lnSpcReduction="20000"/>
+      <p:cxnSp>
+        <p:nvCxnSpPr>
+          <p:cNvPr id="9" name="Straight Arrow Connector 8"/>
+          <p:cNvCxnSpPr/>
+          <p:nvPr/>
+        </p:nvCxnSpPr>
+        <p:spPr>
+          <a:xfrm>
+            <a:off x="4755052" y="4405462"/>
+            <a:ext cx="9845" cy="428240"/>
+          </a:xfrm>
+          <a:prstGeom prst="straightConnector1">
+            <a:avLst/>
+          </a:prstGeom>
+          <a:ln>
+            <a:solidFill>
+              <a:schemeClr val="bg1"/>
+            </a:solidFill>
+            <a:tailEnd type="arrow"/>
+          </a:ln>
+          <a:effectLst/>
+        </p:spPr>
+        <p:style>
+          <a:lnRef idx="2">
+            <a:schemeClr val="accent1"/>
+          </a:lnRef>
+          <a:fillRef idx="0">
+            <a:schemeClr val="accent1"/>
+          </a:fillRef>
+          <a:effectRef idx="1">
+            <a:schemeClr val="accent1"/>
+          </a:effectRef>
+          <a:fontRef idx="minor">
+            <a:schemeClr val="tx1"/>
+          </a:fontRef>
+        </p:style>
+      </p:cxnSp>
+      <p:sp>
+        <p:nvSpPr>
+          <p:cNvPr id="11" name="TextBox 10"/>
+          <p:cNvSpPr txBox="1"/>
+          <p:nvPr/>
+        </p:nvSpPr>
+        <p:spPr>
+          <a:xfrm>
+            <a:off x="4905151" y="4497240"/>
+            <a:ext cx="1846714" cy="307777"/>
+          </a:xfrm>
+          <a:prstGeom prst="rect">
+            <a:avLst/>
+          </a:prstGeom>
+          <a:noFill/>
+        </p:spPr>
+        <p:txBody>
+          <a:bodyPr wrap="square" rtlCol="0">
+            <a:spAutoFit/>
           </a:bodyPr>
           <a:lstStyle/>
           <a:p>
             <a:r>
-              <a:rPr lang="en-US" dirty="0" smtClean="0"/>
-              <a:t>H</a:t>
-            </a:r>
-            <a:r>
-              <a:rPr lang="en-US" baseline="-25000" dirty="0" smtClean="0"/>
-              <a:t>2</a:t>
-            </a:r>
-            <a:r>
-              <a:rPr lang="en-US" dirty="0" smtClean="0"/>
-              <a:t> dissociation and </a:t>
-            </a:r>
-            <a:r>
-              <a:rPr lang="en-US" dirty="0" smtClean="0">
-                <a:solidFill>
-                  <a:srgbClr val="FFFFFF"/>
-                </a:solidFill>
-              </a:rPr>
-              <a:t>variable occupation of H</a:t>
-            </a:r>
-            <a:r>
-              <a:rPr lang="en-US" baseline="-25000" dirty="0" smtClean="0">
-                <a:solidFill>
-                  <a:srgbClr val="FFFFFF"/>
-                </a:solidFill>
-              </a:rPr>
-              <a:t>2 </a:t>
-            </a:r>
-            <a:r>
-              <a:rPr lang="en-US" dirty="0" smtClean="0">
-                <a:solidFill>
-                  <a:srgbClr val="FFFFFF"/>
-                </a:solidFill>
-              </a:rPr>
-              <a:t>rotational states </a:t>
-            </a:r>
-            <a:r>
-              <a:rPr lang="en-US" dirty="0" smtClean="0">
-                <a:solidFill>
-                  <a:srgbClr val="FFFF00"/>
-                </a:solidFill>
-              </a:rPr>
-              <a:t>INCREASE</a:t>
-            </a:r>
-            <a:r>
-              <a:rPr lang="en-US" dirty="0" smtClean="0"/>
-              <a:t> </a:t>
-            </a:r>
-            <a:r>
-              <a:rPr lang="en-US" dirty="0" err="1" smtClean="0"/>
-              <a:t>M</a:t>
-            </a:r>
-            <a:r>
-              <a:rPr lang="en-US" baseline="-25000" dirty="0" err="1" smtClean="0"/>
-              <a:t>crit</a:t>
-            </a:r>
-            <a:r>
-              <a:rPr lang="en-US" dirty="0" smtClean="0"/>
-              <a:t> when compared to an ideal gas </a:t>
-            </a:r>
-            <a:r>
-              <a:rPr lang="en-US" dirty="0" err="1" smtClean="0"/>
-              <a:t>polytrope</a:t>
-            </a:r>
-            <a:endParaRPr lang="en-US" baseline="-25000" dirty="0" smtClean="0"/>
-          </a:p>
-          <a:p>
-            <a:endParaRPr lang="en-US" dirty="0" smtClean="0"/>
-          </a:p>
-          <a:p>
-            <a:r>
-              <a:rPr lang="en-US" dirty="0" smtClean="0"/>
-              <a:t>Grain growth opacity </a:t>
-            </a:r>
-            <a:r>
-              <a:rPr lang="en-US" dirty="0" smtClean="0">
-                <a:solidFill>
-                  <a:srgbClr val="FFFF00"/>
-                </a:solidFill>
-              </a:rPr>
-              <a:t>DECREASES</a:t>
-            </a:r>
-            <a:r>
-              <a:rPr lang="en-US" dirty="0" smtClean="0"/>
-              <a:t> </a:t>
-            </a:r>
-            <a:r>
-              <a:rPr lang="en-US" dirty="0" err="1" smtClean="0"/>
-              <a:t>M</a:t>
-            </a:r>
-            <a:r>
-              <a:rPr lang="en-US" baseline="-25000" dirty="0" err="1" smtClean="0"/>
-              <a:t>crit</a:t>
-            </a:r>
-            <a:r>
-              <a:rPr lang="en-US" dirty="0" smtClean="0"/>
-              <a:t> compared to ISM opacity</a:t>
-            </a:r>
-            <a:endParaRPr lang="en-US" baseline="-25000" dirty="0" smtClean="0"/>
-          </a:p>
-          <a:p>
-            <a:endParaRPr lang="en-US" dirty="0" smtClean="0"/>
-          </a:p>
-          <a:p>
-            <a:r>
-              <a:rPr lang="en-US" dirty="0" err="1" smtClean="0">
-                <a:solidFill>
-                  <a:srgbClr val="FFFFFF"/>
-                </a:solidFill>
-              </a:rPr>
-              <a:t>M</a:t>
-            </a:r>
-            <a:r>
-              <a:rPr lang="en-US" baseline="-25000" dirty="0" err="1" smtClean="0">
-                <a:solidFill>
-                  <a:srgbClr val="FFFFFF"/>
-                </a:solidFill>
-              </a:rPr>
-              <a:t>crit</a:t>
-            </a:r>
-            <a:r>
-              <a:rPr lang="en-US" dirty="0" smtClean="0">
-                <a:solidFill>
-                  <a:srgbClr val="FFFFFF"/>
-                </a:solidFill>
-              </a:rPr>
-              <a:t> ~</a:t>
-            </a:r>
-            <a:r>
-              <a:rPr lang="en-US" dirty="0" smtClean="0">
-                <a:solidFill>
-                  <a:srgbClr val="FFFF00"/>
-                </a:solidFill>
-              </a:rPr>
-              <a:t> 8 M</a:t>
-            </a:r>
-            <a:r>
-              <a:rPr lang="en-US" baseline="-25000" dirty="0" smtClean="0">
-                <a:solidFill>
-                  <a:srgbClr val="FFFF00"/>
-                </a:solidFill>
-              </a:rPr>
-              <a:t>E</a:t>
-            </a:r>
-            <a:r>
-              <a:rPr lang="en-US" dirty="0" smtClean="0">
-                <a:solidFill>
-                  <a:srgbClr val="FFFF00"/>
-                </a:solidFill>
-              </a:rPr>
-              <a:t> </a:t>
-            </a:r>
-            <a:r>
-              <a:rPr lang="en-US" dirty="0" smtClean="0">
-                <a:solidFill>
-                  <a:srgbClr val="FFFFFF"/>
-                </a:solidFill>
-              </a:rPr>
-              <a:t>at </a:t>
-            </a:r>
-            <a:r>
-              <a:rPr lang="en-US" dirty="0" smtClean="0">
-                <a:solidFill>
-                  <a:srgbClr val="FFFF00"/>
-                </a:solidFill>
-              </a:rPr>
-              <a:t>5 AU </a:t>
-            </a:r>
-            <a:r>
-              <a:rPr lang="en-US" dirty="0" smtClean="0">
-                <a:solidFill>
-                  <a:srgbClr val="FFFFFF"/>
-                </a:solidFill>
-              </a:rPr>
-              <a:t>and ~ </a:t>
-            </a:r>
-            <a:r>
-              <a:rPr lang="en-US" dirty="0" smtClean="0">
-                <a:solidFill>
-                  <a:srgbClr val="FFFF00"/>
-                </a:solidFill>
-              </a:rPr>
-              <a:t>5 M</a:t>
-            </a:r>
-            <a:r>
-              <a:rPr lang="en-US" baseline="-25000" dirty="0" smtClean="0">
-                <a:solidFill>
-                  <a:srgbClr val="FFFF00"/>
-                </a:solidFill>
-              </a:rPr>
-              <a:t>E</a:t>
-            </a:r>
-            <a:r>
-              <a:rPr lang="en-US" dirty="0" smtClean="0">
-                <a:solidFill>
-                  <a:srgbClr val="FFFF00"/>
-                </a:solidFill>
-              </a:rPr>
-              <a:t> </a:t>
-            </a:r>
-            <a:r>
-              <a:rPr lang="en-US" dirty="0" smtClean="0">
-                <a:solidFill>
-                  <a:srgbClr val="FFFFFF"/>
-                </a:solidFill>
-              </a:rPr>
-              <a:t>at </a:t>
-            </a:r>
-            <a:r>
-              <a:rPr lang="en-US" dirty="0" smtClean="0">
-                <a:solidFill>
-                  <a:srgbClr val="FFFF00"/>
-                </a:solidFill>
-              </a:rPr>
-              <a:t>100 AU </a:t>
-            </a:r>
-            <a:r>
-              <a:rPr lang="en-US" dirty="0" smtClean="0">
-                <a:solidFill>
-                  <a:srgbClr val="FFFFFF"/>
-                </a:solidFill>
-              </a:rPr>
-              <a:t>for a </a:t>
-            </a:r>
-            <a:r>
-              <a:rPr lang="en-US" dirty="0" smtClean="0">
-                <a:solidFill>
-                  <a:srgbClr val="FFFF00"/>
-                </a:solidFill>
-              </a:rPr>
-              <a:t>realistic EOS </a:t>
-            </a:r>
-            <a:r>
-              <a:rPr lang="en-US" dirty="0" smtClean="0"/>
-              <a:t>with H</a:t>
-            </a:r>
-            <a:r>
-              <a:rPr lang="en-US" baseline="-25000" dirty="0" smtClean="0"/>
-              <a:t>2</a:t>
-            </a:r>
-            <a:r>
-              <a:rPr lang="en-US" dirty="0" smtClean="0"/>
-              <a:t> spin isomers in thermal equilibrium </a:t>
-            </a:r>
-            <a:r>
-              <a:rPr lang="en-US" dirty="0" smtClean="0">
-                <a:solidFill>
-                  <a:srgbClr val="FFFF00"/>
-                </a:solidFill>
-              </a:rPr>
-              <a:t> </a:t>
-            </a:r>
-            <a:r>
-              <a:rPr lang="en-US" dirty="0" smtClean="0">
-                <a:solidFill>
-                  <a:srgbClr val="FFFFFF"/>
-                </a:solidFill>
-              </a:rPr>
-              <a:t>and grain growth opacity with standard collisional cascade (</a:t>
-            </a:r>
-            <a:r>
-              <a:rPr lang="en-US" i="1" dirty="0" smtClean="0">
-                <a:solidFill>
-                  <a:srgbClr val="FFFF00"/>
-                </a:solidFill>
-              </a:rPr>
-              <a:t>p=3.5</a:t>
-            </a:r>
-            <a:r>
-              <a:rPr lang="en-US" dirty="0" smtClean="0">
-                <a:solidFill>
-                  <a:srgbClr val="FFFFFF"/>
-                </a:solidFill>
-              </a:rPr>
-              <a:t>) and </a:t>
-            </a:r>
-            <a:r>
-              <a:rPr lang="en-US" dirty="0" err="1" smtClean="0">
-                <a:solidFill>
-                  <a:srgbClr val="FFFF00"/>
-                </a:solidFill>
-              </a:rPr>
-              <a:t>s</a:t>
-            </a:r>
-            <a:r>
-              <a:rPr lang="en-US" baseline="-25000" dirty="0" err="1" smtClean="0">
-                <a:solidFill>
-                  <a:srgbClr val="FFFF00"/>
-                </a:solidFill>
-              </a:rPr>
-              <a:t>max</a:t>
-            </a:r>
-            <a:r>
-              <a:rPr lang="en-US" dirty="0" smtClean="0">
-                <a:solidFill>
-                  <a:srgbClr val="FFFF00"/>
-                </a:solidFill>
-              </a:rPr>
-              <a:t>=1 cm</a:t>
-            </a:r>
-          </a:p>
-          <a:p>
-            <a:endParaRPr lang="en-US" dirty="0" smtClean="0">
+              <a:rPr lang="en-US" sz="1400" dirty="0">
+                <a:solidFill>
+                  <a:schemeClr val="bg1"/>
+                </a:solidFill>
+              </a:rPr>
+              <a:t>c</a:t>
+            </a:r>
+            <a:r>
+              <a:rPr lang="en-US" sz="1400" dirty="0" smtClean="0">
+                <a:solidFill>
+                  <a:schemeClr val="bg1"/>
+                </a:solidFill>
+              </a:rPr>
+              <a:t>oagulation (</a:t>
+            </a:r>
+            <a:r>
+              <a:rPr lang="en-US" sz="1400" i="1" dirty="0" smtClean="0">
+                <a:solidFill>
+                  <a:schemeClr val="bg1"/>
+                </a:solidFill>
+              </a:rPr>
+              <a:t>p = 2.5</a:t>
+            </a:r>
+            <a:r>
+              <a:rPr lang="en-US" sz="1400" dirty="0" smtClean="0">
+                <a:solidFill>
+                  <a:schemeClr val="bg1"/>
+                </a:solidFill>
+              </a:rPr>
+              <a:t>)</a:t>
+            </a:r>
+            <a:endParaRPr lang="en-US" sz="1400" dirty="0">
               <a:solidFill>
-                <a:srgbClr val="FFFFFF"/>
+                <a:schemeClr val="bg1"/>
               </a:solidFill>
             </a:endParaRPr>
-          </a:p>
-          <a:p>
-            <a:r>
-              <a:rPr lang="en-US" dirty="0" err="1" smtClean="0">
-                <a:solidFill>
-                  <a:srgbClr val="FFFFFF"/>
-                </a:solidFill>
-              </a:rPr>
-              <a:t>M</a:t>
-            </a:r>
-            <a:r>
-              <a:rPr lang="en-US" baseline="-25000" dirty="0" err="1" smtClean="0">
-                <a:solidFill>
-                  <a:srgbClr val="FFFFFF"/>
-                </a:solidFill>
-              </a:rPr>
-              <a:t>crit</a:t>
-            </a:r>
-            <a:r>
-              <a:rPr lang="en-US" dirty="0" smtClean="0">
-                <a:solidFill>
-                  <a:srgbClr val="FFFFFF"/>
-                </a:solidFill>
-              </a:rPr>
-              <a:t> </a:t>
-            </a:r>
-            <a:r>
-              <a:rPr lang="en-US" dirty="0" smtClean="0">
-                <a:solidFill>
-                  <a:srgbClr val="FFFF00"/>
-                </a:solidFill>
-              </a:rPr>
-              <a:t>may decrease by up to one order of magnitude </a:t>
-            </a:r>
-            <a:r>
-              <a:rPr lang="en-US" dirty="0" smtClean="0">
-                <a:solidFill>
-                  <a:srgbClr val="FFFFFF"/>
-                </a:solidFill>
-              </a:rPr>
-              <a:t>if coagulation is taken into account (</a:t>
-            </a:r>
-            <a:r>
-              <a:rPr lang="en-US" i="1" dirty="0" smtClean="0">
-                <a:solidFill>
-                  <a:srgbClr val="FFFF00"/>
-                </a:solidFill>
-              </a:rPr>
-              <a:t>p=2.5</a:t>
-            </a:r>
-            <a:r>
-              <a:rPr lang="en-US" dirty="0" smtClean="0">
-                <a:solidFill>
-                  <a:srgbClr val="FFFFFF"/>
-                </a:solidFill>
-              </a:rPr>
-              <a:t>)</a:t>
-            </a:r>
-          </a:p>
-          <a:p>
-            <a:endParaRPr lang="en-US" dirty="0" smtClean="0">
-              <a:solidFill>
-                <a:srgbClr val="FFFF00"/>
-              </a:solidFill>
-            </a:endParaRPr>
-          </a:p>
-          <a:p>
-            <a:pPr marL="0" indent="0">
-              <a:buNone/>
-            </a:pPr>
-            <a:endParaRPr lang="en-US" baseline="-25000" dirty="0" smtClean="0"/>
-          </a:p>
-          <a:p>
-            <a:pPr marL="0" indent="0">
-              <a:buNone/>
-            </a:pPr>
-            <a:endParaRPr lang="en-US" dirty="0"/>
-          </a:p>
-          <a:p>
-            <a:endParaRPr lang="en-US" dirty="0">
-              <a:solidFill>
-                <a:srgbClr val="FFFF00"/>
-              </a:solidFill>
-            </a:endParaRPr>
-          </a:p>
-          <a:p>
-            <a:endParaRPr lang="en-US" dirty="0"/>
           </a:p>
         </p:txBody>
       </p:sp>
     </p:spTree>
     <p:extLst>
       <p:ext uri="{BB962C8B-B14F-4D97-AF65-F5344CB8AC3E}">
-        <p14:creationId xmlns:p14="http://schemas.microsoft.com/office/powerpoint/2010/main" val="1002547493"/>
+        <p14:creationId xmlns:p14="http://schemas.microsoft.com/office/powerpoint/2010/main" val="3082910392"/>
       </p:ext>
     </p:extLst>
   </p:cSld>
@@ -14325,16 +14075,33 @@
             <p:ph type="title"/>
           </p:nvPr>
         </p:nvSpPr>
-        <p:spPr/>
+        <p:spPr>
+          <a:xfrm>
+            <a:off x="457200" y="155938"/>
+            <a:ext cx="8229600" cy="1143000"/>
+          </a:xfrm>
+        </p:spPr>
         <p:txBody>
           <a:bodyPr/>
           <a:lstStyle/>
           <a:p>
             <a:r>
               <a:rPr lang="en-US" dirty="0" smtClean="0"/>
-              <a:t>Core Accretion Model</a:t>
-            </a:r>
-            <a:endParaRPr lang="en-US" dirty="0"/>
+              <a:t>Summary of </a:t>
+            </a:r>
+            <a:r>
+              <a:rPr lang="en-US" dirty="0" smtClean="0">
+                <a:solidFill>
+                  <a:srgbClr val="FFFF00"/>
+                </a:solidFill>
+              </a:rPr>
+              <a:t>Part I</a:t>
+            </a:r>
+            <a:endParaRPr lang="en-US" dirty="0">
+              <a:solidFill>
+                <a:srgbClr val="FFFF00"/>
+              </a:solidFill>
+            </a:endParaRPr>
           </a:p>
         </p:txBody>
       </p:sp>
@@ -14350,95 +14117,417 @@
         </p:nvSpPr>
         <p:spPr>
           <a:xfrm>
-            <a:off x="457200" y="4402667"/>
-            <a:ext cx="8229600" cy="1723496"/>
-          </a:xfrm>
-        </p:spPr>
-        <p:txBody>
-          <a:bodyPr/>
+            <a:off x="457200" y="1412552"/>
+            <a:ext cx="8229600" cy="5104180"/>
+          </a:xfrm>
+        </p:spPr>
+        <p:txBody>
+          <a:bodyPr>
+            <a:normAutofit fontScale="77500" lnSpcReduction="20000"/>
+          </a:bodyPr>
           <a:lstStyle/>
           <a:p>
-            <a:pPr marL="0" indent="0" algn="ctr">
+            <a:r>
+              <a:rPr lang="en-US" dirty="0" smtClean="0"/>
+              <a:t>H</a:t>
+            </a:r>
+            <a:r>
+              <a:rPr lang="en-US" baseline="-25000" dirty="0" smtClean="0"/>
+              <a:t>2</a:t>
+            </a:r>
+            <a:r>
+              <a:rPr lang="en-US" dirty="0" smtClean="0"/>
+              <a:t> dissociation and </a:t>
+            </a:r>
+            <a:r>
+              <a:rPr lang="en-US" dirty="0" smtClean="0">
+                <a:solidFill>
+                  <a:srgbClr val="FFFFFF"/>
+                </a:solidFill>
+              </a:rPr>
+              <a:t>variable occupation of H</a:t>
+            </a:r>
+            <a:r>
+              <a:rPr lang="en-US" baseline="-25000" dirty="0" smtClean="0">
+                <a:solidFill>
+                  <a:srgbClr val="FFFFFF"/>
+                </a:solidFill>
+              </a:rPr>
+              <a:t>2 </a:t>
+            </a:r>
+            <a:r>
+              <a:rPr lang="en-US" dirty="0" smtClean="0">
+                <a:solidFill>
+                  <a:srgbClr val="FFFFFF"/>
+                </a:solidFill>
+              </a:rPr>
+              <a:t>rotational states </a:t>
+            </a:r>
+            <a:r>
+              <a:rPr lang="en-US" dirty="0" smtClean="0">
+                <a:solidFill>
+                  <a:srgbClr val="FFFF00"/>
+                </a:solidFill>
+              </a:rPr>
+              <a:t>INCREASE</a:t>
+            </a:r>
+            <a:r>
+              <a:rPr lang="en-US" dirty="0" smtClean="0"/>
+              <a:t> </a:t>
+            </a:r>
+            <a:r>
+              <a:rPr lang="en-US" dirty="0" err="1" smtClean="0"/>
+              <a:t>M</a:t>
+            </a:r>
+            <a:r>
+              <a:rPr lang="en-US" baseline="-25000" dirty="0" err="1" smtClean="0"/>
+              <a:t>crit</a:t>
+            </a:r>
+            <a:r>
+              <a:rPr lang="en-US" dirty="0" smtClean="0"/>
+              <a:t> when compared to an ideal gas </a:t>
+            </a:r>
+            <a:r>
+              <a:rPr lang="en-US" dirty="0" err="1" smtClean="0"/>
+              <a:t>polytrope</a:t>
+            </a:r>
+            <a:endParaRPr lang="en-US" baseline="-25000" dirty="0" smtClean="0"/>
+          </a:p>
+          <a:p>
+            <a:endParaRPr lang="en-US" dirty="0" smtClean="0"/>
+          </a:p>
+          <a:p>
+            <a:r>
+              <a:rPr lang="en-US" dirty="0" smtClean="0"/>
+              <a:t>Grain growth opacity </a:t>
+            </a:r>
+            <a:r>
+              <a:rPr lang="en-US" dirty="0" smtClean="0">
+                <a:solidFill>
+                  <a:srgbClr val="FFFF00"/>
+                </a:solidFill>
+              </a:rPr>
+              <a:t>DECREASES</a:t>
+            </a:r>
+            <a:r>
+              <a:rPr lang="en-US" dirty="0" smtClean="0"/>
+              <a:t> </a:t>
+            </a:r>
+            <a:r>
+              <a:rPr lang="en-US" dirty="0" err="1" smtClean="0"/>
+              <a:t>M</a:t>
+            </a:r>
+            <a:r>
+              <a:rPr lang="en-US" baseline="-25000" dirty="0" err="1" smtClean="0"/>
+              <a:t>crit</a:t>
+            </a:r>
+            <a:r>
+              <a:rPr lang="en-US" dirty="0" smtClean="0"/>
+              <a:t> compared to ISM opacity</a:t>
+            </a:r>
+            <a:endParaRPr lang="en-US" baseline="-25000" dirty="0" smtClean="0"/>
+          </a:p>
+          <a:p>
+            <a:endParaRPr lang="en-US" dirty="0" smtClean="0"/>
+          </a:p>
+          <a:p>
+            <a:r>
+              <a:rPr lang="en-US" dirty="0" err="1" smtClean="0">
+                <a:solidFill>
+                  <a:srgbClr val="FFFFFF"/>
+                </a:solidFill>
+              </a:rPr>
+              <a:t>M</a:t>
+            </a:r>
+            <a:r>
+              <a:rPr lang="en-US" baseline="-25000" dirty="0" err="1" smtClean="0">
+                <a:solidFill>
+                  <a:srgbClr val="FFFFFF"/>
+                </a:solidFill>
+              </a:rPr>
+              <a:t>crit</a:t>
+            </a:r>
+            <a:r>
+              <a:rPr lang="en-US" dirty="0" smtClean="0">
+                <a:solidFill>
+                  <a:srgbClr val="FFFFFF"/>
+                </a:solidFill>
+              </a:rPr>
+              <a:t> ~</a:t>
+            </a:r>
+            <a:r>
+              <a:rPr lang="en-US" dirty="0" smtClean="0">
+                <a:solidFill>
+                  <a:srgbClr val="FFFF00"/>
+                </a:solidFill>
+              </a:rPr>
+              <a:t> 8 M</a:t>
+            </a:r>
+            <a:r>
+              <a:rPr lang="en-US" baseline="-25000" dirty="0" smtClean="0">
+                <a:solidFill>
+                  <a:srgbClr val="FFFF00"/>
+                </a:solidFill>
+              </a:rPr>
+              <a:t>E</a:t>
+            </a:r>
+            <a:r>
+              <a:rPr lang="en-US" dirty="0" smtClean="0">
+                <a:solidFill>
+                  <a:srgbClr val="FFFF00"/>
+                </a:solidFill>
+              </a:rPr>
+              <a:t> </a:t>
+            </a:r>
+            <a:r>
+              <a:rPr lang="en-US" dirty="0" smtClean="0">
+                <a:solidFill>
+                  <a:srgbClr val="FFFFFF"/>
+                </a:solidFill>
+              </a:rPr>
+              <a:t>at </a:t>
+            </a:r>
+            <a:r>
+              <a:rPr lang="en-US" dirty="0" smtClean="0">
+                <a:solidFill>
+                  <a:srgbClr val="FFFF00"/>
+                </a:solidFill>
+              </a:rPr>
+              <a:t>5 AU </a:t>
+            </a:r>
+            <a:r>
+              <a:rPr lang="en-US" dirty="0" smtClean="0">
+                <a:solidFill>
+                  <a:srgbClr val="FFFFFF"/>
+                </a:solidFill>
+              </a:rPr>
+              <a:t>and ~ </a:t>
+            </a:r>
+            <a:r>
+              <a:rPr lang="en-US" dirty="0" smtClean="0">
+                <a:solidFill>
+                  <a:srgbClr val="FFFF00"/>
+                </a:solidFill>
+              </a:rPr>
+              <a:t>5 M</a:t>
+            </a:r>
+            <a:r>
+              <a:rPr lang="en-US" baseline="-25000" dirty="0" smtClean="0">
+                <a:solidFill>
+                  <a:srgbClr val="FFFF00"/>
+                </a:solidFill>
+              </a:rPr>
+              <a:t>E</a:t>
+            </a:r>
+            <a:r>
+              <a:rPr lang="en-US" dirty="0" smtClean="0">
+                <a:solidFill>
+                  <a:srgbClr val="FFFF00"/>
+                </a:solidFill>
+              </a:rPr>
+              <a:t> </a:t>
+            </a:r>
+            <a:r>
+              <a:rPr lang="en-US" dirty="0" smtClean="0">
+                <a:solidFill>
+                  <a:srgbClr val="FFFFFF"/>
+                </a:solidFill>
+              </a:rPr>
+              <a:t>at </a:t>
+            </a:r>
+            <a:r>
+              <a:rPr lang="en-US" dirty="0" smtClean="0">
+                <a:solidFill>
+                  <a:srgbClr val="FFFF00"/>
+                </a:solidFill>
+              </a:rPr>
+              <a:t>100 AU </a:t>
+            </a:r>
+            <a:r>
+              <a:rPr lang="en-US" dirty="0" smtClean="0">
+                <a:solidFill>
+                  <a:srgbClr val="FFFFFF"/>
+                </a:solidFill>
+              </a:rPr>
+              <a:t>for a </a:t>
+            </a:r>
+            <a:r>
+              <a:rPr lang="en-US" dirty="0" smtClean="0">
+                <a:solidFill>
+                  <a:srgbClr val="FFFF00"/>
+                </a:solidFill>
+              </a:rPr>
+              <a:t>realistic EOS </a:t>
+            </a:r>
+            <a:r>
+              <a:rPr lang="en-US" dirty="0" smtClean="0"/>
+              <a:t>with H</a:t>
+            </a:r>
+            <a:r>
+              <a:rPr lang="en-US" baseline="-25000" dirty="0" smtClean="0"/>
+              <a:t>2</a:t>
+            </a:r>
+            <a:r>
+              <a:rPr lang="en-US" dirty="0" smtClean="0"/>
+              <a:t> spin isomers in thermal equilibrium </a:t>
+            </a:r>
+            <a:r>
+              <a:rPr lang="en-US" dirty="0" smtClean="0">
+                <a:solidFill>
+                  <a:srgbClr val="FFFF00"/>
+                </a:solidFill>
+              </a:rPr>
+              <a:t> </a:t>
+            </a:r>
+            <a:r>
+              <a:rPr lang="en-US" dirty="0" smtClean="0">
+                <a:solidFill>
+                  <a:srgbClr val="FFFFFF"/>
+                </a:solidFill>
+              </a:rPr>
+              <a:t>and grain growth opacity with standard collisional cascade (</a:t>
+            </a:r>
+            <a:r>
+              <a:rPr lang="en-US" i="1" dirty="0" smtClean="0">
+                <a:solidFill>
+                  <a:srgbClr val="FFFF00"/>
+                </a:solidFill>
+              </a:rPr>
+              <a:t>p=3.5</a:t>
+            </a:r>
+            <a:r>
+              <a:rPr lang="en-US" dirty="0" smtClean="0">
+                <a:solidFill>
+                  <a:srgbClr val="FFFFFF"/>
+                </a:solidFill>
+              </a:rPr>
+              <a:t>) and </a:t>
+            </a:r>
+            <a:r>
+              <a:rPr lang="en-US" dirty="0" err="1" smtClean="0">
+                <a:solidFill>
+                  <a:srgbClr val="FFFF00"/>
+                </a:solidFill>
+              </a:rPr>
+              <a:t>s</a:t>
+            </a:r>
+            <a:r>
+              <a:rPr lang="en-US" baseline="-25000" dirty="0" err="1" smtClean="0">
+                <a:solidFill>
+                  <a:srgbClr val="FFFF00"/>
+                </a:solidFill>
+              </a:rPr>
+              <a:t>max</a:t>
+            </a:r>
+            <a:r>
+              <a:rPr lang="en-US" dirty="0" smtClean="0">
+                <a:solidFill>
+                  <a:srgbClr val="FFFF00"/>
+                </a:solidFill>
+              </a:rPr>
+              <a:t>=1 cm</a:t>
+            </a:r>
+          </a:p>
+          <a:p>
+            <a:endParaRPr lang="en-US" dirty="0" smtClean="0">
+              <a:solidFill>
+                <a:srgbClr val="FFFFFF"/>
+              </a:solidFill>
+            </a:endParaRPr>
+          </a:p>
+          <a:p>
+            <a:r>
+              <a:rPr lang="en-US" dirty="0" err="1" smtClean="0">
+                <a:solidFill>
+                  <a:srgbClr val="FFFFFF"/>
+                </a:solidFill>
+              </a:rPr>
+              <a:t>M</a:t>
+            </a:r>
+            <a:r>
+              <a:rPr lang="en-US" baseline="-25000" dirty="0" err="1" smtClean="0">
+                <a:solidFill>
+                  <a:srgbClr val="FFFFFF"/>
+                </a:solidFill>
+              </a:rPr>
+              <a:t>crit</a:t>
+            </a:r>
+            <a:r>
+              <a:rPr lang="en-US" dirty="0" smtClean="0">
+                <a:solidFill>
+                  <a:srgbClr val="FFFFFF"/>
+                </a:solidFill>
+              </a:rPr>
+              <a:t> </a:t>
+            </a:r>
+            <a:r>
+              <a:rPr lang="en-US" dirty="0" smtClean="0">
+                <a:solidFill>
+                  <a:srgbClr val="FFFF00"/>
+                </a:solidFill>
+              </a:rPr>
+              <a:t>may decrease by up to one order of magnitude </a:t>
+            </a:r>
+            <a:r>
+              <a:rPr lang="en-US" dirty="0" smtClean="0">
+                <a:solidFill>
+                  <a:srgbClr val="FFFFFF"/>
+                </a:solidFill>
+              </a:rPr>
+              <a:t>if coagulation is taken into account (</a:t>
+            </a:r>
+            <a:r>
+              <a:rPr lang="en-US" i="1" dirty="0" smtClean="0">
+                <a:solidFill>
+                  <a:srgbClr val="FFFF00"/>
+                </a:solidFill>
+              </a:rPr>
+              <a:t>p=2.5</a:t>
+            </a:r>
+            <a:r>
+              <a:rPr lang="en-US" dirty="0" smtClean="0">
+                <a:solidFill>
+                  <a:srgbClr val="FFFFFF"/>
+                </a:solidFill>
+              </a:rPr>
+              <a:t>)</a:t>
+            </a:r>
+          </a:p>
+          <a:p>
+            <a:endParaRPr lang="en-US" dirty="0" smtClean="0">
+              <a:solidFill>
+                <a:srgbClr val="FFFF00"/>
+              </a:solidFill>
+            </a:endParaRPr>
+          </a:p>
+          <a:p>
+            <a:pPr marL="0" indent="0">
               <a:buNone/>
             </a:pPr>
-            <a:r>
-              <a:rPr lang="en-US" dirty="0" smtClean="0"/>
-              <a:t>The </a:t>
-            </a:r>
-            <a:r>
-              <a:rPr lang="en-US" dirty="0" smtClean="0">
-                <a:solidFill>
-                  <a:srgbClr val="FFFF00"/>
-                </a:solidFill>
-              </a:rPr>
-              <a:t>composition of planets </a:t>
-            </a:r>
-            <a:r>
-              <a:rPr lang="en-US" dirty="0" smtClean="0"/>
-              <a:t>is </a:t>
-            </a:r>
-            <a:r>
-              <a:rPr lang="en-US" dirty="0" smtClean="0">
-                <a:solidFill>
-                  <a:srgbClr val="FFFF00"/>
-                </a:solidFill>
-              </a:rPr>
-              <a:t>determined by and tightly linked</a:t>
-            </a:r>
-            <a:r>
-              <a:rPr lang="en-US" dirty="0" smtClean="0"/>
-              <a:t> to the </a:t>
-            </a:r>
-            <a:r>
-              <a:rPr lang="en-US" dirty="0" smtClean="0">
-                <a:solidFill>
-                  <a:srgbClr val="FFFF00"/>
-                </a:solidFill>
-              </a:rPr>
-              <a:t>disk composition</a:t>
-            </a:r>
+            <a:endParaRPr lang="en-US" baseline="-25000" dirty="0" smtClean="0"/>
+          </a:p>
+          <a:p>
+            <a:pPr marL="0" indent="0">
+              <a:buNone/>
+            </a:pPr>
+            <a:endParaRPr lang="en-US" dirty="0"/>
+          </a:p>
+          <a:p>
             <a:endParaRPr lang="en-US" dirty="0">
               <a:solidFill>
                 <a:srgbClr val="FFFF00"/>
               </a:solidFill>
             </a:endParaRPr>
           </a:p>
-        </p:txBody>
-      </p:sp>
-      <p:pic>
-        <p:nvPicPr>
-          <p:cNvPr id="5" name="Picture 4" descr="Screen Shot 2015-09-22 at 5.39.13 PM.png"/>
-          <p:cNvPicPr>
-            <a:picLocks noChangeAspect="1"/>
-          </p:cNvPicPr>
-          <p:nvPr/>
-        </p:nvPicPr>
-        <p:blipFill>
-          <a:blip r:embed="rId2">
-            <a:extLst>
-              <a:ext uri="{28A0092B-C50C-407E-A947-70E740481C1C}">
-                <a14:useLocalDpi xmlns:a14="http://schemas.microsoft.com/office/drawing/2010/main" val="0"/>
-              </a:ext>
-            </a:extLst>
-          </a:blip>
-          <a:stretch>
-            <a:fillRect/>
-          </a:stretch>
-        </p:blipFill>
-        <p:spPr>
-          <a:xfrm>
-            <a:off x="457200" y="1924471"/>
-            <a:ext cx="8296145" cy="2163879"/>
-          </a:xfrm>
-          <a:prstGeom prst="rect">
-            <a:avLst/>
-          </a:prstGeom>
-        </p:spPr>
-      </p:pic>
+          <a:p>
+            <a:endParaRPr lang="en-US" dirty="0"/>
+          </a:p>
+        </p:txBody>
+      </p:sp>
     </p:spTree>
     <p:extLst>
       <p:ext uri="{BB962C8B-B14F-4D97-AF65-F5344CB8AC3E}">
-        <p14:creationId xmlns:p14="http://schemas.microsoft.com/office/powerpoint/2010/main" val="2016451584"/>
+        <p14:creationId xmlns:p14="http://schemas.microsoft.com/office/powerpoint/2010/main" val="1002547493"/>
       </p:ext>
     </p:extLst>
   </p:cSld>
@@ -14482,58 +14571,79 @@
             <p:ph type="title"/>
           </p:nvPr>
         </p:nvSpPr>
-        <p:spPr>
-          <a:xfrm>
-            <a:off x="243209" y="1715767"/>
-            <a:ext cx="8782563" cy="1336579"/>
-          </a:xfrm>
-        </p:spPr>
-        <p:txBody>
-          <a:bodyPr>
-            <a:noAutofit/>
-          </a:bodyPr>
+        <p:spPr/>
+        <p:txBody>
+          <a:bodyPr/>
           <a:lstStyle/>
           <a:p>
             <a:r>
-              <a:rPr lang="en-US" sz="3300" dirty="0" smtClean="0">
+              <a:rPr lang="en-US" dirty="0" smtClean="0"/>
+              <a:t>Core Accretion Model</a:t>
+            </a:r>
+            <a:endParaRPr lang="en-US" dirty="0"/>
+          </a:p>
+        </p:txBody>
+      </p:sp>
+      <p:sp>
+        <p:nvSpPr>
+          <p:cNvPr id="3" name="Content Placeholder 2"/>
+          <p:cNvSpPr>
+            <a:spLocks noGrp="1"/>
+          </p:cNvSpPr>
+          <p:nvPr>
+            <p:ph idx="1"/>
+          </p:nvPr>
+        </p:nvSpPr>
+        <p:spPr>
+          <a:xfrm>
+            <a:off x="457200" y="4402667"/>
+            <a:ext cx="8229600" cy="1723496"/>
+          </a:xfrm>
+        </p:spPr>
+        <p:txBody>
+          <a:bodyPr/>
+          <a:lstStyle/>
+          <a:p>
+            <a:pPr marL="0" indent="0" algn="ctr">
+              <a:buNone/>
+            </a:pPr>
+            <a:r>
+              <a:rPr lang="en-US" dirty="0" smtClean="0"/>
+              <a:t>The </a:t>
+            </a:r>
+            <a:r>
+              <a:rPr lang="en-US" dirty="0" smtClean="0">
                 <a:solidFill>
                   <a:srgbClr val="FFFF00"/>
                 </a:solidFill>
               </a:rPr>
-              <a:t>Snowline Locations in </a:t>
-            </a:r>
-            <a:r>
-              <a:rPr lang="en-US" sz="3300" dirty="0" err="1" smtClean="0">
+              <a:t>composition of planets </a:t>
+            </a:r>
+            <a:r>
+              <a:rPr lang="en-US" dirty="0" smtClean="0"/>
+              <a:t>is </a:t>
+            </a:r>
+            <a:r>
+              <a:rPr lang="en-US" dirty="0" smtClean="0">
                 <a:solidFill>
                   <a:srgbClr val="FFFF00"/>
                 </a:solidFill>
               </a:rPr>
-              <a:t>Protoplanetary</a:t>
-            </a:r>
-            <a:r>
-              <a:rPr lang="en-US" sz="3300" dirty="0" smtClean="0">
+              <a:t>determined by and tightly linked</a:t>
+            </a:r>
+            <a:r>
+              <a:rPr lang="en-US" dirty="0" smtClean="0"/>
+              <a:t> to the </a:t>
+            </a:r>
+            <a:r>
+              <a:rPr lang="en-US" dirty="0" smtClean="0">
                 <a:solidFill>
                   <a:srgbClr val="FFFF00"/>
                 </a:solidFill>
               </a:rPr>
-              <a:t> Disks and </a:t>
-            </a:r>
-            <a:br>
-              <a:rPr lang="en-US" sz="3300" dirty="0" smtClean="0">
-                <a:solidFill>
-                  <a:srgbClr val="FFFF00"/>
-                </a:solidFill>
-              </a:rPr>
-            </a:br>
-            <a:r>
-              <a:rPr lang="en-US" sz="3300" dirty="0" smtClean="0">
-                <a:solidFill>
-                  <a:srgbClr val="FFFF00"/>
-                </a:solidFill>
-              </a:rPr>
-              <a:t>C/O ratios</a:t>
-            </a:r>
-            <a:endParaRPr lang="en-US" sz="3300" dirty="0">
+              <a:t>disk composition</a:t>
+            </a:r>
+            <a:endParaRPr lang="en-US" dirty="0">
               <a:solidFill>
                 <a:srgbClr val="FFFF00"/>
               </a:solidFill>
@@ -14541,55 +14651,16 @@
           </a:p>
         </p:txBody>
       </p:sp>
-      <p:sp>
-        <p:nvSpPr>
-          <p:cNvPr id="4" name="TextBox 3"/>
-          <p:cNvSpPr txBox="1"/>
-          <p:nvPr/>
-        </p:nvSpPr>
-        <p:spPr>
-          <a:xfrm>
-            <a:off x="3391421" y="756558"/>
-            <a:ext cx="2175373" cy="707886"/>
-          </a:xfrm>
-          <a:prstGeom prst="rect">
-            <a:avLst/>
-          </a:prstGeom>
-          <a:noFill/>
-        </p:spPr>
-        <p:txBody>
-          <a:bodyPr wrap="square" rtlCol="0">
-            <a:spAutoFit/>
-          </a:bodyPr>
-          <a:lstStyle/>
-          <a:p>
-            <a:pPr algn="ctr"/>
-            <a:r>
-              <a:rPr lang="en-US" sz="4000" dirty="0" smtClean="0">
-                <a:solidFill>
-                  <a:srgbClr val="FFFF00"/>
-                </a:solidFill>
-              </a:rPr>
-              <a:t>Part II</a:t>
-            </a:r>
-            <a:endParaRPr lang="en-US" sz="4000" dirty="0">
-              <a:solidFill>
-                <a:srgbClr val="FFFF00"/>
-              </a:solidFill>
-            </a:endParaRPr>
-          </a:p>
-        </p:txBody>
-      </p:sp>
       <p:pic>
         <p:nvPicPr>
-          <p:cNvPr id="3" name="Picture 2" descr="2013_sciencealma_0009.jpg"/>
+          <p:cNvPr id="5" name="Picture 4" descr="Screen Shot 2015-09-22 at 5.39.13 PM.png"/>
           <p:cNvPicPr>
             <a:picLocks noChangeAspect="1"/>
           </p:cNvPicPr>
           <p:nvPr/>
         </p:nvPicPr>
         <p:blipFill>
-          <a:blip r:embed="rId3" cstate="print">
+          <a:blip r:embed="rId2">
             <a:extLst>
               <a:ext uri="{28A0092B-C50C-407E-A947-70E740481C1C}">
                 <a14:useLocalDpi xmlns:a14="http://schemas.microsoft.com/office/drawing/2010/main" val="0"/>
@@ -14602,8 +14673,8 @@
         </p:blipFill>
         <p:spPr>
           <a:xfrm>
-            <a:off x="2952929" y="3052346"/>
-            <a:ext cx="3796140" cy="3805654"/>
+            <a:off x="457200" y="1924471"/>
+            <a:ext cx="8296145" cy="2163879"/>
           </a:xfrm>
           <a:prstGeom prst="rect">
             <a:avLst/>
@@ -14613,7 +14684,7 @@
     </p:spTree>
     <p:extLst>
       <p:ext uri="{BB962C8B-B14F-4D97-AF65-F5344CB8AC3E}">
-        <p14:creationId xmlns:p14="http://schemas.microsoft.com/office/powerpoint/2010/main" val="1317584619"/>
+        <p14:creationId xmlns:p14="http://schemas.microsoft.com/office/powerpoint/2010/main" val="2016451584"/>
       </p:ext>
     </p:extLst>
   </p:cSld>
@@ -14802,22 +14873,58 @@
             <p:ph type="title"/>
           </p:nvPr>
         </p:nvSpPr>
-        <p:spPr/>
+        <p:spPr>
+          <a:xfrm>
+            <a:off x="243209" y="1715767"/>
+            <a:ext cx="8782563" cy="1336579"/>
+          </a:xfrm>
+        </p:spPr>
         <p:txBody>
           <a:bodyPr>
-            <a:normAutofit/>
+            <a:noAutofit/>
           </a:bodyPr>
           <a:lstStyle/>
           <a:p>
             <a:r>
-              <a:rPr lang="en-US" sz="5000" dirty="0" smtClean="0">
+              <a:rPr lang="en-US" sz="3300" dirty="0" smtClean="0">
                 <a:solidFill>
                   <a:srgbClr val="FFFF00"/>
                 </a:solidFill>
               </a:rPr>
-              <a:t>BASIC IDEA</a:t>
-            </a:r>
-            <a:endParaRPr lang="en-US" sz="5000" dirty="0">
+              <a:t>Snowline Locations in </a:t>
+            </a:r>
+            <a:r>
+              <a:rPr lang="en-US" sz="3300" dirty="0" err="1" smtClean="0">
+                <a:solidFill>
+                  <a:srgbClr val="FFFF00"/>
+                </a:solidFill>
+              </a:rPr>
+              <a:t>Protoplanetary</a:t>
+            </a:r>
+            <a:r>
+              <a:rPr lang="en-US" sz="3300" dirty="0" smtClean="0">
+                <a:solidFill>
+                  <a:srgbClr val="FFFF00"/>
+                </a:solidFill>
+              </a:rPr>
+              <a:t> Disks and </a:t>
+            </a:r>
+            <a:br>
+              <a:rPr lang="en-US" sz="3300" dirty="0" smtClean="0">
+                <a:solidFill>
+                  <a:srgbClr val="FFFF00"/>
+                </a:solidFill>
+              </a:rPr>
+            </a:br>
+            <a:r>
+              <a:rPr lang="en-US" sz="3300" dirty="0" smtClean="0">
+                <a:solidFill>
+                  <a:srgbClr val="FFFF00"/>
+                </a:solidFill>
+              </a:rPr>
+              <a:t>C/O ratios</a:t>
+            </a:r>
+            <a:endParaRPr lang="en-US" sz="3300" dirty="0">
               <a:solidFill>
                 <a:srgbClr val="FFFF00"/>
               </a:solidFill>
@@ -14827,88 +14934,77 @@
       </p:sp>
       <p:sp>
         <p:nvSpPr>
-          <p:cNvPr id="3" name="Content Placeholder 2"/>
-          <p:cNvSpPr>
-            <a:spLocks noGrp="1"/>
-          </p:cNvSpPr>
-          <p:nvPr>
-            <p:ph idx="1"/>
-          </p:nvPr>
-        </p:nvSpPr>
-        <p:spPr>
-          <a:xfrm>
-            <a:off x="457200" y="2122308"/>
-            <a:ext cx="8094133" cy="3818469"/>
-          </a:xfrm>
-          <a:solidFill>
-            <a:srgbClr val="FFFF00"/>
-          </a:solidFill>
-          <a:ln w="63500">
-            <a:solidFill>
-              <a:srgbClr val="0000FF"/>
-            </a:solidFill>
-          </a:ln>
-        </p:spPr>
-        <p:txBody>
-          <a:bodyPr>
-            <a:normAutofit/>
+          <p:cNvPr id="4" name="TextBox 3"/>
+          <p:cNvSpPr txBox="1"/>
+          <p:nvPr/>
+        </p:nvSpPr>
+        <p:spPr>
+          <a:xfrm>
+            <a:off x="3391421" y="756558"/>
+            <a:ext cx="2175373" cy="707886"/>
+          </a:xfrm>
+          <a:prstGeom prst="rect">
+            <a:avLst/>
+          </a:prstGeom>
+          <a:noFill/>
+        </p:spPr>
+        <p:txBody>
+          <a:bodyPr wrap="square" rtlCol="0">
+            <a:spAutoFit/>
           </a:bodyPr>
           <a:lstStyle/>
           <a:p>
-            <a:pPr marL="0" indent="0" algn="ctr">
-              <a:buNone/>
-            </a:pPr>
-            <a:r>
-              <a:rPr lang="en-US" dirty="0" smtClean="0">
-                <a:solidFill>
-                  <a:schemeClr val="bg1"/>
-                </a:solidFill>
-              </a:rPr>
-              <a:t>Understand the disk well enough to:</a:t>
-            </a:r>
-          </a:p>
-          <a:p>
-            <a:pPr marL="514350" indent="-514350" algn="ctr">
-              <a:buAutoNum type="arabicPeriod"/>
-            </a:pPr>
-            <a:r>
-              <a:rPr lang="en-US" dirty="0" smtClean="0">
-                <a:solidFill>
-                  <a:schemeClr val="bg1"/>
-                </a:solidFill>
-              </a:rPr>
-              <a:t>Predict what kind of planet compositions result from planet formation in different parts of the disk</a:t>
-            </a:r>
-          </a:p>
-          <a:p>
-            <a:pPr marL="514350" indent="-514350" algn="ctr">
-              <a:buAutoNum type="arabicPeriod"/>
-            </a:pPr>
-            <a:r>
-              <a:rPr lang="en-US" dirty="0" smtClean="0">
-                <a:solidFill>
-                  <a:schemeClr val="bg1"/>
-                </a:solidFill>
-              </a:rPr>
-              <a:t>Back-track the planet formation location based on the planet composition</a:t>
-            </a:r>
-          </a:p>
-          <a:p>
-            <a:pPr marL="0" indent="0" algn="ctr">
-              <a:buNone/>
-            </a:pPr>
-            <a:endParaRPr lang="en-US" dirty="0" smtClean="0">
+            <a:pPr algn="ctr"/>
+            <a:r>
+              <a:rPr lang="en-US" sz="4000" dirty="0" smtClean="0">
+                <a:solidFill>
+                  <a:srgbClr val="FFFF00"/>
+                </a:solidFill>
+              </a:rPr>
+              <a:t>Part II</a:t>
+            </a:r>
+            <a:endParaRPr lang="en-US" sz="4000" dirty="0">
               <a:solidFill>
-                <a:schemeClr val="bg1"/>
+                <a:srgbClr val="FFFF00"/>
               </a:solidFill>
             </a:endParaRPr>
           </a:p>
         </p:txBody>
       </p:sp>
+      <p:pic>
+        <p:nvPicPr>
+          <p:cNvPr id="3" name="Picture 2" descr="2013_sciencealma_0009.jpg"/>
+          <p:cNvPicPr>
+            <a:picLocks noChangeAspect="1"/>
+          </p:cNvPicPr>
+          <p:nvPr/>
+        </p:nvPicPr>
+        <p:blipFill>
+          <a:blip r:embed="rId3" cstate="print">
+            <a:extLst>
+              <a:ext uri="{28A0092B-C50C-407E-A947-70E740481C1C}">
+                <a14:useLocalDpi xmlns:a14="http://schemas.microsoft.com/office/drawing/2010/main" val="0"/>
+              </a:ext>
+            </a:extLst>
+          </a:blip>
+          <a:stretch>
+            <a:fillRect/>
+          </a:stretch>
+        </p:blipFill>
+        <p:spPr>
+          <a:xfrm>
+            <a:off x="2952929" y="3052346"/>
+            <a:ext cx="3796140" cy="3805654"/>
+          </a:xfrm>
+          <a:prstGeom prst="rect">
+            <a:avLst/>
+          </a:prstGeom>
+        </p:spPr>
+      </p:pic>
     </p:spTree>
     <p:extLst>
       <p:ext uri="{BB962C8B-B14F-4D97-AF65-F5344CB8AC3E}">
-        <p14:creationId xmlns:p14="http://schemas.microsoft.com/office/powerpoint/2010/main" val="145592411"/>
+        <p14:creationId xmlns:p14="http://schemas.microsoft.com/office/powerpoint/2010/main" val="1317584619"/>
       </p:ext>
     </p:extLst>
   </p:cSld>
@@ -14952,104 +15048,113 @@
             <p:ph type="title"/>
           </p:nvPr>
         </p:nvSpPr>
-        <p:spPr>
-          <a:xfrm>
-            <a:off x="457200" y="-158769"/>
-            <a:ext cx="8229600" cy="1143000"/>
-          </a:xfrm>
-        </p:spPr>
-        <p:txBody>
-          <a:bodyPr/>
-          <a:lstStyle/>
-          <a:p>
-            <a:r>
-              <a:rPr lang="en-US" dirty="0" smtClean="0"/>
-              <a:t>Disk structure is </a:t>
-            </a:r>
-            <a:r>
-              <a:rPr lang="en-US" dirty="0" smtClean="0">
-                <a:solidFill>
-                  <a:srgbClr val="FFFF00"/>
-                </a:solidFill>
-              </a:rPr>
-              <a:t>complex</a:t>
-            </a:r>
-            <a:r>
-              <a:rPr lang="en-US" dirty="0" smtClean="0"/>
-              <a:t>!</a:t>
-            </a:r>
-            <a:endParaRPr lang="en-US" dirty="0"/>
-          </a:p>
-        </p:txBody>
-      </p:sp>
-      <p:sp>
-        <p:nvSpPr>
-          <p:cNvPr id="6" name="TextBox 5"/>
-          <p:cNvSpPr txBox="1"/>
-          <p:nvPr/>
-        </p:nvSpPr>
-        <p:spPr>
-          <a:xfrm>
-            <a:off x="6637474" y="6208221"/>
-            <a:ext cx="2492023" cy="307777"/>
-          </a:xfrm>
-          <a:prstGeom prst="rect">
-            <a:avLst/>
-          </a:prstGeom>
-          <a:noFill/>
-        </p:spPr>
-        <p:txBody>
-          <a:bodyPr wrap="square" rtlCol="0">
-            <a:spAutoFit/>
+        <p:spPr/>
+        <p:txBody>
+          <a:bodyPr>
+            <a:normAutofit/>
           </a:bodyPr>
           <a:lstStyle/>
           <a:p>
             <a:r>
-              <a:rPr lang="en-US" sz="1400" dirty="0" err="1" smtClean="0"/>
-              <a:t>Henning&amp;Semenov</a:t>
-            </a:r>
-            <a:r>
-              <a:rPr lang="en-US" sz="1400" dirty="0" smtClean="0"/>
-              <a:t> (2013)</a:t>
-            </a:r>
-            <a:endParaRPr lang="en-US" sz="1400" dirty="0"/>
-          </a:p>
-        </p:txBody>
-      </p:sp>
-      <p:pic>
-        <p:nvPicPr>
-          <p:cNvPr id="4" name="Picture 3" descr="disk_semenov.png"/>
-          <p:cNvPicPr>
-            <a:picLocks noChangeAspect="1"/>
-          </p:cNvPicPr>
-          <p:nvPr/>
-        </p:nvPicPr>
-        <p:blipFill>
-          <a:blip r:embed="rId3">
-            <a:extLst>
-              <a:ext uri="{28A0092B-C50C-407E-A947-70E740481C1C}">
-                <a14:useLocalDpi xmlns:a14="http://schemas.microsoft.com/office/drawing/2010/main" val="0"/>
-              </a:ext>
-            </a:extLst>
-          </a:blip>
-          <a:stretch>
-            <a:fillRect/>
-          </a:stretch>
-        </p:blipFill>
-        <p:spPr>
-          <a:xfrm>
-            <a:off x="157325" y="719614"/>
-            <a:ext cx="8972172" cy="5154892"/>
-          </a:xfrm>
-          <a:prstGeom prst="rect">
-            <a:avLst/>
-          </a:prstGeom>
-        </p:spPr>
-      </p:pic>
+              <a:rPr lang="en-US" sz="5000" dirty="0" smtClean="0">
+                <a:solidFill>
+                  <a:srgbClr val="FFFF00"/>
+                </a:solidFill>
+              </a:rPr>
+              <a:t>BASIC IDEA</a:t>
+            </a:r>
+            <a:endParaRPr lang="en-US" sz="5000" dirty="0">
+              <a:solidFill>
+                <a:srgbClr val="FFFF00"/>
+              </a:solidFill>
+            </a:endParaRPr>
+          </a:p>
+        </p:txBody>
+      </p:sp>
+      <p:sp>
+        <p:nvSpPr>
+          <p:cNvPr id="3" name="Content Placeholder 2"/>
+          <p:cNvSpPr>
+            <a:spLocks noGrp="1"/>
+          </p:cNvSpPr>
+          <p:nvPr>
+            <p:ph idx="1"/>
+          </p:nvPr>
+        </p:nvSpPr>
+        <p:spPr>
+          <a:xfrm>
+            <a:off x="457200" y="2122308"/>
+            <a:ext cx="8094133" cy="3818469"/>
+          </a:xfrm>
+          <a:solidFill>
+            <a:srgbClr val="FFFF00"/>
+          </a:solidFill>
+          <a:ln w="63500">
+            <a:solidFill>
+              <a:srgbClr val="0000FF"/>
+            </a:solidFill>
+          </a:ln>
+        </p:spPr>
+        <p:txBody>
+          <a:bodyPr>
+            <a:normAutofit/>
+          </a:bodyPr>
+          <a:lstStyle/>
+          <a:p>
+            <a:pPr marL="0" indent="0" algn="ctr">
+              <a:buNone/>
+            </a:pPr>
+            <a:r>
+              <a:rPr lang="en-US" dirty="0" smtClean="0">
+                <a:solidFill>
+                  <a:schemeClr val="bg1"/>
+                </a:solidFill>
+              </a:rPr>
+              <a:t>Understand the disk well enough to:</a:t>
+            </a:r>
+          </a:p>
+          <a:p>
+            <a:pPr marL="514350" indent="-514350" algn="ctr">
+              <a:buAutoNum type="arabicPeriod"/>
+            </a:pPr>
+            <a:r>
+              <a:rPr lang="en-US" dirty="0" smtClean="0">
+                <a:solidFill>
+                  <a:schemeClr val="bg1"/>
+                </a:solidFill>
+              </a:rPr>
+              <a:t>Predict what kind of planet compositions result from planet formation in different parts of the disk</a:t>
+            </a:r>
+          </a:p>
+          <a:p>
+            <a:pPr marL="514350" indent="-514350" algn="ctr">
+              <a:buAutoNum type="arabicPeriod"/>
+            </a:pPr>
+            <a:r>
+              <a:rPr lang="en-US" dirty="0" smtClean="0">
+                <a:solidFill>
+                  <a:schemeClr val="bg1"/>
+                </a:solidFill>
+              </a:rPr>
+              <a:t>Back-track the planet formation location based on the planet composition</a:t>
+            </a:r>
+          </a:p>
+          <a:p>
+            <a:pPr marL="0" indent="0" algn="ctr">
+              <a:buNone/>
+            </a:pPr>
+            <a:endParaRPr lang="en-US" dirty="0" smtClean="0">
+              <a:solidFill>
+                <a:schemeClr val="bg1"/>
+              </a:solidFill>
+            </a:endParaRPr>
+          </a:p>
+        </p:txBody>
+      </p:sp>
     </p:spTree>
     <p:extLst>
       <p:ext uri="{BB962C8B-B14F-4D97-AF65-F5344CB8AC3E}">
-        <p14:creationId xmlns:p14="http://schemas.microsoft.com/office/powerpoint/2010/main" val="1161060238"/>
+        <p14:creationId xmlns:p14="http://schemas.microsoft.com/office/powerpoint/2010/main" val="145592411"/>
       </p:ext>
     </p:extLst>
   </p:cSld>
@@ -15095,42 +15200,44 @@
         </p:nvSpPr>
         <p:spPr>
           <a:xfrm>
-            <a:off x="324556" y="45302"/>
-            <a:ext cx="8664222" cy="1489251"/>
-          </a:xfrm>
-        </p:spPr>
-        <p:txBody>
-          <a:bodyPr>
-            <a:noAutofit/>
-          </a:bodyPr>
+            <a:off x="457200" y="-158769"/>
+            <a:ext cx="8229600" cy="1143000"/>
+          </a:xfrm>
+        </p:spPr>
+        <p:txBody>
+          <a:bodyPr/>
           <a:lstStyle/>
           <a:p>
             <a:r>
-              <a:rPr lang="en-US" sz="4000" dirty="0" smtClean="0"/>
-              <a:t>Volatile compounds have been detected in </a:t>
-            </a:r>
-            <a:r>
-              <a:rPr lang="en-US" sz="4000" dirty="0" err="1" smtClean="0"/>
-              <a:t>protoplanetary</a:t>
-            </a:r>
-            <a:r>
-              <a:rPr lang="en-US" sz="4000" dirty="0" smtClean="0"/>
-              <a:t> disks</a:t>
-            </a:r>
-            <a:endParaRPr lang="en-US" sz="4000" dirty="0"/>
-          </a:p>
-        </p:txBody>
-      </p:sp>
-      <p:sp>
-        <p:nvSpPr>
-          <p:cNvPr id="5" name="TextBox 4"/>
+              <a:rPr lang="en-US" dirty="0" smtClean="0"/>
+              <a:t>Disk structure is </a:t>
+            </a:r>
+            <a:r>
+              <a:rPr lang="en-US" dirty="0" smtClean="0">
+                <a:solidFill>
+                  <a:srgbClr val="FFFF00"/>
+                </a:solidFill>
+              </a:rPr>
+              <a:t>complex</a:t>
+            </a:r>
+            <a:r>
+              <a:rPr lang="en-US" dirty="0" smtClean="0"/>
+              <a:t>!</a:t>
+            </a:r>
+            <a:endParaRPr lang="en-US" dirty="0"/>
+          </a:p>
+        </p:txBody>
+      </p:sp>
+      <p:sp>
+        <p:nvSpPr>
+          <p:cNvPr id="6" name="TextBox 5"/>
           <p:cNvSpPr txBox="1"/>
           <p:nvPr/>
         </p:nvSpPr>
         <p:spPr>
           <a:xfrm>
-            <a:off x="8055119" y="4788609"/>
-            <a:ext cx="933659" cy="307777"/>
+            <a:off x="6637474" y="6208221"/>
+            <a:ext cx="2492023" cy="307777"/>
           </a:xfrm>
           <a:prstGeom prst="rect">
             <a:avLst/>
@@ -15144,31 +15251,27 @@
           <a:lstStyle/>
           <a:p>
             <a:r>
-              <a:rPr lang="en-US" sz="1400" dirty="0" smtClean="0">
-                <a:solidFill>
-                  <a:srgbClr val="000000"/>
-                </a:solidFill>
-              </a:rPr>
-              <a:t>Oberg+11</a:t>
-            </a:r>
-            <a:endParaRPr lang="en-US" sz="1400" dirty="0">
-              <a:solidFill>
-                <a:srgbClr val="000000"/>
-              </a:solidFill>
-            </a:endParaRPr>
+              <a:rPr lang="en-US" sz="1400" dirty="0" err="1" smtClean="0"/>
+              <a:t>Henning&amp;Semenov</a:t>
+            </a:r>
+            <a:r>
+              <a:rPr lang="en-US" sz="1400" dirty="0" smtClean="0"/>
+              <a:t> (2013)</a:t>
+            </a:r>
+            <a:endParaRPr lang="en-US" sz="1400" dirty="0"/>
           </a:p>
         </p:txBody>
       </p:sp>
       <p:pic>
         <p:nvPicPr>
-          <p:cNvPr id="3" name="Picture 2" descr="217219main_20080312a-browse.jpg"/>
+          <p:cNvPr id="4" name="Picture 3" descr="disk_semenov.png"/>
           <p:cNvPicPr>
             <a:picLocks noChangeAspect="1"/>
           </p:cNvPicPr>
           <p:nvPr/>
         </p:nvPicPr>
         <p:blipFill>
-          <a:blip r:embed="rId3" cstate="print">
+          <a:blip r:embed="rId3">
             <a:extLst>
               <a:ext uri="{28A0092B-C50C-407E-A947-70E740481C1C}">
                 <a14:useLocalDpi xmlns:a14="http://schemas.microsoft.com/office/drawing/2010/main" val="0"/>
@@ -15181,8 +15284,8 @@
         </p:blipFill>
         <p:spPr>
           <a:xfrm>
-            <a:off x="829068" y="1466764"/>
-            <a:ext cx="7549808" cy="5391236"/>
+            <a:off x="157325" y="719614"/>
+            <a:ext cx="8972172" cy="5154892"/>
           </a:xfrm>
           <a:prstGeom prst="rect">
             <a:avLst/>
@@ -15192,7 +15295,7 @@
     </p:spTree>
     <p:extLst>
       <p:ext uri="{BB962C8B-B14F-4D97-AF65-F5344CB8AC3E}">
-        <p14:creationId xmlns:p14="http://schemas.microsoft.com/office/powerpoint/2010/main" val="2972934532"/>
+        <p14:creationId xmlns:p14="http://schemas.microsoft.com/office/powerpoint/2010/main" val="1161060238"/>
       </p:ext>
     </p:extLst>
   </p:cSld>
@@ -15238,8 +15341,8 @@
         </p:nvSpPr>
         <p:spPr>
           <a:xfrm>
-            <a:off x="127000" y="155222"/>
-            <a:ext cx="9017000" cy="1693334"/>
+            <a:off x="324556" y="45302"/>
+            <a:ext cx="8664222" cy="1489251"/>
           </a:xfrm>
         </p:spPr>
         <p:txBody>
@@ -15249,99 +15352,93 @@
           <a:lstStyle/>
           <a:p>
             <a:r>
-              <a:rPr lang="en-US" sz="3400" dirty="0" smtClean="0">
-                <a:solidFill>
-                  <a:srgbClr val="FFFF00"/>
-                </a:solidFill>
-              </a:rPr>
-              <a:t>Snowlines</a:t>
-            </a:r>
-            <a:r>
-              <a:rPr lang="en-US" sz="3400" dirty="0" smtClean="0"/>
-              <a:t> of </a:t>
-            </a:r>
-            <a:r>
-              <a:rPr lang="en-US" sz="3400" dirty="0" smtClean="0">
-                <a:solidFill>
-                  <a:srgbClr val="FFFF00"/>
-                </a:solidFill>
-              </a:rPr>
-              <a:t>volatile molecules </a:t>
-            </a:r>
-            <a:r>
-              <a:rPr lang="en-US" sz="3400" dirty="0" smtClean="0"/>
-              <a:t>have been detected in disks</a:t>
-            </a:r>
-            <a:endParaRPr lang="en-US" sz="3400" dirty="0"/>
+              <a:rPr lang="en-US" sz="4000" dirty="0" smtClean="0"/>
+              <a:t>Volatile compounds have been detected in </a:t>
+            </a:r>
+            <a:r>
+              <a:rPr lang="en-US" sz="4000" dirty="0" err="1" smtClean="0"/>
+              <a:t>protoplanetary</a:t>
+            </a:r>
+            <a:r>
+              <a:rPr lang="en-US" sz="4000" dirty="0" smtClean="0"/>
+              <a:t> disks</a:t>
+            </a:r>
+            <a:endParaRPr lang="en-US" sz="4000" dirty="0"/>
+          </a:p>
+        </p:txBody>
+      </p:sp>
+      <p:sp>
+        <p:nvSpPr>
+          <p:cNvPr id="5" name="TextBox 4"/>
+          <p:cNvSpPr txBox="1"/>
+          <p:nvPr/>
+        </p:nvSpPr>
+        <p:spPr>
+          <a:xfrm>
+            <a:off x="8055119" y="4788609"/>
+            <a:ext cx="933659" cy="307777"/>
+          </a:xfrm>
+          <a:prstGeom prst="rect">
+            <a:avLst/>
+          </a:prstGeom>
+          <a:noFill/>
+        </p:spPr>
+        <p:txBody>
+          <a:bodyPr wrap="square" rtlCol="0">
+            <a:spAutoFit/>
+          </a:bodyPr>
+          <a:lstStyle/>
+          <a:p>
+            <a:r>
+              <a:rPr lang="en-US" sz="1400" dirty="0" smtClean="0">
+                <a:solidFill>
+                  <a:srgbClr val="000000"/>
+                </a:solidFill>
+              </a:rPr>
+              <a:t>Oberg+11</a:t>
+            </a:r>
+            <a:endParaRPr lang="en-US" sz="1400" dirty="0">
+              <a:solidFill>
+                <a:srgbClr val="000000"/>
+              </a:solidFill>
+            </a:endParaRPr>
           </a:p>
         </p:txBody>
       </p:sp>
       <p:pic>
         <p:nvPicPr>
-          <p:cNvPr id="3" name="Picture 2"/>
+          <p:cNvPr id="3" name="Picture 2" descr="217219main_20080312a-browse.jpg"/>
           <p:cNvPicPr>
             <a:picLocks noChangeAspect="1"/>
           </p:cNvPicPr>
           <p:nvPr/>
         </p:nvPicPr>
         <p:blipFill>
-          <a:blip r:embed="rId2"/>
+          <a:blip r:embed="rId3" cstate="print">
+            <a:extLst>
+              <a:ext uri="{28A0092B-C50C-407E-A947-70E740481C1C}">
+                <a14:useLocalDpi xmlns:a14="http://schemas.microsoft.com/office/drawing/2010/main" val="0"/>
+              </a:ext>
+            </a:extLst>
+          </a:blip>
           <a:stretch>
             <a:fillRect/>
           </a:stretch>
         </p:blipFill>
         <p:spPr>
           <a:xfrm>
-            <a:off x="239889" y="2408767"/>
-            <a:ext cx="8753010" cy="3560234"/>
+            <a:off x="829068" y="1466764"/>
+            <a:ext cx="7549808" cy="5391236"/>
           </a:xfrm>
           <a:prstGeom prst="rect">
             <a:avLst/>
           </a:prstGeom>
         </p:spPr>
       </p:pic>
-      <p:sp>
-        <p:nvSpPr>
-          <p:cNvPr id="6" name="TextBox 5"/>
-          <p:cNvSpPr txBox="1"/>
-          <p:nvPr/>
-        </p:nvSpPr>
-        <p:spPr>
-          <a:xfrm>
-            <a:off x="8309119" y="5678004"/>
-            <a:ext cx="933659" cy="307777"/>
-          </a:xfrm>
-          <a:prstGeom prst="rect">
-            <a:avLst/>
-          </a:prstGeom>
-          <a:noFill/>
-        </p:spPr>
-        <p:txBody>
-          <a:bodyPr wrap="square" rtlCol="0">
-            <a:spAutoFit/>
-          </a:bodyPr>
-          <a:lstStyle/>
-          <a:p>
-            <a:r>
-              <a:rPr lang="en-US" sz="1400" dirty="0" smtClean="0">
-                <a:solidFill>
-                  <a:srgbClr val="000000"/>
-                </a:solidFill>
-              </a:rPr>
-              <a:t>Qi+13</a:t>
-            </a:r>
-            <a:endParaRPr lang="en-US" sz="1400" dirty="0">
-              <a:solidFill>
-                <a:srgbClr val="000000"/>
-              </a:solidFill>
-            </a:endParaRPr>
-          </a:p>
-        </p:txBody>
-      </p:sp>
     </p:spTree>
     <p:extLst>
       <p:ext uri="{BB962C8B-B14F-4D97-AF65-F5344CB8AC3E}">
-        <p14:creationId xmlns:p14="http://schemas.microsoft.com/office/powerpoint/2010/main" val="986466672"/>
+        <p14:creationId xmlns:p14="http://schemas.microsoft.com/office/powerpoint/2010/main" val="2972934532"/>
       </p:ext>
     </p:extLst>
   </p:cSld>
@@ -15377,7 +15474,7 @@
       </p:grpSpPr>
       <p:sp>
         <p:nvSpPr>
-          <p:cNvPr id="4" name="Title 1"/>
+          <p:cNvPr id="2" name="Title 1"/>
           <p:cNvSpPr>
             <a:spLocks noGrp="1"/>
           </p:cNvSpPr>
@@ -15387,13 +15484,13 @@
         </p:nvSpPr>
         <p:spPr>
           <a:xfrm>
-            <a:off x="457200" y="45303"/>
-            <a:ext cx="8229600" cy="1143000"/>
+            <a:off x="127000" y="155222"/>
+            <a:ext cx="9017000" cy="1693334"/>
           </a:xfrm>
         </p:spPr>
         <p:txBody>
           <a:bodyPr>
-            <a:normAutofit/>
+            <a:noAutofit/>
           </a:bodyPr>
           <a:lstStyle/>
           <a:p>
@@ -15403,11 +15500,11 @@
                   <a:srgbClr val="FFFF00"/>
                 </a:solidFill>
               </a:rPr>
-              <a:t>C/O ratio </a:t>
+              <a:t>Snowlines</a:t>
             </a:r>
             <a:r>
               <a:rPr lang="en-US" sz="3400" dirty="0" smtClean="0"/>
-              <a:t>is an important signature of </a:t>
+              <a:t> of </a:t>
             </a:r>
             <a:r>
               <a:rPr lang="en-US" sz="3400" dirty="0" smtClean="0">
@@ -15415,40 +15512,34 @@
                   <a:srgbClr val="FFFF00"/>
                 </a:solidFill>
               </a:rPr>
-              <a:t>atmospheric chemistry </a:t>
-            </a:r>
-            <a:endParaRPr lang="en-US" sz="3400" dirty="0">
-              <a:solidFill>
-                <a:srgbClr val="FFFF00"/>
-              </a:solidFill>
-            </a:endParaRPr>
+              <a:t>volatile molecules </a:t>
+            </a:r>
+            <a:r>
+              <a:rPr lang="en-US" sz="3400" dirty="0" smtClean="0"/>
+              <a:t>have been detected in disks</a:t>
+            </a:r>
+            <a:endParaRPr lang="en-US" sz="3400" dirty="0"/>
           </a:p>
         </p:txBody>
       </p:sp>
       <p:pic>
         <p:nvPicPr>
-          <p:cNvPr id="5" name="Picture 4" descr="lodders09.png"/>
+          <p:cNvPr id="3" name="Picture 2"/>
           <p:cNvPicPr>
             <a:picLocks noChangeAspect="1"/>
           </p:cNvPicPr>
           <p:nvPr/>
         </p:nvPicPr>
         <p:blipFill>
-          <a:blip r:embed="rId2">
-            <a:extLst>
-              <a:ext uri="{28A0092B-C50C-407E-A947-70E740481C1C}">
-                <a14:useLocalDpi xmlns:a14="http://schemas.microsoft.com/office/drawing/2010/main" val="0"/>
-              </a:ext>
-            </a:extLst>
-          </a:blip>
+          <a:blip r:embed="rId2"/>
           <a:stretch>
             <a:fillRect/>
           </a:stretch>
         </p:blipFill>
         <p:spPr>
           <a:xfrm>
-            <a:off x="2152047" y="1188303"/>
-            <a:ext cx="4798009" cy="5459187"/>
+            <a:off x="239889" y="2408767"/>
+            <a:ext cx="8753010" cy="3560234"/>
           </a:xfrm>
           <a:prstGeom prst="rect">
             <a:avLst/>
@@ -15463,8 +15554,8 @@
         </p:nvSpPr>
         <p:spPr>
           <a:xfrm>
-            <a:off x="2142454" y="6330725"/>
-            <a:ext cx="1191455" cy="307777"/>
+            <a:off x="8309119" y="5678004"/>
+            <a:ext cx="933659" cy="307777"/>
           </a:xfrm>
           <a:prstGeom prst="rect">
             <a:avLst/>
@@ -15478,28 +15569,12 @@
           <a:lstStyle/>
           <a:p>
             <a:r>
-              <a:rPr lang="en-US" sz="1400" dirty="0" err="1" smtClean="0">
+              <a:rPr lang="en-US" sz="1400" dirty="0" smtClean="0">
                 <a:solidFill>
                   <a:srgbClr val="000000"/>
                 </a:solidFill>
               </a:rPr>
-              <a:t>Lodders</a:t>
-            </a:r>
-            <a:r>
-              <a:rPr lang="en-US" sz="1400" dirty="0">
-                <a:solidFill>
-                  <a:srgbClr val="000000"/>
-                </a:solidFill>
-              </a:rPr>
-              <a:t> </a:t>
-            </a:r>
-            <a:r>
-              <a:rPr lang="en-US" sz="1400" dirty="0" smtClean="0">
-                <a:solidFill>
-                  <a:srgbClr val="000000"/>
-                </a:solidFill>
-              </a:rPr>
-              <a:t>2009</a:t>
+              <a:t>Qi+13</a:t>
             </a:r>
             <a:endParaRPr lang="en-US" sz="1400" dirty="0">
               <a:solidFill>
@@ -15512,7 +15587,7 @@
     </p:spTree>
     <p:extLst>
       <p:ext uri="{BB962C8B-B14F-4D97-AF65-F5344CB8AC3E}">
-        <p14:creationId xmlns:p14="http://schemas.microsoft.com/office/powerpoint/2010/main" val="505830353"/>
+        <p14:creationId xmlns:p14="http://schemas.microsoft.com/office/powerpoint/2010/main" val="986466672"/>
       </p:ext>
     </p:extLst>
   </p:cSld>
@@ -15548,7 +15623,7 @@
       </p:grpSpPr>
       <p:sp>
         <p:nvSpPr>
-          <p:cNvPr id="2" name="Title 1"/>
+          <p:cNvPr id="4" name="Title 1"/>
           <p:cNvSpPr>
             <a:spLocks noGrp="1"/>
           </p:cNvSpPr>
@@ -15558,35 +15633,36 @@
         </p:nvSpPr>
         <p:spPr>
           <a:xfrm>
-            <a:off x="457200" y="345202"/>
+            <a:off x="457200" y="45303"/>
             <a:ext cx="8229600" cy="1143000"/>
           </a:xfrm>
         </p:spPr>
         <p:txBody>
           <a:bodyPr>
-            <a:normAutofit fontScale="90000"/>
+            <a:normAutofit/>
           </a:bodyPr>
           <a:lstStyle/>
           <a:p>
             <a:r>
-              <a:rPr lang="en-US" sz="3600" dirty="0"/>
-              <a:t>Some giant planets </a:t>
-            </a:r>
-            <a:r>
-              <a:rPr lang="en-US" sz="3600" dirty="0">
+              <a:rPr lang="en-US" sz="3400" dirty="0" smtClean="0">
                 <a:solidFill>
                   <a:srgbClr val="FFFF00"/>
                 </a:solidFill>
               </a:rPr>
-              <a:t>may</a:t>
-            </a:r>
-            <a:r>
-              <a:rPr lang="en-US" sz="3600" dirty="0"/>
-              <a:t> have C/O ratios different from the stellar value of 0.54</a:t>
-            </a:r>
-            <a:br>
-              <a:rPr lang="en-US" sz="3600" dirty="0"/>
-            </a:br>
+              <a:t>C/O ratio </a:t>
+            </a:r>
+            <a:r>
+              <a:rPr lang="en-US" sz="3400" dirty="0" smtClean="0"/>
+              <a:t>is an important signature of </a:t>
+            </a:r>
+            <a:r>
+              <a:rPr lang="en-US" sz="3400" dirty="0" smtClean="0">
+                <a:solidFill>
+                  <a:srgbClr val="FFFF00"/>
+                </a:solidFill>
+              </a:rPr>
+              <a:t>atmospheric chemistry </a:t>
+            </a:r>
             <a:endParaRPr lang="en-US" sz="3400" dirty="0">
               <a:solidFill>
                 <a:srgbClr val="FFFF00"/>
@@ -15597,22 +15673,28 @@
       </p:sp>
       <p:pic>
         <p:nvPicPr>
-          <p:cNvPr id="4" name="Picture 3"/>
+          <p:cNvPr id="5" name="Picture 4" descr="lodders09.png"/>
           <p:cNvPicPr>
             <a:picLocks noChangeAspect="1"/>
           </p:cNvPicPr>
           <p:nvPr/>
         </p:nvPicPr>
         <p:blipFill>
-          <a:blip r:embed="rId3"/>
+          <a:blip r:embed="rId2">
+            <a:extLst>
+              <a:ext uri="{28A0092B-C50C-407E-A947-70E740481C1C}">
+                <a14:useLocalDpi xmlns:a14="http://schemas.microsoft.com/office/drawing/2010/main" val="0"/>
+              </a:ext>
+            </a:extLst>
+          </a:blip>
           <a:stretch>
             <a:fillRect/>
           </a:stretch>
         </p:blipFill>
         <p:spPr>
           <a:xfrm>
-            <a:off x="691407" y="1417638"/>
-            <a:ext cx="7387593" cy="5200149"/>
+            <a:off x="2152047" y="1188303"/>
+            <a:ext cx="4798009" cy="5459187"/>
           </a:xfrm>
           <a:prstGeom prst="rect">
             <a:avLst/>
@@ -15621,14 +15703,14 @@
       </p:pic>
       <p:sp>
         <p:nvSpPr>
-          <p:cNvPr id="5" name="TextBox 4"/>
+          <p:cNvPr id="6" name="TextBox 5"/>
           <p:cNvSpPr txBox="1"/>
           <p:nvPr/>
         </p:nvSpPr>
         <p:spPr>
           <a:xfrm>
-            <a:off x="6136007" y="6308167"/>
-            <a:ext cx="1596881" cy="307777"/>
+            <a:off x="2142454" y="6330725"/>
+            <a:ext cx="1191455" cy="307777"/>
           </a:xfrm>
           <a:prstGeom prst="rect">
             <a:avLst/>
@@ -15642,12 +15724,28 @@
           <a:lstStyle/>
           <a:p>
             <a:r>
+              <a:rPr lang="en-US" sz="1400" dirty="0" err="1" smtClean="0">
+                <a:solidFill>
+                  <a:srgbClr val="000000"/>
+                </a:solidFill>
+              </a:rPr>
+              <a:t>Lodders</a:t>
+            </a:r>
+            <a:r>
+              <a:rPr lang="en-US" sz="1400" dirty="0">
+                <a:solidFill>
+                  <a:srgbClr val="000000"/>
+                </a:solidFill>
+              </a:rPr>
+              <a:t> </a:t>
+            </a:r>
+            <a:r>
               <a:rPr lang="en-US" sz="1400" dirty="0" smtClean="0">
                 <a:solidFill>
                   <a:srgbClr val="000000"/>
                 </a:solidFill>
               </a:rPr>
-              <a:t>Madhusudhan+11</a:t>
+              <a:t>2009</a:t>
             </a:r>
             <a:endParaRPr lang="en-US" sz="1400" dirty="0">
               <a:solidFill>
@@ -15660,7 +15758,7 @@
     </p:spTree>
     <p:extLst>
       <p:ext uri="{BB962C8B-B14F-4D97-AF65-F5344CB8AC3E}">
-        <p14:creationId xmlns:p14="http://schemas.microsoft.com/office/powerpoint/2010/main" val="4286079567"/>
+        <p14:creationId xmlns:p14="http://schemas.microsoft.com/office/powerpoint/2010/main" val="505830353"/>
       </p:ext>
     </p:extLst>
   </p:cSld>
@@ -15704,6 +15802,154 @@
             <p:ph type="title"/>
           </p:nvPr>
         </p:nvSpPr>
+        <p:spPr>
+          <a:xfrm>
+            <a:off x="457200" y="345202"/>
+            <a:ext cx="8229600" cy="1143000"/>
+          </a:xfrm>
+        </p:spPr>
+        <p:txBody>
+          <a:bodyPr>
+            <a:normAutofit fontScale="90000"/>
+          </a:bodyPr>
+          <a:lstStyle/>
+          <a:p>
+            <a:r>
+              <a:rPr lang="en-US" sz="3600" dirty="0"/>
+              <a:t>Some giant planets </a:t>
+            </a:r>
+            <a:r>
+              <a:rPr lang="en-US" sz="3600" dirty="0">
+                <a:solidFill>
+                  <a:srgbClr val="FFFF00"/>
+                </a:solidFill>
+              </a:rPr>
+              <a:t>may</a:t>
+            </a:r>
+            <a:r>
+              <a:rPr lang="en-US" sz="3600" dirty="0"/>
+              <a:t> have C/O ratios different from the stellar value of 0.54</a:t>
+            </a:r>
+            <a:br>
+              <a:rPr lang="en-US" sz="3600" dirty="0"/>
+            </a:br>
+            <a:endParaRPr lang="en-US" sz="3400" dirty="0">
+              <a:solidFill>
+                <a:srgbClr val="FFFF00"/>
+              </a:solidFill>
+            </a:endParaRPr>
+          </a:p>
+        </p:txBody>
+      </p:sp>
+      <p:pic>
+        <p:nvPicPr>
+          <p:cNvPr id="4" name="Picture 3"/>
+          <p:cNvPicPr>
+            <a:picLocks noChangeAspect="1"/>
+          </p:cNvPicPr>
+          <p:nvPr/>
+        </p:nvPicPr>
+        <p:blipFill>
+          <a:blip r:embed="rId3"/>
+          <a:stretch>
+            <a:fillRect/>
+          </a:stretch>
+        </p:blipFill>
+        <p:spPr>
+          <a:xfrm>
+            <a:off x="691407" y="1417638"/>
+            <a:ext cx="7387593" cy="5200149"/>
+          </a:xfrm>
+          <a:prstGeom prst="rect">
+            <a:avLst/>
+          </a:prstGeom>
+        </p:spPr>
+      </p:pic>
+      <p:sp>
+        <p:nvSpPr>
+          <p:cNvPr id="5" name="TextBox 4"/>
+          <p:cNvSpPr txBox="1"/>
+          <p:nvPr/>
+        </p:nvSpPr>
+        <p:spPr>
+          <a:xfrm>
+            <a:off x="6136007" y="6308167"/>
+            <a:ext cx="1596881" cy="307777"/>
+          </a:xfrm>
+          <a:prstGeom prst="rect">
+            <a:avLst/>
+          </a:prstGeom>
+          <a:noFill/>
+        </p:spPr>
+        <p:txBody>
+          <a:bodyPr wrap="square" rtlCol="0">
+            <a:spAutoFit/>
+          </a:bodyPr>
+          <a:lstStyle/>
+          <a:p>
+            <a:r>
+              <a:rPr lang="en-US" sz="1400" dirty="0" smtClean="0">
+                <a:solidFill>
+                  <a:srgbClr val="000000"/>
+                </a:solidFill>
+              </a:rPr>
+              <a:t>Madhusudhan+11</a:t>
+            </a:r>
+            <a:endParaRPr lang="en-US" sz="1400" dirty="0">
+              <a:solidFill>
+                <a:srgbClr val="000000"/>
+              </a:solidFill>
+            </a:endParaRPr>
+          </a:p>
+        </p:txBody>
+      </p:sp>
+    </p:spTree>
+    <p:extLst>
+      <p:ext uri="{BB962C8B-B14F-4D97-AF65-F5344CB8AC3E}">
+        <p14:creationId xmlns:p14="http://schemas.microsoft.com/office/powerpoint/2010/main" val="4286079567"/>
+      </p:ext>
+    </p:extLst>
+  </p:cSld>
+  <p:clrMapOvr>
+    <a:masterClrMapping/>
+  </p:clrMapOvr>
+  <p:timing>
+    <p:tnLst>
+      <p:par>
+        <p:cTn xmlns:p14="http://schemas.microsoft.com/office/powerpoint/2010/main" id="1" dur="indefinite" restart="never" nodeType="tmRoot"/>
+      </p:par>
+    </p:tnLst>
+  </p:timing>
+</p:sld>
+</file>
+
+<file path=ppt/slides/slide37.xml><?xml version="1.0" encoding="utf-8"?>
+<p:sld xmlns:a="http://schemas.openxmlformats.org/drawingml/2006/main" xmlns:r="http://schemas.openxmlformats.org/officeDocument/2006/relationships" xmlns:p="http://schemas.openxmlformats.org/presentationml/2006/main">
+  <p:cSld>
+    <p:spTree>
+      <p:nvGrpSpPr>
+        <p:cNvPr id="1" name=""/>
+        <p:cNvGrpSpPr/>
+        <p:nvPr/>
+      </p:nvGrpSpPr>
+      <p:grpSpPr>
+        <a:xfrm>
+          <a:off x="0" y="0"/>
+          <a:ext cx="0" cy="0"/>
+          <a:chOff x="0" y="0"/>
+          <a:chExt cx="0" cy="0"/>
+        </a:xfrm>
+      </p:grpSpPr>
+      <p:sp>
+        <p:nvSpPr>
+          <p:cNvPr id="2" name="Title 1"/>
+          <p:cNvSpPr>
+            <a:spLocks noGrp="1"/>
+          </p:cNvSpPr>
+          <p:nvPr>
+            <p:ph type="title"/>
+          </p:nvPr>
+        </p:nvSpPr>
         <p:spPr/>
         <p:txBody>
           <a:bodyPr>
@@ -15860,7 +16106,7 @@
 </p:sld>
 </file>
 
-<file path=ppt/slides/slide37.xml><?xml version="1.0" encoding="utf-8"?>
+<file path=ppt/slides/slide38.xml><?xml version="1.0" encoding="utf-8"?>
 <p:sld xmlns:a="http://schemas.openxmlformats.org/drawingml/2006/main" xmlns:r="http://schemas.openxmlformats.org/officeDocument/2006/relationships" xmlns:p="http://schemas.openxmlformats.org/presentationml/2006/main">
   <p:cSld>
     <p:spTree>
@@ -16126,143 +16372,6 @@
 </p:sld>
 </file>
 
-<file path=ppt/slides/slide38.xml><?xml version="1.0" encoding="utf-8"?>
-<p:sld xmlns:a="http://schemas.openxmlformats.org/drawingml/2006/main" xmlns:r="http://schemas.openxmlformats.org/officeDocument/2006/relationships" xmlns:p="http://schemas.openxmlformats.org/presentationml/2006/main">
-  <p:cSld>
-    <p:spTree>
-      <p:nvGrpSpPr>
-        <p:cNvPr id="1" name=""/>
-        <p:cNvGrpSpPr/>
-        <p:nvPr/>
-      </p:nvGrpSpPr>
-      <p:grpSpPr>
-        <a:xfrm>
-          <a:off x="0" y="0"/>
-          <a:ext cx="0" cy="0"/>
-          <a:chOff x="0" y="0"/>
-          <a:chExt cx="0" cy="0"/>
-        </a:xfrm>
-      </p:grpSpPr>
-      <p:sp>
-        <p:nvSpPr>
-          <p:cNvPr id="2" name="Title 1"/>
-          <p:cNvSpPr>
-            <a:spLocks noGrp="1"/>
-          </p:cNvSpPr>
-          <p:nvPr>
-            <p:ph type="title"/>
-          </p:nvPr>
-        </p:nvSpPr>
-        <p:spPr>
-          <a:xfrm>
-            <a:off x="457200" y="2540001"/>
-            <a:ext cx="8475133" cy="2215444"/>
-          </a:xfrm>
-          <a:solidFill>
-            <a:srgbClr val="FFFF00"/>
-          </a:solidFill>
-          <a:ln w="63500">
-            <a:solidFill>
-              <a:srgbClr val="0000FF"/>
-            </a:solidFill>
-          </a:ln>
-        </p:spPr>
-        <p:txBody>
-          <a:bodyPr>
-            <a:noAutofit/>
-          </a:bodyPr>
-          <a:lstStyle/>
-          <a:p>
-            <a:r>
-              <a:rPr lang="en-US" sz="3600" dirty="0" smtClean="0">
-                <a:solidFill>
-                  <a:schemeClr val="bg1"/>
-                </a:solidFill>
-              </a:rPr>
-              <a:t>Understand how radial drift and gas accretion affect snowline locations, and thus the C/O ratio in gas and dust throughout the disk</a:t>
-            </a:r>
-            <a:endParaRPr lang="en-US" sz="3600" dirty="0">
-              <a:solidFill>
-                <a:schemeClr val="bg1"/>
-              </a:solidFill>
-            </a:endParaRPr>
-          </a:p>
-        </p:txBody>
-      </p:sp>
-      <p:sp>
-        <p:nvSpPr>
-          <p:cNvPr id="4" name="Title 1"/>
-          <p:cNvSpPr txBox="1">
-            <a:spLocks/>
-          </p:cNvSpPr>
-          <p:nvPr/>
-        </p:nvSpPr>
-        <p:spPr>
-          <a:xfrm>
-            <a:off x="457200" y="274638"/>
-            <a:ext cx="8229600" cy="1143000"/>
-          </a:xfrm>
-          <a:prstGeom prst="rect">
-            <a:avLst/>
-          </a:prstGeom>
-        </p:spPr>
-        <p:txBody>
-          <a:bodyPr vert="horz" lIns="91440" tIns="45720" rIns="91440" bIns="45720" rtlCol="0" anchor="ctr">
-            <a:normAutofit/>
-          </a:bodyPr>
-          <a:lstStyle>
-            <a:lvl1pPr algn="ctr" defTabSz="914400" rtl="0" eaLnBrk="1" latinLnBrk="0" hangingPunct="1">
-              <a:spcBef>
-                <a:spcPct val="0"/>
-              </a:spcBef>
-              <a:buNone/>
-              <a:defRPr sz="4400" kern="1200">
-                <a:solidFill>
-                  <a:schemeClr val="tx1"/>
-                </a:solidFill>
-                <a:latin typeface="+mj-lt"/>
-                <a:ea typeface="+mj-ea"/>
-                <a:cs typeface="+mj-cs"/>
-              </a:defRPr>
-            </a:lvl1pPr>
-          </a:lstStyle>
-          <a:p>
-            <a:r>
-              <a:rPr lang="en-US" sz="6000" dirty="0" smtClean="0">
-                <a:solidFill>
-                  <a:srgbClr val="FFFF00"/>
-                </a:solidFill>
-              </a:rPr>
-              <a:t>GOAL</a:t>
-            </a:r>
-            <a:endParaRPr lang="en-US" sz="6000" dirty="0">
-              <a:solidFill>
-                <a:srgbClr val="FFFF00"/>
-              </a:solidFill>
-            </a:endParaRPr>
-          </a:p>
-        </p:txBody>
-      </p:sp>
-    </p:spTree>
-    <p:extLst>
-      <p:ext uri="{BB962C8B-B14F-4D97-AF65-F5344CB8AC3E}">
-        <p14:creationId xmlns:p14="http://schemas.microsoft.com/office/powerpoint/2010/main" val="3790756509"/>
-      </p:ext>
-    </p:extLst>
-  </p:cSld>
-  <p:clrMapOvr>
-    <a:masterClrMapping/>
-  </p:clrMapOvr>
-  <p:timing>
-    <p:tnLst>
-      <p:par>
-        <p:cTn xmlns:p14="http://schemas.microsoft.com/office/powerpoint/2010/main" id="1" dur="indefinite" restart="never" nodeType="tmRoot"/>
-      </p:par>
-    </p:tnLst>
-  </p:timing>
-</p:sld>
-</file>
-
 <file path=ppt/slides/slide39.xml><?xml version="1.0" encoding="utf-8"?>
 <p:sld xmlns:a="http://schemas.openxmlformats.org/drawingml/2006/main" xmlns:r="http://schemas.openxmlformats.org/officeDocument/2006/relationships" xmlns:p="http://schemas.openxmlformats.org/presentationml/2006/main">
   <p:cSld>
@@ -16290,205 +16399,100 @@
             <p:ph type="title"/>
           </p:nvPr>
         </p:nvSpPr>
-        <p:spPr/>
-        <p:txBody>
-          <a:bodyPr/>
-          <a:lstStyle/>
-          <a:p>
-            <a:r>
-              <a:rPr lang="en-US" dirty="0" smtClean="0"/>
-              <a:t>Radial drift of solids</a:t>
-            </a:r>
-            <a:endParaRPr lang="en-US" dirty="0"/>
-          </a:p>
-        </p:txBody>
-      </p:sp>
-      <p:sp>
-        <p:nvSpPr>
-          <p:cNvPr id="3" name="Content Placeholder 2"/>
-          <p:cNvSpPr>
-            <a:spLocks noGrp="1"/>
-          </p:cNvSpPr>
-          <p:nvPr>
-            <p:ph idx="1"/>
-          </p:nvPr>
-        </p:nvSpPr>
-        <p:spPr>
-          <a:xfrm>
-            <a:off x="457199" y="1600200"/>
-            <a:ext cx="8446911" cy="4525963"/>
-          </a:xfrm>
+        <p:spPr>
+          <a:xfrm>
+            <a:off x="457200" y="2540001"/>
+            <a:ext cx="8475133" cy="2215444"/>
+          </a:xfrm>
+          <a:solidFill>
+            <a:srgbClr val="FFFF00"/>
+          </a:solidFill>
+          <a:ln w="63500">
+            <a:solidFill>
+              <a:srgbClr val="0000FF"/>
+            </a:solidFill>
+          </a:ln>
         </p:spPr>
         <p:txBody>
           <a:bodyPr>
-            <a:normAutofit fontScale="92500" lnSpcReduction="20000"/>
+            <a:noAutofit/>
           </a:bodyPr>
           <a:lstStyle/>
           <a:p>
             <a:r>
-              <a:rPr lang="en-US" dirty="0" smtClean="0"/>
-              <a:t>Gas moves at </a:t>
-            </a:r>
-            <a:r>
-              <a:rPr lang="en-US" dirty="0" smtClean="0">
+              <a:rPr lang="en-US" sz="3600" dirty="0" smtClean="0">
+                <a:solidFill>
+                  <a:schemeClr val="bg1"/>
+                </a:solidFill>
+              </a:rPr>
+              <a:t>Understand how radial drift and gas accretion affect snowline locations, and thus the C/O ratio in gas and dust throughout the disk</a:t>
+            </a:r>
+            <a:endParaRPr lang="en-US" sz="3600" dirty="0">
+              <a:solidFill>
+                <a:schemeClr val="bg1"/>
+              </a:solidFill>
+            </a:endParaRPr>
+          </a:p>
+        </p:txBody>
+      </p:sp>
+      <p:sp>
+        <p:nvSpPr>
+          <p:cNvPr id="4" name="Title 1"/>
+          <p:cNvSpPr txBox="1">
+            <a:spLocks/>
+          </p:cNvSpPr>
+          <p:nvPr/>
+        </p:nvSpPr>
+        <p:spPr>
+          <a:xfrm>
+            <a:off x="457200" y="274638"/>
+            <a:ext cx="8229600" cy="1143000"/>
+          </a:xfrm>
+          <a:prstGeom prst="rect">
+            <a:avLst/>
+          </a:prstGeom>
+        </p:spPr>
+        <p:txBody>
+          <a:bodyPr vert="horz" lIns="91440" tIns="45720" rIns="91440" bIns="45720" rtlCol="0" anchor="ctr">
+            <a:normAutofit/>
+          </a:bodyPr>
+          <a:lstStyle>
+            <a:lvl1pPr algn="ctr" defTabSz="914400" rtl="0" eaLnBrk="1" latinLnBrk="0" hangingPunct="1">
+              <a:spcBef>
+                <a:spcPct val="0"/>
+              </a:spcBef>
+              <a:buNone/>
+              <a:defRPr sz="4400" kern="1200">
+                <a:solidFill>
+                  <a:schemeClr val="tx1"/>
+                </a:solidFill>
+                <a:latin typeface="+mj-lt"/>
+                <a:ea typeface="+mj-ea"/>
+                <a:cs typeface="+mj-cs"/>
+              </a:defRPr>
+            </a:lvl1pPr>
+          </a:lstStyle>
+          <a:p>
+            <a:r>
+              <a:rPr lang="en-US" sz="6000" dirty="0" smtClean="0">
                 <a:solidFill>
                   <a:srgbClr val="FFFF00"/>
                 </a:solidFill>
               </a:rPr>
-              <a:t>sub-</a:t>
-            </a:r>
-            <a:r>
-              <a:rPr lang="en-US" dirty="0" err="1" smtClean="0">
-                <a:solidFill>
-                  <a:srgbClr val="FFFF00"/>
-                </a:solidFill>
-              </a:rPr>
-              <a:t>Keplerian</a:t>
-            </a:r>
-            <a:r>
-              <a:rPr lang="en-US" dirty="0" smtClean="0">
-                <a:solidFill>
-                  <a:srgbClr val="FFFF00"/>
-                </a:solidFill>
-              </a:rPr>
-              <a:t> velocity</a:t>
-            </a:r>
-            <a:r>
-              <a:rPr lang="en-US" dirty="0" smtClean="0"/>
-              <a:t>:</a:t>
-            </a:r>
-          </a:p>
-          <a:p>
-            <a:pPr marL="0" indent="0">
-              <a:buNone/>
-            </a:pPr>
-            <a:r>
-              <a:rPr lang="en-US" dirty="0" smtClean="0"/>
-              <a:t>	</a:t>
-            </a:r>
-            <a:r>
-              <a:rPr lang="en-US" dirty="0" err="1" smtClean="0"/>
-              <a:t>v</a:t>
-            </a:r>
-            <a:r>
-              <a:rPr lang="en-US" baseline="-25000" dirty="0" err="1" smtClean="0"/>
-              <a:t>gas</a:t>
-            </a:r>
-            <a:r>
-              <a:rPr lang="en-US" dirty="0" smtClean="0"/>
-              <a:t> ~ </a:t>
-            </a:r>
-            <a:r>
-              <a:rPr lang="en-US" dirty="0" err="1" smtClean="0"/>
-              <a:t>v</a:t>
-            </a:r>
-            <a:r>
-              <a:rPr lang="en-US" baseline="-25000" dirty="0" err="1" smtClean="0"/>
-              <a:t>K</a:t>
-            </a:r>
-            <a:r>
-              <a:rPr lang="en-US" dirty="0" smtClean="0"/>
-              <a:t> (1-c</a:t>
-            </a:r>
-            <a:r>
-              <a:rPr lang="en-US" baseline="-25000" dirty="0" smtClean="0"/>
-              <a:t>s</a:t>
-            </a:r>
-            <a:r>
-              <a:rPr lang="en-US" baseline="30000" dirty="0" smtClean="0"/>
-              <a:t>2</a:t>
-            </a:r>
-            <a:r>
-              <a:rPr lang="en-US" dirty="0" smtClean="0"/>
-              <a:t> / v</a:t>
-            </a:r>
-            <a:r>
-              <a:rPr lang="en-US" baseline="-25000" dirty="0" smtClean="0"/>
-              <a:t>k</a:t>
-            </a:r>
-            <a:r>
-              <a:rPr lang="en-US" baseline="30000" dirty="0" smtClean="0"/>
-              <a:t>2</a:t>
-            </a:r>
-            <a:r>
-              <a:rPr lang="en-US" dirty="0" smtClean="0"/>
-              <a:t>)</a:t>
-            </a:r>
-          </a:p>
-          <a:p>
-            <a:pPr marL="0" indent="0">
-              <a:buNone/>
-            </a:pPr>
-            <a:endParaRPr lang="en-US" dirty="0" smtClean="0"/>
-          </a:p>
-          <a:p>
-            <a:r>
-              <a:rPr lang="en-US" dirty="0" smtClean="0">
-                <a:solidFill>
-                  <a:srgbClr val="FFFF00"/>
-                </a:solidFill>
-              </a:rPr>
-              <a:t>Small particles </a:t>
-            </a:r>
-            <a:r>
-              <a:rPr lang="en-US" dirty="0" smtClean="0"/>
-              <a:t>(~micron size) move with the gas</a:t>
-            </a:r>
-          </a:p>
-          <a:p>
-            <a:endParaRPr lang="en-US" dirty="0" smtClean="0"/>
-          </a:p>
-          <a:p>
-            <a:r>
-              <a:rPr lang="en-US" dirty="0" smtClean="0">
-                <a:solidFill>
-                  <a:srgbClr val="FFFF00"/>
-                </a:solidFill>
-              </a:rPr>
-              <a:t>Large particles </a:t>
-            </a:r>
-            <a:r>
-              <a:rPr lang="en-US" dirty="0" smtClean="0"/>
-              <a:t>(~km size) are unaffected by gas drag</a:t>
-            </a:r>
-          </a:p>
-          <a:p>
-            <a:endParaRPr lang="en-US" dirty="0" smtClean="0"/>
-          </a:p>
-          <a:p>
-            <a:r>
-              <a:rPr lang="en-US" dirty="0" smtClean="0">
-                <a:solidFill>
-                  <a:srgbClr val="FFFF00"/>
-                </a:solidFill>
-              </a:rPr>
-              <a:t>“Intermediate sized” particles </a:t>
-            </a:r>
-            <a:r>
-              <a:rPr lang="en-US" dirty="0" smtClean="0"/>
-              <a:t>(~cm-m size) experience a headwind and </a:t>
-            </a:r>
-            <a:r>
-              <a:rPr lang="en-US" dirty="0" smtClean="0">
-                <a:solidFill>
-                  <a:srgbClr val="FFFF00"/>
-                </a:solidFill>
-              </a:rPr>
-              <a:t>drift towards the star</a:t>
-            </a:r>
-          </a:p>
-          <a:p>
-            <a:pPr marL="457200" lvl="1" indent="0">
-              <a:buNone/>
-            </a:pPr>
-            <a:endParaRPr lang="en-US" dirty="0" smtClean="0"/>
+              <a:t>GOAL</a:t>
+            </a:r>
+            <a:endParaRPr lang="en-US" sz="6000" dirty="0">
+              <a:solidFill>
+                <a:srgbClr val="FFFF00"/>
+              </a:solidFill>
+            </a:endParaRPr>
           </a:p>
         </p:txBody>
       </p:sp>
     </p:spTree>
     <p:extLst>
       <p:ext uri="{BB962C8B-B14F-4D97-AF65-F5344CB8AC3E}">
-        <p14:creationId xmlns:p14="http://schemas.microsoft.com/office/powerpoint/2010/main" val="2388135888"/>
+        <p14:creationId xmlns:p14="http://schemas.microsoft.com/office/powerpoint/2010/main" val="3790756509"/>
       </p:ext>
     </p:extLst>
   </p:cSld>
@@ -16647,22 +16651,12 @@
         </p:nvSpPr>
         <p:spPr/>
         <p:txBody>
-          <a:bodyPr>
-            <a:normAutofit fontScale="90000"/>
-          </a:bodyPr>
+          <a:bodyPr/>
           <a:lstStyle/>
           <a:p>
             <a:r>
-              <a:rPr lang="en-US" dirty="0" smtClean="0">
-                <a:solidFill>
-                  <a:srgbClr val="FFFF00"/>
-                </a:solidFill>
-              </a:rPr>
-              <a:t>Gas disk accretes </a:t>
-            </a:r>
-            <a:r>
               <a:rPr lang="en-US" dirty="0" smtClean="0"/>
-              <a:t>onto the central star</a:t>
+              <a:t>Radial drift of solids</a:t>
             </a:r>
             <a:endParaRPr lang="en-US" dirty="0"/>
           </a:p>
@@ -16678,113 +16672,182 @@
             <p:ph idx="1"/>
           </p:nvPr>
         </p:nvSpPr>
-        <p:spPr/>
-        <p:txBody>
-          <a:bodyPr/>
-          <a:lstStyle/>
-          <a:p>
-            <a:r>
-              <a:rPr lang="en-US" dirty="0" smtClean="0"/>
-              <a:t>alpha-disk prescription: </a:t>
-            </a:r>
-            <a:r>
-              <a:rPr lang="en-US" dirty="0" err="1" smtClean="0"/>
-              <a:t>ν</a:t>
-            </a:r>
-            <a:r>
-              <a:rPr lang="en-US" dirty="0" smtClean="0"/>
-              <a:t> = α </a:t>
-            </a:r>
-            <a:r>
-              <a:rPr lang="en-US" dirty="0" err="1" smtClean="0"/>
-              <a:t>c</a:t>
-            </a:r>
-            <a:r>
-              <a:rPr lang="en-US" baseline="-25000" dirty="0" err="1" smtClean="0"/>
-              <a:t>s</a:t>
-            </a:r>
-            <a:r>
-              <a:rPr lang="en-US" dirty="0" smtClean="0"/>
-              <a:t> H</a:t>
-            </a:r>
-            <a:endParaRPr lang="en-US" dirty="0"/>
-          </a:p>
-        </p:txBody>
-      </p:sp>
-      <p:pic>
-        <p:nvPicPr>
-          <p:cNvPr id="4" name="Picture 3"/>
-          <p:cNvPicPr>
-            <a:picLocks noChangeAspect="1"/>
-          </p:cNvPicPr>
-          <p:nvPr/>
-        </p:nvPicPr>
-        <p:blipFill>
-          <a:blip r:embed="rId2"/>
-          <a:stretch>
-            <a:fillRect/>
-          </a:stretch>
-        </p:blipFill>
-        <p:spPr>
-          <a:xfrm>
-            <a:off x="1199445" y="2251284"/>
-            <a:ext cx="6886222" cy="4232441"/>
-          </a:xfrm>
-          <a:prstGeom prst="rect">
-            <a:avLst/>
-          </a:prstGeom>
-        </p:spPr>
-      </p:pic>
-      <p:sp>
-        <p:nvSpPr>
-          <p:cNvPr id="5" name="TextBox 4"/>
-          <p:cNvSpPr txBox="1"/>
-          <p:nvPr/>
-        </p:nvSpPr>
-        <p:spPr>
-          <a:xfrm>
-            <a:off x="6731000" y="6136496"/>
-            <a:ext cx="1495778" cy="307777"/>
-          </a:xfrm>
-          <a:prstGeom prst="rect">
-            <a:avLst/>
-          </a:prstGeom>
-          <a:noFill/>
-        </p:spPr>
-        <p:txBody>
-          <a:bodyPr wrap="square" rtlCol="0">
-            <a:spAutoFit/>
+        <p:spPr>
+          <a:xfrm>
+            <a:off x="457199" y="1600200"/>
+            <a:ext cx="8446911" cy="4525963"/>
+          </a:xfrm>
+        </p:spPr>
+        <p:txBody>
+          <a:bodyPr>
+            <a:normAutofit fontScale="92500" lnSpcReduction="20000"/>
           </a:bodyPr>
           <a:lstStyle/>
           <a:p>
             <a:r>
-              <a:rPr lang="en-US" sz="1400" dirty="0" err="1" smtClean="0">
-                <a:solidFill>
-                  <a:schemeClr val="bg1"/>
-                </a:solidFill>
-              </a:rPr>
-              <a:t>Armitage</a:t>
-            </a:r>
-            <a:r>
-              <a:rPr lang="en-US" sz="1400" dirty="0" smtClean="0">
-                <a:solidFill>
-                  <a:schemeClr val="bg1"/>
-                </a:solidFill>
-              </a:rPr>
-              <a:t> 2009</a:t>
-            </a:r>
-            <a:endParaRPr lang="en-US" sz="1400" dirty="0">
-              <a:solidFill>
-                <a:schemeClr val="bg1"/>
-              </a:solidFill>
-            </a:endParaRPr>
+              <a:rPr lang="en-US" dirty="0" smtClean="0"/>
+              <a:t>Gas moves at </a:t>
+            </a:r>
+            <a:r>
+              <a:rPr lang="en-US" dirty="0" smtClean="0">
+                <a:solidFill>
+                  <a:srgbClr val="FFFF00"/>
+                </a:solidFill>
+              </a:rPr>
+              <a:t>sub-</a:t>
+            </a:r>
+            <a:r>
+              <a:rPr lang="en-US" dirty="0" err="1" smtClean="0">
+                <a:solidFill>
+                  <a:srgbClr val="FFFF00"/>
+                </a:solidFill>
+              </a:rPr>
+              <a:t>Keplerian</a:t>
+            </a:r>
+            <a:r>
+              <a:rPr lang="en-US" dirty="0" smtClean="0">
+                <a:solidFill>
+                  <a:srgbClr val="FFFF00"/>
+                </a:solidFill>
+              </a:rPr>
+              <a:t> velocity</a:t>
+            </a:r>
+            <a:r>
+              <a:rPr lang="en-US" dirty="0" smtClean="0"/>
+              <a:t>:</a:t>
+            </a:r>
+          </a:p>
+          <a:p>
+            <a:pPr marL="0" indent="0">
+              <a:buNone/>
+            </a:pPr>
+            <a:r>
+              <a:rPr lang="en-US" dirty="0" smtClean="0"/>
+              <a:t>	</a:t>
+            </a:r>
+            <a:r>
+              <a:rPr lang="en-US" dirty="0" err="1" smtClean="0"/>
+              <a:t>v</a:t>
+            </a:r>
+            <a:r>
+              <a:rPr lang="en-US" baseline="-25000" dirty="0" err="1" smtClean="0"/>
+              <a:t>gas</a:t>
+            </a:r>
+            <a:r>
+              <a:rPr lang="en-US" dirty="0" smtClean="0"/>
+              <a:t> ~ </a:t>
+            </a:r>
+            <a:r>
+              <a:rPr lang="en-US" dirty="0" err="1" smtClean="0"/>
+              <a:t>v</a:t>
+            </a:r>
+            <a:r>
+              <a:rPr lang="en-US" baseline="-25000" dirty="0" err="1" smtClean="0"/>
+              <a:t>K</a:t>
+            </a:r>
+            <a:r>
+              <a:rPr lang="en-US" dirty="0" smtClean="0"/>
+              <a:t> (1-c</a:t>
+            </a:r>
+            <a:r>
+              <a:rPr lang="en-US" baseline="-25000" dirty="0" smtClean="0"/>
+              <a:t>s</a:t>
+            </a:r>
+            <a:r>
+              <a:rPr lang="en-US" baseline="30000" dirty="0" smtClean="0"/>
+              <a:t>2</a:t>
+            </a:r>
+            <a:r>
+              <a:rPr lang="en-US" dirty="0" smtClean="0"/>
+              <a:t> / v</a:t>
+            </a:r>
+            <a:r>
+              <a:rPr lang="en-US" baseline="-25000" dirty="0" smtClean="0"/>
+              <a:t>k</a:t>
+            </a:r>
+            <a:r>
+              <a:rPr lang="en-US" baseline="30000" dirty="0" smtClean="0"/>
+              <a:t>2</a:t>
+            </a:r>
+            <a:r>
+              <a:rPr lang="en-US" dirty="0" smtClean="0"/>
+              <a:t>)</a:t>
+            </a:r>
+          </a:p>
+          <a:p>
+            <a:pPr marL="0" indent="0">
+              <a:buNone/>
+            </a:pPr>
+            <a:endParaRPr lang="en-US" dirty="0" smtClean="0"/>
+          </a:p>
+          <a:p>
+            <a:r>
+              <a:rPr lang="en-US" dirty="0" smtClean="0">
+                <a:solidFill>
+                  <a:srgbClr val="FFFF00"/>
+                </a:solidFill>
+              </a:rPr>
+              <a:t>Small particles </a:t>
+            </a:r>
+            <a:r>
+              <a:rPr lang="en-US" dirty="0" smtClean="0"/>
+              <a:t>(~micron size) move with the gas</a:t>
+            </a:r>
+          </a:p>
+          <a:p>
+            <a:endParaRPr lang="en-US" dirty="0" smtClean="0"/>
+          </a:p>
+          <a:p>
+            <a:r>
+              <a:rPr lang="en-US" dirty="0" smtClean="0">
+                <a:solidFill>
+                  <a:srgbClr val="FFFF00"/>
+                </a:solidFill>
+              </a:rPr>
+              <a:t>Large particles </a:t>
+            </a:r>
+            <a:r>
+              <a:rPr lang="en-US" dirty="0" smtClean="0"/>
+              <a:t>(~km size) are unaffected by gas drag</a:t>
+            </a:r>
+          </a:p>
+          <a:p>
+            <a:endParaRPr lang="en-US" dirty="0" smtClean="0"/>
+          </a:p>
+          <a:p>
+            <a:r>
+              <a:rPr lang="en-US" dirty="0" smtClean="0">
+                <a:solidFill>
+                  <a:srgbClr val="FFFF00"/>
+                </a:solidFill>
+              </a:rPr>
+              <a:t>“Intermediate sized” particles </a:t>
+            </a:r>
+            <a:r>
+              <a:rPr lang="en-US" dirty="0" smtClean="0"/>
+              <a:t>(~cm-m size) experience a headwind and </a:t>
+            </a:r>
+            <a:r>
+              <a:rPr lang="en-US" dirty="0" smtClean="0">
+                <a:solidFill>
+                  <a:srgbClr val="FFFF00"/>
+                </a:solidFill>
+              </a:rPr>
+              <a:t>drift towards the star</a:t>
+            </a:r>
+          </a:p>
+          <a:p>
+            <a:pPr marL="457200" lvl="1" indent="0">
+              <a:buNone/>
+            </a:pPr>
+            <a:endParaRPr lang="en-US" dirty="0" smtClean="0"/>
           </a:p>
         </p:txBody>
       </p:sp>
     </p:spTree>
     <p:extLst>
       <p:ext uri="{BB962C8B-B14F-4D97-AF65-F5344CB8AC3E}">
-        <p14:creationId xmlns:p14="http://schemas.microsoft.com/office/powerpoint/2010/main" val="2382807012"/>
+        <p14:creationId xmlns:p14="http://schemas.microsoft.com/office/powerpoint/2010/main" val="2388135888"/>
       </p:ext>
     </p:extLst>
   </p:cSld>
@@ -16841,114 +16904,77 @@
                   <a:srgbClr val="FFFF00"/>
                 </a:solidFill>
               </a:rPr>
-              <a:t>Timescales</a:t>
+              <a:t>Gas disk accretes </a:t>
             </a:r>
             <a:r>
               <a:rPr lang="en-US" dirty="0" smtClean="0"/>
-              <a:t> for </a:t>
-            </a:r>
-            <a:r>
-              <a:rPr lang="en-US" dirty="0" smtClean="0">
-                <a:solidFill>
-                  <a:srgbClr val="FFFF00"/>
-                </a:solidFill>
-              </a:rPr>
-              <a:t>desorption</a:t>
-            </a:r>
+              <a:t>onto the central star</a:t>
+            </a:r>
+            <a:endParaRPr lang="en-US" dirty="0"/>
+          </a:p>
+        </p:txBody>
+      </p:sp>
+      <p:sp>
+        <p:nvSpPr>
+          <p:cNvPr id="3" name="Content Placeholder 2"/>
+          <p:cNvSpPr>
+            <a:spLocks noGrp="1"/>
+          </p:cNvSpPr>
+          <p:nvPr>
+            <p:ph idx="1"/>
+          </p:nvPr>
+        </p:nvSpPr>
+        <p:spPr/>
+        <p:txBody>
+          <a:bodyPr/>
+          <a:lstStyle/>
+          <a:p>
             <a:r>
               <a:rPr lang="en-US" dirty="0" smtClean="0"/>
-              <a:t>, </a:t>
-            </a:r>
-            <a:r>
-              <a:rPr lang="en-US" dirty="0" smtClean="0">
-                <a:solidFill>
-                  <a:srgbClr val="FFFF00"/>
-                </a:solidFill>
-              </a:rPr>
-              <a:t>radial drift </a:t>
+              <a:t>alpha-disk prescription: </a:t>
+            </a:r>
+            <a:r>
+              <a:rPr lang="en-US" dirty="0" err="1" smtClean="0"/>
+              <a:t>ν</a:t>
             </a:r>
             <a:r>
               <a:rPr lang="en-US" dirty="0" smtClean="0"/>
-              <a:t>and </a:t>
-            </a:r>
-            <a:r>
-              <a:rPr lang="en-US" dirty="0" smtClean="0">
-                <a:solidFill>
-                  <a:srgbClr val="FFFF00"/>
-                </a:solidFill>
-              </a:rPr>
-              <a:t>gas accretion </a:t>
+              <a:t> = α </a:t>
+            </a:r>
+            <a:r>
+              <a:rPr lang="en-US" dirty="0" err="1" smtClean="0"/>
+              <a:t>c</a:t>
+            </a:r>
+            <a:r>
+              <a:rPr lang="en-US" baseline="-25000" dirty="0" err="1" smtClean="0"/>
+              <a:t>s</a:t>
             </a:r>
             <a:r>
               <a:rPr lang="en-US" dirty="0" smtClean="0"/>
-              <a:t>ARE comparable</a:t>
+              <a:t> H</a:t>
             </a:r>
             <a:endParaRPr lang="en-US" dirty="0"/>
-          </a:p>
-        </p:txBody>
-      </p:sp>
-      <p:sp>
-        <p:nvSpPr>
-          <p:cNvPr id="5" name="TextBox 4"/>
-          <p:cNvSpPr txBox="1"/>
-          <p:nvPr/>
-        </p:nvSpPr>
-        <p:spPr>
-          <a:xfrm>
-            <a:off x="7374468" y="6396860"/>
-            <a:ext cx="1106311" cy="307777"/>
-          </a:xfrm>
-          <a:prstGeom prst="rect">
-            <a:avLst/>
-          </a:prstGeom>
-          <a:noFill/>
-        </p:spPr>
-        <p:txBody>
-          <a:bodyPr wrap="square" rtlCol="0">
-            <a:spAutoFit/>
-          </a:bodyPr>
-          <a:lstStyle/>
-          <a:p>
-            <a:r>
-              <a:rPr lang="en-US" sz="1400" dirty="0" smtClean="0">
-                <a:solidFill>
-                  <a:schemeClr val="bg1"/>
-                </a:solidFill>
-              </a:rPr>
-              <a:t>Piso+15</a:t>
-            </a:r>
-            <a:endParaRPr lang="en-US" sz="1400" dirty="0">
-              <a:solidFill>
-                <a:schemeClr val="bg1"/>
-              </a:solidFill>
-            </a:endParaRPr>
           </a:p>
         </p:txBody>
       </p:sp>
       <p:pic>
         <p:nvPicPr>
-          <p:cNvPr id="3" name="Picture 2" descr="drift_timescales_betaS1_gas_acc_new.pdf"/>
+          <p:cNvPr id="4" name="Picture 3"/>
           <p:cNvPicPr>
             <a:picLocks noChangeAspect="1"/>
           </p:cNvPicPr>
           <p:nvPr/>
         </p:nvPicPr>
         <p:blipFill>
-          <a:blip r:embed="rId2">
-            <a:extLst>
-              <a:ext uri="{28A0092B-C50C-407E-A947-70E740481C1C}">
-                <a14:useLocalDpi xmlns:a14="http://schemas.microsoft.com/office/drawing/2010/main" val="0"/>
-              </a:ext>
-            </a:extLst>
-          </a:blip>
+          <a:blip r:embed="rId2"/>
           <a:stretch>
             <a:fillRect/>
           </a:stretch>
         </p:blipFill>
         <p:spPr>
           <a:xfrm>
-            <a:off x="1233306" y="1634066"/>
-            <a:ext cx="6683023" cy="5012267"/>
+            <a:off x="1199445" y="2251284"/>
+            <a:ext cx="6886222" cy="4232441"/>
           </a:xfrm>
           <a:prstGeom prst="rect">
             <a:avLst/>
@@ -16957,14 +16983,14 @@
       </p:pic>
       <p:sp>
         <p:nvSpPr>
-          <p:cNvPr id="6" name="TextBox 5"/>
+          <p:cNvPr id="5" name="TextBox 4"/>
           <p:cNvSpPr txBox="1"/>
           <p:nvPr/>
         </p:nvSpPr>
         <p:spPr>
           <a:xfrm>
-            <a:off x="5891075" y="6242971"/>
-            <a:ext cx="2025254" cy="307777"/>
+            <a:off x="6731000" y="6136496"/>
+            <a:ext cx="1495778" cy="307777"/>
           </a:xfrm>
           <a:prstGeom prst="rect">
             <a:avLst/>
@@ -16978,12 +17004,20 @@
           <a:lstStyle/>
           <a:p>
             <a:r>
+              <a:rPr lang="en-US" sz="1400" dirty="0" err="1" smtClean="0">
+                <a:solidFill>
+                  <a:schemeClr val="bg1"/>
+                </a:solidFill>
+              </a:rPr>
+              <a:t>Armitage</a:t>
+            </a:r>
+            <a:r>
               <a:rPr lang="en-US" sz="1400" dirty="0" smtClean="0">
                 <a:solidFill>
                   <a:schemeClr val="bg1"/>
                 </a:solidFill>
               </a:rPr>
-              <a:t>Piso, Oberg, et al. (2015)</a:t>
+              <a:t> 2009</a:t>
             </a:r>
             <a:endParaRPr lang="en-US" sz="1400" dirty="0">
               <a:solidFill>
@@ -16996,7 +17030,7 @@
     </p:spTree>
     <p:extLst>
       <p:ext uri="{BB962C8B-B14F-4D97-AF65-F5344CB8AC3E}">
-        <p14:creationId xmlns:p14="http://schemas.microsoft.com/office/powerpoint/2010/main" val="3000364603"/>
+        <p14:creationId xmlns:p14="http://schemas.microsoft.com/office/powerpoint/2010/main" val="2382807012"/>
       </p:ext>
     </p:extLst>
   </p:cSld>
@@ -17040,12 +17074,7 @@
             <p:ph type="title"/>
           </p:nvPr>
         </p:nvSpPr>
-        <p:spPr>
-          <a:xfrm>
-            <a:off x="457200" y="-253998"/>
-            <a:ext cx="8229600" cy="1143000"/>
-          </a:xfrm>
-        </p:spPr>
+        <p:spPr/>
         <p:txBody>
           <a:bodyPr>
             <a:normAutofit fontScale="90000"/>
@@ -17058,11 +17087,11 @@
                   <a:srgbClr val="FFFF00"/>
                 </a:solidFill>
               </a:rPr>
-              <a:t>Radial drift </a:t>
+              <a:t>Timescales</a:t>
             </a:r>
             <a:r>
               <a:rPr lang="en-US" dirty="0" smtClean="0"/>
-              <a:t>affects </a:t>
+              <a:t> for </a:t>
             </a:r>
             <a:r>
               <a:rPr lang="en-US" dirty="0" smtClean="0">
@@ -17070,11 +17099,73 @@
                   <a:srgbClr val="FFFF00"/>
                 </a:solidFill>
               </a:rPr>
-              <a:t>snowline location</a:t>
-            </a:r>
-            <a:endParaRPr lang="en-US" dirty="0">
+              <a:t>desorption</a:t>
+            </a:r>
+            <a:r>
+              <a:rPr lang="en-US" dirty="0" smtClean="0"/>
+              <a:t>, </a:t>
+            </a:r>
+            <a:r>
+              <a:rPr lang="en-US" dirty="0" smtClean="0">
+                <a:solidFill>
+                  <a:srgbClr val="FFFF00"/>
+                </a:solidFill>
+              </a:rPr>
+              <a:t>radial drift </a:t>
+            </a:r>
+            <a:r>
+              <a:rPr lang="en-US" dirty="0" smtClean="0"/>
+              <a:t>and </a:t>
+            </a:r>
+            <a:r>
+              <a:rPr lang="en-US" dirty="0" smtClean="0">
+                <a:solidFill>
+                  <a:srgbClr val="FFFF00"/>
+                </a:solidFill>
+              </a:rPr>
+              <a:t>gas accretion </a:t>
+            </a:r>
+            <a:r>
+              <a:rPr lang="en-US" dirty="0" smtClean="0"/>
+              <a:t>ARE comparable</a:t>
+            </a:r>
+            <a:endParaRPr lang="en-US" dirty="0"/>
+          </a:p>
+        </p:txBody>
+      </p:sp>
+      <p:sp>
+        <p:nvSpPr>
+          <p:cNvPr id="5" name="TextBox 4"/>
+          <p:cNvSpPr txBox="1"/>
+          <p:nvPr/>
+        </p:nvSpPr>
+        <p:spPr>
+          <a:xfrm>
+            <a:off x="7374468" y="6396860"/>
+            <a:ext cx="1106311" cy="307777"/>
+          </a:xfrm>
+          <a:prstGeom prst="rect">
+            <a:avLst/>
+          </a:prstGeom>
+          <a:noFill/>
+        </p:spPr>
+        <p:txBody>
+          <a:bodyPr wrap="square" rtlCol="0">
+            <a:spAutoFit/>
+          </a:bodyPr>
+          <a:lstStyle/>
+          <a:p>
+            <a:r>
+              <a:rPr lang="en-US" sz="1400" dirty="0" smtClean="0">
+                <a:solidFill>
+                  <a:schemeClr val="bg1"/>
+                </a:solidFill>
+              </a:rPr>
+              <a:t>Piso+15</a:t>
+            </a:r>
+            <a:endParaRPr lang="en-US" sz="1400" dirty="0">
               <a:solidFill>
-                <a:srgbClr val="FFFF00"/>
+                <a:schemeClr val="bg1"/>
               </a:solidFill>
             </a:endParaRPr>
           </a:p>
@@ -17082,7 +17173,7 @@
       </p:sp>
       <p:pic>
         <p:nvPicPr>
-          <p:cNvPr id="6" name="Picture 5" descr="desorption_distance_passive_active_colorbar_test2.pdf"/>
+          <p:cNvPr id="3" name="Picture 2" descr="drift_timescales_betaS1_gas_acc_new.pdf"/>
           <p:cNvPicPr>
             <a:picLocks noChangeAspect="1"/>
           </p:cNvPicPr>
@@ -17102,8 +17193,8 @@
         </p:blipFill>
         <p:spPr>
           <a:xfrm>
-            <a:off x="1890888" y="889002"/>
-            <a:ext cx="5418667" cy="5840119"/>
+            <a:off x="1233306" y="1634066"/>
+            <a:ext cx="6683023" cy="5012267"/>
           </a:xfrm>
           <a:prstGeom prst="rect">
             <a:avLst/>
@@ -17112,13 +17203,13 @@
       </p:pic>
       <p:sp>
         <p:nvSpPr>
-          <p:cNvPr id="5" name="TextBox 4"/>
+          <p:cNvPr id="6" name="TextBox 5"/>
           <p:cNvSpPr txBox="1"/>
           <p:nvPr/>
         </p:nvSpPr>
         <p:spPr>
           <a:xfrm>
-            <a:off x="5418168" y="6396859"/>
+            <a:off x="5891075" y="6242971"/>
             <a:ext cx="2025254" cy="307777"/>
           </a:xfrm>
           <a:prstGeom prst="rect">
@@ -17151,7 +17242,7 @@
     </p:spTree>
     <p:extLst>
       <p:ext uri="{BB962C8B-B14F-4D97-AF65-F5344CB8AC3E}">
-        <p14:creationId xmlns:p14="http://schemas.microsoft.com/office/powerpoint/2010/main" val="517838497"/>
+        <p14:creationId xmlns:p14="http://schemas.microsoft.com/office/powerpoint/2010/main" val="3000364603"/>
       </p:ext>
     </p:extLst>
   </p:cSld>
@@ -17197,51 +17288,47 @@
         </p:nvSpPr>
         <p:spPr>
           <a:xfrm>
-            <a:off x="457200" y="20638"/>
+            <a:off x="457200" y="-253998"/>
             <a:ext cx="8229600" cy="1143000"/>
           </a:xfrm>
         </p:spPr>
         <p:txBody>
           <a:bodyPr>
-            <a:noAutofit/>
+            <a:normAutofit fontScale="90000"/>
           </a:bodyPr>
           <a:lstStyle/>
           <a:p>
             <a:r>
-              <a:rPr lang="en-US" sz="3600" dirty="0" smtClean="0"/>
-              <a:t>We determined </a:t>
-            </a:r>
-            <a:r>
-              <a:rPr lang="en-US" sz="3600" dirty="0" smtClean="0">
+              <a:rPr lang="en-US" dirty="0" smtClean="0">
                 <a:solidFill>
                   <a:srgbClr val="FFFF00"/>
                 </a:solidFill>
               </a:rPr>
-              <a:t>upper limits </a:t>
-            </a:r>
-            <a:r>
-              <a:rPr lang="en-US" sz="3600" dirty="0" smtClean="0"/>
-              <a:t>for the </a:t>
-            </a:r>
-            <a:r>
-              <a:rPr lang="en-US" sz="3600" dirty="0" smtClean="0">
+              <a:t>Radial drift </a:t>
+            </a:r>
+            <a:r>
+              <a:rPr lang="en-US" dirty="0" smtClean="0"/>
+              <a:t>affects </a:t>
+            </a:r>
+            <a:r>
+              <a:rPr lang="en-US" dirty="0" smtClean="0">
                 <a:solidFill>
                   <a:srgbClr val="FFFF00"/>
                 </a:solidFill>
               </a:rPr>
-              <a:t>C/O ratio</a:t>
-            </a:r>
-            <a:r>
-              <a:rPr lang="en-US" sz="3600" dirty="0" smtClean="0"/>
-              <a:t> across the disk</a:t>
-            </a:r>
-            <a:endParaRPr lang="en-US" sz="3600" dirty="0"/>
+              <a:t>snowline location</a:t>
+            </a:r>
+            <a:endParaRPr lang="en-US" dirty="0">
+              <a:solidFill>
+                <a:srgbClr val="FFFF00"/>
+              </a:solidFill>
+            </a:endParaRPr>
           </a:p>
         </p:txBody>
       </p:sp>
       <p:pic>
         <p:nvPicPr>
-          <p:cNvPr id="3" name="Picture 2" descr="C_O_ratio_passive_active_disk_many_colorbar_complete_new.pdf"/>
+          <p:cNvPr id="6" name="Picture 5" descr="desorption_distance_passive_active_colorbar_test2.pdf"/>
           <p:cNvPicPr>
             <a:picLocks noChangeAspect="1"/>
           </p:cNvPicPr>
@@ -17261,8 +17348,8 @@
         </p:blipFill>
         <p:spPr>
           <a:xfrm>
-            <a:off x="1961445" y="1163638"/>
-            <a:ext cx="5446888" cy="5446888"/>
+            <a:off x="1890888" y="889002"/>
+            <a:ext cx="5418667" cy="5840119"/>
           </a:xfrm>
           <a:prstGeom prst="rect">
             <a:avLst/>
@@ -17277,7 +17364,7 @@
         </p:nvSpPr>
         <p:spPr>
           <a:xfrm>
-            <a:off x="5504687" y="6289239"/>
+            <a:off x="5418168" y="6396859"/>
             <a:ext cx="2025254" cy="307777"/>
           </a:xfrm>
           <a:prstGeom prst="rect">
@@ -17310,7 +17397,7 @@
     </p:spTree>
     <p:extLst>
       <p:ext uri="{BB962C8B-B14F-4D97-AF65-F5344CB8AC3E}">
-        <p14:creationId xmlns:p14="http://schemas.microsoft.com/office/powerpoint/2010/main" val="1605698527"/>
+        <p14:creationId xmlns:p14="http://schemas.microsoft.com/office/powerpoint/2010/main" val="517838497"/>
       </p:ext>
     </p:extLst>
   </p:cSld>
@@ -17354,293 +17441,122 @@
             <p:ph type="title"/>
           </p:nvPr>
         </p:nvSpPr>
-        <p:spPr/>
-        <p:txBody>
-          <a:bodyPr/>
+        <p:spPr>
+          <a:xfrm>
+            <a:off x="457200" y="20638"/>
+            <a:ext cx="8229600" cy="1143000"/>
+          </a:xfrm>
+        </p:spPr>
+        <p:txBody>
+          <a:bodyPr>
+            <a:noAutofit/>
+          </a:bodyPr>
           <a:lstStyle/>
           <a:p>
             <a:r>
-              <a:rPr lang="en-US" dirty="0" smtClean="0"/>
-              <a:t>Summary of </a:t>
-            </a:r>
-            <a:r>
-              <a:rPr lang="en-US" dirty="0" smtClean="0">
+              <a:rPr lang="en-US" sz="3600" dirty="0" smtClean="0"/>
+              <a:t>We determined </a:t>
+            </a:r>
+            <a:r>
+              <a:rPr lang="en-US" sz="3600" dirty="0" smtClean="0">
                 <a:solidFill>
                   <a:srgbClr val="FFFF00"/>
                 </a:solidFill>
               </a:rPr>
-              <a:t>Part II</a:t>
-            </a:r>
-            <a:endParaRPr lang="en-US" dirty="0">
+              <a:t>upper limits </a:t>
+            </a:r>
+            <a:r>
+              <a:rPr lang="en-US" sz="3600" dirty="0" smtClean="0"/>
+              <a:t>for the </a:t>
+            </a:r>
+            <a:r>
+              <a:rPr lang="en-US" sz="3600" dirty="0" smtClean="0">
+                <a:solidFill>
+                  <a:srgbClr val="FFFF00"/>
+                </a:solidFill>
+              </a:rPr>
+              <a:t>C/O ratio</a:t>
+            </a:r>
+            <a:r>
+              <a:rPr lang="en-US" sz="3600" dirty="0" smtClean="0"/>
+              <a:t> across the disk</a:t>
+            </a:r>
+            <a:endParaRPr lang="en-US" sz="3600" dirty="0"/>
+          </a:p>
+        </p:txBody>
+      </p:sp>
+      <p:pic>
+        <p:nvPicPr>
+          <p:cNvPr id="3" name="Picture 2" descr="C_O_ratio_passive_active_disk_many_colorbar_complete_new.pdf"/>
+          <p:cNvPicPr>
+            <a:picLocks noChangeAspect="1"/>
+          </p:cNvPicPr>
+          <p:nvPr/>
+        </p:nvPicPr>
+        <p:blipFill>
+          <a:blip r:embed="rId2">
+            <a:extLst>
+              <a:ext uri="{28A0092B-C50C-407E-A947-70E740481C1C}">
+                <a14:useLocalDpi xmlns:a14="http://schemas.microsoft.com/office/drawing/2010/main" val="0"/>
+              </a:ext>
+            </a:extLst>
+          </a:blip>
+          <a:stretch>
+            <a:fillRect/>
+          </a:stretch>
+        </p:blipFill>
+        <p:spPr>
+          <a:xfrm>
+            <a:off x="1961445" y="1163638"/>
+            <a:ext cx="5446888" cy="5446888"/>
+          </a:xfrm>
+          <a:prstGeom prst="rect">
+            <a:avLst/>
+          </a:prstGeom>
+        </p:spPr>
+      </p:pic>
+      <p:sp>
+        <p:nvSpPr>
+          <p:cNvPr id="5" name="TextBox 4"/>
+          <p:cNvSpPr txBox="1"/>
+          <p:nvPr/>
+        </p:nvSpPr>
+        <p:spPr>
+          <a:xfrm>
+            <a:off x="5504687" y="6289239"/>
+            <a:ext cx="2025254" cy="307777"/>
+          </a:xfrm>
+          <a:prstGeom prst="rect">
+            <a:avLst/>
+          </a:prstGeom>
+          <a:noFill/>
+        </p:spPr>
+        <p:txBody>
+          <a:bodyPr wrap="square" rtlCol="0">
+            <a:spAutoFit/>
+          </a:bodyPr>
+          <a:lstStyle/>
+          <a:p>
+            <a:r>
+              <a:rPr lang="en-US" sz="1400" dirty="0" smtClean="0">
+                <a:solidFill>
+                  <a:schemeClr val="bg1"/>
+                </a:solidFill>
+              </a:rPr>
+              <a:t>Piso, Oberg, et al. (2015)</a:t>
+            </a:r>
+            <a:endParaRPr lang="en-US" sz="1400" dirty="0">
               <a:solidFill>
-                <a:srgbClr val="FFFF00"/>
+                <a:schemeClr val="bg1"/>
               </a:solidFill>
             </a:endParaRPr>
-          </a:p>
-        </p:txBody>
-      </p:sp>
-      <p:sp>
-        <p:nvSpPr>
-          <p:cNvPr id="3" name="Content Placeholder 2"/>
-          <p:cNvSpPr>
-            <a:spLocks noGrp="1"/>
-          </p:cNvSpPr>
-          <p:nvPr>
-            <p:ph idx="1"/>
-          </p:nvPr>
-        </p:nvSpPr>
-        <p:spPr>
-          <a:xfrm>
-            <a:off x="457200" y="1417638"/>
-            <a:ext cx="8229600" cy="4708525"/>
-          </a:xfrm>
-        </p:spPr>
-        <p:txBody>
-          <a:bodyPr>
-            <a:normAutofit fontScale="85000" lnSpcReduction="10000"/>
-          </a:bodyPr>
-          <a:lstStyle/>
-          <a:p>
-            <a:r>
-              <a:rPr lang="en-US" dirty="0" smtClean="0">
-                <a:solidFill>
-                  <a:srgbClr val="FFFF00"/>
-                </a:solidFill>
-              </a:rPr>
-              <a:t>Radial drift</a:t>
-            </a:r>
-            <a:r>
-              <a:rPr lang="en-US" dirty="0" smtClean="0"/>
-              <a:t> and </a:t>
-            </a:r>
-            <a:r>
-              <a:rPr lang="en-US" dirty="0" smtClean="0">
-                <a:solidFill>
-                  <a:srgbClr val="FFFF00"/>
-                </a:solidFill>
-              </a:rPr>
-              <a:t>gas accretion </a:t>
-            </a:r>
-            <a:r>
-              <a:rPr lang="en-US" dirty="0" smtClean="0"/>
-              <a:t>affect desorption and </a:t>
-            </a:r>
-            <a:r>
-              <a:rPr lang="en-US" dirty="0" smtClean="0">
-                <a:solidFill>
-                  <a:srgbClr val="FFFF00"/>
-                </a:solidFill>
-              </a:rPr>
-              <a:t>move the snowline locations </a:t>
-            </a:r>
-            <a:r>
-              <a:rPr lang="en-US" dirty="0" smtClean="0"/>
-              <a:t>compared to a static disk</a:t>
-            </a:r>
-          </a:p>
-          <a:p>
-            <a:endParaRPr lang="en-US" dirty="0" smtClean="0"/>
-          </a:p>
-          <a:p>
-            <a:r>
-              <a:rPr lang="en-US" dirty="0" smtClean="0"/>
-              <a:t>The H</a:t>
-            </a:r>
-            <a:r>
-              <a:rPr lang="en-US" baseline="-25000" dirty="0" smtClean="0"/>
-              <a:t>2</a:t>
-            </a:r>
-            <a:r>
-              <a:rPr lang="en-US" dirty="0" smtClean="0"/>
-              <a:t>O, CO</a:t>
-            </a:r>
-            <a:r>
-              <a:rPr lang="en-US" baseline="-25000" dirty="0" smtClean="0"/>
-              <a:t>2</a:t>
-            </a:r>
-            <a:r>
-              <a:rPr lang="en-US" dirty="0" smtClean="0"/>
-              <a:t> and CO snowlines are created by the </a:t>
-            </a:r>
-            <a:r>
-              <a:rPr lang="en-US" dirty="0" smtClean="0">
-                <a:solidFill>
-                  <a:srgbClr val="FFFF00"/>
-                </a:solidFill>
-              </a:rPr>
-              <a:t>largest drifting particles </a:t>
-            </a:r>
-            <a:r>
-              <a:rPr lang="en-US" dirty="0" smtClean="0"/>
-              <a:t>in our model, i.e. </a:t>
-            </a:r>
-            <a:r>
-              <a:rPr lang="en-US" i="1" dirty="0" smtClean="0">
-                <a:solidFill>
-                  <a:srgbClr val="FFFF00"/>
-                </a:solidFill>
-              </a:rPr>
-              <a:t>s</a:t>
-            </a:r>
-            <a:r>
-              <a:rPr lang="en-US" dirty="0" smtClean="0">
-                <a:solidFill>
-                  <a:srgbClr val="FFFF00"/>
-                </a:solidFill>
-              </a:rPr>
-              <a:t> ~ 7 m</a:t>
-            </a:r>
-          </a:p>
-          <a:p>
-            <a:endParaRPr lang="en-US" dirty="0" smtClean="0"/>
-          </a:p>
-          <a:p>
-            <a:r>
-              <a:rPr lang="en-US" dirty="0" smtClean="0"/>
-              <a:t>Snowlines move </a:t>
-            </a:r>
-            <a:r>
-              <a:rPr lang="en-US" dirty="0" smtClean="0">
-                <a:solidFill>
-                  <a:srgbClr val="FFFF00"/>
-                </a:solidFill>
-              </a:rPr>
-              <a:t>inwards</a:t>
-            </a:r>
-            <a:r>
-              <a:rPr lang="en-US" dirty="0" smtClean="0"/>
-              <a:t> as the </a:t>
-            </a:r>
-            <a:r>
-              <a:rPr lang="en-US" dirty="0" smtClean="0">
-                <a:solidFill>
-                  <a:srgbClr val="FFFF00"/>
-                </a:solidFill>
-              </a:rPr>
-              <a:t>particle size increases </a:t>
-            </a:r>
-          </a:p>
-          <a:p>
-            <a:pPr lvl="1"/>
-            <a:r>
-              <a:rPr lang="en-US" dirty="0" smtClean="0">
-                <a:solidFill>
-                  <a:srgbClr val="FFFF00"/>
-                </a:solidFill>
-              </a:rPr>
-              <a:t>~60% </a:t>
-            </a:r>
-            <a:r>
-              <a:rPr lang="en-US" dirty="0" smtClean="0"/>
-              <a:t>for</a:t>
-            </a:r>
-            <a:r>
-              <a:rPr lang="en-US" dirty="0" smtClean="0">
-                <a:solidFill>
-                  <a:srgbClr val="FFFF00"/>
-                </a:solidFill>
-              </a:rPr>
-              <a:t> H</a:t>
-            </a:r>
-            <a:r>
-              <a:rPr lang="en-US" baseline="-25000" dirty="0" smtClean="0">
-                <a:solidFill>
-                  <a:srgbClr val="FFFF00"/>
-                </a:solidFill>
-              </a:rPr>
-              <a:t>2</a:t>
-            </a:r>
-            <a:r>
-              <a:rPr lang="en-US" dirty="0" smtClean="0">
-                <a:solidFill>
-                  <a:srgbClr val="FFFF00"/>
-                </a:solidFill>
-              </a:rPr>
-              <a:t>O</a:t>
-            </a:r>
-          </a:p>
-          <a:p>
-            <a:pPr lvl="1"/>
-            <a:r>
-              <a:rPr lang="en-US" dirty="0" smtClean="0">
-                <a:solidFill>
-                  <a:srgbClr val="FFFF00"/>
-                </a:solidFill>
-              </a:rPr>
-              <a:t>~60% </a:t>
-            </a:r>
-            <a:r>
-              <a:rPr lang="en-US" dirty="0" smtClean="0">
-                <a:solidFill>
-                  <a:srgbClr val="FFFFFF"/>
-                </a:solidFill>
-              </a:rPr>
-              <a:t>for</a:t>
-            </a:r>
-            <a:r>
-              <a:rPr lang="en-US" dirty="0" smtClean="0">
-                <a:solidFill>
-                  <a:srgbClr val="FFFF00"/>
-                </a:solidFill>
-              </a:rPr>
-              <a:t> CO</a:t>
-            </a:r>
-            <a:r>
-              <a:rPr lang="en-US" baseline="-25000" dirty="0" smtClean="0">
-                <a:solidFill>
-                  <a:srgbClr val="FFFF00"/>
-                </a:solidFill>
-              </a:rPr>
-              <a:t>2</a:t>
-            </a:r>
-            <a:endParaRPr lang="en-US" dirty="0" smtClean="0">
-              <a:solidFill>
-                <a:srgbClr val="FFFF00"/>
-              </a:solidFill>
-            </a:endParaRPr>
-          </a:p>
-          <a:p>
-            <a:pPr lvl="1"/>
-            <a:r>
-              <a:rPr lang="en-US" dirty="0" smtClean="0">
-                <a:solidFill>
-                  <a:srgbClr val="FFFF00"/>
-                </a:solidFill>
-              </a:rPr>
-              <a:t>~50% </a:t>
-            </a:r>
-            <a:r>
-              <a:rPr lang="en-US" dirty="0" smtClean="0">
-                <a:solidFill>
-                  <a:srgbClr val="FFFFFF"/>
-                </a:solidFill>
-              </a:rPr>
-              <a:t>for</a:t>
-            </a:r>
-            <a:r>
-              <a:rPr lang="en-US" dirty="0" smtClean="0">
-                <a:solidFill>
-                  <a:srgbClr val="FFFF00"/>
-                </a:solidFill>
-              </a:rPr>
-              <a:t> CO</a:t>
-            </a:r>
-          </a:p>
-          <a:p>
-            <a:endParaRPr lang="en-US" dirty="0" smtClean="0"/>
-          </a:p>
-          <a:p>
-            <a:endParaRPr lang="en-US" dirty="0" smtClean="0"/>
-          </a:p>
-          <a:p>
-            <a:endParaRPr lang="en-US" dirty="0"/>
           </a:p>
         </p:txBody>
       </p:sp>
     </p:spTree>
     <p:extLst>
       <p:ext uri="{BB962C8B-B14F-4D97-AF65-F5344CB8AC3E}">
-        <p14:creationId xmlns:p14="http://schemas.microsoft.com/office/powerpoint/2010/main" val="2696013150"/>
+        <p14:creationId xmlns:p14="http://schemas.microsoft.com/office/powerpoint/2010/main" val="1605698527"/>
       </p:ext>
     </p:extLst>
   </p:cSld>
@@ -17684,25 +17600,22 @@
             <p:ph type="title"/>
           </p:nvPr>
         </p:nvSpPr>
-        <p:spPr>
-          <a:xfrm>
-            <a:off x="673387" y="27020"/>
-            <a:ext cx="8229600" cy="1143000"/>
-          </a:xfrm>
-        </p:spPr>
-        <p:txBody>
-          <a:bodyPr>
-            <a:noAutofit/>
-          </a:bodyPr>
+        <p:spPr/>
+        <p:txBody>
+          <a:bodyPr/>
           <a:lstStyle/>
           <a:p>
             <a:r>
+              <a:rPr lang="en-US" dirty="0" smtClean="0"/>
+              <a:t>Summary of </a:t>
+            </a:r>
+            <a:r>
               <a:rPr lang="en-US" dirty="0" smtClean="0">
                 <a:solidFill>
                   <a:srgbClr val="FFFF00"/>
                 </a:solidFill>
               </a:rPr>
-              <a:t>NEXT STEPS</a:t>
+              <a:t>Part II</a:t>
             </a:r>
             <a:endParaRPr lang="en-US" dirty="0">
               <a:solidFill>
@@ -17712,74 +17625,268 @@
           </a:p>
         </p:txBody>
       </p:sp>
-      <p:pic>
-        <p:nvPicPr>
-          <p:cNvPr id="3" name="Picture 2" descr="disk_semenov.png"/>
-          <p:cNvPicPr>
-            <a:picLocks noChangeAspect="1"/>
-          </p:cNvPicPr>
-          <p:nvPr/>
-        </p:nvPicPr>
-        <p:blipFill>
-          <a:blip r:embed="rId2">
-            <a:extLst>
-              <a:ext uri="{28A0092B-C50C-407E-A947-70E740481C1C}">
-                <a14:useLocalDpi xmlns:a14="http://schemas.microsoft.com/office/drawing/2010/main" val="0"/>
-              </a:ext>
-            </a:extLst>
-          </a:blip>
-          <a:stretch>
-            <a:fillRect/>
-          </a:stretch>
-        </p:blipFill>
-        <p:spPr>
-          <a:xfrm>
-            <a:off x="157325" y="1016834"/>
-            <a:ext cx="8972172" cy="5154892"/>
-          </a:xfrm>
-          <a:prstGeom prst="rect">
-            <a:avLst/>
-          </a:prstGeom>
-        </p:spPr>
-      </p:pic>
-      <p:sp>
-        <p:nvSpPr>
-          <p:cNvPr id="4" name="TextBox 3"/>
-          <p:cNvSpPr txBox="1"/>
-          <p:nvPr/>
-        </p:nvSpPr>
-        <p:spPr>
-          <a:xfrm>
-            <a:off x="6637474" y="6208221"/>
-            <a:ext cx="2492023" cy="307777"/>
-          </a:xfrm>
-          <a:prstGeom prst="rect">
-            <a:avLst/>
-          </a:prstGeom>
-          <a:noFill/>
-        </p:spPr>
-        <p:txBody>
-          <a:bodyPr wrap="square" rtlCol="0">
-            <a:spAutoFit/>
+      <p:sp>
+        <p:nvSpPr>
+          <p:cNvPr id="3" name="Content Placeholder 2"/>
+          <p:cNvSpPr>
+            <a:spLocks noGrp="1"/>
+          </p:cNvSpPr>
+          <p:nvPr>
+            <p:ph idx="1"/>
+          </p:nvPr>
+        </p:nvSpPr>
+        <p:spPr>
+          <a:xfrm>
+            <a:off x="457200" y="1417638"/>
+            <a:ext cx="8229600" cy="4708525"/>
+          </a:xfrm>
+        </p:spPr>
+        <p:txBody>
+          <a:bodyPr>
+            <a:normAutofit fontScale="85000" lnSpcReduction="10000"/>
           </a:bodyPr>
           <a:lstStyle/>
           <a:p>
             <a:r>
-              <a:rPr lang="en-US" sz="1400" dirty="0" err="1" smtClean="0"/>
-              <a:t>Henning&amp;Semenov</a:t>
-            </a:r>
-            <a:r>
-              <a:rPr lang="en-US" sz="1400" dirty="0" smtClean="0"/>
-              <a:t> (2013)</a:t>
-            </a:r>
-            <a:endParaRPr lang="en-US" sz="1400" dirty="0"/>
+              <a:rPr lang="en-US" dirty="0" smtClean="0">
+                <a:solidFill>
+                  <a:srgbClr val="FFFF00"/>
+                </a:solidFill>
+              </a:rPr>
+              <a:t>Radial drift</a:t>
+            </a:r>
+            <a:r>
+              <a:rPr lang="en-US" dirty="0" smtClean="0"/>
+              <a:t> and </a:t>
+            </a:r>
+            <a:r>
+              <a:rPr lang="en-US" dirty="0" smtClean="0">
+                <a:solidFill>
+                  <a:srgbClr val="FFFF00"/>
+                </a:solidFill>
+              </a:rPr>
+              <a:t>gas accretion </a:t>
+            </a:r>
+            <a:r>
+              <a:rPr lang="en-US" dirty="0" smtClean="0"/>
+              <a:t>affect desorption and </a:t>
+            </a:r>
+            <a:r>
+              <a:rPr lang="en-US" dirty="0" smtClean="0">
+                <a:solidFill>
+                  <a:srgbClr val="FFFF00"/>
+                </a:solidFill>
+              </a:rPr>
+              <a:t>move the snowline locations </a:t>
+            </a:r>
+            <a:r>
+              <a:rPr lang="en-US" dirty="0" smtClean="0"/>
+              <a:t>compared to a static disk</a:t>
+            </a:r>
+          </a:p>
+          <a:p>
+            <a:endParaRPr lang="en-US" dirty="0" smtClean="0"/>
+          </a:p>
+          <a:p>
+            <a:r>
+              <a:rPr lang="en-US" dirty="0" smtClean="0"/>
+              <a:t>The H</a:t>
+            </a:r>
+            <a:r>
+              <a:rPr lang="en-US" baseline="-25000" dirty="0" smtClean="0"/>
+              <a:t>2</a:t>
+            </a:r>
+            <a:r>
+              <a:rPr lang="en-US" dirty="0" smtClean="0"/>
+              <a:t>O, CO</a:t>
+            </a:r>
+            <a:r>
+              <a:rPr lang="en-US" baseline="-25000" dirty="0" smtClean="0"/>
+              <a:t>2</a:t>
+            </a:r>
+            <a:r>
+              <a:rPr lang="en-US" dirty="0" smtClean="0"/>
+              <a:t> and CO snowlines are created by the </a:t>
+            </a:r>
+            <a:r>
+              <a:rPr lang="en-US" dirty="0" smtClean="0">
+                <a:solidFill>
+                  <a:srgbClr val="FFFF00"/>
+                </a:solidFill>
+              </a:rPr>
+              <a:t>largest drifting particles </a:t>
+            </a:r>
+            <a:r>
+              <a:rPr lang="en-US" dirty="0" smtClean="0"/>
+              <a:t>in our model, i.e. </a:t>
+            </a:r>
+            <a:r>
+              <a:rPr lang="en-US" i="1" dirty="0" smtClean="0">
+                <a:solidFill>
+                  <a:srgbClr val="FFFF00"/>
+                </a:solidFill>
+              </a:rPr>
+              <a:t>s</a:t>
+            </a:r>
+            <a:r>
+              <a:rPr lang="en-US" dirty="0" smtClean="0">
+                <a:solidFill>
+                  <a:srgbClr val="FFFF00"/>
+                </a:solidFill>
+              </a:rPr>
+              <a:t> ~ 7 m</a:t>
+            </a:r>
+          </a:p>
+          <a:p>
+            <a:endParaRPr lang="en-US" dirty="0" smtClean="0"/>
+          </a:p>
+          <a:p>
+            <a:r>
+              <a:rPr lang="en-US" dirty="0" smtClean="0"/>
+              <a:t>Snowlines move </a:t>
+            </a:r>
+            <a:r>
+              <a:rPr lang="en-US" dirty="0" smtClean="0">
+                <a:solidFill>
+                  <a:srgbClr val="FFFF00"/>
+                </a:solidFill>
+              </a:rPr>
+              <a:t>inwards</a:t>
+            </a:r>
+            <a:r>
+              <a:rPr lang="en-US" dirty="0" smtClean="0"/>
+              <a:t> as the </a:t>
+            </a:r>
+            <a:r>
+              <a:rPr lang="en-US" dirty="0" smtClean="0">
+                <a:solidFill>
+                  <a:srgbClr val="FFFF00"/>
+                </a:solidFill>
+              </a:rPr>
+              <a:t>particle size increases </a:t>
+            </a:r>
+          </a:p>
+          <a:p>
+            <a:pPr lvl="1"/>
+            <a:r>
+              <a:rPr lang="en-US" dirty="0" smtClean="0">
+                <a:solidFill>
+                  <a:srgbClr val="FFFF00"/>
+                </a:solidFill>
+              </a:rPr>
+              <a:t>~60% </a:t>
+            </a:r>
+            <a:r>
+              <a:rPr lang="en-US" dirty="0" smtClean="0"/>
+              <a:t>for</a:t>
+            </a:r>
+            <a:r>
+              <a:rPr lang="en-US" dirty="0" smtClean="0">
+                <a:solidFill>
+                  <a:srgbClr val="FFFF00"/>
+                </a:solidFill>
+              </a:rPr>
+              <a:t> H</a:t>
+            </a:r>
+            <a:r>
+              <a:rPr lang="en-US" baseline="-25000" dirty="0" smtClean="0">
+                <a:solidFill>
+                  <a:srgbClr val="FFFF00"/>
+                </a:solidFill>
+              </a:rPr>
+              <a:t>2</a:t>
+            </a:r>
+            <a:r>
+              <a:rPr lang="en-US" dirty="0" smtClean="0">
+                <a:solidFill>
+                  <a:srgbClr val="FFFF00"/>
+                </a:solidFill>
+              </a:rPr>
+              <a:t>O</a:t>
+            </a:r>
+          </a:p>
+          <a:p>
+            <a:pPr lvl="1"/>
+            <a:r>
+              <a:rPr lang="en-US" dirty="0" smtClean="0">
+                <a:solidFill>
+                  <a:srgbClr val="FFFF00"/>
+                </a:solidFill>
+              </a:rPr>
+              <a:t>~60% </a:t>
+            </a:r>
+            <a:r>
+              <a:rPr lang="en-US" dirty="0" smtClean="0">
+                <a:solidFill>
+                  <a:srgbClr val="FFFFFF"/>
+                </a:solidFill>
+              </a:rPr>
+              <a:t>for</a:t>
+            </a:r>
+            <a:r>
+              <a:rPr lang="en-US" dirty="0" smtClean="0">
+                <a:solidFill>
+                  <a:srgbClr val="FFFF00"/>
+                </a:solidFill>
+              </a:rPr>
+              <a:t> CO</a:t>
+            </a:r>
+            <a:r>
+              <a:rPr lang="en-US" baseline="-25000" dirty="0" smtClean="0">
+                <a:solidFill>
+                  <a:srgbClr val="FFFF00"/>
+                </a:solidFill>
+              </a:rPr>
+              <a:t>2</a:t>
+            </a:r>
+            <a:endParaRPr lang="en-US" dirty="0" smtClean="0">
+              <a:solidFill>
+                <a:srgbClr val="FFFF00"/>
+              </a:solidFill>
+            </a:endParaRPr>
+          </a:p>
+          <a:p>
+            <a:pPr lvl="1"/>
+            <a:r>
+              <a:rPr lang="en-US" dirty="0" smtClean="0">
+                <a:solidFill>
+                  <a:srgbClr val="FFFF00"/>
+                </a:solidFill>
+              </a:rPr>
+              <a:t>~50% </a:t>
+            </a:r>
+            <a:r>
+              <a:rPr lang="en-US" dirty="0" smtClean="0">
+                <a:solidFill>
+                  <a:srgbClr val="FFFFFF"/>
+                </a:solidFill>
+              </a:rPr>
+              <a:t>for</a:t>
+            </a:r>
+            <a:r>
+              <a:rPr lang="en-US" dirty="0" smtClean="0">
+                <a:solidFill>
+                  <a:srgbClr val="FFFF00"/>
+                </a:solidFill>
+              </a:rPr>
+              <a:t> CO</a:t>
+            </a:r>
+          </a:p>
+          <a:p>
+            <a:endParaRPr lang="en-US" dirty="0" smtClean="0"/>
+          </a:p>
+          <a:p>
+            <a:endParaRPr lang="en-US" dirty="0" smtClean="0"/>
+          </a:p>
+          <a:p>
+            <a:endParaRPr lang="en-US" dirty="0"/>
           </a:p>
         </p:txBody>
       </p:sp>
     </p:spTree>
     <p:extLst>
       <p:ext uri="{BB962C8B-B14F-4D97-AF65-F5344CB8AC3E}">
-        <p14:creationId xmlns:p14="http://schemas.microsoft.com/office/powerpoint/2010/main" val="587156780"/>
+        <p14:creationId xmlns:p14="http://schemas.microsoft.com/office/powerpoint/2010/main" val="2696013150"/>
       </p:ext>
     </p:extLst>
   </p:cSld>
@@ -17825,6 +17932,145 @@
         </p:nvSpPr>
         <p:spPr>
           <a:xfrm>
+            <a:off x="673387" y="27020"/>
+            <a:ext cx="8229600" cy="1143000"/>
+          </a:xfrm>
+        </p:spPr>
+        <p:txBody>
+          <a:bodyPr>
+            <a:noAutofit/>
+          </a:bodyPr>
+          <a:lstStyle/>
+          <a:p>
+            <a:r>
+              <a:rPr lang="en-US" dirty="0" smtClean="0">
+                <a:solidFill>
+                  <a:srgbClr val="FFFF00"/>
+                </a:solidFill>
+              </a:rPr>
+              <a:t>NEXT STEPS</a:t>
+            </a:r>
+            <a:endParaRPr lang="en-US" dirty="0">
+              <a:solidFill>
+                <a:srgbClr val="FFFF00"/>
+              </a:solidFill>
+            </a:endParaRPr>
+          </a:p>
+        </p:txBody>
+      </p:sp>
+      <p:pic>
+        <p:nvPicPr>
+          <p:cNvPr id="3" name="Picture 2" descr="disk_semenov.png"/>
+          <p:cNvPicPr>
+            <a:picLocks noChangeAspect="1"/>
+          </p:cNvPicPr>
+          <p:nvPr/>
+        </p:nvPicPr>
+        <p:blipFill>
+          <a:blip r:embed="rId2">
+            <a:extLst>
+              <a:ext uri="{28A0092B-C50C-407E-A947-70E740481C1C}">
+                <a14:useLocalDpi xmlns:a14="http://schemas.microsoft.com/office/drawing/2010/main" val="0"/>
+              </a:ext>
+            </a:extLst>
+          </a:blip>
+          <a:stretch>
+            <a:fillRect/>
+          </a:stretch>
+        </p:blipFill>
+        <p:spPr>
+          <a:xfrm>
+            <a:off x="157325" y="1016834"/>
+            <a:ext cx="8972172" cy="5154892"/>
+          </a:xfrm>
+          <a:prstGeom prst="rect">
+            <a:avLst/>
+          </a:prstGeom>
+        </p:spPr>
+      </p:pic>
+      <p:sp>
+        <p:nvSpPr>
+          <p:cNvPr id="4" name="TextBox 3"/>
+          <p:cNvSpPr txBox="1"/>
+          <p:nvPr/>
+        </p:nvSpPr>
+        <p:spPr>
+          <a:xfrm>
+            <a:off x="6637474" y="6208221"/>
+            <a:ext cx="2492023" cy="307777"/>
+          </a:xfrm>
+          <a:prstGeom prst="rect">
+            <a:avLst/>
+          </a:prstGeom>
+          <a:noFill/>
+        </p:spPr>
+        <p:txBody>
+          <a:bodyPr wrap="square" rtlCol="0">
+            <a:spAutoFit/>
+          </a:bodyPr>
+          <a:lstStyle/>
+          <a:p>
+            <a:r>
+              <a:rPr lang="en-US" sz="1400" dirty="0" err="1" smtClean="0"/>
+              <a:t>Henning&amp;Semenov</a:t>
+            </a:r>
+            <a:r>
+              <a:rPr lang="en-US" sz="1400" dirty="0" smtClean="0"/>
+              <a:t> (2013)</a:t>
+            </a:r>
+            <a:endParaRPr lang="en-US" sz="1400" dirty="0"/>
+          </a:p>
+        </p:txBody>
+      </p:sp>
+    </p:spTree>
+    <p:extLst>
+      <p:ext uri="{BB962C8B-B14F-4D97-AF65-F5344CB8AC3E}">
+        <p14:creationId xmlns:p14="http://schemas.microsoft.com/office/powerpoint/2010/main" val="587156780"/>
+      </p:ext>
+    </p:extLst>
+  </p:cSld>
+  <p:clrMapOvr>
+    <a:masterClrMapping/>
+  </p:clrMapOvr>
+  <p:timing>
+    <p:tnLst>
+      <p:par>
+        <p:cTn xmlns:p14="http://schemas.microsoft.com/office/powerpoint/2010/main" id="1" dur="indefinite" restart="never" nodeType="tmRoot"/>
+      </p:par>
+    </p:tnLst>
+  </p:timing>
+</p:sld>
+</file>
+
+<file path=ppt/slides/slide47.xml><?xml version="1.0" encoding="utf-8"?>
+<p:sld xmlns:a="http://schemas.openxmlformats.org/drawingml/2006/main" xmlns:r="http://schemas.openxmlformats.org/officeDocument/2006/relationships" xmlns:p="http://schemas.openxmlformats.org/presentationml/2006/main">
+  <p:cSld>
+    <p:spTree>
+      <p:nvGrpSpPr>
+        <p:cNvPr id="1" name=""/>
+        <p:cNvGrpSpPr/>
+        <p:nvPr/>
+      </p:nvGrpSpPr>
+      <p:grpSpPr>
+        <a:xfrm>
+          <a:off x="0" y="0"/>
+          <a:ext cx="0" cy="0"/>
+          <a:chOff x="0" y="0"/>
+          <a:chExt cx="0" cy="0"/>
+        </a:xfrm>
+      </p:grpSpPr>
+      <p:sp>
+        <p:nvSpPr>
+          <p:cNvPr id="2" name="Title 1"/>
+          <p:cNvSpPr>
+            <a:spLocks noGrp="1"/>
+          </p:cNvSpPr>
+          <p:nvPr>
+            <p:ph type="title"/>
+          </p:nvPr>
+        </p:nvSpPr>
+        <p:spPr>
+          <a:xfrm>
             <a:off x="457200" y="110004"/>
             <a:ext cx="8229600" cy="1143000"/>
           </a:xfrm>
@@ -17937,7 +18183,7 @@
 </p:sld>
 </file>
 
-<file path=ppt/slides/slide47.xml><?xml version="1.0" encoding="utf-8"?>
+<file path=ppt/slides/slide48.xml><?xml version="1.0" encoding="utf-8"?>
 <p:sld xmlns:a="http://schemas.openxmlformats.org/drawingml/2006/main" xmlns:r="http://schemas.openxmlformats.org/officeDocument/2006/relationships" xmlns:p="http://schemas.openxmlformats.org/presentationml/2006/main">
   <p:cSld>
     <p:spTree>
@@ -18506,7 +18752,7 @@
 </p:sld>
 </file>
 
-<file path=ppt/slides/slide48.xml><?xml version="1.0" encoding="utf-8"?>
+<file path=ppt/slides/slide49.xml><?xml version="1.0" encoding="utf-8"?>
 <p:sld xmlns:a="http://schemas.openxmlformats.org/drawingml/2006/main" xmlns:r="http://schemas.openxmlformats.org/officeDocument/2006/relationships" xmlns:p="http://schemas.openxmlformats.org/presentationml/2006/main">
   <p:cSld>
     <p:spTree>

--- a/slides/MET_talk.pptx
+++ b/slides/MET_talk.pptx
@@ -5,10 +5,10 @@
     <p:sldMasterId id="2147483648" r:id="rId1"/>
   </p:sldMasterIdLst>
   <p:notesMasterIdLst>
-    <p:notesMasterId r:id="rId51"/>
+    <p:notesMasterId r:id="rId52"/>
   </p:notesMasterIdLst>
   <p:handoutMasterIdLst>
-    <p:handoutMasterId r:id="rId52"/>
+    <p:handoutMasterId r:id="rId53"/>
   </p:handoutMasterIdLst>
   <p:sldIdLst>
     <p:sldId id="256" r:id="rId2"/>
@@ -37,29 +37,30 @@
     <p:sldId id="297" r:id="rId25"/>
     <p:sldId id="338" r:id="rId26"/>
     <p:sldId id="298" r:id="rId27"/>
-    <p:sldId id="299" r:id="rId28"/>
-    <p:sldId id="301" r:id="rId29"/>
-    <p:sldId id="313" r:id="rId30"/>
-    <p:sldId id="314" r:id="rId31"/>
-    <p:sldId id="315" r:id="rId32"/>
-    <p:sldId id="316" r:id="rId33"/>
-    <p:sldId id="317" r:id="rId34"/>
-    <p:sldId id="318" r:id="rId35"/>
-    <p:sldId id="331" r:id="rId36"/>
-    <p:sldId id="319" r:id="rId37"/>
-    <p:sldId id="320" r:id="rId38"/>
-    <p:sldId id="321" r:id="rId39"/>
-    <p:sldId id="322" r:id="rId40"/>
-    <p:sldId id="328" r:id="rId41"/>
-    <p:sldId id="329" r:id="rId42"/>
-    <p:sldId id="323" r:id="rId43"/>
-    <p:sldId id="330" r:id="rId44"/>
-    <p:sldId id="324" r:id="rId45"/>
-    <p:sldId id="326" r:id="rId46"/>
-    <p:sldId id="335" r:id="rId47"/>
-    <p:sldId id="333" r:id="rId48"/>
-    <p:sldId id="334" r:id="rId49"/>
-    <p:sldId id="327" r:id="rId50"/>
+    <p:sldId id="339" r:id="rId28"/>
+    <p:sldId id="299" r:id="rId29"/>
+    <p:sldId id="301" r:id="rId30"/>
+    <p:sldId id="313" r:id="rId31"/>
+    <p:sldId id="314" r:id="rId32"/>
+    <p:sldId id="315" r:id="rId33"/>
+    <p:sldId id="316" r:id="rId34"/>
+    <p:sldId id="317" r:id="rId35"/>
+    <p:sldId id="318" r:id="rId36"/>
+    <p:sldId id="331" r:id="rId37"/>
+    <p:sldId id="319" r:id="rId38"/>
+    <p:sldId id="320" r:id="rId39"/>
+    <p:sldId id="321" r:id="rId40"/>
+    <p:sldId id="322" r:id="rId41"/>
+    <p:sldId id="328" r:id="rId42"/>
+    <p:sldId id="329" r:id="rId43"/>
+    <p:sldId id="323" r:id="rId44"/>
+    <p:sldId id="330" r:id="rId45"/>
+    <p:sldId id="324" r:id="rId46"/>
+    <p:sldId id="326" r:id="rId47"/>
+    <p:sldId id="335" r:id="rId48"/>
+    <p:sldId id="333" r:id="rId49"/>
+    <p:sldId id="334" r:id="rId50"/>
+    <p:sldId id="327" r:id="rId51"/>
   </p:sldIdLst>
   <p:sldSz cx="9144000" cy="6858000" type="screen4x3"/>
   <p:notesSz cx="6858000" cy="9144000"/>
@@ -193,6 +194,7 @@
             <p14:sldId id="297"/>
             <p14:sldId id="338"/>
             <p14:sldId id="298"/>
+            <p14:sldId id="339"/>
             <p14:sldId id="299"/>
             <p14:sldId id="301"/>
             <p14:sldId id="313"/>
@@ -908,7 +910,7 @@
           <a:p>
             <a:fld id="{08B4712D-D2CB-8747-9EC4-89869EAABFB2}" type="slidenum">
               <a:rPr lang="en-US" smtClean="0"/>
-              <a:t>32</a:t>
+              <a:t>33</a:t>
             </a:fld>
             <a:endParaRPr lang="en-US"/>
           </a:p>
@@ -1008,7 +1010,7 @@
           <a:p>
             <a:fld id="{08B4712D-D2CB-8747-9EC4-89869EAABFB2}" type="slidenum">
               <a:rPr lang="en-US" smtClean="0"/>
-              <a:t>33</a:t>
+              <a:t>34</a:t>
             </a:fld>
             <a:endParaRPr lang="en-US"/>
           </a:p>
@@ -1112,7 +1114,7 @@
           <a:p>
             <a:fld id="{08B4712D-D2CB-8747-9EC4-89869EAABFB2}" type="slidenum">
               <a:rPr lang="en-US" smtClean="0"/>
-              <a:t>36</a:t>
+              <a:t>37</a:t>
             </a:fld>
             <a:endParaRPr lang="en-US"/>
           </a:p>
@@ -1204,7 +1206,7 @@
           <a:p>
             <a:fld id="{08B4712D-D2CB-8747-9EC4-89869EAABFB2}" type="slidenum">
               <a:rPr lang="en-US" smtClean="0"/>
-              <a:t>49</a:t>
+              <a:t>50</a:t>
             </a:fld>
             <a:endParaRPr lang="en-US"/>
           </a:p>
@@ -1888,7 +1890,7 @@
           <a:p>
             <a:fld id="{08B4712D-D2CB-8747-9EC4-89869EAABFB2}" type="slidenum">
               <a:rPr lang="en-US" smtClean="0"/>
-              <a:t>30</a:t>
+              <a:t>31</a:t>
             </a:fld>
             <a:endParaRPr lang="en-US"/>
           </a:p>
@@ -11365,24 +11367,44 @@
               <a:t> =&gt; </a:t>
             </a:r>
             <a:r>
-              <a:rPr lang="en-US" sz="3800" dirty="0" err="1" smtClean="0"/>
+              <a:rPr lang="en-US" sz="3800" dirty="0" err="1" smtClean="0">
+                <a:solidFill>
+                  <a:srgbClr val="FFFF00"/>
+                </a:solidFill>
+              </a:rPr>
               <a:t>M</a:t>
             </a:r>
             <a:r>
-              <a:rPr lang="en-US" sz="3800" baseline="-25000" dirty="0" err="1" smtClean="0"/>
+              <a:rPr lang="en-US" sz="3800" baseline="-25000" dirty="0" err="1" smtClean="0">
+                <a:solidFill>
+                  <a:srgbClr val="FFFF00"/>
+                </a:solidFill>
+              </a:rPr>
               <a:t>crit</a:t>
             </a:r>
             <a:r>
-              <a:rPr lang="en-US" sz="3800" baseline="-25000" dirty="0" smtClean="0"/>
-              <a:t> </a:t>
-            </a:r>
-            <a:r>
               <a:rPr lang="en-US" sz="3800" dirty="0" smtClean="0">
                 <a:solidFill>
                   <a:srgbClr val="FFFF00"/>
                 </a:solidFill>
               </a:rPr>
-              <a:t>INCREASES</a:t>
+              <a:t> &gt; 10 M</a:t>
+            </a:r>
+            <a:r>
+              <a:rPr lang="en-US" sz="3800" baseline="-25000" dirty="0" smtClean="0">
+                <a:solidFill>
+                  <a:srgbClr val="FFFF00"/>
+                </a:solidFill>
+              </a:rPr>
+              <a:t>E</a:t>
+            </a:r>
+            <a:r>
+              <a:rPr lang="en-US" sz="3800" dirty="0" smtClean="0">
+                <a:solidFill>
+                  <a:srgbClr val="FFFF00"/>
+                </a:solidFill>
+              </a:rPr>
+              <a:t>!</a:t>
             </a:r>
             <a:endParaRPr lang="en-US" sz="3800" dirty="0">
               <a:solidFill>
@@ -12151,8 +12173,8 @@
         </p:nvSpPr>
         <p:spPr>
           <a:xfrm>
-            <a:off x="5588734" y="713623"/>
-            <a:ext cx="2884200" cy="539177"/>
+            <a:off x="5790350" y="713623"/>
+            <a:ext cx="2522176" cy="539177"/>
           </a:xfrm>
           <a:prstGeom prst="rect">
             <a:avLst/>
@@ -13929,109 +13951,10 @@
           </a:p>
         </p:txBody>
       </p:sp>
-      <p:cxnSp>
-        <p:nvCxnSpPr>
-          <p:cNvPr id="9" name="Straight Arrow Connector 8"/>
-          <p:cNvCxnSpPr/>
-          <p:nvPr/>
-        </p:nvCxnSpPr>
-        <p:spPr>
-          <a:xfrm>
-            <a:off x="4755052" y="4405462"/>
-            <a:ext cx="9845" cy="428240"/>
-          </a:xfrm>
-          <a:prstGeom prst="straightConnector1">
-            <a:avLst/>
-          </a:prstGeom>
-          <a:ln>
-            <a:solidFill>
-              <a:schemeClr val="bg1"/>
-            </a:solidFill>
-            <a:tailEnd type="arrow"/>
-          </a:ln>
-          <a:effectLst/>
-        </p:spPr>
-        <p:style>
-          <a:lnRef idx="2">
-            <a:schemeClr val="accent1"/>
-          </a:lnRef>
-          <a:fillRef idx="0">
-            <a:schemeClr val="accent1"/>
-          </a:fillRef>
-          <a:effectRef idx="1">
-            <a:schemeClr val="accent1"/>
-          </a:effectRef>
-          <a:fontRef idx="minor">
-            <a:schemeClr val="tx1"/>
-          </a:fontRef>
-        </p:style>
-      </p:cxnSp>
-      <p:sp>
-        <p:nvSpPr>
-          <p:cNvPr id="11" name="TextBox 10"/>
-          <p:cNvSpPr txBox="1"/>
-          <p:nvPr/>
-        </p:nvSpPr>
-        <p:spPr>
-          <a:xfrm>
-            <a:off x="4905151" y="4497240"/>
-            <a:ext cx="1846714" cy="307777"/>
-          </a:xfrm>
-          <a:prstGeom prst="rect">
-            <a:avLst/>
-          </a:prstGeom>
-          <a:noFill/>
-        </p:spPr>
-        <p:txBody>
-          <a:bodyPr wrap="square" rtlCol="0">
-            <a:spAutoFit/>
-          </a:bodyPr>
-          <a:lstStyle/>
-          <a:p>
-            <a:r>
-              <a:rPr lang="en-US" sz="1400" dirty="0">
-                <a:solidFill>
-                  <a:schemeClr val="bg1"/>
-                </a:solidFill>
-              </a:rPr>
-              <a:t>c</a:t>
-            </a:r>
-            <a:r>
-              <a:rPr lang="en-US" sz="1400" dirty="0" smtClean="0">
-                <a:solidFill>
-                  <a:schemeClr val="bg1"/>
-                </a:solidFill>
-              </a:rPr>
-              <a:t>oagulation (</a:t>
-            </a:r>
-            <a:r>
-              <a:rPr lang="en-US" sz="1400" i="1" dirty="0" smtClean="0">
-                <a:solidFill>
-                  <a:schemeClr val="bg1"/>
-                </a:solidFill>
-              </a:rPr>
-              <a:t>p = 2.5</a:t>
-            </a:r>
-            <a:r>
-              <a:rPr lang="en-US" sz="1400" dirty="0" smtClean="0">
-                <a:solidFill>
-                  <a:schemeClr val="bg1"/>
-                </a:solidFill>
-              </a:rPr>
-              <a:t>)</a:t>
-            </a:r>
-            <a:endParaRPr lang="en-US" sz="1400" dirty="0">
-              <a:solidFill>
-                <a:schemeClr val="bg1"/>
-              </a:solidFill>
-            </a:endParaRPr>
-          </a:p>
-        </p:txBody>
-      </p:sp>
     </p:spTree>
     <p:extLst>
       <p:ext uri="{BB962C8B-B14F-4D97-AF65-F5344CB8AC3E}">
-        <p14:creationId xmlns:p14="http://schemas.microsoft.com/office/powerpoint/2010/main" val="3082910392"/>
+        <p14:creationId xmlns:p14="http://schemas.microsoft.com/office/powerpoint/2010/main" val="3333905476"/>
       </p:ext>
     </p:extLst>
   </p:cSld>
@@ -14077,17 +14000,19 @@
         </p:nvSpPr>
         <p:spPr>
           <a:xfrm>
-            <a:off x="457200" y="155938"/>
+            <a:off x="457200" y="153048"/>
             <a:ext cx="8229600" cy="1143000"/>
           </a:xfrm>
         </p:spPr>
         <p:txBody>
-          <a:bodyPr/>
+          <a:bodyPr>
+            <a:normAutofit fontScale="90000"/>
+          </a:bodyPr>
           <a:lstStyle/>
           <a:p>
             <a:r>
               <a:rPr lang="en-US" dirty="0" smtClean="0"/>
-              <a:t>Summary of </a:t>
+              <a:t>Grain growth opacity </a:t>
             </a:r>
             <a:r>
               <a:rPr lang="en-US" dirty="0" smtClean="0">
@@ -14095,8 +14020,477 @@
                   <a:srgbClr val="FFFF00"/>
                 </a:solidFill>
               </a:rPr>
-              <a:t>Part I</a:t>
-            </a:r>
+              <a:t>DECREASES</a:t>
+            </a:r>
+            <a:r>
+              <a:rPr lang="en-US" dirty="0" smtClean="0"/>
+              <a:t> </a:t>
+            </a:r>
+            <a:r>
+              <a:rPr lang="en-US" dirty="0" err="1" smtClean="0"/>
+              <a:t>M</a:t>
+            </a:r>
+            <a:r>
+              <a:rPr lang="en-US" baseline="-25000" dirty="0" err="1" smtClean="0"/>
+              <a:t>crit</a:t>
+            </a:r>
+            <a:endParaRPr lang="en-US" dirty="0"/>
+          </a:p>
+        </p:txBody>
+      </p:sp>
+      <p:pic>
+        <p:nvPicPr>
+          <p:cNvPr id="4" name="Picture 3" descr="Mcrit_vs_a_gg.pdf"/>
+          <p:cNvPicPr>
+            <a:picLocks noChangeAspect="1"/>
+          </p:cNvPicPr>
+          <p:nvPr/>
+        </p:nvPicPr>
+        <p:blipFill>
+          <a:blip r:embed="rId2">
+            <a:extLst>
+              <a:ext uri="{28A0092B-C50C-407E-A947-70E740481C1C}">
+                <a14:useLocalDpi xmlns:a14="http://schemas.microsoft.com/office/drawing/2010/main" val="0"/>
+              </a:ext>
+            </a:extLst>
+          </a:blip>
+          <a:stretch>
+            <a:fillRect/>
+          </a:stretch>
+        </p:blipFill>
+        <p:spPr>
+          <a:xfrm>
+            <a:off x="2664189" y="1296048"/>
+            <a:ext cx="6346899" cy="4765822"/>
+          </a:xfrm>
+          <a:prstGeom prst="rect">
+            <a:avLst/>
+          </a:prstGeom>
+        </p:spPr>
+      </p:pic>
+      <p:sp>
+        <p:nvSpPr>
+          <p:cNvPr id="6" name="TextBox 5"/>
+          <p:cNvSpPr txBox="1"/>
+          <p:nvPr/>
+        </p:nvSpPr>
+        <p:spPr>
+          <a:xfrm>
+            <a:off x="2729354" y="5546246"/>
+            <a:ext cx="2715840" cy="338554"/>
+          </a:xfrm>
+          <a:prstGeom prst="rect">
+            <a:avLst/>
+          </a:prstGeom>
+          <a:noFill/>
+        </p:spPr>
+        <p:txBody>
+          <a:bodyPr wrap="square" rtlCol="0">
+            <a:spAutoFit/>
+          </a:bodyPr>
+          <a:lstStyle/>
+          <a:p>
+            <a:r>
+              <a:rPr lang="en-US" sz="1600" dirty="0" err="1">
+                <a:solidFill>
+                  <a:srgbClr val="000000"/>
+                </a:solidFill>
+              </a:rPr>
+              <a:t>t_disk</a:t>
+            </a:r>
+            <a:r>
+              <a:rPr lang="en-US" sz="1600" dirty="0">
+                <a:solidFill>
+                  <a:srgbClr val="000000"/>
+                </a:solidFill>
+              </a:rPr>
+              <a:t> ~ 3 </a:t>
+            </a:r>
+            <a:r>
+              <a:rPr lang="en-US" sz="1600" dirty="0" err="1" smtClean="0">
+                <a:solidFill>
+                  <a:srgbClr val="000000"/>
+                </a:solidFill>
+              </a:rPr>
+              <a:t>Myr</a:t>
+            </a:r>
+            <a:r>
+              <a:rPr lang="en-US" sz="1600" dirty="0" smtClean="0">
+                <a:solidFill>
+                  <a:srgbClr val="000000"/>
+                </a:solidFill>
+              </a:rPr>
+              <a:t>, realistic EOS</a:t>
+            </a:r>
+            <a:endParaRPr lang="en-US" sz="1600" dirty="0">
+              <a:solidFill>
+                <a:srgbClr val="000000"/>
+              </a:solidFill>
+            </a:endParaRPr>
+          </a:p>
+        </p:txBody>
+      </p:sp>
+      <p:sp>
+        <p:nvSpPr>
+          <p:cNvPr id="7" name="TextBox 6"/>
+          <p:cNvSpPr txBox="1"/>
+          <p:nvPr/>
+        </p:nvSpPr>
+        <p:spPr>
+          <a:xfrm>
+            <a:off x="6336969" y="5703891"/>
+            <a:ext cx="2782215" cy="307777"/>
+          </a:xfrm>
+          <a:prstGeom prst="rect">
+            <a:avLst/>
+          </a:prstGeom>
+          <a:noFill/>
+        </p:spPr>
+        <p:txBody>
+          <a:bodyPr wrap="square" rtlCol="0">
+            <a:spAutoFit/>
+          </a:bodyPr>
+          <a:lstStyle/>
+          <a:p>
+            <a:r>
+              <a:rPr lang="en-US" sz="1400" dirty="0" smtClean="0">
+                <a:solidFill>
+                  <a:srgbClr val="000000"/>
+                </a:solidFill>
+              </a:rPr>
+              <a:t>Piso, </a:t>
+            </a:r>
+            <a:r>
+              <a:rPr lang="en-US" sz="1400" dirty="0" err="1" smtClean="0">
+                <a:solidFill>
+                  <a:srgbClr val="000000"/>
+                </a:solidFill>
+              </a:rPr>
+              <a:t>Youdin</a:t>
+            </a:r>
+            <a:r>
+              <a:rPr lang="en-US" sz="1400" dirty="0" smtClean="0">
+                <a:solidFill>
+                  <a:srgbClr val="000000"/>
+                </a:solidFill>
+              </a:rPr>
+              <a:t>, &amp; Murray-Clay (2015)</a:t>
+            </a:r>
+            <a:endParaRPr lang="en-US" sz="1400" dirty="0">
+              <a:solidFill>
+                <a:srgbClr val="000000"/>
+              </a:solidFill>
+            </a:endParaRPr>
+          </a:p>
+        </p:txBody>
+      </p:sp>
+      <p:sp>
+        <p:nvSpPr>
+          <p:cNvPr id="8" name="Rectangle 7"/>
+          <p:cNvSpPr/>
+          <p:nvPr/>
+        </p:nvSpPr>
+        <p:spPr>
+          <a:xfrm>
+            <a:off x="3814756" y="4120778"/>
+            <a:ext cx="4832699" cy="769831"/>
+          </a:xfrm>
+          <a:prstGeom prst="rect">
+            <a:avLst/>
+          </a:prstGeom>
+          <a:noFill/>
+          <a:ln w="38100">
+            <a:solidFill>
+              <a:srgbClr val="BD117E"/>
+            </a:solidFill>
+          </a:ln>
+          <a:effectLst/>
+        </p:spPr>
+        <p:style>
+          <a:lnRef idx="1">
+            <a:schemeClr val="accent1"/>
+          </a:lnRef>
+          <a:fillRef idx="3">
+            <a:schemeClr val="accent1"/>
+          </a:fillRef>
+          <a:effectRef idx="2">
+            <a:schemeClr val="accent1"/>
+          </a:effectRef>
+          <a:fontRef idx="minor">
+            <a:schemeClr val="lt1"/>
+          </a:fontRef>
+        </p:style>
+        <p:txBody>
+          <a:bodyPr rtlCol="0" anchor="ctr"/>
+          <a:lstStyle/>
+          <a:p>
+            <a:pPr algn="ctr"/>
+            <a:endParaRPr lang="en-US"/>
+          </a:p>
+        </p:txBody>
+      </p:sp>
+      <p:sp>
+        <p:nvSpPr>
+          <p:cNvPr id="10" name="TextBox 9"/>
+          <p:cNvSpPr txBox="1"/>
+          <p:nvPr/>
+        </p:nvSpPr>
+        <p:spPr>
+          <a:xfrm>
+            <a:off x="389645" y="1296048"/>
+            <a:ext cx="1799244" cy="1672252"/>
+          </a:xfrm>
+          <a:prstGeom prst="rect">
+            <a:avLst/>
+          </a:prstGeom>
+          <a:noFill/>
+          <a:ln w="38100">
+            <a:solidFill>
+              <a:srgbClr val="FFFF00"/>
+            </a:solidFill>
+          </a:ln>
+        </p:spPr>
+        <p:txBody>
+          <a:bodyPr wrap="square" rtlCol="0">
+            <a:spAutoFit/>
+          </a:bodyPr>
+          <a:lstStyle/>
+          <a:p>
+            <a:r>
+              <a:rPr lang="en-US" sz="2800" i="1" dirty="0" err="1" smtClean="0">
+                <a:solidFill>
+                  <a:srgbClr val="FFFF00"/>
+                </a:solidFill>
+              </a:rPr>
+              <a:t>dN</a:t>
+            </a:r>
+            <a:r>
+              <a:rPr lang="en-US" sz="2800" i="1" dirty="0" smtClean="0">
+                <a:solidFill>
+                  <a:srgbClr val="FFFF00"/>
+                </a:solidFill>
+              </a:rPr>
+              <a:t>/ds ~ s</a:t>
+            </a:r>
+            <a:r>
+              <a:rPr lang="en-US" sz="2800" i="1" baseline="30000" dirty="0" smtClean="0">
+                <a:solidFill>
+                  <a:srgbClr val="FFFF00"/>
+                </a:solidFill>
+              </a:rPr>
+              <a:t>-p</a:t>
+            </a:r>
+          </a:p>
+          <a:p>
+            <a:endParaRPr lang="en-US" sz="2800" i="1" baseline="30000" dirty="0">
+              <a:solidFill>
+                <a:srgbClr val="FFFF00"/>
+              </a:solidFill>
+            </a:endParaRPr>
+          </a:p>
+          <a:p>
+            <a:r>
+              <a:rPr lang="en-US" sz="2800" i="1" dirty="0" smtClean="0">
+                <a:solidFill>
+                  <a:srgbClr val="FFFF00"/>
+                </a:solidFill>
+              </a:rPr>
+              <a:t>p = 3.5</a:t>
+            </a:r>
+          </a:p>
+          <a:p>
+            <a:r>
+              <a:rPr lang="en-US" sz="2800" i="1" dirty="0" err="1">
+                <a:solidFill>
+                  <a:srgbClr val="FFFF00"/>
+                </a:solidFill>
+              </a:rPr>
+              <a:t>s</a:t>
+            </a:r>
+            <a:r>
+              <a:rPr lang="en-US" sz="2800" baseline="-25000" dirty="0" err="1" smtClean="0">
+                <a:solidFill>
+                  <a:srgbClr val="FFFF00"/>
+                </a:solidFill>
+              </a:rPr>
+              <a:t>max</a:t>
+            </a:r>
+            <a:r>
+              <a:rPr lang="en-US" sz="2800" dirty="0" smtClean="0">
+                <a:solidFill>
+                  <a:srgbClr val="FFFF00"/>
+                </a:solidFill>
+              </a:rPr>
+              <a:t> = 1 cm</a:t>
+            </a:r>
+            <a:endParaRPr lang="en-US" sz="2800" i="1" dirty="0">
+              <a:solidFill>
+                <a:srgbClr val="FFFF00"/>
+              </a:solidFill>
+            </a:endParaRPr>
+          </a:p>
+        </p:txBody>
+      </p:sp>
+      <p:sp>
+        <p:nvSpPr>
+          <p:cNvPr id="3" name="TextBox 2"/>
+          <p:cNvSpPr txBox="1"/>
+          <p:nvPr/>
+        </p:nvSpPr>
+        <p:spPr>
+          <a:xfrm>
+            <a:off x="202677" y="3958422"/>
+            <a:ext cx="2310490" cy="1846659"/>
+          </a:xfrm>
+          <a:prstGeom prst="rect">
+            <a:avLst/>
+          </a:prstGeom>
+          <a:solidFill>
+            <a:srgbClr val="FFFF00"/>
+          </a:solidFill>
+          <a:ln w="38100">
+            <a:solidFill>
+              <a:srgbClr val="0000FF"/>
+            </a:solidFill>
+          </a:ln>
+        </p:spPr>
+        <p:txBody>
+          <a:bodyPr wrap="square" rtlCol="0">
+            <a:spAutoFit/>
+          </a:bodyPr>
+          <a:lstStyle/>
+          <a:p>
+            <a:pPr algn="ctr"/>
+            <a:r>
+              <a:rPr lang="en-US" sz="2400" dirty="0" err="1" smtClean="0">
+                <a:solidFill>
+                  <a:schemeClr val="bg1"/>
+                </a:solidFill>
+              </a:rPr>
+              <a:t>M</a:t>
+            </a:r>
+            <a:r>
+              <a:rPr lang="en-US" sz="2400" baseline="-25000" dirty="0" err="1" smtClean="0">
+                <a:solidFill>
+                  <a:schemeClr val="bg1"/>
+                </a:solidFill>
+              </a:rPr>
+              <a:t>crit</a:t>
+            </a:r>
+            <a:r>
+              <a:rPr lang="en-US" sz="2400" dirty="0">
+                <a:solidFill>
+                  <a:schemeClr val="bg1"/>
+                </a:solidFill>
+              </a:rPr>
+              <a:t>:</a:t>
+            </a:r>
+            <a:endParaRPr lang="en-US" sz="2400" dirty="0" smtClean="0">
+              <a:solidFill>
+                <a:schemeClr val="bg1"/>
+              </a:solidFill>
+            </a:endParaRPr>
+          </a:p>
+          <a:p>
+            <a:endParaRPr lang="en-US" sz="2400" dirty="0" smtClean="0">
+              <a:solidFill>
+                <a:schemeClr val="bg1"/>
+              </a:solidFill>
+            </a:endParaRPr>
+          </a:p>
+          <a:p>
+            <a:r>
+              <a:rPr lang="en-US" sz="2400" baseline="-25000" dirty="0" smtClean="0">
+                <a:solidFill>
+                  <a:schemeClr val="bg1"/>
+                </a:solidFill>
+              </a:rPr>
+              <a:t> </a:t>
+            </a:r>
+            <a:r>
+              <a:rPr lang="en-US" sz="2400" dirty="0" smtClean="0">
+                <a:solidFill>
+                  <a:schemeClr val="bg1"/>
+                </a:solidFill>
+              </a:rPr>
+              <a:t>~8 M</a:t>
+            </a:r>
+            <a:r>
+              <a:rPr lang="en-US" sz="2400" baseline="-25000" dirty="0" smtClean="0">
+                <a:solidFill>
+                  <a:schemeClr val="bg1"/>
+                </a:solidFill>
+              </a:rPr>
+              <a:t>E</a:t>
+            </a:r>
+            <a:r>
+              <a:rPr lang="en-US" sz="2400" dirty="0" smtClean="0">
+                <a:solidFill>
+                  <a:schemeClr val="bg1"/>
+                </a:solidFill>
+              </a:rPr>
+              <a:t> @ 5 AU</a:t>
+            </a:r>
+          </a:p>
+          <a:p>
+            <a:r>
+              <a:rPr lang="en-US" sz="2400" baseline="-25000" dirty="0" smtClean="0">
+                <a:solidFill>
+                  <a:schemeClr val="bg1"/>
+                </a:solidFill>
+              </a:rPr>
+              <a:t> </a:t>
+            </a:r>
+            <a:r>
+              <a:rPr lang="en-US" sz="2400" dirty="0" smtClean="0">
+                <a:solidFill>
+                  <a:schemeClr val="bg1"/>
+                </a:solidFill>
+              </a:rPr>
+              <a:t>~5 </a:t>
+            </a:r>
+            <a:r>
+              <a:rPr lang="en-US" sz="2400" dirty="0">
+                <a:solidFill>
+                  <a:schemeClr val="bg1"/>
+                </a:solidFill>
+              </a:rPr>
+              <a:t>M</a:t>
+            </a:r>
+            <a:r>
+              <a:rPr lang="en-US" sz="2400" baseline="-25000" dirty="0">
+                <a:solidFill>
+                  <a:schemeClr val="bg1"/>
+                </a:solidFill>
+              </a:rPr>
+              <a:t>E</a:t>
+            </a:r>
+            <a:r>
+              <a:rPr lang="en-US" sz="2400" dirty="0">
+                <a:solidFill>
+                  <a:schemeClr val="bg1"/>
+                </a:solidFill>
+              </a:rPr>
+              <a:t> @ </a:t>
+            </a:r>
+            <a:r>
+              <a:rPr lang="en-US" sz="2400" dirty="0" smtClean="0">
+                <a:solidFill>
+                  <a:schemeClr val="bg1"/>
+                </a:solidFill>
+              </a:rPr>
+              <a:t>100 </a:t>
+            </a:r>
+            <a:r>
+              <a:rPr lang="en-US" sz="2400" dirty="0">
+                <a:solidFill>
+                  <a:schemeClr val="bg1"/>
+                </a:solidFill>
+              </a:rPr>
+              <a:t>AU</a:t>
+            </a:r>
+          </a:p>
+          <a:p>
             <a:endParaRPr lang="en-US" dirty="0">
               <a:solidFill>
                 <a:srgbClr val="FFFF00"/>
@@ -14105,429 +14499,109 @@
           </a:p>
         </p:txBody>
       </p:sp>
-      <p:sp>
-        <p:nvSpPr>
-          <p:cNvPr id="3" name="Content Placeholder 2"/>
-          <p:cNvSpPr>
-            <a:spLocks noGrp="1"/>
-          </p:cNvSpPr>
-          <p:nvPr>
-            <p:ph idx="1"/>
-          </p:nvPr>
-        </p:nvSpPr>
-        <p:spPr>
-          <a:xfrm>
-            <a:off x="457200" y="1412552"/>
-            <a:ext cx="8229600" cy="5104180"/>
-          </a:xfrm>
-        </p:spPr>
-        <p:txBody>
-          <a:bodyPr>
-            <a:normAutofit fontScale="77500" lnSpcReduction="20000"/>
+      <p:cxnSp>
+        <p:nvCxnSpPr>
+          <p:cNvPr id="9" name="Straight Arrow Connector 8"/>
+          <p:cNvCxnSpPr/>
+          <p:nvPr/>
+        </p:nvCxnSpPr>
+        <p:spPr>
+          <a:xfrm>
+            <a:off x="4755052" y="4405462"/>
+            <a:ext cx="9845" cy="428240"/>
+          </a:xfrm>
+          <a:prstGeom prst="straightConnector1">
+            <a:avLst/>
+          </a:prstGeom>
+          <a:ln>
+            <a:solidFill>
+              <a:schemeClr val="bg1"/>
+            </a:solidFill>
+            <a:tailEnd type="arrow"/>
+          </a:ln>
+          <a:effectLst/>
+        </p:spPr>
+        <p:style>
+          <a:lnRef idx="2">
+            <a:schemeClr val="accent1"/>
+          </a:lnRef>
+          <a:fillRef idx="0">
+            <a:schemeClr val="accent1"/>
+          </a:fillRef>
+          <a:effectRef idx="1">
+            <a:schemeClr val="accent1"/>
+          </a:effectRef>
+          <a:fontRef idx="minor">
+            <a:schemeClr val="tx1"/>
+          </a:fontRef>
+        </p:style>
+      </p:cxnSp>
+      <p:sp>
+        <p:nvSpPr>
+          <p:cNvPr id="11" name="TextBox 10"/>
+          <p:cNvSpPr txBox="1"/>
+          <p:nvPr/>
+        </p:nvSpPr>
+        <p:spPr>
+          <a:xfrm>
+            <a:off x="4905151" y="4497240"/>
+            <a:ext cx="1846714" cy="307777"/>
+          </a:xfrm>
+          <a:prstGeom prst="rect">
+            <a:avLst/>
+          </a:prstGeom>
+          <a:noFill/>
+        </p:spPr>
+        <p:txBody>
+          <a:bodyPr wrap="square" rtlCol="0">
+            <a:spAutoFit/>
           </a:bodyPr>
           <a:lstStyle/>
           <a:p>
             <a:r>
-              <a:rPr lang="en-US" dirty="0" smtClean="0"/>
-              <a:t>H</a:t>
-            </a:r>
-            <a:r>
-              <a:rPr lang="en-US" baseline="-25000" dirty="0" smtClean="0"/>
-              <a:t>2</a:t>
-            </a:r>
-            <a:r>
-              <a:rPr lang="en-US" dirty="0" smtClean="0"/>
-              <a:t> dissociation and </a:t>
-            </a:r>
-            <a:r>
-              <a:rPr lang="en-US" dirty="0" smtClean="0">
-                <a:solidFill>
-                  <a:srgbClr val="FFFFFF"/>
-                </a:solidFill>
-              </a:rPr>
-              <a:t>variable occupation of H</a:t>
-            </a:r>
-            <a:r>
-              <a:rPr lang="en-US" baseline="-25000" dirty="0" smtClean="0">
-                <a:solidFill>
-                  <a:srgbClr val="FFFFFF"/>
-                </a:solidFill>
-              </a:rPr>
-              <a:t>2 </a:t>
-            </a:r>
-            <a:r>
-              <a:rPr lang="en-US" dirty="0" smtClean="0">
-                <a:solidFill>
-                  <a:srgbClr val="FFFFFF"/>
-                </a:solidFill>
-              </a:rPr>
-              <a:t>rotational states </a:t>
-            </a:r>
-            <a:r>
-              <a:rPr lang="en-US" dirty="0" smtClean="0">
-                <a:solidFill>
-                  <a:srgbClr val="FFFF00"/>
-                </a:solidFill>
-              </a:rPr>
-              <a:t>INCREASE</a:t>
-            </a:r>
-            <a:r>
-              <a:rPr lang="en-US" dirty="0" smtClean="0"/>
-              <a:t> </a:t>
-            </a:r>
-            <a:r>
-              <a:rPr lang="en-US" dirty="0" err="1" smtClean="0"/>
-              <a:t>M</a:t>
-            </a:r>
-            <a:r>
-              <a:rPr lang="en-US" baseline="-25000" dirty="0" err="1" smtClean="0"/>
-              <a:t>crit</a:t>
-            </a:r>
-            <a:r>
-              <a:rPr lang="en-US" dirty="0" smtClean="0"/>
-              <a:t> when compared to an ideal gas </a:t>
-            </a:r>
-            <a:r>
-              <a:rPr lang="en-US" dirty="0" err="1" smtClean="0"/>
-              <a:t>polytrope</a:t>
-            </a:r>
-            <a:endParaRPr lang="en-US" baseline="-25000" dirty="0" smtClean="0"/>
-          </a:p>
-          <a:p>
-            <a:endParaRPr lang="en-US" dirty="0" smtClean="0"/>
-          </a:p>
-          <a:p>
-            <a:r>
-              <a:rPr lang="en-US" dirty="0" smtClean="0"/>
-              <a:t>Grain growth opacity </a:t>
-            </a:r>
-            <a:r>
-              <a:rPr lang="en-US" dirty="0" smtClean="0">
-                <a:solidFill>
-                  <a:srgbClr val="FFFF00"/>
-                </a:solidFill>
-              </a:rPr>
-              <a:t>DECREASES</a:t>
-            </a:r>
-            <a:r>
-              <a:rPr lang="en-US" dirty="0" smtClean="0"/>
-              <a:t> </a:t>
-            </a:r>
-            <a:r>
-              <a:rPr lang="en-US" dirty="0" err="1" smtClean="0"/>
-              <a:t>M</a:t>
-            </a:r>
-            <a:r>
-              <a:rPr lang="en-US" baseline="-25000" dirty="0" err="1" smtClean="0"/>
-              <a:t>crit</a:t>
-            </a:r>
-            <a:r>
-              <a:rPr lang="en-US" dirty="0" smtClean="0"/>
-              <a:t> compared to ISM opacity</a:t>
-            </a:r>
-            <a:endParaRPr lang="en-US" baseline="-25000" dirty="0" smtClean="0"/>
-          </a:p>
-          <a:p>
-            <a:endParaRPr lang="en-US" dirty="0" smtClean="0"/>
-          </a:p>
-          <a:p>
-            <a:r>
-              <a:rPr lang="en-US" dirty="0" err="1" smtClean="0">
-                <a:solidFill>
-                  <a:srgbClr val="FFFFFF"/>
-                </a:solidFill>
-              </a:rPr>
-              <a:t>M</a:t>
-            </a:r>
-            <a:r>
-              <a:rPr lang="en-US" baseline="-25000" dirty="0" err="1" smtClean="0">
-                <a:solidFill>
-                  <a:srgbClr val="FFFFFF"/>
-                </a:solidFill>
-              </a:rPr>
-              <a:t>crit</a:t>
-            </a:r>
-            <a:r>
-              <a:rPr lang="en-US" dirty="0" smtClean="0">
-                <a:solidFill>
-                  <a:srgbClr val="FFFFFF"/>
-                </a:solidFill>
-              </a:rPr>
-              <a:t> ~</a:t>
-            </a:r>
-            <a:r>
-              <a:rPr lang="en-US" dirty="0" smtClean="0">
-                <a:solidFill>
-                  <a:srgbClr val="FFFF00"/>
-                </a:solidFill>
-              </a:rPr>
-              <a:t> 8 M</a:t>
-            </a:r>
-            <a:r>
-              <a:rPr lang="en-US" baseline="-25000" dirty="0" smtClean="0">
-                <a:solidFill>
-                  <a:srgbClr val="FFFF00"/>
-                </a:solidFill>
-              </a:rPr>
-              <a:t>E</a:t>
-            </a:r>
-            <a:r>
-              <a:rPr lang="en-US" dirty="0" smtClean="0">
-                <a:solidFill>
-                  <a:srgbClr val="FFFF00"/>
-                </a:solidFill>
-              </a:rPr>
-              <a:t> </a:t>
-            </a:r>
-            <a:r>
-              <a:rPr lang="en-US" dirty="0" smtClean="0">
-                <a:solidFill>
-                  <a:srgbClr val="FFFFFF"/>
-                </a:solidFill>
-              </a:rPr>
-              <a:t>at </a:t>
-            </a:r>
-            <a:r>
-              <a:rPr lang="en-US" dirty="0" smtClean="0">
-                <a:solidFill>
-                  <a:srgbClr val="FFFF00"/>
-                </a:solidFill>
-              </a:rPr>
-              <a:t>5 AU </a:t>
-            </a:r>
-            <a:r>
-              <a:rPr lang="en-US" dirty="0" smtClean="0">
-                <a:solidFill>
-                  <a:srgbClr val="FFFFFF"/>
-                </a:solidFill>
-              </a:rPr>
-              <a:t>and ~ </a:t>
-            </a:r>
-            <a:r>
-              <a:rPr lang="en-US" dirty="0" smtClean="0">
-                <a:solidFill>
-                  <a:srgbClr val="FFFF00"/>
-                </a:solidFill>
-              </a:rPr>
-              <a:t>5 M</a:t>
-            </a:r>
-            <a:r>
-              <a:rPr lang="en-US" baseline="-25000" dirty="0" smtClean="0">
-                <a:solidFill>
-                  <a:srgbClr val="FFFF00"/>
-                </a:solidFill>
-              </a:rPr>
-              <a:t>E</a:t>
-            </a:r>
-            <a:r>
-              <a:rPr lang="en-US" dirty="0" smtClean="0">
-                <a:solidFill>
-                  <a:srgbClr val="FFFF00"/>
-                </a:solidFill>
-              </a:rPr>
-              <a:t> </a:t>
-            </a:r>
-            <a:r>
-              <a:rPr lang="en-US" dirty="0" smtClean="0">
-                <a:solidFill>
-                  <a:srgbClr val="FFFFFF"/>
-                </a:solidFill>
-              </a:rPr>
-              <a:t>at </a:t>
-            </a:r>
-            <a:r>
-              <a:rPr lang="en-US" dirty="0" smtClean="0">
-                <a:solidFill>
-                  <a:srgbClr val="FFFF00"/>
-                </a:solidFill>
-              </a:rPr>
-              <a:t>100 AU </a:t>
-            </a:r>
-            <a:r>
-              <a:rPr lang="en-US" dirty="0" smtClean="0">
-                <a:solidFill>
-                  <a:srgbClr val="FFFFFF"/>
-                </a:solidFill>
-              </a:rPr>
-              <a:t>for a </a:t>
-            </a:r>
-            <a:r>
-              <a:rPr lang="en-US" dirty="0" smtClean="0">
-                <a:solidFill>
-                  <a:srgbClr val="FFFF00"/>
-                </a:solidFill>
-              </a:rPr>
-              <a:t>realistic EOS </a:t>
-            </a:r>
-            <a:r>
-              <a:rPr lang="en-US" dirty="0" smtClean="0"/>
-              <a:t>with H</a:t>
-            </a:r>
-            <a:r>
-              <a:rPr lang="en-US" baseline="-25000" dirty="0" smtClean="0"/>
-              <a:t>2</a:t>
-            </a:r>
-            <a:r>
-              <a:rPr lang="en-US" dirty="0" smtClean="0"/>
-              <a:t> spin isomers in thermal equilibrium </a:t>
-            </a:r>
-            <a:r>
-              <a:rPr lang="en-US" dirty="0" smtClean="0">
-                <a:solidFill>
-                  <a:srgbClr val="FFFF00"/>
-                </a:solidFill>
-              </a:rPr>
-              <a:t> </a:t>
-            </a:r>
-            <a:r>
-              <a:rPr lang="en-US" dirty="0" smtClean="0">
-                <a:solidFill>
-                  <a:srgbClr val="FFFFFF"/>
-                </a:solidFill>
-              </a:rPr>
-              <a:t>and grain growth opacity with standard collisional cascade (</a:t>
-            </a:r>
-            <a:r>
-              <a:rPr lang="en-US" i="1" dirty="0" smtClean="0">
-                <a:solidFill>
-                  <a:srgbClr val="FFFF00"/>
-                </a:solidFill>
-              </a:rPr>
-              <a:t>p=3.5</a:t>
-            </a:r>
-            <a:r>
-              <a:rPr lang="en-US" dirty="0" smtClean="0">
-                <a:solidFill>
-                  <a:srgbClr val="FFFFFF"/>
-                </a:solidFill>
-              </a:rPr>
-              <a:t>) and </a:t>
-            </a:r>
-            <a:r>
-              <a:rPr lang="en-US" dirty="0" err="1" smtClean="0">
-                <a:solidFill>
-                  <a:srgbClr val="FFFF00"/>
-                </a:solidFill>
-              </a:rPr>
-              <a:t>s</a:t>
-            </a:r>
-            <a:r>
-              <a:rPr lang="en-US" baseline="-25000" dirty="0" err="1" smtClean="0">
-                <a:solidFill>
-                  <a:srgbClr val="FFFF00"/>
-                </a:solidFill>
-              </a:rPr>
-              <a:t>max</a:t>
-            </a:r>
-            <a:r>
-              <a:rPr lang="en-US" dirty="0" smtClean="0">
-                <a:solidFill>
-                  <a:srgbClr val="FFFF00"/>
-                </a:solidFill>
-              </a:rPr>
-              <a:t>=1 cm</a:t>
-            </a:r>
-          </a:p>
-          <a:p>
-            <a:endParaRPr lang="en-US" dirty="0" smtClean="0">
+              <a:rPr lang="en-US" sz="1400" dirty="0">
+                <a:solidFill>
+                  <a:schemeClr val="bg1"/>
+                </a:solidFill>
+              </a:rPr>
+              <a:t>c</a:t>
+            </a:r>
+            <a:r>
+              <a:rPr lang="en-US" sz="1400" dirty="0" smtClean="0">
+                <a:solidFill>
+                  <a:schemeClr val="bg1"/>
+                </a:solidFill>
+              </a:rPr>
+              <a:t>oagulation (</a:t>
+            </a:r>
+            <a:r>
+              <a:rPr lang="en-US" sz="1400" i="1" dirty="0" smtClean="0">
+                <a:solidFill>
+                  <a:schemeClr val="bg1"/>
+                </a:solidFill>
+              </a:rPr>
+              <a:t>p = 2.5</a:t>
+            </a:r>
+            <a:r>
+              <a:rPr lang="en-US" sz="1400" dirty="0" smtClean="0">
+                <a:solidFill>
+                  <a:schemeClr val="bg1"/>
+                </a:solidFill>
+              </a:rPr>
+              <a:t>)</a:t>
+            </a:r>
+            <a:endParaRPr lang="en-US" sz="1400" dirty="0">
               <a:solidFill>
-                <a:srgbClr val="FFFFFF"/>
+                <a:schemeClr val="bg1"/>
               </a:solidFill>
             </a:endParaRPr>
-          </a:p>
-          <a:p>
-            <a:r>
-              <a:rPr lang="en-US" dirty="0" err="1" smtClean="0">
-                <a:solidFill>
-                  <a:srgbClr val="FFFFFF"/>
-                </a:solidFill>
-              </a:rPr>
-              <a:t>M</a:t>
-            </a:r>
-            <a:r>
-              <a:rPr lang="en-US" baseline="-25000" dirty="0" err="1" smtClean="0">
-                <a:solidFill>
-                  <a:srgbClr val="FFFFFF"/>
-                </a:solidFill>
-              </a:rPr>
-              <a:t>crit</a:t>
-            </a:r>
-            <a:r>
-              <a:rPr lang="en-US" dirty="0" smtClean="0">
-                <a:solidFill>
-                  <a:srgbClr val="FFFFFF"/>
-                </a:solidFill>
-              </a:rPr>
-              <a:t> </a:t>
-            </a:r>
-            <a:r>
-              <a:rPr lang="en-US" dirty="0" smtClean="0">
-                <a:solidFill>
-                  <a:srgbClr val="FFFF00"/>
-                </a:solidFill>
-              </a:rPr>
-              <a:t>may decrease by up to one order of magnitude </a:t>
-            </a:r>
-            <a:r>
-              <a:rPr lang="en-US" dirty="0" smtClean="0">
-                <a:solidFill>
-                  <a:srgbClr val="FFFFFF"/>
-                </a:solidFill>
-              </a:rPr>
-              <a:t>if coagulation is taken into account (</a:t>
-            </a:r>
-            <a:r>
-              <a:rPr lang="en-US" i="1" dirty="0" smtClean="0">
-                <a:solidFill>
-                  <a:srgbClr val="FFFF00"/>
-                </a:solidFill>
-              </a:rPr>
-              <a:t>p=2.5</a:t>
-            </a:r>
-            <a:r>
-              <a:rPr lang="en-US" dirty="0" smtClean="0">
-                <a:solidFill>
-                  <a:srgbClr val="FFFFFF"/>
-                </a:solidFill>
-              </a:rPr>
-              <a:t>)</a:t>
-            </a:r>
-          </a:p>
-          <a:p>
-            <a:endParaRPr lang="en-US" dirty="0" smtClean="0">
-              <a:solidFill>
-                <a:srgbClr val="FFFF00"/>
-              </a:solidFill>
-            </a:endParaRPr>
-          </a:p>
-          <a:p>
-            <a:pPr marL="0" indent="0">
-              <a:buNone/>
-            </a:pPr>
-            <a:endParaRPr lang="en-US" baseline="-25000" dirty="0" smtClean="0"/>
-          </a:p>
-          <a:p>
-            <a:pPr marL="0" indent="0">
-              <a:buNone/>
-            </a:pPr>
-            <a:endParaRPr lang="en-US" dirty="0"/>
-          </a:p>
-          <a:p>
-            <a:endParaRPr lang="en-US" dirty="0">
-              <a:solidFill>
-                <a:srgbClr val="FFFF00"/>
-              </a:solidFill>
-            </a:endParaRPr>
-          </a:p>
-          <a:p>
-            <a:endParaRPr lang="en-US" dirty="0"/>
           </a:p>
         </p:txBody>
       </p:sp>
     </p:spTree>
     <p:extLst>
       <p:ext uri="{BB962C8B-B14F-4D97-AF65-F5344CB8AC3E}">
-        <p14:creationId xmlns:p14="http://schemas.microsoft.com/office/powerpoint/2010/main" val="1002547493"/>
+        <p14:creationId xmlns:p14="http://schemas.microsoft.com/office/powerpoint/2010/main" val="3082910392"/>
       </p:ext>
     </p:extLst>
   </p:cSld>
@@ -14571,16 +14645,33 @@
             <p:ph type="title"/>
           </p:nvPr>
         </p:nvSpPr>
-        <p:spPr/>
+        <p:spPr>
+          <a:xfrm>
+            <a:off x="457200" y="155938"/>
+            <a:ext cx="8229600" cy="1143000"/>
+          </a:xfrm>
+        </p:spPr>
         <p:txBody>
           <a:bodyPr/>
           <a:lstStyle/>
           <a:p>
             <a:r>
               <a:rPr lang="en-US" dirty="0" smtClean="0"/>
-              <a:t>Core Accretion Model</a:t>
-            </a:r>
-            <a:endParaRPr lang="en-US" dirty="0"/>
+              <a:t>Summary of </a:t>
+            </a:r>
+            <a:r>
+              <a:rPr lang="en-US" dirty="0" smtClean="0">
+                <a:solidFill>
+                  <a:srgbClr val="FFFF00"/>
+                </a:solidFill>
+              </a:rPr>
+              <a:t>Part I</a:t>
+            </a:r>
+            <a:endParaRPr lang="en-US" dirty="0">
+              <a:solidFill>
+                <a:srgbClr val="FFFF00"/>
+              </a:solidFill>
+            </a:endParaRPr>
           </a:p>
         </p:txBody>
       </p:sp>
@@ -14596,95 +14687,417 @@
         </p:nvSpPr>
         <p:spPr>
           <a:xfrm>
-            <a:off x="457200" y="4402667"/>
-            <a:ext cx="8229600" cy="1723496"/>
-          </a:xfrm>
-        </p:spPr>
-        <p:txBody>
-          <a:bodyPr/>
+            <a:off x="457200" y="1412552"/>
+            <a:ext cx="8229600" cy="5104180"/>
+          </a:xfrm>
+        </p:spPr>
+        <p:txBody>
+          <a:bodyPr>
+            <a:normAutofit fontScale="77500" lnSpcReduction="20000"/>
+          </a:bodyPr>
           <a:lstStyle/>
           <a:p>
-            <a:pPr marL="0" indent="0" algn="ctr">
+            <a:r>
+              <a:rPr lang="en-US" dirty="0" smtClean="0"/>
+              <a:t>H</a:t>
+            </a:r>
+            <a:r>
+              <a:rPr lang="en-US" baseline="-25000" dirty="0" smtClean="0"/>
+              <a:t>2</a:t>
+            </a:r>
+            <a:r>
+              <a:rPr lang="en-US" dirty="0" smtClean="0"/>
+              <a:t> dissociation and </a:t>
+            </a:r>
+            <a:r>
+              <a:rPr lang="en-US" dirty="0" smtClean="0">
+                <a:solidFill>
+                  <a:srgbClr val="FFFFFF"/>
+                </a:solidFill>
+              </a:rPr>
+              <a:t>variable occupation of H</a:t>
+            </a:r>
+            <a:r>
+              <a:rPr lang="en-US" baseline="-25000" dirty="0" smtClean="0">
+                <a:solidFill>
+                  <a:srgbClr val="FFFFFF"/>
+                </a:solidFill>
+              </a:rPr>
+              <a:t>2 </a:t>
+            </a:r>
+            <a:r>
+              <a:rPr lang="en-US" dirty="0" smtClean="0">
+                <a:solidFill>
+                  <a:srgbClr val="FFFFFF"/>
+                </a:solidFill>
+              </a:rPr>
+              <a:t>rotational states </a:t>
+            </a:r>
+            <a:r>
+              <a:rPr lang="en-US" dirty="0" smtClean="0">
+                <a:solidFill>
+                  <a:srgbClr val="FFFF00"/>
+                </a:solidFill>
+              </a:rPr>
+              <a:t>INCREASE</a:t>
+            </a:r>
+            <a:r>
+              <a:rPr lang="en-US" dirty="0" smtClean="0"/>
+              <a:t> </a:t>
+            </a:r>
+            <a:r>
+              <a:rPr lang="en-US" dirty="0" err="1" smtClean="0"/>
+              <a:t>M</a:t>
+            </a:r>
+            <a:r>
+              <a:rPr lang="en-US" baseline="-25000" dirty="0" err="1" smtClean="0"/>
+              <a:t>crit</a:t>
+            </a:r>
+            <a:r>
+              <a:rPr lang="en-US" dirty="0" smtClean="0"/>
+              <a:t> when compared to an ideal gas </a:t>
+            </a:r>
+            <a:r>
+              <a:rPr lang="en-US" dirty="0" err="1" smtClean="0"/>
+              <a:t>polytrope</a:t>
+            </a:r>
+            <a:endParaRPr lang="en-US" baseline="-25000" dirty="0" smtClean="0"/>
+          </a:p>
+          <a:p>
+            <a:endParaRPr lang="en-US" dirty="0" smtClean="0"/>
+          </a:p>
+          <a:p>
+            <a:r>
+              <a:rPr lang="en-US" dirty="0" smtClean="0"/>
+              <a:t>Grain growth opacity </a:t>
+            </a:r>
+            <a:r>
+              <a:rPr lang="en-US" dirty="0" smtClean="0">
+                <a:solidFill>
+                  <a:srgbClr val="FFFF00"/>
+                </a:solidFill>
+              </a:rPr>
+              <a:t>DECREASES</a:t>
+            </a:r>
+            <a:r>
+              <a:rPr lang="en-US" dirty="0" smtClean="0"/>
+              <a:t> </a:t>
+            </a:r>
+            <a:r>
+              <a:rPr lang="en-US" dirty="0" err="1" smtClean="0"/>
+              <a:t>M</a:t>
+            </a:r>
+            <a:r>
+              <a:rPr lang="en-US" baseline="-25000" dirty="0" err="1" smtClean="0"/>
+              <a:t>crit</a:t>
+            </a:r>
+            <a:r>
+              <a:rPr lang="en-US" dirty="0" smtClean="0"/>
+              <a:t> compared to ISM opacity</a:t>
+            </a:r>
+            <a:endParaRPr lang="en-US" baseline="-25000" dirty="0" smtClean="0"/>
+          </a:p>
+          <a:p>
+            <a:endParaRPr lang="en-US" dirty="0" smtClean="0"/>
+          </a:p>
+          <a:p>
+            <a:r>
+              <a:rPr lang="en-US" dirty="0" err="1" smtClean="0">
+                <a:solidFill>
+                  <a:srgbClr val="FFFFFF"/>
+                </a:solidFill>
+              </a:rPr>
+              <a:t>M</a:t>
+            </a:r>
+            <a:r>
+              <a:rPr lang="en-US" baseline="-25000" dirty="0" err="1" smtClean="0">
+                <a:solidFill>
+                  <a:srgbClr val="FFFFFF"/>
+                </a:solidFill>
+              </a:rPr>
+              <a:t>crit</a:t>
+            </a:r>
+            <a:r>
+              <a:rPr lang="en-US" dirty="0" smtClean="0">
+                <a:solidFill>
+                  <a:srgbClr val="FFFFFF"/>
+                </a:solidFill>
+              </a:rPr>
+              <a:t> ~</a:t>
+            </a:r>
+            <a:r>
+              <a:rPr lang="en-US" dirty="0" smtClean="0">
+                <a:solidFill>
+                  <a:srgbClr val="FFFF00"/>
+                </a:solidFill>
+              </a:rPr>
+              <a:t> 8 M</a:t>
+            </a:r>
+            <a:r>
+              <a:rPr lang="en-US" baseline="-25000" dirty="0" smtClean="0">
+                <a:solidFill>
+                  <a:srgbClr val="FFFF00"/>
+                </a:solidFill>
+              </a:rPr>
+              <a:t>E</a:t>
+            </a:r>
+            <a:r>
+              <a:rPr lang="en-US" dirty="0" smtClean="0">
+                <a:solidFill>
+                  <a:srgbClr val="FFFF00"/>
+                </a:solidFill>
+              </a:rPr>
+              <a:t> </a:t>
+            </a:r>
+            <a:r>
+              <a:rPr lang="en-US" dirty="0" smtClean="0">
+                <a:solidFill>
+                  <a:srgbClr val="FFFFFF"/>
+                </a:solidFill>
+              </a:rPr>
+              <a:t>at </a:t>
+            </a:r>
+            <a:r>
+              <a:rPr lang="en-US" dirty="0" smtClean="0">
+                <a:solidFill>
+                  <a:srgbClr val="FFFF00"/>
+                </a:solidFill>
+              </a:rPr>
+              <a:t>5 AU </a:t>
+            </a:r>
+            <a:r>
+              <a:rPr lang="en-US" dirty="0" smtClean="0">
+                <a:solidFill>
+                  <a:srgbClr val="FFFFFF"/>
+                </a:solidFill>
+              </a:rPr>
+              <a:t>and ~ </a:t>
+            </a:r>
+            <a:r>
+              <a:rPr lang="en-US" dirty="0" smtClean="0">
+                <a:solidFill>
+                  <a:srgbClr val="FFFF00"/>
+                </a:solidFill>
+              </a:rPr>
+              <a:t>5 M</a:t>
+            </a:r>
+            <a:r>
+              <a:rPr lang="en-US" baseline="-25000" dirty="0" smtClean="0">
+                <a:solidFill>
+                  <a:srgbClr val="FFFF00"/>
+                </a:solidFill>
+              </a:rPr>
+              <a:t>E</a:t>
+            </a:r>
+            <a:r>
+              <a:rPr lang="en-US" dirty="0" smtClean="0">
+                <a:solidFill>
+                  <a:srgbClr val="FFFF00"/>
+                </a:solidFill>
+              </a:rPr>
+              <a:t> </a:t>
+            </a:r>
+            <a:r>
+              <a:rPr lang="en-US" dirty="0" smtClean="0">
+                <a:solidFill>
+                  <a:srgbClr val="FFFFFF"/>
+                </a:solidFill>
+              </a:rPr>
+              <a:t>at </a:t>
+            </a:r>
+            <a:r>
+              <a:rPr lang="en-US" dirty="0" smtClean="0">
+                <a:solidFill>
+                  <a:srgbClr val="FFFF00"/>
+                </a:solidFill>
+              </a:rPr>
+              <a:t>100 AU </a:t>
+            </a:r>
+            <a:r>
+              <a:rPr lang="en-US" dirty="0" smtClean="0">
+                <a:solidFill>
+                  <a:srgbClr val="FFFFFF"/>
+                </a:solidFill>
+              </a:rPr>
+              <a:t>for a </a:t>
+            </a:r>
+            <a:r>
+              <a:rPr lang="en-US" dirty="0" smtClean="0">
+                <a:solidFill>
+                  <a:srgbClr val="FFFF00"/>
+                </a:solidFill>
+              </a:rPr>
+              <a:t>realistic EOS </a:t>
+            </a:r>
+            <a:r>
+              <a:rPr lang="en-US" dirty="0" smtClean="0"/>
+              <a:t>with H</a:t>
+            </a:r>
+            <a:r>
+              <a:rPr lang="en-US" baseline="-25000" dirty="0" smtClean="0"/>
+              <a:t>2</a:t>
+            </a:r>
+            <a:r>
+              <a:rPr lang="en-US" dirty="0" smtClean="0"/>
+              <a:t> spin isomers in thermal equilibrium </a:t>
+            </a:r>
+            <a:r>
+              <a:rPr lang="en-US" dirty="0" smtClean="0">
+                <a:solidFill>
+                  <a:srgbClr val="FFFF00"/>
+                </a:solidFill>
+              </a:rPr>
+              <a:t> </a:t>
+            </a:r>
+            <a:r>
+              <a:rPr lang="en-US" dirty="0" smtClean="0">
+                <a:solidFill>
+                  <a:srgbClr val="FFFFFF"/>
+                </a:solidFill>
+              </a:rPr>
+              <a:t>and grain growth opacity with standard collisional cascade (</a:t>
+            </a:r>
+            <a:r>
+              <a:rPr lang="en-US" i="1" dirty="0" smtClean="0">
+                <a:solidFill>
+                  <a:srgbClr val="FFFF00"/>
+                </a:solidFill>
+              </a:rPr>
+              <a:t>p=3.5</a:t>
+            </a:r>
+            <a:r>
+              <a:rPr lang="en-US" dirty="0" smtClean="0">
+                <a:solidFill>
+                  <a:srgbClr val="FFFFFF"/>
+                </a:solidFill>
+              </a:rPr>
+              <a:t>) and </a:t>
+            </a:r>
+            <a:r>
+              <a:rPr lang="en-US" dirty="0" err="1" smtClean="0">
+                <a:solidFill>
+                  <a:srgbClr val="FFFF00"/>
+                </a:solidFill>
+              </a:rPr>
+              <a:t>s</a:t>
+            </a:r>
+            <a:r>
+              <a:rPr lang="en-US" baseline="-25000" dirty="0" err="1" smtClean="0">
+                <a:solidFill>
+                  <a:srgbClr val="FFFF00"/>
+                </a:solidFill>
+              </a:rPr>
+              <a:t>max</a:t>
+            </a:r>
+            <a:r>
+              <a:rPr lang="en-US" dirty="0" smtClean="0">
+                <a:solidFill>
+                  <a:srgbClr val="FFFF00"/>
+                </a:solidFill>
+              </a:rPr>
+              <a:t>=1 cm</a:t>
+            </a:r>
+          </a:p>
+          <a:p>
+            <a:endParaRPr lang="en-US" dirty="0" smtClean="0">
+              <a:solidFill>
+                <a:srgbClr val="FFFFFF"/>
+              </a:solidFill>
+            </a:endParaRPr>
+          </a:p>
+          <a:p>
+            <a:r>
+              <a:rPr lang="en-US" dirty="0" err="1" smtClean="0">
+                <a:solidFill>
+                  <a:srgbClr val="FFFFFF"/>
+                </a:solidFill>
+              </a:rPr>
+              <a:t>M</a:t>
+            </a:r>
+            <a:r>
+              <a:rPr lang="en-US" baseline="-25000" dirty="0" err="1" smtClean="0">
+                <a:solidFill>
+                  <a:srgbClr val="FFFFFF"/>
+                </a:solidFill>
+              </a:rPr>
+              <a:t>crit</a:t>
+            </a:r>
+            <a:r>
+              <a:rPr lang="en-US" dirty="0" smtClean="0">
+                <a:solidFill>
+                  <a:srgbClr val="FFFFFF"/>
+                </a:solidFill>
+              </a:rPr>
+              <a:t> </a:t>
+            </a:r>
+            <a:r>
+              <a:rPr lang="en-US" dirty="0" smtClean="0">
+                <a:solidFill>
+                  <a:srgbClr val="FFFF00"/>
+                </a:solidFill>
+              </a:rPr>
+              <a:t>may decrease by up to one order of magnitude </a:t>
+            </a:r>
+            <a:r>
+              <a:rPr lang="en-US" dirty="0" smtClean="0">
+                <a:solidFill>
+                  <a:srgbClr val="FFFFFF"/>
+                </a:solidFill>
+              </a:rPr>
+              <a:t>if coagulation is taken into account (</a:t>
+            </a:r>
+            <a:r>
+              <a:rPr lang="en-US" i="1" dirty="0" smtClean="0">
+                <a:solidFill>
+                  <a:srgbClr val="FFFF00"/>
+                </a:solidFill>
+              </a:rPr>
+              <a:t>p=2.5</a:t>
+            </a:r>
+            <a:r>
+              <a:rPr lang="en-US" dirty="0" smtClean="0">
+                <a:solidFill>
+                  <a:srgbClr val="FFFFFF"/>
+                </a:solidFill>
+              </a:rPr>
+              <a:t>)</a:t>
+            </a:r>
+          </a:p>
+          <a:p>
+            <a:endParaRPr lang="en-US" dirty="0" smtClean="0">
+              <a:solidFill>
+                <a:srgbClr val="FFFF00"/>
+              </a:solidFill>
+            </a:endParaRPr>
+          </a:p>
+          <a:p>
+            <a:pPr marL="0" indent="0">
               <a:buNone/>
             </a:pPr>
-            <a:r>
-              <a:rPr lang="en-US" dirty="0" smtClean="0"/>
-              <a:t>The </a:t>
-            </a:r>
-            <a:r>
-              <a:rPr lang="en-US" dirty="0" smtClean="0">
-                <a:solidFill>
-                  <a:srgbClr val="FFFF00"/>
-                </a:solidFill>
-              </a:rPr>
-              <a:t>composition of planets </a:t>
-            </a:r>
-            <a:r>
-              <a:rPr lang="en-US" dirty="0" smtClean="0"/>
-              <a:t>is </a:t>
-            </a:r>
-            <a:r>
-              <a:rPr lang="en-US" dirty="0" smtClean="0">
-                <a:solidFill>
-                  <a:srgbClr val="FFFF00"/>
-                </a:solidFill>
-              </a:rPr>
-              <a:t>determined by and tightly linked</a:t>
-            </a:r>
-            <a:r>
-              <a:rPr lang="en-US" dirty="0" smtClean="0"/>
-              <a:t> to the </a:t>
-            </a:r>
-            <a:r>
-              <a:rPr lang="en-US" dirty="0" smtClean="0">
-                <a:solidFill>
-                  <a:srgbClr val="FFFF00"/>
-                </a:solidFill>
-              </a:rPr>
-              <a:t>disk composition</a:t>
-            </a:r>
+            <a:endParaRPr lang="en-US" baseline="-25000" dirty="0" smtClean="0"/>
+          </a:p>
+          <a:p>
+            <a:pPr marL="0" indent="0">
+              <a:buNone/>
+            </a:pPr>
+            <a:endParaRPr lang="en-US" dirty="0"/>
+          </a:p>
+          <a:p>
             <a:endParaRPr lang="en-US" dirty="0">
               <a:solidFill>
                 <a:srgbClr val="FFFF00"/>
               </a:solidFill>
             </a:endParaRPr>
           </a:p>
-        </p:txBody>
-      </p:sp>
-      <p:pic>
-        <p:nvPicPr>
-          <p:cNvPr id="5" name="Picture 4" descr="Screen Shot 2015-09-22 at 5.39.13 PM.png"/>
-          <p:cNvPicPr>
-            <a:picLocks noChangeAspect="1"/>
-          </p:cNvPicPr>
-          <p:nvPr/>
-        </p:nvPicPr>
-        <p:blipFill>
-          <a:blip r:embed="rId2">
-            <a:extLst>
-              <a:ext uri="{28A0092B-C50C-407E-A947-70E740481C1C}">
-                <a14:useLocalDpi xmlns:a14="http://schemas.microsoft.com/office/drawing/2010/main" val="0"/>
-              </a:ext>
-            </a:extLst>
-          </a:blip>
-          <a:stretch>
-            <a:fillRect/>
-          </a:stretch>
-        </p:blipFill>
-        <p:spPr>
-          <a:xfrm>
-            <a:off x="457200" y="1924471"/>
-            <a:ext cx="8296145" cy="2163879"/>
-          </a:xfrm>
-          <a:prstGeom prst="rect">
-            <a:avLst/>
-          </a:prstGeom>
-        </p:spPr>
-      </p:pic>
+          <a:p>
+            <a:endParaRPr lang="en-US" dirty="0"/>
+          </a:p>
+        </p:txBody>
+      </p:sp>
     </p:spTree>
     <p:extLst>
       <p:ext uri="{BB962C8B-B14F-4D97-AF65-F5344CB8AC3E}">
-        <p14:creationId xmlns:p14="http://schemas.microsoft.com/office/powerpoint/2010/main" val="2016451584"/>
+        <p14:creationId xmlns:p14="http://schemas.microsoft.com/office/powerpoint/2010/main" val="1002547493"/>
       </p:ext>
     </p:extLst>
   </p:cSld>
@@ -14873,58 +15286,79 @@
             <p:ph type="title"/>
           </p:nvPr>
         </p:nvSpPr>
-        <p:spPr>
-          <a:xfrm>
-            <a:off x="243209" y="1715767"/>
-            <a:ext cx="8782563" cy="1336579"/>
-          </a:xfrm>
-        </p:spPr>
-        <p:txBody>
-          <a:bodyPr>
-            <a:noAutofit/>
-          </a:bodyPr>
+        <p:spPr/>
+        <p:txBody>
+          <a:bodyPr/>
           <a:lstStyle/>
           <a:p>
             <a:r>
-              <a:rPr lang="en-US" sz="3300" dirty="0" smtClean="0">
+              <a:rPr lang="en-US" dirty="0" smtClean="0"/>
+              <a:t>Core Accretion Model</a:t>
+            </a:r>
+            <a:endParaRPr lang="en-US" dirty="0"/>
+          </a:p>
+        </p:txBody>
+      </p:sp>
+      <p:sp>
+        <p:nvSpPr>
+          <p:cNvPr id="3" name="Content Placeholder 2"/>
+          <p:cNvSpPr>
+            <a:spLocks noGrp="1"/>
+          </p:cNvSpPr>
+          <p:nvPr>
+            <p:ph idx="1"/>
+          </p:nvPr>
+        </p:nvSpPr>
+        <p:spPr>
+          <a:xfrm>
+            <a:off x="457200" y="4402667"/>
+            <a:ext cx="8229600" cy="1723496"/>
+          </a:xfrm>
+        </p:spPr>
+        <p:txBody>
+          <a:bodyPr/>
+          <a:lstStyle/>
+          <a:p>
+            <a:pPr marL="0" indent="0" algn="ctr">
+              <a:buNone/>
+            </a:pPr>
+            <a:r>
+              <a:rPr lang="en-US" dirty="0" smtClean="0"/>
+              <a:t>The </a:t>
+            </a:r>
+            <a:r>
+              <a:rPr lang="en-US" dirty="0" smtClean="0">
                 <a:solidFill>
                   <a:srgbClr val="FFFF00"/>
                 </a:solidFill>
               </a:rPr>
-              <a:t>Snowline Locations in </a:t>
-            </a:r>
-            <a:r>
-              <a:rPr lang="en-US" sz="3300" dirty="0" err="1" smtClean="0">
+              <a:t>composition of planets </a:t>
+            </a:r>
+            <a:r>
+              <a:rPr lang="en-US" dirty="0" smtClean="0"/>
+              <a:t>is </a:t>
+            </a:r>
+            <a:r>
+              <a:rPr lang="en-US" dirty="0" smtClean="0">
                 <a:solidFill>
                   <a:srgbClr val="FFFF00"/>
                 </a:solidFill>
               </a:rPr>
-              <a:t>Protoplanetary</a:t>
-            </a:r>
-            <a:r>
-              <a:rPr lang="en-US" sz="3300" dirty="0" smtClean="0">
+              <a:t>determined by and tightly linked</a:t>
+            </a:r>
+            <a:r>
+              <a:rPr lang="en-US" dirty="0" smtClean="0"/>
+              <a:t> to the </a:t>
+            </a:r>
+            <a:r>
+              <a:rPr lang="en-US" dirty="0" smtClean="0">
                 <a:solidFill>
                   <a:srgbClr val="FFFF00"/>
                 </a:solidFill>
               </a:rPr>
-              <a:t> Disks and </a:t>
-            </a:r>
-            <a:br>
-              <a:rPr lang="en-US" sz="3300" dirty="0" smtClean="0">
-                <a:solidFill>
-                  <a:srgbClr val="FFFF00"/>
-                </a:solidFill>
-              </a:rPr>
-            </a:br>
-            <a:r>
-              <a:rPr lang="en-US" sz="3300" dirty="0" smtClean="0">
-                <a:solidFill>
-                  <a:srgbClr val="FFFF00"/>
-                </a:solidFill>
-              </a:rPr>
-              <a:t>C/O ratios</a:t>
-            </a:r>
-            <a:endParaRPr lang="en-US" sz="3300" dirty="0">
+              <a:t>disk composition</a:t>
+            </a:r>
+            <a:endParaRPr lang="en-US" dirty="0">
               <a:solidFill>
                 <a:srgbClr val="FFFF00"/>
               </a:solidFill>
@@ -14932,55 +15366,16 @@
           </a:p>
         </p:txBody>
       </p:sp>
-      <p:sp>
-        <p:nvSpPr>
-          <p:cNvPr id="4" name="TextBox 3"/>
-          <p:cNvSpPr txBox="1"/>
-          <p:nvPr/>
-        </p:nvSpPr>
-        <p:spPr>
-          <a:xfrm>
-            <a:off x="3391421" y="756558"/>
-            <a:ext cx="2175373" cy="707886"/>
-          </a:xfrm>
-          <a:prstGeom prst="rect">
-            <a:avLst/>
-          </a:prstGeom>
-          <a:noFill/>
-        </p:spPr>
-        <p:txBody>
-          <a:bodyPr wrap="square" rtlCol="0">
-            <a:spAutoFit/>
-          </a:bodyPr>
-          <a:lstStyle/>
-          <a:p>
-            <a:pPr algn="ctr"/>
-            <a:r>
-              <a:rPr lang="en-US" sz="4000" dirty="0" smtClean="0">
-                <a:solidFill>
-                  <a:srgbClr val="FFFF00"/>
-                </a:solidFill>
-              </a:rPr>
-              <a:t>Part II</a:t>
-            </a:r>
-            <a:endParaRPr lang="en-US" sz="4000" dirty="0">
-              <a:solidFill>
-                <a:srgbClr val="FFFF00"/>
-              </a:solidFill>
-            </a:endParaRPr>
-          </a:p>
-        </p:txBody>
-      </p:sp>
       <p:pic>
         <p:nvPicPr>
-          <p:cNvPr id="3" name="Picture 2" descr="2013_sciencealma_0009.jpg"/>
+          <p:cNvPr id="5" name="Picture 4" descr="Screen Shot 2015-09-22 at 5.39.13 PM.png"/>
           <p:cNvPicPr>
             <a:picLocks noChangeAspect="1"/>
           </p:cNvPicPr>
           <p:nvPr/>
         </p:nvPicPr>
         <p:blipFill>
-          <a:blip r:embed="rId3" cstate="print">
+          <a:blip r:embed="rId2">
             <a:extLst>
               <a:ext uri="{28A0092B-C50C-407E-A947-70E740481C1C}">
                 <a14:useLocalDpi xmlns:a14="http://schemas.microsoft.com/office/drawing/2010/main" val="0"/>
@@ -14993,8 +15388,8 @@
         </p:blipFill>
         <p:spPr>
           <a:xfrm>
-            <a:off x="2952929" y="3052346"/>
-            <a:ext cx="3796140" cy="3805654"/>
+            <a:off x="457200" y="1924471"/>
+            <a:ext cx="8296145" cy="2163879"/>
           </a:xfrm>
           <a:prstGeom prst="rect">
             <a:avLst/>
@@ -15004,7 +15399,7 @@
     </p:spTree>
     <p:extLst>
       <p:ext uri="{BB962C8B-B14F-4D97-AF65-F5344CB8AC3E}">
-        <p14:creationId xmlns:p14="http://schemas.microsoft.com/office/powerpoint/2010/main" val="1317584619"/>
+        <p14:creationId xmlns:p14="http://schemas.microsoft.com/office/powerpoint/2010/main" val="2016451584"/>
       </p:ext>
     </p:extLst>
   </p:cSld>
@@ -15048,22 +15443,58 @@
             <p:ph type="title"/>
           </p:nvPr>
         </p:nvSpPr>
-        <p:spPr/>
+        <p:spPr>
+          <a:xfrm>
+            <a:off x="243209" y="1715767"/>
+            <a:ext cx="8782563" cy="1336579"/>
+          </a:xfrm>
+        </p:spPr>
         <p:txBody>
           <a:bodyPr>
-            <a:normAutofit/>
+            <a:noAutofit/>
           </a:bodyPr>
           <a:lstStyle/>
           <a:p>
             <a:r>
-              <a:rPr lang="en-US" sz="5000" dirty="0" smtClean="0">
+              <a:rPr lang="en-US" sz="3300" dirty="0" smtClean="0">
                 <a:solidFill>
                   <a:srgbClr val="FFFF00"/>
                 </a:solidFill>
               </a:rPr>
-              <a:t>BASIC IDEA</a:t>
-            </a:r>
-            <a:endParaRPr lang="en-US" sz="5000" dirty="0">
+              <a:t>Snowline Locations in </a:t>
+            </a:r>
+            <a:r>
+              <a:rPr lang="en-US" sz="3300" dirty="0" err="1" smtClean="0">
+                <a:solidFill>
+                  <a:srgbClr val="FFFF00"/>
+                </a:solidFill>
+              </a:rPr>
+              <a:t>Protoplanetary</a:t>
+            </a:r>
+            <a:r>
+              <a:rPr lang="en-US" sz="3300" dirty="0" smtClean="0">
+                <a:solidFill>
+                  <a:srgbClr val="FFFF00"/>
+                </a:solidFill>
+              </a:rPr>
+              <a:t> Disks and </a:t>
+            </a:r>
+            <a:br>
+              <a:rPr lang="en-US" sz="3300" dirty="0" smtClean="0">
+                <a:solidFill>
+                  <a:srgbClr val="FFFF00"/>
+                </a:solidFill>
+              </a:rPr>
+            </a:br>
+            <a:r>
+              <a:rPr lang="en-US" sz="3300" dirty="0" smtClean="0">
+                <a:solidFill>
+                  <a:srgbClr val="FFFF00"/>
+                </a:solidFill>
+              </a:rPr>
+              <a:t>C/O ratios</a:t>
+            </a:r>
+            <a:endParaRPr lang="en-US" sz="3300" dirty="0">
               <a:solidFill>
                 <a:srgbClr val="FFFF00"/>
               </a:solidFill>
@@ -15073,88 +15504,77 @@
       </p:sp>
       <p:sp>
         <p:nvSpPr>
-          <p:cNvPr id="3" name="Content Placeholder 2"/>
-          <p:cNvSpPr>
-            <a:spLocks noGrp="1"/>
-          </p:cNvSpPr>
-          <p:nvPr>
-            <p:ph idx="1"/>
-          </p:nvPr>
-        </p:nvSpPr>
-        <p:spPr>
-          <a:xfrm>
-            <a:off x="457200" y="2122308"/>
-            <a:ext cx="8094133" cy="3818469"/>
-          </a:xfrm>
-          <a:solidFill>
-            <a:srgbClr val="FFFF00"/>
-          </a:solidFill>
-          <a:ln w="63500">
-            <a:solidFill>
-              <a:srgbClr val="0000FF"/>
-            </a:solidFill>
-          </a:ln>
-        </p:spPr>
-        <p:txBody>
-          <a:bodyPr>
-            <a:normAutofit/>
+          <p:cNvPr id="4" name="TextBox 3"/>
+          <p:cNvSpPr txBox="1"/>
+          <p:nvPr/>
+        </p:nvSpPr>
+        <p:spPr>
+          <a:xfrm>
+            <a:off x="3391421" y="756558"/>
+            <a:ext cx="2175373" cy="707886"/>
+          </a:xfrm>
+          <a:prstGeom prst="rect">
+            <a:avLst/>
+          </a:prstGeom>
+          <a:noFill/>
+        </p:spPr>
+        <p:txBody>
+          <a:bodyPr wrap="square" rtlCol="0">
+            <a:spAutoFit/>
           </a:bodyPr>
           <a:lstStyle/>
           <a:p>
-            <a:pPr marL="0" indent="0" algn="ctr">
-              <a:buNone/>
-            </a:pPr>
-            <a:r>
-              <a:rPr lang="en-US" dirty="0" smtClean="0">
-                <a:solidFill>
-                  <a:schemeClr val="bg1"/>
-                </a:solidFill>
-              </a:rPr>
-              <a:t>Understand the disk well enough to:</a:t>
-            </a:r>
-          </a:p>
-          <a:p>
-            <a:pPr marL="514350" indent="-514350" algn="ctr">
-              <a:buAutoNum type="arabicPeriod"/>
-            </a:pPr>
-            <a:r>
-              <a:rPr lang="en-US" dirty="0" smtClean="0">
-                <a:solidFill>
-                  <a:schemeClr val="bg1"/>
-                </a:solidFill>
-              </a:rPr>
-              <a:t>Predict what kind of planet compositions result from planet formation in different parts of the disk</a:t>
-            </a:r>
-          </a:p>
-          <a:p>
-            <a:pPr marL="514350" indent="-514350" algn="ctr">
-              <a:buAutoNum type="arabicPeriod"/>
-            </a:pPr>
-            <a:r>
-              <a:rPr lang="en-US" dirty="0" smtClean="0">
-                <a:solidFill>
-                  <a:schemeClr val="bg1"/>
-                </a:solidFill>
-              </a:rPr>
-              <a:t>Back-track the planet formation location based on the planet composition</a:t>
-            </a:r>
-          </a:p>
-          <a:p>
-            <a:pPr marL="0" indent="0" algn="ctr">
-              <a:buNone/>
-            </a:pPr>
-            <a:endParaRPr lang="en-US" dirty="0" smtClean="0">
+            <a:pPr algn="ctr"/>
+            <a:r>
+              <a:rPr lang="en-US" sz="4000" dirty="0" smtClean="0">
+                <a:solidFill>
+                  <a:srgbClr val="FFFF00"/>
+                </a:solidFill>
+              </a:rPr>
+              <a:t>Part II</a:t>
+            </a:r>
+            <a:endParaRPr lang="en-US" sz="4000" dirty="0">
               <a:solidFill>
-                <a:schemeClr val="bg1"/>
+                <a:srgbClr val="FFFF00"/>
               </a:solidFill>
             </a:endParaRPr>
           </a:p>
         </p:txBody>
       </p:sp>
+      <p:pic>
+        <p:nvPicPr>
+          <p:cNvPr id="3" name="Picture 2" descr="2013_sciencealma_0009.jpg"/>
+          <p:cNvPicPr>
+            <a:picLocks noChangeAspect="1"/>
+          </p:cNvPicPr>
+          <p:nvPr/>
+        </p:nvPicPr>
+        <p:blipFill>
+          <a:blip r:embed="rId3" cstate="print">
+            <a:extLst>
+              <a:ext uri="{28A0092B-C50C-407E-A947-70E740481C1C}">
+                <a14:useLocalDpi xmlns:a14="http://schemas.microsoft.com/office/drawing/2010/main" val="0"/>
+              </a:ext>
+            </a:extLst>
+          </a:blip>
+          <a:stretch>
+            <a:fillRect/>
+          </a:stretch>
+        </p:blipFill>
+        <p:spPr>
+          <a:xfrm>
+            <a:off x="2952929" y="3052346"/>
+            <a:ext cx="3796140" cy="3805654"/>
+          </a:xfrm>
+          <a:prstGeom prst="rect">
+            <a:avLst/>
+          </a:prstGeom>
+        </p:spPr>
+      </p:pic>
     </p:spTree>
     <p:extLst>
       <p:ext uri="{BB962C8B-B14F-4D97-AF65-F5344CB8AC3E}">
-        <p14:creationId xmlns:p14="http://schemas.microsoft.com/office/powerpoint/2010/main" val="145592411"/>
+        <p14:creationId xmlns:p14="http://schemas.microsoft.com/office/powerpoint/2010/main" val="1317584619"/>
       </p:ext>
     </p:extLst>
   </p:cSld>
@@ -15198,104 +15618,113 @@
             <p:ph type="title"/>
           </p:nvPr>
         </p:nvSpPr>
-        <p:spPr>
-          <a:xfrm>
-            <a:off x="457200" y="-158769"/>
-            <a:ext cx="8229600" cy="1143000"/>
-          </a:xfrm>
-        </p:spPr>
-        <p:txBody>
-          <a:bodyPr/>
-          <a:lstStyle/>
-          <a:p>
-            <a:r>
-              <a:rPr lang="en-US" dirty="0" smtClean="0"/>
-              <a:t>Disk structure is </a:t>
-            </a:r>
-            <a:r>
-              <a:rPr lang="en-US" dirty="0" smtClean="0">
-                <a:solidFill>
-                  <a:srgbClr val="FFFF00"/>
-                </a:solidFill>
-              </a:rPr>
-              <a:t>complex</a:t>
-            </a:r>
-            <a:r>
-              <a:rPr lang="en-US" dirty="0" smtClean="0"/>
-              <a:t>!</a:t>
-            </a:r>
-            <a:endParaRPr lang="en-US" dirty="0"/>
-          </a:p>
-        </p:txBody>
-      </p:sp>
-      <p:sp>
-        <p:nvSpPr>
-          <p:cNvPr id="6" name="TextBox 5"/>
-          <p:cNvSpPr txBox="1"/>
-          <p:nvPr/>
-        </p:nvSpPr>
-        <p:spPr>
-          <a:xfrm>
-            <a:off x="6637474" y="6208221"/>
-            <a:ext cx="2492023" cy="307777"/>
-          </a:xfrm>
-          <a:prstGeom prst="rect">
-            <a:avLst/>
-          </a:prstGeom>
-          <a:noFill/>
-        </p:spPr>
-        <p:txBody>
-          <a:bodyPr wrap="square" rtlCol="0">
-            <a:spAutoFit/>
+        <p:spPr/>
+        <p:txBody>
+          <a:bodyPr>
+            <a:normAutofit/>
           </a:bodyPr>
           <a:lstStyle/>
           <a:p>
             <a:r>
-              <a:rPr lang="en-US" sz="1400" dirty="0" err="1" smtClean="0"/>
-              <a:t>Henning&amp;Semenov</a:t>
-            </a:r>
-            <a:r>
-              <a:rPr lang="en-US" sz="1400" dirty="0" smtClean="0"/>
-              <a:t> (2013)</a:t>
-            </a:r>
-            <a:endParaRPr lang="en-US" sz="1400" dirty="0"/>
-          </a:p>
-        </p:txBody>
-      </p:sp>
-      <p:pic>
-        <p:nvPicPr>
-          <p:cNvPr id="4" name="Picture 3" descr="disk_semenov.png"/>
-          <p:cNvPicPr>
-            <a:picLocks noChangeAspect="1"/>
-          </p:cNvPicPr>
-          <p:nvPr/>
-        </p:nvPicPr>
-        <p:blipFill>
-          <a:blip r:embed="rId3">
-            <a:extLst>
-              <a:ext uri="{28A0092B-C50C-407E-A947-70E740481C1C}">
-                <a14:useLocalDpi xmlns:a14="http://schemas.microsoft.com/office/drawing/2010/main" val="0"/>
-              </a:ext>
-            </a:extLst>
-          </a:blip>
-          <a:stretch>
-            <a:fillRect/>
-          </a:stretch>
-        </p:blipFill>
-        <p:spPr>
-          <a:xfrm>
-            <a:off x="157325" y="719614"/>
-            <a:ext cx="8972172" cy="5154892"/>
-          </a:xfrm>
-          <a:prstGeom prst="rect">
-            <a:avLst/>
-          </a:prstGeom>
-        </p:spPr>
-      </p:pic>
+              <a:rPr lang="en-US" sz="5000" dirty="0" smtClean="0">
+                <a:solidFill>
+                  <a:srgbClr val="FFFF00"/>
+                </a:solidFill>
+              </a:rPr>
+              <a:t>BASIC IDEA</a:t>
+            </a:r>
+            <a:endParaRPr lang="en-US" sz="5000" dirty="0">
+              <a:solidFill>
+                <a:srgbClr val="FFFF00"/>
+              </a:solidFill>
+            </a:endParaRPr>
+          </a:p>
+        </p:txBody>
+      </p:sp>
+      <p:sp>
+        <p:nvSpPr>
+          <p:cNvPr id="3" name="Content Placeholder 2"/>
+          <p:cNvSpPr>
+            <a:spLocks noGrp="1"/>
+          </p:cNvSpPr>
+          <p:nvPr>
+            <p:ph idx="1"/>
+          </p:nvPr>
+        </p:nvSpPr>
+        <p:spPr>
+          <a:xfrm>
+            <a:off x="457200" y="2122308"/>
+            <a:ext cx="8094133" cy="3818469"/>
+          </a:xfrm>
+          <a:solidFill>
+            <a:srgbClr val="FFFF00"/>
+          </a:solidFill>
+          <a:ln w="63500">
+            <a:solidFill>
+              <a:srgbClr val="0000FF"/>
+            </a:solidFill>
+          </a:ln>
+        </p:spPr>
+        <p:txBody>
+          <a:bodyPr>
+            <a:normAutofit/>
+          </a:bodyPr>
+          <a:lstStyle/>
+          <a:p>
+            <a:pPr marL="0" indent="0" algn="ctr">
+              <a:buNone/>
+            </a:pPr>
+            <a:r>
+              <a:rPr lang="en-US" dirty="0" smtClean="0">
+                <a:solidFill>
+                  <a:schemeClr val="bg1"/>
+                </a:solidFill>
+              </a:rPr>
+              <a:t>Understand the disk well enough to:</a:t>
+            </a:r>
+          </a:p>
+          <a:p>
+            <a:pPr marL="514350" indent="-514350" algn="ctr">
+              <a:buAutoNum type="arabicPeriod"/>
+            </a:pPr>
+            <a:r>
+              <a:rPr lang="en-US" dirty="0" smtClean="0">
+                <a:solidFill>
+                  <a:schemeClr val="bg1"/>
+                </a:solidFill>
+              </a:rPr>
+              <a:t>Predict what kind of planet compositions result from planet formation in different parts of the disk</a:t>
+            </a:r>
+          </a:p>
+          <a:p>
+            <a:pPr marL="514350" indent="-514350" algn="ctr">
+              <a:buAutoNum type="arabicPeriod"/>
+            </a:pPr>
+            <a:r>
+              <a:rPr lang="en-US" dirty="0" smtClean="0">
+                <a:solidFill>
+                  <a:schemeClr val="bg1"/>
+                </a:solidFill>
+              </a:rPr>
+              <a:t>Back-track the planet formation location based on the planet composition</a:t>
+            </a:r>
+          </a:p>
+          <a:p>
+            <a:pPr marL="0" indent="0" algn="ctr">
+              <a:buNone/>
+            </a:pPr>
+            <a:endParaRPr lang="en-US" dirty="0" smtClean="0">
+              <a:solidFill>
+                <a:schemeClr val="bg1"/>
+              </a:solidFill>
+            </a:endParaRPr>
+          </a:p>
+        </p:txBody>
+      </p:sp>
     </p:spTree>
     <p:extLst>
       <p:ext uri="{BB962C8B-B14F-4D97-AF65-F5344CB8AC3E}">
-        <p14:creationId xmlns:p14="http://schemas.microsoft.com/office/powerpoint/2010/main" val="1161060238"/>
+        <p14:creationId xmlns:p14="http://schemas.microsoft.com/office/powerpoint/2010/main" val="145592411"/>
       </p:ext>
     </p:extLst>
   </p:cSld>
@@ -15341,42 +15770,44 @@
         </p:nvSpPr>
         <p:spPr>
           <a:xfrm>
-            <a:off x="324556" y="45302"/>
-            <a:ext cx="8664222" cy="1489251"/>
-          </a:xfrm>
-        </p:spPr>
-        <p:txBody>
-          <a:bodyPr>
-            <a:noAutofit/>
-          </a:bodyPr>
+            <a:off x="457200" y="-158769"/>
+            <a:ext cx="8229600" cy="1143000"/>
+          </a:xfrm>
+        </p:spPr>
+        <p:txBody>
+          <a:bodyPr/>
           <a:lstStyle/>
           <a:p>
             <a:r>
-              <a:rPr lang="en-US" sz="4000" dirty="0" smtClean="0"/>
-              <a:t>Volatile compounds have been detected in </a:t>
-            </a:r>
-            <a:r>
-              <a:rPr lang="en-US" sz="4000" dirty="0" err="1" smtClean="0"/>
-              <a:t>protoplanetary</a:t>
-            </a:r>
-            <a:r>
-              <a:rPr lang="en-US" sz="4000" dirty="0" smtClean="0"/>
-              <a:t> disks</a:t>
-            </a:r>
-            <a:endParaRPr lang="en-US" sz="4000" dirty="0"/>
-          </a:p>
-        </p:txBody>
-      </p:sp>
-      <p:sp>
-        <p:nvSpPr>
-          <p:cNvPr id="5" name="TextBox 4"/>
+              <a:rPr lang="en-US" dirty="0" smtClean="0"/>
+              <a:t>Disk structure is </a:t>
+            </a:r>
+            <a:r>
+              <a:rPr lang="en-US" dirty="0" smtClean="0">
+                <a:solidFill>
+                  <a:srgbClr val="FFFF00"/>
+                </a:solidFill>
+              </a:rPr>
+              <a:t>complex</a:t>
+            </a:r>
+            <a:r>
+              <a:rPr lang="en-US" dirty="0" smtClean="0"/>
+              <a:t>!</a:t>
+            </a:r>
+            <a:endParaRPr lang="en-US" dirty="0"/>
+          </a:p>
+        </p:txBody>
+      </p:sp>
+      <p:sp>
+        <p:nvSpPr>
+          <p:cNvPr id="6" name="TextBox 5"/>
           <p:cNvSpPr txBox="1"/>
           <p:nvPr/>
         </p:nvSpPr>
         <p:spPr>
           <a:xfrm>
-            <a:off x="8055119" y="4788609"/>
-            <a:ext cx="933659" cy="307777"/>
+            <a:off x="6637474" y="6208221"/>
+            <a:ext cx="2492023" cy="307777"/>
           </a:xfrm>
           <a:prstGeom prst="rect">
             <a:avLst/>
@@ -15390,31 +15821,27 @@
           <a:lstStyle/>
           <a:p>
             <a:r>
-              <a:rPr lang="en-US" sz="1400" dirty="0" smtClean="0">
-                <a:solidFill>
-                  <a:srgbClr val="000000"/>
-                </a:solidFill>
-              </a:rPr>
-              <a:t>Oberg+11</a:t>
-            </a:r>
-            <a:endParaRPr lang="en-US" sz="1400" dirty="0">
-              <a:solidFill>
-                <a:srgbClr val="000000"/>
-              </a:solidFill>
-            </a:endParaRPr>
+              <a:rPr lang="en-US" sz="1400" dirty="0" err="1" smtClean="0"/>
+              <a:t>Henning&amp;Semenov</a:t>
+            </a:r>
+            <a:r>
+              <a:rPr lang="en-US" sz="1400" dirty="0" smtClean="0"/>
+              <a:t> (2013)</a:t>
+            </a:r>
+            <a:endParaRPr lang="en-US" sz="1400" dirty="0"/>
           </a:p>
         </p:txBody>
       </p:sp>
       <p:pic>
         <p:nvPicPr>
-          <p:cNvPr id="3" name="Picture 2" descr="217219main_20080312a-browse.jpg"/>
+          <p:cNvPr id="4" name="Picture 3" descr="disk_semenov.png"/>
           <p:cNvPicPr>
             <a:picLocks noChangeAspect="1"/>
           </p:cNvPicPr>
           <p:nvPr/>
         </p:nvPicPr>
         <p:blipFill>
-          <a:blip r:embed="rId3" cstate="print">
+          <a:blip r:embed="rId3">
             <a:extLst>
               <a:ext uri="{28A0092B-C50C-407E-A947-70E740481C1C}">
                 <a14:useLocalDpi xmlns:a14="http://schemas.microsoft.com/office/drawing/2010/main" val="0"/>
@@ -15427,8 +15854,8 @@
         </p:blipFill>
         <p:spPr>
           <a:xfrm>
-            <a:off x="829068" y="1466764"/>
-            <a:ext cx="7549808" cy="5391236"/>
+            <a:off x="157325" y="719614"/>
+            <a:ext cx="8972172" cy="5154892"/>
           </a:xfrm>
           <a:prstGeom prst="rect">
             <a:avLst/>
@@ -15438,7 +15865,7 @@
     </p:spTree>
     <p:extLst>
       <p:ext uri="{BB962C8B-B14F-4D97-AF65-F5344CB8AC3E}">
-        <p14:creationId xmlns:p14="http://schemas.microsoft.com/office/powerpoint/2010/main" val="2972934532"/>
+        <p14:creationId xmlns:p14="http://schemas.microsoft.com/office/powerpoint/2010/main" val="1161060238"/>
       </p:ext>
     </p:extLst>
   </p:cSld>
@@ -15484,8 +15911,8 @@
         </p:nvSpPr>
         <p:spPr>
           <a:xfrm>
-            <a:off x="127000" y="155222"/>
-            <a:ext cx="9017000" cy="1693334"/>
+            <a:off x="324556" y="45302"/>
+            <a:ext cx="8664222" cy="1489251"/>
           </a:xfrm>
         </p:spPr>
         <p:txBody>
@@ -15495,99 +15922,93 @@
           <a:lstStyle/>
           <a:p>
             <a:r>
-              <a:rPr lang="en-US" sz="3400" dirty="0" smtClean="0">
-                <a:solidFill>
-                  <a:srgbClr val="FFFF00"/>
-                </a:solidFill>
-              </a:rPr>
-              <a:t>Snowlines</a:t>
-            </a:r>
-            <a:r>
-              <a:rPr lang="en-US" sz="3400" dirty="0" smtClean="0"/>
-              <a:t> of </a:t>
-            </a:r>
-            <a:r>
-              <a:rPr lang="en-US" sz="3400" dirty="0" smtClean="0">
-                <a:solidFill>
-                  <a:srgbClr val="FFFF00"/>
-                </a:solidFill>
-              </a:rPr>
-              <a:t>volatile molecules </a:t>
-            </a:r>
-            <a:r>
-              <a:rPr lang="en-US" sz="3400" dirty="0" smtClean="0"/>
-              <a:t>have been detected in disks</a:t>
-            </a:r>
-            <a:endParaRPr lang="en-US" sz="3400" dirty="0"/>
+              <a:rPr lang="en-US" sz="4000" dirty="0" smtClean="0"/>
+              <a:t>Volatile compounds have been detected in </a:t>
+            </a:r>
+            <a:r>
+              <a:rPr lang="en-US" sz="4000" dirty="0" err="1" smtClean="0"/>
+              <a:t>protoplanetary</a:t>
+            </a:r>
+            <a:r>
+              <a:rPr lang="en-US" sz="4000" dirty="0" smtClean="0"/>
+              <a:t> disks</a:t>
+            </a:r>
+            <a:endParaRPr lang="en-US" sz="4000" dirty="0"/>
+          </a:p>
+        </p:txBody>
+      </p:sp>
+      <p:sp>
+        <p:nvSpPr>
+          <p:cNvPr id="5" name="TextBox 4"/>
+          <p:cNvSpPr txBox="1"/>
+          <p:nvPr/>
+        </p:nvSpPr>
+        <p:spPr>
+          <a:xfrm>
+            <a:off x="8055119" y="4788609"/>
+            <a:ext cx="933659" cy="307777"/>
+          </a:xfrm>
+          <a:prstGeom prst="rect">
+            <a:avLst/>
+          </a:prstGeom>
+          <a:noFill/>
+        </p:spPr>
+        <p:txBody>
+          <a:bodyPr wrap="square" rtlCol="0">
+            <a:spAutoFit/>
+          </a:bodyPr>
+          <a:lstStyle/>
+          <a:p>
+            <a:r>
+              <a:rPr lang="en-US" sz="1400" dirty="0" smtClean="0">
+                <a:solidFill>
+                  <a:srgbClr val="000000"/>
+                </a:solidFill>
+              </a:rPr>
+              <a:t>Oberg+11</a:t>
+            </a:r>
+            <a:endParaRPr lang="en-US" sz="1400" dirty="0">
+              <a:solidFill>
+                <a:srgbClr val="000000"/>
+              </a:solidFill>
+            </a:endParaRPr>
           </a:p>
         </p:txBody>
       </p:sp>
       <p:pic>
         <p:nvPicPr>
-          <p:cNvPr id="3" name="Picture 2"/>
+          <p:cNvPr id="3" name="Picture 2" descr="217219main_20080312a-browse.jpg"/>
           <p:cNvPicPr>
             <a:picLocks noChangeAspect="1"/>
           </p:cNvPicPr>
           <p:nvPr/>
         </p:nvPicPr>
         <p:blipFill>
-          <a:blip r:embed="rId2"/>
+          <a:blip r:embed="rId3" cstate="print">
+            <a:extLst>
+              <a:ext uri="{28A0092B-C50C-407E-A947-70E740481C1C}">
+                <a14:useLocalDpi xmlns:a14="http://schemas.microsoft.com/office/drawing/2010/main" val="0"/>
+              </a:ext>
+            </a:extLst>
+          </a:blip>
           <a:stretch>
             <a:fillRect/>
           </a:stretch>
         </p:blipFill>
         <p:spPr>
           <a:xfrm>
-            <a:off x="239889" y="2408767"/>
-            <a:ext cx="8753010" cy="3560234"/>
+            <a:off x="829068" y="1466764"/>
+            <a:ext cx="7549808" cy="5391236"/>
           </a:xfrm>
           <a:prstGeom prst="rect">
             <a:avLst/>
           </a:prstGeom>
         </p:spPr>
       </p:pic>
-      <p:sp>
-        <p:nvSpPr>
-          <p:cNvPr id="6" name="TextBox 5"/>
-          <p:cNvSpPr txBox="1"/>
-          <p:nvPr/>
-        </p:nvSpPr>
-        <p:spPr>
-          <a:xfrm>
-            <a:off x="8309119" y="5678004"/>
-            <a:ext cx="933659" cy="307777"/>
-          </a:xfrm>
-          <a:prstGeom prst="rect">
-            <a:avLst/>
-          </a:prstGeom>
-          <a:noFill/>
-        </p:spPr>
-        <p:txBody>
-          <a:bodyPr wrap="square" rtlCol="0">
-            <a:spAutoFit/>
-          </a:bodyPr>
-          <a:lstStyle/>
-          <a:p>
-            <a:r>
-              <a:rPr lang="en-US" sz="1400" dirty="0" smtClean="0">
-                <a:solidFill>
-                  <a:srgbClr val="000000"/>
-                </a:solidFill>
-              </a:rPr>
-              <a:t>Qi+13</a:t>
-            </a:r>
-            <a:endParaRPr lang="en-US" sz="1400" dirty="0">
-              <a:solidFill>
-                <a:srgbClr val="000000"/>
-              </a:solidFill>
-            </a:endParaRPr>
-          </a:p>
-        </p:txBody>
-      </p:sp>
     </p:spTree>
     <p:extLst>
       <p:ext uri="{BB962C8B-B14F-4D97-AF65-F5344CB8AC3E}">
-        <p14:creationId xmlns:p14="http://schemas.microsoft.com/office/powerpoint/2010/main" val="986466672"/>
+        <p14:creationId xmlns:p14="http://schemas.microsoft.com/office/powerpoint/2010/main" val="2972934532"/>
       </p:ext>
     </p:extLst>
   </p:cSld>
@@ -15623,7 +16044,7 @@
       </p:grpSpPr>
       <p:sp>
         <p:nvSpPr>
-          <p:cNvPr id="4" name="Title 1"/>
+          <p:cNvPr id="2" name="Title 1"/>
           <p:cNvSpPr>
             <a:spLocks noGrp="1"/>
           </p:cNvSpPr>
@@ -15633,13 +16054,13 @@
         </p:nvSpPr>
         <p:spPr>
           <a:xfrm>
-            <a:off x="457200" y="45303"/>
-            <a:ext cx="8229600" cy="1143000"/>
+            <a:off x="127000" y="155222"/>
+            <a:ext cx="9017000" cy="1693334"/>
           </a:xfrm>
         </p:spPr>
         <p:txBody>
           <a:bodyPr>
-            <a:normAutofit/>
+            <a:noAutofit/>
           </a:bodyPr>
           <a:lstStyle/>
           <a:p>
@@ -15649,11 +16070,11 @@
                   <a:srgbClr val="FFFF00"/>
                 </a:solidFill>
               </a:rPr>
-              <a:t>C/O ratio </a:t>
+              <a:t>Snowlines</a:t>
             </a:r>
             <a:r>
               <a:rPr lang="en-US" sz="3400" dirty="0" smtClean="0"/>
-              <a:t>is an important signature of </a:t>
+              <a:t> of </a:t>
             </a:r>
             <a:r>
               <a:rPr lang="en-US" sz="3400" dirty="0" smtClean="0">
@@ -15661,40 +16082,34 @@
                   <a:srgbClr val="FFFF00"/>
                 </a:solidFill>
               </a:rPr>
-              <a:t>atmospheric chemistry </a:t>
-            </a:r>
-            <a:endParaRPr lang="en-US" sz="3400" dirty="0">
-              <a:solidFill>
-                <a:srgbClr val="FFFF00"/>
-              </a:solidFill>
-            </a:endParaRPr>
+              <a:t>volatile molecules </a:t>
+            </a:r>
+            <a:r>
+              <a:rPr lang="en-US" sz="3400" dirty="0" smtClean="0"/>
+              <a:t>have been detected in disks</a:t>
+            </a:r>
+            <a:endParaRPr lang="en-US" sz="3400" dirty="0"/>
           </a:p>
         </p:txBody>
       </p:sp>
       <p:pic>
         <p:nvPicPr>
-          <p:cNvPr id="5" name="Picture 4" descr="lodders09.png"/>
+          <p:cNvPr id="3" name="Picture 2"/>
           <p:cNvPicPr>
             <a:picLocks noChangeAspect="1"/>
           </p:cNvPicPr>
           <p:nvPr/>
         </p:nvPicPr>
         <p:blipFill>
-          <a:blip r:embed="rId2">
-            <a:extLst>
-              <a:ext uri="{28A0092B-C50C-407E-A947-70E740481C1C}">
-                <a14:useLocalDpi xmlns:a14="http://schemas.microsoft.com/office/drawing/2010/main" val="0"/>
-              </a:ext>
-            </a:extLst>
-          </a:blip>
+          <a:blip r:embed="rId2"/>
           <a:stretch>
             <a:fillRect/>
           </a:stretch>
         </p:blipFill>
         <p:spPr>
           <a:xfrm>
-            <a:off x="2152047" y="1188303"/>
-            <a:ext cx="4798009" cy="5459187"/>
+            <a:off x="239889" y="2408767"/>
+            <a:ext cx="8753010" cy="3560234"/>
           </a:xfrm>
           <a:prstGeom prst="rect">
             <a:avLst/>
@@ -15709,8 +16124,8 @@
         </p:nvSpPr>
         <p:spPr>
           <a:xfrm>
-            <a:off x="2142454" y="6330725"/>
-            <a:ext cx="1191455" cy="307777"/>
+            <a:off x="8309119" y="5678004"/>
+            <a:ext cx="933659" cy="307777"/>
           </a:xfrm>
           <a:prstGeom prst="rect">
             <a:avLst/>
@@ -15724,28 +16139,12 @@
           <a:lstStyle/>
           <a:p>
             <a:r>
-              <a:rPr lang="en-US" sz="1400" dirty="0" err="1" smtClean="0">
+              <a:rPr lang="en-US" sz="1400" dirty="0" smtClean="0">
                 <a:solidFill>
                   <a:srgbClr val="000000"/>
                 </a:solidFill>
               </a:rPr>
-              <a:t>Lodders</a:t>
-            </a:r>
-            <a:r>
-              <a:rPr lang="en-US" sz="1400" dirty="0">
-                <a:solidFill>
-                  <a:srgbClr val="000000"/>
-                </a:solidFill>
-              </a:rPr>
-              <a:t> </a:t>
-            </a:r>
-            <a:r>
-              <a:rPr lang="en-US" sz="1400" dirty="0" smtClean="0">
-                <a:solidFill>
-                  <a:srgbClr val="000000"/>
-                </a:solidFill>
-              </a:rPr>
-              <a:t>2009</a:t>
+              <a:t>Qi+13</a:t>
             </a:r>
             <a:endParaRPr lang="en-US" sz="1400" dirty="0">
               <a:solidFill>
@@ -15758,7 +16157,7 @@
     </p:spTree>
     <p:extLst>
       <p:ext uri="{BB962C8B-B14F-4D97-AF65-F5344CB8AC3E}">
-        <p14:creationId xmlns:p14="http://schemas.microsoft.com/office/powerpoint/2010/main" val="505830353"/>
+        <p14:creationId xmlns:p14="http://schemas.microsoft.com/office/powerpoint/2010/main" val="986466672"/>
       </p:ext>
     </p:extLst>
   </p:cSld>
@@ -15794,7 +16193,7 @@
       </p:grpSpPr>
       <p:sp>
         <p:nvSpPr>
-          <p:cNvPr id="2" name="Title 1"/>
+          <p:cNvPr id="4" name="Title 1"/>
           <p:cNvSpPr>
             <a:spLocks noGrp="1"/>
           </p:cNvSpPr>
@@ -15804,35 +16203,36 @@
         </p:nvSpPr>
         <p:spPr>
           <a:xfrm>
-            <a:off x="457200" y="345202"/>
+            <a:off x="457200" y="45303"/>
             <a:ext cx="8229600" cy="1143000"/>
           </a:xfrm>
         </p:spPr>
         <p:txBody>
           <a:bodyPr>
-            <a:normAutofit fontScale="90000"/>
+            <a:normAutofit/>
           </a:bodyPr>
           <a:lstStyle/>
           <a:p>
             <a:r>
-              <a:rPr lang="en-US" sz="3600" dirty="0"/>
-              <a:t>Some giant planets </a:t>
-            </a:r>
-            <a:r>
-              <a:rPr lang="en-US" sz="3600" dirty="0">
+              <a:rPr lang="en-US" sz="3400" dirty="0" smtClean="0">
                 <a:solidFill>
                   <a:srgbClr val="FFFF00"/>
                 </a:solidFill>
               </a:rPr>
-              <a:t>may</a:t>
-            </a:r>
-            <a:r>
-              <a:rPr lang="en-US" sz="3600" dirty="0"/>
-              <a:t> have C/O ratios different from the stellar value of 0.54</a:t>
-            </a:r>
-            <a:br>
-              <a:rPr lang="en-US" sz="3600" dirty="0"/>
-            </a:br>
+              <a:t>C/O ratio </a:t>
+            </a:r>
+            <a:r>
+              <a:rPr lang="en-US" sz="3400" dirty="0" smtClean="0"/>
+              <a:t>is an important signature of </a:t>
+            </a:r>
+            <a:r>
+              <a:rPr lang="en-US" sz="3400" dirty="0" smtClean="0">
+                <a:solidFill>
+                  <a:srgbClr val="FFFF00"/>
+                </a:solidFill>
+              </a:rPr>
+              <a:t>atmospheric chemistry </a:t>
+            </a:r>
             <a:endParaRPr lang="en-US" sz="3400" dirty="0">
               <a:solidFill>
                 <a:srgbClr val="FFFF00"/>
@@ -15843,22 +16243,28 @@
       </p:sp>
       <p:pic>
         <p:nvPicPr>
-          <p:cNvPr id="4" name="Picture 3"/>
+          <p:cNvPr id="5" name="Picture 4" descr="lodders09.png"/>
           <p:cNvPicPr>
             <a:picLocks noChangeAspect="1"/>
           </p:cNvPicPr>
           <p:nvPr/>
         </p:nvPicPr>
         <p:blipFill>
-          <a:blip r:embed="rId3"/>
+          <a:blip r:embed="rId2">
+            <a:extLst>
+              <a:ext uri="{28A0092B-C50C-407E-A947-70E740481C1C}">
+                <a14:useLocalDpi xmlns:a14="http://schemas.microsoft.com/office/drawing/2010/main" val="0"/>
+              </a:ext>
+            </a:extLst>
+          </a:blip>
           <a:stretch>
             <a:fillRect/>
           </a:stretch>
         </p:blipFill>
         <p:spPr>
           <a:xfrm>
-            <a:off x="691407" y="1417638"/>
-            <a:ext cx="7387593" cy="5200149"/>
+            <a:off x="2152047" y="1188303"/>
+            <a:ext cx="4798009" cy="5459187"/>
           </a:xfrm>
           <a:prstGeom prst="rect">
             <a:avLst/>
@@ -15867,14 +16273,14 @@
       </p:pic>
       <p:sp>
         <p:nvSpPr>
-          <p:cNvPr id="5" name="TextBox 4"/>
+          <p:cNvPr id="6" name="TextBox 5"/>
           <p:cNvSpPr txBox="1"/>
           <p:nvPr/>
         </p:nvSpPr>
         <p:spPr>
           <a:xfrm>
-            <a:off x="6136007" y="6308167"/>
-            <a:ext cx="1596881" cy="307777"/>
+            <a:off x="2142454" y="6330725"/>
+            <a:ext cx="1191455" cy="307777"/>
           </a:xfrm>
           <a:prstGeom prst="rect">
             <a:avLst/>
@@ -15888,12 +16294,28 @@
           <a:lstStyle/>
           <a:p>
             <a:r>
+              <a:rPr lang="en-US" sz="1400" dirty="0" err="1" smtClean="0">
+                <a:solidFill>
+                  <a:srgbClr val="000000"/>
+                </a:solidFill>
+              </a:rPr>
+              <a:t>Lodders</a:t>
+            </a:r>
+            <a:r>
+              <a:rPr lang="en-US" sz="1400" dirty="0">
+                <a:solidFill>
+                  <a:srgbClr val="000000"/>
+                </a:solidFill>
+              </a:rPr>
+              <a:t> </a:t>
+            </a:r>
+            <a:r>
               <a:rPr lang="en-US" sz="1400" dirty="0" smtClean="0">
                 <a:solidFill>
                   <a:srgbClr val="000000"/>
                 </a:solidFill>
               </a:rPr>
-              <a:t>Madhusudhan+11</a:t>
+              <a:t>2009</a:t>
             </a:r>
             <a:endParaRPr lang="en-US" sz="1400" dirty="0">
               <a:solidFill>
@@ -15906,7 +16328,7 @@
     </p:spTree>
     <p:extLst>
       <p:ext uri="{BB962C8B-B14F-4D97-AF65-F5344CB8AC3E}">
-        <p14:creationId xmlns:p14="http://schemas.microsoft.com/office/powerpoint/2010/main" val="4286079567"/>
+        <p14:creationId xmlns:p14="http://schemas.microsoft.com/office/powerpoint/2010/main" val="505830353"/>
       </p:ext>
     </p:extLst>
   </p:cSld>
@@ -15950,22 +16372,38 @@
             <p:ph type="title"/>
           </p:nvPr>
         </p:nvSpPr>
-        <p:spPr/>
+        <p:spPr>
+          <a:xfrm>
+            <a:off x="457200" y="345202"/>
+            <a:ext cx="8229600" cy="1143000"/>
+          </a:xfrm>
+        </p:spPr>
         <p:txBody>
           <a:bodyPr>
-            <a:normAutofit/>
+            <a:normAutofit fontScale="90000"/>
           </a:bodyPr>
           <a:lstStyle/>
           <a:p>
             <a:r>
-              <a:rPr lang="en-US" sz="4800" dirty="0" smtClean="0">
+              <a:rPr lang="en-US" sz="3600" dirty="0"/>
+              <a:t>Some giant planets </a:t>
+            </a:r>
+            <a:r>
+              <a:rPr lang="en-US" sz="3600" dirty="0">
                 <a:solidFill>
                   <a:srgbClr val="FFFF00"/>
                 </a:solidFill>
               </a:rPr>
-              <a:t>WHY?</a:t>
-            </a:r>
-            <a:endParaRPr lang="en-US" sz="4800" dirty="0">
+              <a:t>may</a:t>
+            </a:r>
+            <a:r>
+              <a:rPr lang="en-US" sz="3600" dirty="0"/>
+              <a:t> have C/O ratios different from the stellar value of 0.54</a:t>
+            </a:r>
+            <a:br>
+              <a:rPr lang="en-US" sz="3600" dirty="0"/>
+            </a:br>
+            <a:endParaRPr lang="en-US" sz="3400" dirty="0">
               <a:solidFill>
                 <a:srgbClr val="FFFF00"/>
               </a:solidFill>
@@ -15973,114 +16411,63 @@
           </a:p>
         </p:txBody>
       </p:sp>
-      <p:sp>
-        <p:nvSpPr>
-          <p:cNvPr id="3" name="Content Placeholder 2"/>
-          <p:cNvSpPr>
-            <a:spLocks noGrp="1"/>
-          </p:cNvSpPr>
-          <p:nvPr>
-            <p:ph idx="1"/>
-          </p:nvPr>
-        </p:nvSpPr>
-        <p:spPr>
-          <a:xfrm>
-            <a:off x="457200" y="1840090"/>
-            <a:ext cx="8404578" cy="2802466"/>
-          </a:xfrm>
-          <a:solidFill>
-            <a:srgbClr val="FFFF00"/>
-          </a:solidFill>
-          <a:ln w="63500">
-            <a:solidFill>
-              <a:srgbClr val="3366FF"/>
-            </a:solidFill>
-          </a:ln>
-        </p:spPr>
-        <p:txBody>
-          <a:bodyPr>
-            <a:normAutofit/>
+      <p:pic>
+        <p:nvPicPr>
+          <p:cNvPr id="4" name="Picture 3"/>
+          <p:cNvPicPr>
+            <a:picLocks noChangeAspect="1"/>
+          </p:cNvPicPr>
+          <p:nvPr/>
+        </p:nvPicPr>
+        <p:blipFill>
+          <a:blip r:embed="rId3"/>
+          <a:stretch>
+            <a:fillRect/>
+          </a:stretch>
+        </p:blipFill>
+        <p:spPr>
+          <a:xfrm>
+            <a:off x="691407" y="1417638"/>
+            <a:ext cx="7387593" cy="5200149"/>
+          </a:xfrm>
+          <a:prstGeom prst="rect">
+            <a:avLst/>
+          </a:prstGeom>
+        </p:spPr>
+      </p:pic>
+      <p:sp>
+        <p:nvSpPr>
+          <p:cNvPr id="5" name="TextBox 4"/>
+          <p:cNvSpPr txBox="1"/>
+          <p:nvPr/>
+        </p:nvSpPr>
+        <p:spPr>
+          <a:xfrm>
+            <a:off x="6136007" y="6308167"/>
+            <a:ext cx="1596881" cy="307777"/>
+          </a:xfrm>
+          <a:prstGeom prst="rect">
+            <a:avLst/>
+          </a:prstGeom>
+          <a:noFill/>
+        </p:spPr>
+        <p:txBody>
+          <a:bodyPr wrap="square" rtlCol="0">
+            <a:spAutoFit/>
           </a:bodyPr>
           <a:lstStyle/>
           <a:p>
-            <a:pPr marL="0" indent="0" algn="ctr">
-              <a:buNone/>
-            </a:pPr>
-            <a:r>
-              <a:rPr lang="en-US" dirty="0" smtClean="0">
-                <a:solidFill>
-                  <a:schemeClr val="bg1"/>
-                </a:solidFill>
-              </a:rPr>
-              <a:t>Possible explanation: main carriers of C and O, i.e. H</a:t>
-            </a:r>
-            <a:r>
-              <a:rPr lang="en-US" baseline="-25000" dirty="0" smtClean="0">
-                <a:solidFill>
-                  <a:schemeClr val="bg1"/>
-                </a:solidFill>
-              </a:rPr>
-              <a:t>2</a:t>
-            </a:r>
-            <a:r>
-              <a:rPr lang="en-US" dirty="0" smtClean="0">
-                <a:solidFill>
-                  <a:schemeClr val="bg1"/>
-                </a:solidFill>
-              </a:rPr>
-              <a:t>O, CO</a:t>
-            </a:r>
-            <a:r>
-              <a:rPr lang="en-US" baseline="-25000" dirty="0" smtClean="0">
-                <a:solidFill>
-                  <a:schemeClr val="bg1"/>
-                </a:solidFill>
-              </a:rPr>
-              <a:t>2</a:t>
-            </a:r>
-            <a:r>
-              <a:rPr lang="en-US" dirty="0" smtClean="0">
-                <a:solidFill>
-                  <a:schemeClr val="bg1"/>
-                </a:solidFill>
-              </a:rPr>
-              <a:t> and CO, have different condensation temperatures =&gt; </a:t>
-            </a:r>
-            <a:r>
-              <a:rPr lang="en-US" dirty="0">
-                <a:solidFill>
-                  <a:schemeClr val="bg1"/>
-                </a:solidFill>
-              </a:rPr>
-              <a:t>variations in the abundances of C and O </a:t>
-            </a:r>
-            <a:r>
-              <a:rPr lang="en-US" dirty="0" smtClean="0">
-                <a:solidFill>
-                  <a:schemeClr val="bg1"/>
-                </a:solidFill>
-              </a:rPr>
-              <a:t>in solids </a:t>
-            </a:r>
-            <a:r>
-              <a:rPr lang="en-US" dirty="0">
-                <a:solidFill>
-                  <a:schemeClr val="bg1"/>
-                </a:solidFill>
-              </a:rPr>
-              <a:t>and gas between the snow lines of </a:t>
-            </a:r>
-            <a:r>
-              <a:rPr lang="en-US" dirty="0" smtClean="0">
-                <a:solidFill>
-                  <a:schemeClr val="bg1"/>
-                </a:solidFill>
-              </a:rPr>
-              <a:t>these volatiles</a:t>
-            </a:r>
-            <a:endParaRPr lang="en-US" dirty="0">
+            <a:r>
+              <a:rPr lang="en-US" sz="1400" dirty="0" smtClean="0">
+                <a:solidFill>
+                  <a:srgbClr val="000000"/>
+                </a:solidFill>
+              </a:rPr>
+              <a:t>Madhusudhan+11</a:t>
+            </a:r>
+            <a:endParaRPr lang="en-US" sz="1400" dirty="0">
               <a:solidFill>
-                <a:schemeClr val="bg1"/>
+                <a:srgbClr val="000000"/>
               </a:solidFill>
             </a:endParaRPr>
           </a:p>
@@ -16089,7 +16476,7 @@
     </p:spTree>
     <p:extLst>
       <p:ext uri="{BB962C8B-B14F-4D97-AF65-F5344CB8AC3E}">
-        <p14:creationId xmlns:p14="http://schemas.microsoft.com/office/powerpoint/2010/main" val="2530690195"/>
+        <p14:creationId xmlns:p14="http://schemas.microsoft.com/office/powerpoint/2010/main" val="4286079567"/>
       </p:ext>
     </p:extLst>
   </p:cSld>
@@ -16125,35 +16512,143 @@
       </p:grpSpPr>
       <p:sp>
         <p:nvSpPr>
-          <p:cNvPr id="6" name="TextBox 5"/>
-          <p:cNvSpPr txBox="1"/>
-          <p:nvPr/>
-        </p:nvSpPr>
-        <p:spPr>
-          <a:xfrm>
-            <a:off x="7210776" y="6229556"/>
-            <a:ext cx="1495778" cy="307777"/>
-          </a:xfrm>
-          <a:prstGeom prst="rect">
-            <a:avLst/>
-          </a:prstGeom>
-          <a:noFill/>
-        </p:spPr>
-        <p:txBody>
-          <a:bodyPr wrap="square" rtlCol="0">
-            <a:spAutoFit/>
+          <p:cNvPr id="2" name="Title 1"/>
+          <p:cNvSpPr>
+            <a:spLocks noGrp="1"/>
+          </p:cNvSpPr>
+          <p:nvPr>
+            <p:ph type="title"/>
+          </p:nvPr>
+        </p:nvSpPr>
+        <p:spPr/>
+        <p:txBody>
+          <a:bodyPr>
+            <a:normAutofit/>
           </a:bodyPr>
           <a:lstStyle/>
           <a:p>
             <a:r>
-              <a:rPr lang="en-US" sz="1400" dirty="0" smtClean="0">
+              <a:rPr lang="en-US" sz="4800" dirty="0" smtClean="0">
+                <a:solidFill>
+                  <a:srgbClr val="FFFF00"/>
+                </a:solidFill>
+              </a:rPr>
+              <a:t>WHY?</a:t>
+            </a:r>
+            <a:endParaRPr lang="en-US" sz="4800" dirty="0">
+              <a:solidFill>
+                <a:srgbClr val="FFFF00"/>
+              </a:solidFill>
+            </a:endParaRPr>
+          </a:p>
+        </p:txBody>
+      </p:sp>
+      <p:sp>
+        <p:nvSpPr>
+          <p:cNvPr id="3" name="Content Placeholder 2"/>
+          <p:cNvSpPr>
+            <a:spLocks noGrp="1"/>
+          </p:cNvSpPr>
+          <p:nvPr>
+            <p:ph idx="1"/>
+          </p:nvPr>
+        </p:nvSpPr>
+        <p:spPr>
+          <a:xfrm>
+            <a:off x="457200" y="1840090"/>
+            <a:ext cx="8404578" cy="2802466"/>
+          </a:xfrm>
+          <a:solidFill>
+            <a:srgbClr val="FFFF00"/>
+          </a:solidFill>
+          <a:ln w="63500">
+            <a:solidFill>
+              <a:srgbClr val="3366FF"/>
+            </a:solidFill>
+          </a:ln>
+        </p:spPr>
+        <p:txBody>
+          <a:bodyPr>
+            <a:normAutofit/>
+          </a:bodyPr>
+          <a:lstStyle/>
+          <a:p>
+            <a:pPr marL="0" indent="0" algn="ctr">
+              <a:buNone/>
+            </a:pPr>
+            <a:r>
+              <a:rPr lang="en-US" dirty="0" smtClean="0">
                 <a:solidFill>
                   <a:schemeClr val="bg1"/>
                 </a:solidFill>
               </a:rPr>
-              <a:t>After Oberg+11</a:t>
-            </a:r>
-            <a:endParaRPr lang="en-US" sz="1400" dirty="0">
+              <a:t>Possible explanation: main carriers of C and O, i.e. H</a:t>
+            </a:r>
+            <a:r>
+              <a:rPr lang="en-US" baseline="-25000" dirty="0" smtClean="0">
+                <a:solidFill>
+                  <a:schemeClr val="bg1"/>
+                </a:solidFill>
+              </a:rPr>
+              <a:t>2</a:t>
+            </a:r>
+            <a:r>
+              <a:rPr lang="en-US" dirty="0" smtClean="0">
+                <a:solidFill>
+                  <a:schemeClr val="bg1"/>
+                </a:solidFill>
+              </a:rPr>
+              <a:t>O, CO</a:t>
+            </a:r>
+            <a:r>
+              <a:rPr lang="en-US" baseline="-25000" dirty="0" smtClean="0">
+                <a:solidFill>
+                  <a:schemeClr val="bg1"/>
+                </a:solidFill>
+              </a:rPr>
+              <a:t>2</a:t>
+            </a:r>
+            <a:r>
+              <a:rPr lang="en-US" dirty="0" smtClean="0">
+                <a:solidFill>
+                  <a:schemeClr val="bg1"/>
+                </a:solidFill>
+              </a:rPr>
+              <a:t> and CO, have different condensation temperatures =&gt; </a:t>
+            </a:r>
+            <a:r>
+              <a:rPr lang="en-US" dirty="0">
+                <a:solidFill>
+                  <a:schemeClr val="bg1"/>
+                </a:solidFill>
+              </a:rPr>
+              <a:t>variations in the abundances of C and O </a:t>
+            </a:r>
+            <a:r>
+              <a:rPr lang="en-US" dirty="0" smtClean="0">
+                <a:solidFill>
+                  <a:schemeClr val="bg1"/>
+                </a:solidFill>
+              </a:rPr>
+              <a:t>in solids </a:t>
+            </a:r>
+            <a:r>
+              <a:rPr lang="en-US" dirty="0">
+                <a:solidFill>
+                  <a:schemeClr val="bg1"/>
+                </a:solidFill>
+              </a:rPr>
+              <a:t>and gas between the snow lines of </a:t>
+            </a:r>
+            <a:r>
+              <a:rPr lang="en-US" dirty="0" smtClean="0">
+                <a:solidFill>
+                  <a:schemeClr val="bg1"/>
+                </a:solidFill>
+              </a:rPr>
+              <a:t>these volatiles</a:t>
+            </a:r>
+            <a:endParaRPr lang="en-US" dirty="0">
               <a:solidFill>
                 <a:schemeClr val="bg1"/>
               </a:solidFill>
@@ -16161,201 +16656,10 @@
           </a:p>
         </p:txBody>
       </p:sp>
-      <p:pic>
-        <p:nvPicPr>
-          <p:cNvPr id="7" name="Picture 6"/>
-          <p:cNvPicPr>
-            <a:picLocks noChangeAspect="1"/>
-          </p:cNvPicPr>
-          <p:nvPr/>
-        </p:nvPicPr>
-        <p:blipFill>
-          <a:blip r:embed="rId2"/>
-          <a:stretch>
-            <a:fillRect/>
-          </a:stretch>
-        </p:blipFill>
-        <p:spPr>
-          <a:xfrm>
-            <a:off x="254000" y="749300"/>
-            <a:ext cx="8636000" cy="5346700"/>
-          </a:xfrm>
-          <a:prstGeom prst="rect">
-            <a:avLst/>
-          </a:prstGeom>
-        </p:spPr>
-      </p:pic>
-      <p:sp>
-        <p:nvSpPr>
-          <p:cNvPr id="8" name="TextBox 7"/>
-          <p:cNvSpPr txBox="1"/>
-          <p:nvPr/>
-        </p:nvSpPr>
-        <p:spPr>
-          <a:xfrm>
-            <a:off x="8015109" y="5760001"/>
-            <a:ext cx="931335" cy="307777"/>
-          </a:xfrm>
-          <a:prstGeom prst="rect">
-            <a:avLst/>
-          </a:prstGeom>
-          <a:noFill/>
-        </p:spPr>
-        <p:txBody>
-          <a:bodyPr wrap="square" rtlCol="0">
-            <a:spAutoFit/>
-          </a:bodyPr>
-          <a:lstStyle/>
-          <a:p>
-            <a:r>
-              <a:rPr lang="en-US" sz="1400" dirty="0" smtClean="0">
-                <a:solidFill>
-                  <a:schemeClr val="bg1"/>
-                </a:solidFill>
-              </a:rPr>
-              <a:t>Oberg+11</a:t>
-            </a:r>
-            <a:endParaRPr lang="en-US" sz="1400" dirty="0">
-              <a:solidFill>
-                <a:schemeClr val="bg1"/>
-              </a:solidFill>
-            </a:endParaRPr>
-          </a:p>
-        </p:txBody>
-      </p:sp>
-      <p:cxnSp>
-        <p:nvCxnSpPr>
-          <p:cNvPr id="3" name="Straight Arrow Connector 2"/>
-          <p:cNvCxnSpPr/>
-          <p:nvPr/>
-        </p:nvCxnSpPr>
-        <p:spPr>
-          <a:xfrm>
-            <a:off x="6335059" y="3810000"/>
-            <a:ext cx="702236" cy="0"/>
-          </a:xfrm>
-          <a:prstGeom prst="straightConnector1">
-            <a:avLst/>
-          </a:prstGeom>
-          <a:ln w="50800">
-            <a:solidFill>
-              <a:srgbClr val="3366FF"/>
-            </a:solidFill>
-            <a:tailEnd type="arrow"/>
-          </a:ln>
-          <a:effectLst/>
-          <a:scene3d>
-            <a:camera prst="orthographicFront">
-              <a:rot lat="0" lon="0" rev="0"/>
-            </a:camera>
-            <a:lightRig rig="threePt" dir="t"/>
-          </a:scene3d>
-        </p:spPr>
-        <p:style>
-          <a:lnRef idx="2">
-            <a:schemeClr val="accent1"/>
-          </a:lnRef>
-          <a:fillRef idx="0">
-            <a:schemeClr val="accent1"/>
-          </a:fillRef>
-          <a:effectRef idx="1">
-            <a:schemeClr val="accent1"/>
-          </a:effectRef>
-          <a:fontRef idx="minor">
-            <a:schemeClr val="tx1"/>
-          </a:fontRef>
-        </p:style>
-      </p:cxnSp>
-      <p:cxnSp>
-        <p:nvCxnSpPr>
-          <p:cNvPr id="9" name="Straight Arrow Connector 8"/>
-          <p:cNvCxnSpPr/>
-          <p:nvPr/>
-        </p:nvCxnSpPr>
-        <p:spPr>
-          <a:xfrm>
-            <a:off x="4230977" y="1947116"/>
-            <a:ext cx="702236" cy="0"/>
-          </a:xfrm>
-          <a:prstGeom prst="straightConnector1">
-            <a:avLst/>
-          </a:prstGeom>
-          <a:ln w="50800">
-            <a:solidFill>
-              <a:srgbClr val="3366FF"/>
-            </a:solidFill>
-            <a:tailEnd type="arrow"/>
-          </a:ln>
-          <a:effectLst/>
-          <a:scene3d>
-            <a:camera prst="orthographicFront">
-              <a:rot lat="0" lon="0" rev="0"/>
-            </a:camera>
-            <a:lightRig rig="threePt" dir="t"/>
-          </a:scene3d>
-        </p:spPr>
-        <p:style>
-          <a:lnRef idx="2">
-            <a:schemeClr val="accent1"/>
-          </a:lnRef>
-          <a:fillRef idx="0">
-            <a:schemeClr val="accent1"/>
-          </a:fillRef>
-          <a:effectRef idx="1">
-            <a:schemeClr val="accent1"/>
-          </a:effectRef>
-          <a:fontRef idx="minor">
-            <a:schemeClr val="tx1"/>
-          </a:fontRef>
-        </p:style>
-      </p:cxnSp>
-      <p:cxnSp>
-        <p:nvCxnSpPr>
-          <p:cNvPr id="10" name="Straight Arrow Connector 9"/>
-          <p:cNvCxnSpPr/>
-          <p:nvPr/>
-        </p:nvCxnSpPr>
-        <p:spPr>
-          <a:xfrm>
-            <a:off x="1607161" y="2692351"/>
-            <a:ext cx="702236" cy="0"/>
-          </a:xfrm>
-          <a:prstGeom prst="straightConnector1">
-            <a:avLst/>
-          </a:prstGeom>
-          <a:ln w="50800">
-            <a:solidFill>
-              <a:srgbClr val="3366FF"/>
-            </a:solidFill>
-            <a:tailEnd type="arrow"/>
-          </a:ln>
-          <a:effectLst/>
-          <a:scene3d>
-            <a:camera prst="orthographicFront">
-              <a:rot lat="0" lon="0" rev="0"/>
-            </a:camera>
-            <a:lightRig rig="threePt" dir="t"/>
-          </a:scene3d>
-        </p:spPr>
-        <p:style>
-          <a:lnRef idx="2">
-            <a:schemeClr val="accent1"/>
-          </a:lnRef>
-          <a:fillRef idx="0">
-            <a:schemeClr val="accent1"/>
-          </a:fillRef>
-          <a:effectRef idx="1">
-            <a:schemeClr val="accent1"/>
-          </a:effectRef>
-          <a:fontRef idx="minor">
-            <a:schemeClr val="tx1"/>
-          </a:fontRef>
-        </p:style>
-      </p:cxnSp>
     </p:spTree>
     <p:extLst>
       <p:ext uri="{BB962C8B-B14F-4D97-AF65-F5344CB8AC3E}">
-        <p14:creationId xmlns:p14="http://schemas.microsoft.com/office/powerpoint/2010/main" val="3972621908"/>
+        <p14:creationId xmlns:p14="http://schemas.microsoft.com/office/powerpoint/2010/main" val="2530690195"/>
       </p:ext>
     </p:extLst>
   </p:cSld>
@@ -16391,43 +16695,35 @@
       </p:grpSpPr>
       <p:sp>
         <p:nvSpPr>
-          <p:cNvPr id="2" name="Title 1"/>
-          <p:cNvSpPr>
-            <a:spLocks noGrp="1"/>
-          </p:cNvSpPr>
-          <p:nvPr>
-            <p:ph type="title"/>
-          </p:nvPr>
-        </p:nvSpPr>
-        <p:spPr>
-          <a:xfrm>
-            <a:off x="457200" y="2540001"/>
-            <a:ext cx="8475133" cy="2215444"/>
-          </a:xfrm>
-          <a:solidFill>
-            <a:srgbClr val="FFFF00"/>
-          </a:solidFill>
-          <a:ln w="63500">
-            <a:solidFill>
-              <a:srgbClr val="0000FF"/>
-            </a:solidFill>
-          </a:ln>
-        </p:spPr>
-        <p:txBody>
-          <a:bodyPr>
-            <a:noAutofit/>
+          <p:cNvPr id="6" name="TextBox 5"/>
+          <p:cNvSpPr txBox="1"/>
+          <p:nvPr/>
+        </p:nvSpPr>
+        <p:spPr>
+          <a:xfrm>
+            <a:off x="7210776" y="6229556"/>
+            <a:ext cx="1495778" cy="307777"/>
+          </a:xfrm>
+          <a:prstGeom prst="rect">
+            <a:avLst/>
+          </a:prstGeom>
+          <a:noFill/>
+        </p:spPr>
+        <p:txBody>
+          <a:bodyPr wrap="square" rtlCol="0">
+            <a:spAutoFit/>
           </a:bodyPr>
           <a:lstStyle/>
           <a:p>
             <a:r>
-              <a:rPr lang="en-US" sz="3600" dirty="0" smtClean="0">
+              <a:rPr lang="en-US" sz="1400" dirty="0" smtClean="0">
                 <a:solidFill>
                   <a:schemeClr val="bg1"/>
                 </a:solidFill>
               </a:rPr>
-              <a:t>Understand how radial drift and gas accretion affect snowline locations, and thus the C/O ratio in gas and dust throughout the disk</a:t>
-            </a:r>
-            <a:endParaRPr lang="en-US" sz="3600" dirty="0">
+              <a:t>After Oberg+11</a:t>
+            </a:r>
+            <a:endParaRPr lang="en-US" sz="1400" dirty="0">
               <a:solidFill>
                 <a:schemeClr val="bg1"/>
               </a:solidFill>
@@ -16435,64 +16731,201 @@
           </a:p>
         </p:txBody>
       </p:sp>
-      <p:sp>
-        <p:nvSpPr>
-          <p:cNvPr id="4" name="Title 1"/>
-          <p:cNvSpPr txBox="1">
-            <a:spLocks/>
-          </p:cNvSpPr>
+      <p:pic>
+        <p:nvPicPr>
+          <p:cNvPr id="7" name="Picture 6"/>
+          <p:cNvPicPr>
+            <a:picLocks noChangeAspect="1"/>
+          </p:cNvPicPr>
           <p:nvPr/>
-        </p:nvSpPr>
-        <p:spPr>
-          <a:xfrm>
-            <a:off x="457200" y="274638"/>
-            <a:ext cx="8229600" cy="1143000"/>
+        </p:nvPicPr>
+        <p:blipFill>
+          <a:blip r:embed="rId2"/>
+          <a:stretch>
+            <a:fillRect/>
+          </a:stretch>
+        </p:blipFill>
+        <p:spPr>
+          <a:xfrm>
+            <a:off x="254000" y="749300"/>
+            <a:ext cx="8636000" cy="5346700"/>
           </a:xfrm>
           <a:prstGeom prst="rect">
             <a:avLst/>
           </a:prstGeom>
         </p:spPr>
-        <p:txBody>
-          <a:bodyPr vert="horz" lIns="91440" tIns="45720" rIns="91440" bIns="45720" rtlCol="0" anchor="ctr">
-            <a:normAutofit/>
+      </p:pic>
+      <p:sp>
+        <p:nvSpPr>
+          <p:cNvPr id="8" name="TextBox 7"/>
+          <p:cNvSpPr txBox="1"/>
+          <p:nvPr/>
+        </p:nvSpPr>
+        <p:spPr>
+          <a:xfrm>
+            <a:off x="8015109" y="5760001"/>
+            <a:ext cx="931335" cy="307777"/>
+          </a:xfrm>
+          <a:prstGeom prst="rect">
+            <a:avLst/>
+          </a:prstGeom>
+          <a:noFill/>
+        </p:spPr>
+        <p:txBody>
+          <a:bodyPr wrap="square" rtlCol="0">
+            <a:spAutoFit/>
           </a:bodyPr>
-          <a:lstStyle>
-            <a:lvl1pPr algn="ctr" defTabSz="914400" rtl="0" eaLnBrk="1" latinLnBrk="0" hangingPunct="1">
-              <a:spcBef>
-                <a:spcPct val="0"/>
-              </a:spcBef>
-              <a:buNone/>
-              <a:defRPr sz="4400" kern="1200">
-                <a:solidFill>
-                  <a:schemeClr val="tx1"/>
-                </a:solidFill>
-                <a:latin typeface="+mj-lt"/>
-                <a:ea typeface="+mj-ea"/>
-                <a:cs typeface="+mj-cs"/>
-              </a:defRPr>
-            </a:lvl1pPr>
-          </a:lstStyle>
-          <a:p>
-            <a:r>
-              <a:rPr lang="en-US" sz="6000" dirty="0" smtClean="0">
-                <a:solidFill>
-                  <a:srgbClr val="FFFF00"/>
-                </a:solidFill>
-              </a:rPr>
-              <a:t>GOAL</a:t>
-            </a:r>
-            <a:endParaRPr lang="en-US" sz="6000" dirty="0">
+          <a:lstStyle/>
+          <a:p>
+            <a:r>
+              <a:rPr lang="en-US" sz="1400" dirty="0" smtClean="0">
+                <a:solidFill>
+                  <a:schemeClr val="bg1"/>
+                </a:solidFill>
+              </a:rPr>
+              <a:t>Oberg+11</a:t>
+            </a:r>
+            <a:endParaRPr lang="en-US" sz="1400" dirty="0">
               <a:solidFill>
-                <a:srgbClr val="FFFF00"/>
+                <a:schemeClr val="bg1"/>
               </a:solidFill>
             </a:endParaRPr>
           </a:p>
         </p:txBody>
       </p:sp>
+      <p:cxnSp>
+        <p:nvCxnSpPr>
+          <p:cNvPr id="3" name="Straight Arrow Connector 2"/>
+          <p:cNvCxnSpPr/>
+          <p:nvPr/>
+        </p:nvCxnSpPr>
+        <p:spPr>
+          <a:xfrm>
+            <a:off x="6335059" y="3810000"/>
+            <a:ext cx="702236" cy="0"/>
+          </a:xfrm>
+          <a:prstGeom prst="straightConnector1">
+            <a:avLst/>
+          </a:prstGeom>
+          <a:ln w="50800">
+            <a:solidFill>
+              <a:srgbClr val="3366FF"/>
+            </a:solidFill>
+            <a:tailEnd type="arrow"/>
+          </a:ln>
+          <a:effectLst/>
+          <a:scene3d>
+            <a:camera prst="orthographicFront">
+              <a:rot lat="0" lon="0" rev="0"/>
+            </a:camera>
+            <a:lightRig rig="threePt" dir="t"/>
+          </a:scene3d>
+        </p:spPr>
+        <p:style>
+          <a:lnRef idx="2">
+            <a:schemeClr val="accent1"/>
+          </a:lnRef>
+          <a:fillRef idx="0">
+            <a:schemeClr val="accent1"/>
+          </a:fillRef>
+          <a:effectRef idx="1">
+            <a:schemeClr val="accent1"/>
+          </a:effectRef>
+          <a:fontRef idx="minor">
+            <a:schemeClr val="tx1"/>
+          </a:fontRef>
+        </p:style>
+      </p:cxnSp>
+      <p:cxnSp>
+        <p:nvCxnSpPr>
+          <p:cNvPr id="9" name="Straight Arrow Connector 8"/>
+          <p:cNvCxnSpPr/>
+          <p:nvPr/>
+        </p:nvCxnSpPr>
+        <p:spPr>
+          <a:xfrm>
+            <a:off x="4230977" y="1947116"/>
+            <a:ext cx="702236" cy="0"/>
+          </a:xfrm>
+          <a:prstGeom prst="straightConnector1">
+            <a:avLst/>
+          </a:prstGeom>
+          <a:ln w="50800">
+            <a:solidFill>
+              <a:srgbClr val="3366FF"/>
+            </a:solidFill>
+            <a:tailEnd type="arrow"/>
+          </a:ln>
+          <a:effectLst/>
+          <a:scene3d>
+            <a:camera prst="orthographicFront">
+              <a:rot lat="0" lon="0" rev="0"/>
+            </a:camera>
+            <a:lightRig rig="threePt" dir="t"/>
+          </a:scene3d>
+        </p:spPr>
+        <p:style>
+          <a:lnRef idx="2">
+            <a:schemeClr val="accent1"/>
+          </a:lnRef>
+          <a:fillRef idx="0">
+            <a:schemeClr val="accent1"/>
+          </a:fillRef>
+          <a:effectRef idx="1">
+            <a:schemeClr val="accent1"/>
+          </a:effectRef>
+          <a:fontRef idx="minor">
+            <a:schemeClr val="tx1"/>
+          </a:fontRef>
+        </p:style>
+      </p:cxnSp>
+      <p:cxnSp>
+        <p:nvCxnSpPr>
+          <p:cNvPr id="10" name="Straight Arrow Connector 9"/>
+          <p:cNvCxnSpPr/>
+          <p:nvPr/>
+        </p:nvCxnSpPr>
+        <p:spPr>
+          <a:xfrm>
+            <a:off x="1607161" y="2692351"/>
+            <a:ext cx="702236" cy="0"/>
+          </a:xfrm>
+          <a:prstGeom prst="straightConnector1">
+            <a:avLst/>
+          </a:prstGeom>
+          <a:ln w="50800">
+            <a:solidFill>
+              <a:srgbClr val="3366FF"/>
+            </a:solidFill>
+            <a:tailEnd type="arrow"/>
+          </a:ln>
+          <a:effectLst/>
+          <a:scene3d>
+            <a:camera prst="orthographicFront">
+              <a:rot lat="0" lon="0" rev="0"/>
+            </a:camera>
+            <a:lightRig rig="threePt" dir="t"/>
+          </a:scene3d>
+        </p:spPr>
+        <p:style>
+          <a:lnRef idx="2">
+            <a:schemeClr val="accent1"/>
+          </a:lnRef>
+          <a:fillRef idx="0">
+            <a:schemeClr val="accent1"/>
+          </a:fillRef>
+          <a:effectRef idx="1">
+            <a:schemeClr val="accent1"/>
+          </a:effectRef>
+          <a:fontRef idx="minor">
+            <a:schemeClr val="tx1"/>
+          </a:fontRef>
+        </p:style>
+      </p:cxnSp>
     </p:spTree>
     <p:extLst>
       <p:ext uri="{BB962C8B-B14F-4D97-AF65-F5344CB8AC3E}">
-        <p14:creationId xmlns:p14="http://schemas.microsoft.com/office/powerpoint/2010/main" val="3790756509"/>
+        <p14:creationId xmlns:p14="http://schemas.microsoft.com/office/powerpoint/2010/main" val="3972621908"/>
       </p:ext>
     </p:extLst>
   </p:cSld>
@@ -16649,205 +17082,100 @@
             <p:ph type="title"/>
           </p:nvPr>
         </p:nvSpPr>
-        <p:spPr/>
-        <p:txBody>
-          <a:bodyPr/>
-          <a:lstStyle/>
-          <a:p>
-            <a:r>
-              <a:rPr lang="en-US" dirty="0" smtClean="0"/>
-              <a:t>Radial drift of solids</a:t>
-            </a:r>
-            <a:endParaRPr lang="en-US" dirty="0"/>
-          </a:p>
-        </p:txBody>
-      </p:sp>
-      <p:sp>
-        <p:nvSpPr>
-          <p:cNvPr id="3" name="Content Placeholder 2"/>
-          <p:cNvSpPr>
-            <a:spLocks noGrp="1"/>
-          </p:cNvSpPr>
-          <p:nvPr>
-            <p:ph idx="1"/>
-          </p:nvPr>
-        </p:nvSpPr>
-        <p:spPr>
-          <a:xfrm>
-            <a:off x="457199" y="1600200"/>
-            <a:ext cx="8446911" cy="4525963"/>
-          </a:xfrm>
+        <p:spPr>
+          <a:xfrm>
+            <a:off x="457200" y="2540001"/>
+            <a:ext cx="8475133" cy="2215444"/>
+          </a:xfrm>
+          <a:solidFill>
+            <a:srgbClr val="FFFF00"/>
+          </a:solidFill>
+          <a:ln w="63500">
+            <a:solidFill>
+              <a:srgbClr val="0000FF"/>
+            </a:solidFill>
+          </a:ln>
         </p:spPr>
         <p:txBody>
           <a:bodyPr>
-            <a:normAutofit fontScale="92500" lnSpcReduction="20000"/>
+            <a:noAutofit/>
           </a:bodyPr>
           <a:lstStyle/>
           <a:p>
             <a:r>
-              <a:rPr lang="en-US" dirty="0" smtClean="0"/>
-              <a:t>Gas moves at </a:t>
-            </a:r>
-            <a:r>
-              <a:rPr lang="en-US" dirty="0" smtClean="0">
+              <a:rPr lang="en-US" sz="3600" dirty="0" smtClean="0">
+                <a:solidFill>
+                  <a:schemeClr val="bg1"/>
+                </a:solidFill>
+              </a:rPr>
+              <a:t>Understand how radial drift and gas accretion affect snowline locations, and thus the C/O ratio in gas and dust throughout the disk</a:t>
+            </a:r>
+            <a:endParaRPr lang="en-US" sz="3600" dirty="0">
+              <a:solidFill>
+                <a:schemeClr val="bg1"/>
+              </a:solidFill>
+            </a:endParaRPr>
+          </a:p>
+        </p:txBody>
+      </p:sp>
+      <p:sp>
+        <p:nvSpPr>
+          <p:cNvPr id="4" name="Title 1"/>
+          <p:cNvSpPr txBox="1">
+            <a:spLocks/>
+          </p:cNvSpPr>
+          <p:nvPr/>
+        </p:nvSpPr>
+        <p:spPr>
+          <a:xfrm>
+            <a:off x="457200" y="274638"/>
+            <a:ext cx="8229600" cy="1143000"/>
+          </a:xfrm>
+          <a:prstGeom prst="rect">
+            <a:avLst/>
+          </a:prstGeom>
+        </p:spPr>
+        <p:txBody>
+          <a:bodyPr vert="horz" lIns="91440" tIns="45720" rIns="91440" bIns="45720" rtlCol="0" anchor="ctr">
+            <a:normAutofit/>
+          </a:bodyPr>
+          <a:lstStyle>
+            <a:lvl1pPr algn="ctr" defTabSz="914400" rtl="0" eaLnBrk="1" latinLnBrk="0" hangingPunct="1">
+              <a:spcBef>
+                <a:spcPct val="0"/>
+              </a:spcBef>
+              <a:buNone/>
+              <a:defRPr sz="4400" kern="1200">
+                <a:solidFill>
+                  <a:schemeClr val="tx1"/>
+                </a:solidFill>
+                <a:latin typeface="+mj-lt"/>
+                <a:ea typeface="+mj-ea"/>
+                <a:cs typeface="+mj-cs"/>
+              </a:defRPr>
+            </a:lvl1pPr>
+          </a:lstStyle>
+          <a:p>
+            <a:r>
+              <a:rPr lang="en-US" sz="6000" dirty="0" smtClean="0">
                 <a:solidFill>
                   <a:srgbClr val="FFFF00"/>
                 </a:solidFill>
               </a:rPr>
-              <a:t>sub-</a:t>
-            </a:r>
-            <a:r>
-              <a:rPr lang="en-US" dirty="0" err="1" smtClean="0">
-                <a:solidFill>
-                  <a:srgbClr val="FFFF00"/>
-                </a:solidFill>
-              </a:rPr>
-              <a:t>Keplerian</a:t>
-            </a:r>
-            <a:r>
-              <a:rPr lang="en-US" dirty="0" smtClean="0">
-                <a:solidFill>
-                  <a:srgbClr val="FFFF00"/>
-                </a:solidFill>
-              </a:rPr>
-              <a:t> velocity</a:t>
-            </a:r>
-            <a:r>
-              <a:rPr lang="en-US" dirty="0" smtClean="0"/>
-              <a:t>:</a:t>
-            </a:r>
-          </a:p>
-          <a:p>
-            <a:pPr marL="0" indent="0">
-              <a:buNone/>
-            </a:pPr>
-            <a:r>
-              <a:rPr lang="en-US" dirty="0" smtClean="0"/>
-              <a:t>	</a:t>
-            </a:r>
-            <a:r>
-              <a:rPr lang="en-US" dirty="0" err="1" smtClean="0"/>
-              <a:t>v</a:t>
-            </a:r>
-            <a:r>
-              <a:rPr lang="en-US" baseline="-25000" dirty="0" err="1" smtClean="0"/>
-              <a:t>gas</a:t>
-            </a:r>
-            <a:r>
-              <a:rPr lang="en-US" dirty="0" smtClean="0"/>
-              <a:t> ~ </a:t>
-            </a:r>
-            <a:r>
-              <a:rPr lang="en-US" dirty="0" err="1" smtClean="0"/>
-              <a:t>v</a:t>
-            </a:r>
-            <a:r>
-              <a:rPr lang="en-US" baseline="-25000" dirty="0" err="1" smtClean="0"/>
-              <a:t>K</a:t>
-            </a:r>
-            <a:r>
-              <a:rPr lang="en-US" dirty="0" smtClean="0"/>
-              <a:t> (1-c</a:t>
-            </a:r>
-            <a:r>
-              <a:rPr lang="en-US" baseline="-25000" dirty="0" smtClean="0"/>
-              <a:t>s</a:t>
-            </a:r>
-            <a:r>
-              <a:rPr lang="en-US" baseline="30000" dirty="0" smtClean="0"/>
-              <a:t>2</a:t>
-            </a:r>
-            <a:r>
-              <a:rPr lang="en-US" dirty="0" smtClean="0"/>
-              <a:t> / v</a:t>
-            </a:r>
-            <a:r>
-              <a:rPr lang="en-US" baseline="-25000" dirty="0" smtClean="0"/>
-              <a:t>k</a:t>
-            </a:r>
-            <a:r>
-              <a:rPr lang="en-US" baseline="30000" dirty="0" smtClean="0"/>
-              <a:t>2</a:t>
-            </a:r>
-            <a:r>
-              <a:rPr lang="en-US" dirty="0" smtClean="0"/>
-              <a:t>)</a:t>
-            </a:r>
-          </a:p>
-          <a:p>
-            <a:pPr marL="0" indent="0">
-              <a:buNone/>
-            </a:pPr>
-            <a:endParaRPr lang="en-US" dirty="0" smtClean="0"/>
-          </a:p>
-          <a:p>
-            <a:r>
-              <a:rPr lang="en-US" dirty="0" smtClean="0">
-                <a:solidFill>
-                  <a:srgbClr val="FFFF00"/>
-                </a:solidFill>
-              </a:rPr>
-              <a:t>Small particles </a:t>
-            </a:r>
-            <a:r>
-              <a:rPr lang="en-US" dirty="0" smtClean="0"/>
-              <a:t>(~micron size) move with the gas</a:t>
-            </a:r>
-          </a:p>
-          <a:p>
-            <a:endParaRPr lang="en-US" dirty="0" smtClean="0"/>
-          </a:p>
-          <a:p>
-            <a:r>
-              <a:rPr lang="en-US" dirty="0" smtClean="0">
-                <a:solidFill>
-                  <a:srgbClr val="FFFF00"/>
-                </a:solidFill>
-              </a:rPr>
-              <a:t>Large particles </a:t>
-            </a:r>
-            <a:r>
-              <a:rPr lang="en-US" dirty="0" smtClean="0"/>
-              <a:t>(~km size) are unaffected by gas drag</a:t>
-            </a:r>
-          </a:p>
-          <a:p>
-            <a:endParaRPr lang="en-US" dirty="0" smtClean="0"/>
-          </a:p>
-          <a:p>
-            <a:r>
-              <a:rPr lang="en-US" dirty="0" smtClean="0">
-                <a:solidFill>
-                  <a:srgbClr val="FFFF00"/>
-                </a:solidFill>
-              </a:rPr>
-              <a:t>“Intermediate sized” particles </a:t>
-            </a:r>
-            <a:r>
-              <a:rPr lang="en-US" dirty="0" smtClean="0"/>
-              <a:t>(~cm-m size) experience a headwind and </a:t>
-            </a:r>
-            <a:r>
-              <a:rPr lang="en-US" dirty="0" smtClean="0">
-                <a:solidFill>
-                  <a:srgbClr val="FFFF00"/>
-                </a:solidFill>
-              </a:rPr>
-              <a:t>drift towards the star</a:t>
-            </a:r>
-          </a:p>
-          <a:p>
-            <a:pPr marL="457200" lvl="1" indent="0">
-              <a:buNone/>
-            </a:pPr>
-            <a:endParaRPr lang="en-US" dirty="0" smtClean="0"/>
+              <a:t>GOAL</a:t>
+            </a:r>
+            <a:endParaRPr lang="en-US" sz="6000" dirty="0">
+              <a:solidFill>
+                <a:srgbClr val="FFFF00"/>
+              </a:solidFill>
+            </a:endParaRPr>
           </a:p>
         </p:txBody>
       </p:sp>
     </p:spTree>
     <p:extLst>
       <p:ext uri="{BB962C8B-B14F-4D97-AF65-F5344CB8AC3E}">
-        <p14:creationId xmlns:p14="http://schemas.microsoft.com/office/powerpoint/2010/main" val="2388135888"/>
+        <p14:creationId xmlns:p14="http://schemas.microsoft.com/office/powerpoint/2010/main" val="3790756509"/>
       </p:ext>
     </p:extLst>
   </p:cSld>
@@ -16893,22 +17221,12 @@
         </p:nvSpPr>
         <p:spPr/>
         <p:txBody>
-          <a:bodyPr>
-            <a:normAutofit fontScale="90000"/>
-          </a:bodyPr>
+          <a:bodyPr/>
           <a:lstStyle/>
           <a:p>
             <a:r>
-              <a:rPr lang="en-US" dirty="0" smtClean="0">
-                <a:solidFill>
-                  <a:srgbClr val="FFFF00"/>
-                </a:solidFill>
-              </a:rPr>
-              <a:t>Gas disk accretes </a:t>
-            </a:r>
-            <a:r>
               <a:rPr lang="en-US" dirty="0" smtClean="0"/>
-              <a:t>onto the central star</a:t>
+              <a:t>Radial drift of solids</a:t>
             </a:r>
             <a:endParaRPr lang="en-US" dirty="0"/>
           </a:p>
@@ -16924,113 +17242,182 @@
             <p:ph idx="1"/>
           </p:nvPr>
         </p:nvSpPr>
-        <p:spPr/>
-        <p:txBody>
-          <a:bodyPr/>
-          <a:lstStyle/>
-          <a:p>
-            <a:r>
-              <a:rPr lang="en-US" dirty="0" smtClean="0"/>
-              <a:t>alpha-disk prescription: </a:t>
-            </a:r>
-            <a:r>
-              <a:rPr lang="en-US" dirty="0" err="1" smtClean="0"/>
-              <a:t>ν</a:t>
-            </a:r>
-            <a:r>
-              <a:rPr lang="en-US" dirty="0" smtClean="0"/>
-              <a:t> = α </a:t>
-            </a:r>
-            <a:r>
-              <a:rPr lang="en-US" dirty="0" err="1" smtClean="0"/>
-              <a:t>c</a:t>
-            </a:r>
-            <a:r>
-              <a:rPr lang="en-US" baseline="-25000" dirty="0" err="1" smtClean="0"/>
-              <a:t>s</a:t>
-            </a:r>
-            <a:r>
-              <a:rPr lang="en-US" dirty="0" smtClean="0"/>
-              <a:t> H</a:t>
-            </a:r>
-            <a:endParaRPr lang="en-US" dirty="0"/>
-          </a:p>
-        </p:txBody>
-      </p:sp>
-      <p:pic>
-        <p:nvPicPr>
-          <p:cNvPr id="4" name="Picture 3"/>
-          <p:cNvPicPr>
-            <a:picLocks noChangeAspect="1"/>
-          </p:cNvPicPr>
-          <p:nvPr/>
-        </p:nvPicPr>
-        <p:blipFill>
-          <a:blip r:embed="rId2"/>
-          <a:stretch>
-            <a:fillRect/>
-          </a:stretch>
-        </p:blipFill>
-        <p:spPr>
-          <a:xfrm>
-            <a:off x="1199445" y="2251284"/>
-            <a:ext cx="6886222" cy="4232441"/>
-          </a:xfrm>
-          <a:prstGeom prst="rect">
-            <a:avLst/>
-          </a:prstGeom>
-        </p:spPr>
-      </p:pic>
-      <p:sp>
-        <p:nvSpPr>
-          <p:cNvPr id="5" name="TextBox 4"/>
-          <p:cNvSpPr txBox="1"/>
-          <p:nvPr/>
-        </p:nvSpPr>
-        <p:spPr>
-          <a:xfrm>
-            <a:off x="6731000" y="6136496"/>
-            <a:ext cx="1495778" cy="307777"/>
-          </a:xfrm>
-          <a:prstGeom prst="rect">
-            <a:avLst/>
-          </a:prstGeom>
-          <a:noFill/>
-        </p:spPr>
-        <p:txBody>
-          <a:bodyPr wrap="square" rtlCol="0">
-            <a:spAutoFit/>
+        <p:spPr>
+          <a:xfrm>
+            <a:off x="457199" y="1600200"/>
+            <a:ext cx="8446911" cy="4525963"/>
+          </a:xfrm>
+        </p:spPr>
+        <p:txBody>
+          <a:bodyPr>
+            <a:normAutofit fontScale="92500" lnSpcReduction="20000"/>
           </a:bodyPr>
           <a:lstStyle/>
           <a:p>
             <a:r>
-              <a:rPr lang="en-US" sz="1400" dirty="0" err="1" smtClean="0">
-                <a:solidFill>
-                  <a:schemeClr val="bg1"/>
-                </a:solidFill>
-              </a:rPr>
-              <a:t>Armitage</a:t>
-            </a:r>
-            <a:r>
-              <a:rPr lang="en-US" sz="1400" dirty="0" smtClean="0">
-                <a:solidFill>
-                  <a:schemeClr val="bg1"/>
-                </a:solidFill>
-              </a:rPr>
-              <a:t> 2009</a:t>
-            </a:r>
-            <a:endParaRPr lang="en-US" sz="1400" dirty="0">
-              <a:solidFill>
-                <a:schemeClr val="bg1"/>
-              </a:solidFill>
-            </a:endParaRPr>
+              <a:rPr lang="en-US" dirty="0" smtClean="0"/>
+              <a:t>Gas moves at </a:t>
+            </a:r>
+            <a:r>
+              <a:rPr lang="en-US" dirty="0" smtClean="0">
+                <a:solidFill>
+                  <a:srgbClr val="FFFF00"/>
+                </a:solidFill>
+              </a:rPr>
+              <a:t>sub-</a:t>
+            </a:r>
+            <a:r>
+              <a:rPr lang="en-US" dirty="0" err="1" smtClean="0">
+                <a:solidFill>
+                  <a:srgbClr val="FFFF00"/>
+                </a:solidFill>
+              </a:rPr>
+              <a:t>Keplerian</a:t>
+            </a:r>
+            <a:r>
+              <a:rPr lang="en-US" dirty="0" smtClean="0">
+                <a:solidFill>
+                  <a:srgbClr val="FFFF00"/>
+                </a:solidFill>
+              </a:rPr>
+              <a:t> velocity</a:t>
+            </a:r>
+            <a:r>
+              <a:rPr lang="en-US" dirty="0" smtClean="0"/>
+              <a:t>:</a:t>
+            </a:r>
+          </a:p>
+          <a:p>
+            <a:pPr marL="0" indent="0">
+              <a:buNone/>
+            </a:pPr>
+            <a:r>
+              <a:rPr lang="en-US" dirty="0" smtClean="0"/>
+              <a:t>	</a:t>
+            </a:r>
+            <a:r>
+              <a:rPr lang="en-US" dirty="0" err="1" smtClean="0"/>
+              <a:t>v</a:t>
+            </a:r>
+            <a:r>
+              <a:rPr lang="en-US" baseline="-25000" dirty="0" err="1" smtClean="0"/>
+              <a:t>gas</a:t>
+            </a:r>
+            <a:r>
+              <a:rPr lang="en-US" dirty="0" smtClean="0"/>
+              <a:t> ~ </a:t>
+            </a:r>
+            <a:r>
+              <a:rPr lang="en-US" dirty="0" err="1" smtClean="0"/>
+              <a:t>v</a:t>
+            </a:r>
+            <a:r>
+              <a:rPr lang="en-US" baseline="-25000" dirty="0" err="1" smtClean="0"/>
+              <a:t>K</a:t>
+            </a:r>
+            <a:r>
+              <a:rPr lang="en-US" dirty="0" smtClean="0"/>
+              <a:t> (1-c</a:t>
+            </a:r>
+            <a:r>
+              <a:rPr lang="en-US" baseline="-25000" dirty="0" smtClean="0"/>
+              <a:t>s</a:t>
+            </a:r>
+            <a:r>
+              <a:rPr lang="en-US" baseline="30000" dirty="0" smtClean="0"/>
+              <a:t>2</a:t>
+            </a:r>
+            <a:r>
+              <a:rPr lang="en-US" dirty="0" smtClean="0"/>
+              <a:t> / v</a:t>
+            </a:r>
+            <a:r>
+              <a:rPr lang="en-US" baseline="-25000" dirty="0" smtClean="0"/>
+              <a:t>k</a:t>
+            </a:r>
+            <a:r>
+              <a:rPr lang="en-US" baseline="30000" dirty="0" smtClean="0"/>
+              <a:t>2</a:t>
+            </a:r>
+            <a:r>
+              <a:rPr lang="en-US" dirty="0" smtClean="0"/>
+              <a:t>)</a:t>
+            </a:r>
+          </a:p>
+          <a:p>
+            <a:pPr marL="0" indent="0">
+              <a:buNone/>
+            </a:pPr>
+            <a:endParaRPr lang="en-US" dirty="0" smtClean="0"/>
+          </a:p>
+          <a:p>
+            <a:r>
+              <a:rPr lang="en-US" dirty="0" smtClean="0">
+                <a:solidFill>
+                  <a:srgbClr val="FFFF00"/>
+                </a:solidFill>
+              </a:rPr>
+              <a:t>Small particles </a:t>
+            </a:r>
+            <a:r>
+              <a:rPr lang="en-US" dirty="0" smtClean="0"/>
+              <a:t>(~micron size) move with the gas</a:t>
+            </a:r>
+          </a:p>
+          <a:p>
+            <a:endParaRPr lang="en-US" dirty="0" smtClean="0"/>
+          </a:p>
+          <a:p>
+            <a:r>
+              <a:rPr lang="en-US" dirty="0" smtClean="0">
+                <a:solidFill>
+                  <a:srgbClr val="FFFF00"/>
+                </a:solidFill>
+              </a:rPr>
+              <a:t>Large particles </a:t>
+            </a:r>
+            <a:r>
+              <a:rPr lang="en-US" dirty="0" smtClean="0"/>
+              <a:t>(~km size) are unaffected by gas drag</a:t>
+            </a:r>
+          </a:p>
+          <a:p>
+            <a:endParaRPr lang="en-US" dirty="0" smtClean="0"/>
+          </a:p>
+          <a:p>
+            <a:r>
+              <a:rPr lang="en-US" dirty="0" smtClean="0">
+                <a:solidFill>
+                  <a:srgbClr val="FFFF00"/>
+                </a:solidFill>
+              </a:rPr>
+              <a:t>“Intermediate sized” particles </a:t>
+            </a:r>
+            <a:r>
+              <a:rPr lang="en-US" dirty="0" smtClean="0"/>
+              <a:t>(~cm-m size) experience a headwind and </a:t>
+            </a:r>
+            <a:r>
+              <a:rPr lang="en-US" dirty="0" smtClean="0">
+                <a:solidFill>
+                  <a:srgbClr val="FFFF00"/>
+                </a:solidFill>
+              </a:rPr>
+              <a:t>drift towards the star</a:t>
+            </a:r>
+          </a:p>
+          <a:p>
+            <a:pPr marL="457200" lvl="1" indent="0">
+              <a:buNone/>
+            </a:pPr>
+            <a:endParaRPr lang="en-US" dirty="0" smtClean="0"/>
           </a:p>
         </p:txBody>
       </p:sp>
     </p:spTree>
     <p:extLst>
       <p:ext uri="{BB962C8B-B14F-4D97-AF65-F5344CB8AC3E}">
-        <p14:creationId xmlns:p14="http://schemas.microsoft.com/office/powerpoint/2010/main" val="2382807012"/>
+        <p14:creationId xmlns:p14="http://schemas.microsoft.com/office/powerpoint/2010/main" val="2388135888"/>
       </p:ext>
     </p:extLst>
   </p:cSld>
@@ -17087,114 +17474,77 @@
                   <a:srgbClr val="FFFF00"/>
                 </a:solidFill>
               </a:rPr>
-              <a:t>Timescales</a:t>
+              <a:t>Gas disk accretes </a:t>
             </a:r>
             <a:r>
               <a:rPr lang="en-US" dirty="0" smtClean="0"/>
-              <a:t> for </a:t>
-            </a:r>
-            <a:r>
-              <a:rPr lang="en-US" dirty="0" smtClean="0">
-                <a:solidFill>
-                  <a:srgbClr val="FFFF00"/>
-                </a:solidFill>
-              </a:rPr>
-              <a:t>desorption</a:t>
-            </a:r>
+              <a:t>onto the central star</a:t>
+            </a:r>
+            <a:endParaRPr lang="en-US" dirty="0"/>
+          </a:p>
+        </p:txBody>
+      </p:sp>
+      <p:sp>
+        <p:nvSpPr>
+          <p:cNvPr id="3" name="Content Placeholder 2"/>
+          <p:cNvSpPr>
+            <a:spLocks noGrp="1"/>
+          </p:cNvSpPr>
+          <p:nvPr>
+            <p:ph idx="1"/>
+          </p:nvPr>
+        </p:nvSpPr>
+        <p:spPr/>
+        <p:txBody>
+          <a:bodyPr/>
+          <a:lstStyle/>
+          <a:p>
             <a:r>
               <a:rPr lang="en-US" dirty="0" smtClean="0"/>
-              <a:t>, </a:t>
-            </a:r>
-            <a:r>
-              <a:rPr lang="en-US" dirty="0" smtClean="0">
-                <a:solidFill>
-                  <a:srgbClr val="FFFF00"/>
-                </a:solidFill>
-              </a:rPr>
-              <a:t>radial drift </a:t>
+              <a:t>alpha-disk prescription: </a:t>
+            </a:r>
+            <a:r>
+              <a:rPr lang="en-US" dirty="0" err="1" smtClean="0"/>
+              <a:t>ν</a:t>
             </a:r>
             <a:r>
               <a:rPr lang="en-US" dirty="0" smtClean="0"/>
-              <a:t>and </a:t>
-            </a:r>
-            <a:r>
-              <a:rPr lang="en-US" dirty="0" smtClean="0">
-                <a:solidFill>
-                  <a:srgbClr val="FFFF00"/>
-                </a:solidFill>
-              </a:rPr>
-              <a:t>gas accretion </a:t>
+              <a:t> = α </a:t>
+            </a:r>
+            <a:r>
+              <a:rPr lang="en-US" dirty="0" err="1" smtClean="0"/>
+              <a:t>c</a:t>
+            </a:r>
+            <a:r>
+              <a:rPr lang="en-US" baseline="-25000" dirty="0" err="1" smtClean="0"/>
+              <a:t>s</a:t>
             </a:r>
             <a:r>
               <a:rPr lang="en-US" dirty="0" smtClean="0"/>
-              <a:t>ARE comparable</a:t>
+              <a:t> H</a:t>
             </a:r>
             <a:endParaRPr lang="en-US" dirty="0"/>
-          </a:p>
-        </p:txBody>
-      </p:sp>
-      <p:sp>
-        <p:nvSpPr>
-          <p:cNvPr id="5" name="TextBox 4"/>
-          <p:cNvSpPr txBox="1"/>
-          <p:nvPr/>
-        </p:nvSpPr>
-        <p:spPr>
-          <a:xfrm>
-            <a:off x="7374468" y="6396860"/>
-            <a:ext cx="1106311" cy="307777"/>
-          </a:xfrm>
-          <a:prstGeom prst="rect">
-            <a:avLst/>
-          </a:prstGeom>
-          <a:noFill/>
-        </p:spPr>
-        <p:txBody>
-          <a:bodyPr wrap="square" rtlCol="0">
-            <a:spAutoFit/>
-          </a:bodyPr>
-          <a:lstStyle/>
-          <a:p>
-            <a:r>
-              <a:rPr lang="en-US" sz="1400" dirty="0" smtClean="0">
-                <a:solidFill>
-                  <a:schemeClr val="bg1"/>
-                </a:solidFill>
-              </a:rPr>
-              <a:t>Piso+15</a:t>
-            </a:r>
-            <a:endParaRPr lang="en-US" sz="1400" dirty="0">
-              <a:solidFill>
-                <a:schemeClr val="bg1"/>
-              </a:solidFill>
-            </a:endParaRPr>
           </a:p>
         </p:txBody>
       </p:sp>
       <p:pic>
         <p:nvPicPr>
-          <p:cNvPr id="3" name="Picture 2" descr="drift_timescales_betaS1_gas_acc_new.pdf"/>
+          <p:cNvPr id="4" name="Picture 3"/>
           <p:cNvPicPr>
             <a:picLocks noChangeAspect="1"/>
           </p:cNvPicPr>
           <p:nvPr/>
         </p:nvPicPr>
         <p:blipFill>
-          <a:blip r:embed="rId2">
-            <a:extLst>
-              <a:ext uri="{28A0092B-C50C-407E-A947-70E740481C1C}">
-                <a14:useLocalDpi xmlns:a14="http://schemas.microsoft.com/office/drawing/2010/main" val="0"/>
-              </a:ext>
-            </a:extLst>
-          </a:blip>
+          <a:blip r:embed="rId2"/>
           <a:stretch>
             <a:fillRect/>
           </a:stretch>
         </p:blipFill>
         <p:spPr>
           <a:xfrm>
-            <a:off x="1233306" y="1634066"/>
-            <a:ext cx="6683023" cy="5012267"/>
+            <a:off x="1199445" y="2251284"/>
+            <a:ext cx="6886222" cy="4232441"/>
           </a:xfrm>
           <a:prstGeom prst="rect">
             <a:avLst/>
@@ -17203,14 +17553,14 @@
       </p:pic>
       <p:sp>
         <p:nvSpPr>
-          <p:cNvPr id="6" name="TextBox 5"/>
+          <p:cNvPr id="5" name="TextBox 4"/>
           <p:cNvSpPr txBox="1"/>
           <p:nvPr/>
         </p:nvSpPr>
         <p:spPr>
           <a:xfrm>
-            <a:off x="5891075" y="6242971"/>
-            <a:ext cx="2025254" cy="307777"/>
+            <a:off x="6731000" y="6136496"/>
+            <a:ext cx="1495778" cy="307777"/>
           </a:xfrm>
           <a:prstGeom prst="rect">
             <a:avLst/>
@@ -17224,12 +17574,20 @@
           <a:lstStyle/>
           <a:p>
             <a:r>
+              <a:rPr lang="en-US" sz="1400" dirty="0" err="1" smtClean="0">
+                <a:solidFill>
+                  <a:schemeClr val="bg1"/>
+                </a:solidFill>
+              </a:rPr>
+              <a:t>Armitage</a:t>
+            </a:r>
+            <a:r>
               <a:rPr lang="en-US" sz="1400" dirty="0" smtClean="0">
                 <a:solidFill>
                   <a:schemeClr val="bg1"/>
                 </a:solidFill>
               </a:rPr>
-              <a:t>Piso, Oberg, et al. (2015)</a:t>
+              <a:t> 2009</a:t>
             </a:r>
             <a:endParaRPr lang="en-US" sz="1400" dirty="0">
               <a:solidFill>
@@ -17242,7 +17600,7 @@
     </p:spTree>
     <p:extLst>
       <p:ext uri="{BB962C8B-B14F-4D97-AF65-F5344CB8AC3E}">
-        <p14:creationId xmlns:p14="http://schemas.microsoft.com/office/powerpoint/2010/main" val="3000364603"/>
+        <p14:creationId xmlns:p14="http://schemas.microsoft.com/office/powerpoint/2010/main" val="2382807012"/>
       </p:ext>
     </p:extLst>
   </p:cSld>
@@ -17286,12 +17644,7 @@
             <p:ph type="title"/>
           </p:nvPr>
         </p:nvSpPr>
-        <p:spPr>
-          <a:xfrm>
-            <a:off x="457200" y="-253998"/>
-            <a:ext cx="8229600" cy="1143000"/>
-          </a:xfrm>
-        </p:spPr>
+        <p:spPr/>
         <p:txBody>
           <a:bodyPr>
             <a:normAutofit fontScale="90000"/>
@@ -17304,11 +17657,11 @@
                   <a:srgbClr val="FFFF00"/>
                 </a:solidFill>
               </a:rPr>
-              <a:t>Radial drift </a:t>
+              <a:t>Timescales</a:t>
             </a:r>
             <a:r>
               <a:rPr lang="en-US" dirty="0" smtClean="0"/>
-              <a:t>affects </a:t>
+              <a:t> for </a:t>
             </a:r>
             <a:r>
               <a:rPr lang="en-US" dirty="0" smtClean="0">
@@ -17316,11 +17669,73 @@
                   <a:srgbClr val="FFFF00"/>
                 </a:solidFill>
               </a:rPr>
-              <a:t>snowline location</a:t>
-            </a:r>
-            <a:endParaRPr lang="en-US" dirty="0">
+              <a:t>desorption</a:t>
+            </a:r>
+            <a:r>
+              <a:rPr lang="en-US" dirty="0" smtClean="0"/>
+              <a:t>, </a:t>
+            </a:r>
+            <a:r>
+              <a:rPr lang="en-US" dirty="0" smtClean="0">
+                <a:solidFill>
+                  <a:srgbClr val="FFFF00"/>
+                </a:solidFill>
+              </a:rPr>
+              <a:t>radial drift </a:t>
+            </a:r>
+            <a:r>
+              <a:rPr lang="en-US" dirty="0" smtClean="0"/>
+              <a:t>and </a:t>
+            </a:r>
+            <a:r>
+              <a:rPr lang="en-US" dirty="0" smtClean="0">
+                <a:solidFill>
+                  <a:srgbClr val="FFFF00"/>
+                </a:solidFill>
+              </a:rPr>
+              <a:t>gas accretion </a:t>
+            </a:r>
+            <a:r>
+              <a:rPr lang="en-US" dirty="0" smtClean="0"/>
+              <a:t>ARE comparable</a:t>
+            </a:r>
+            <a:endParaRPr lang="en-US" dirty="0"/>
+          </a:p>
+        </p:txBody>
+      </p:sp>
+      <p:sp>
+        <p:nvSpPr>
+          <p:cNvPr id="5" name="TextBox 4"/>
+          <p:cNvSpPr txBox="1"/>
+          <p:nvPr/>
+        </p:nvSpPr>
+        <p:spPr>
+          <a:xfrm>
+            <a:off x="7374468" y="6396860"/>
+            <a:ext cx="1106311" cy="307777"/>
+          </a:xfrm>
+          <a:prstGeom prst="rect">
+            <a:avLst/>
+          </a:prstGeom>
+          <a:noFill/>
+        </p:spPr>
+        <p:txBody>
+          <a:bodyPr wrap="square" rtlCol="0">
+            <a:spAutoFit/>
+          </a:bodyPr>
+          <a:lstStyle/>
+          <a:p>
+            <a:r>
+              <a:rPr lang="en-US" sz="1400" dirty="0" smtClean="0">
+                <a:solidFill>
+                  <a:schemeClr val="bg1"/>
+                </a:solidFill>
+              </a:rPr>
+              <a:t>Piso+15</a:t>
+            </a:r>
+            <a:endParaRPr lang="en-US" sz="1400" dirty="0">
               <a:solidFill>
-                <a:srgbClr val="FFFF00"/>
+                <a:schemeClr val="bg1"/>
               </a:solidFill>
             </a:endParaRPr>
           </a:p>
@@ -17328,7 +17743,7 @@
       </p:sp>
       <p:pic>
         <p:nvPicPr>
-          <p:cNvPr id="6" name="Picture 5" descr="desorption_distance_passive_active_colorbar_test2.pdf"/>
+          <p:cNvPr id="3" name="Picture 2" descr="drift_timescales_betaS1_gas_acc_new.pdf"/>
           <p:cNvPicPr>
             <a:picLocks noChangeAspect="1"/>
           </p:cNvPicPr>
@@ -17348,8 +17763,8 @@
         </p:blipFill>
         <p:spPr>
           <a:xfrm>
-            <a:off x="1890888" y="889002"/>
-            <a:ext cx="5418667" cy="5840119"/>
+            <a:off x="1233306" y="1634066"/>
+            <a:ext cx="6683023" cy="5012267"/>
           </a:xfrm>
           <a:prstGeom prst="rect">
             <a:avLst/>
@@ -17358,13 +17773,13 @@
       </p:pic>
       <p:sp>
         <p:nvSpPr>
-          <p:cNvPr id="5" name="TextBox 4"/>
+          <p:cNvPr id="6" name="TextBox 5"/>
           <p:cNvSpPr txBox="1"/>
           <p:nvPr/>
         </p:nvSpPr>
         <p:spPr>
           <a:xfrm>
-            <a:off x="5418168" y="6396859"/>
+            <a:off x="5891075" y="6242971"/>
             <a:ext cx="2025254" cy="307777"/>
           </a:xfrm>
           <a:prstGeom prst="rect">
@@ -17397,7 +17812,7 @@
     </p:spTree>
     <p:extLst>
       <p:ext uri="{BB962C8B-B14F-4D97-AF65-F5344CB8AC3E}">
-        <p14:creationId xmlns:p14="http://schemas.microsoft.com/office/powerpoint/2010/main" val="517838497"/>
+        <p14:creationId xmlns:p14="http://schemas.microsoft.com/office/powerpoint/2010/main" val="3000364603"/>
       </p:ext>
     </p:extLst>
   </p:cSld>
@@ -17443,51 +17858,47 @@
         </p:nvSpPr>
         <p:spPr>
           <a:xfrm>
-            <a:off x="457200" y="20638"/>
+            <a:off x="457200" y="-253998"/>
             <a:ext cx="8229600" cy="1143000"/>
           </a:xfrm>
         </p:spPr>
         <p:txBody>
           <a:bodyPr>
-            <a:noAutofit/>
+            <a:normAutofit fontScale="90000"/>
           </a:bodyPr>
           <a:lstStyle/>
           <a:p>
             <a:r>
-              <a:rPr lang="en-US" sz="3600" dirty="0" smtClean="0"/>
-              <a:t>We determined </a:t>
-            </a:r>
-            <a:r>
-              <a:rPr lang="en-US" sz="3600" dirty="0" smtClean="0">
+              <a:rPr lang="en-US" dirty="0" smtClean="0">
                 <a:solidFill>
                   <a:srgbClr val="FFFF00"/>
                 </a:solidFill>
               </a:rPr>
-              <a:t>upper limits </a:t>
-            </a:r>
-            <a:r>
-              <a:rPr lang="en-US" sz="3600" dirty="0" smtClean="0"/>
-              <a:t>for the </a:t>
-            </a:r>
-            <a:r>
-              <a:rPr lang="en-US" sz="3600" dirty="0" smtClean="0">
+              <a:t>Radial drift </a:t>
+            </a:r>
+            <a:r>
+              <a:rPr lang="en-US" dirty="0" smtClean="0"/>
+              <a:t>affects </a:t>
+            </a:r>
+            <a:r>
+              <a:rPr lang="en-US" dirty="0" smtClean="0">
                 <a:solidFill>
                   <a:srgbClr val="FFFF00"/>
                 </a:solidFill>
               </a:rPr>
-              <a:t>C/O ratio</a:t>
-            </a:r>
-            <a:r>
-              <a:rPr lang="en-US" sz="3600" dirty="0" smtClean="0"/>
-              <a:t> across the disk</a:t>
-            </a:r>
-            <a:endParaRPr lang="en-US" sz="3600" dirty="0"/>
+              <a:t>snowline location</a:t>
+            </a:r>
+            <a:endParaRPr lang="en-US" dirty="0">
+              <a:solidFill>
+                <a:srgbClr val="FFFF00"/>
+              </a:solidFill>
+            </a:endParaRPr>
           </a:p>
         </p:txBody>
       </p:sp>
       <p:pic>
         <p:nvPicPr>
-          <p:cNvPr id="3" name="Picture 2" descr="C_O_ratio_passive_active_disk_many_colorbar_complete_new.pdf"/>
+          <p:cNvPr id="6" name="Picture 5" descr="desorption_distance_passive_active_colorbar_test2.pdf"/>
           <p:cNvPicPr>
             <a:picLocks noChangeAspect="1"/>
           </p:cNvPicPr>
@@ -17507,8 +17918,8 @@
         </p:blipFill>
         <p:spPr>
           <a:xfrm>
-            <a:off x="1961445" y="1163638"/>
-            <a:ext cx="5446888" cy="5446888"/>
+            <a:off x="1890888" y="889002"/>
+            <a:ext cx="5418667" cy="5840119"/>
           </a:xfrm>
           <a:prstGeom prst="rect">
             <a:avLst/>
@@ -17523,7 +17934,7 @@
         </p:nvSpPr>
         <p:spPr>
           <a:xfrm>
-            <a:off x="5504687" y="6289239"/>
+            <a:off x="5418168" y="6396859"/>
             <a:ext cx="2025254" cy="307777"/>
           </a:xfrm>
           <a:prstGeom prst="rect">
@@ -17556,7 +17967,7 @@
     </p:spTree>
     <p:extLst>
       <p:ext uri="{BB962C8B-B14F-4D97-AF65-F5344CB8AC3E}">
-        <p14:creationId xmlns:p14="http://schemas.microsoft.com/office/powerpoint/2010/main" val="1605698527"/>
+        <p14:creationId xmlns:p14="http://schemas.microsoft.com/office/powerpoint/2010/main" val="517838497"/>
       </p:ext>
     </p:extLst>
   </p:cSld>
@@ -17600,293 +18011,122 @@
             <p:ph type="title"/>
           </p:nvPr>
         </p:nvSpPr>
-        <p:spPr/>
-        <p:txBody>
-          <a:bodyPr/>
+        <p:spPr>
+          <a:xfrm>
+            <a:off x="457200" y="20638"/>
+            <a:ext cx="8229600" cy="1143000"/>
+          </a:xfrm>
+        </p:spPr>
+        <p:txBody>
+          <a:bodyPr>
+            <a:noAutofit/>
+          </a:bodyPr>
           <a:lstStyle/>
           <a:p>
             <a:r>
-              <a:rPr lang="en-US" dirty="0" smtClean="0"/>
-              <a:t>Summary of </a:t>
-            </a:r>
-            <a:r>
-              <a:rPr lang="en-US" dirty="0" smtClean="0">
+              <a:rPr lang="en-US" sz="3600" dirty="0" smtClean="0"/>
+              <a:t>We determined </a:t>
+            </a:r>
+            <a:r>
+              <a:rPr lang="en-US" sz="3600" dirty="0" smtClean="0">
                 <a:solidFill>
                   <a:srgbClr val="FFFF00"/>
                 </a:solidFill>
               </a:rPr>
-              <a:t>Part II</a:t>
-            </a:r>
-            <a:endParaRPr lang="en-US" dirty="0">
+              <a:t>upper limits </a:t>
+            </a:r>
+            <a:r>
+              <a:rPr lang="en-US" sz="3600" dirty="0" smtClean="0"/>
+              <a:t>for the </a:t>
+            </a:r>
+            <a:r>
+              <a:rPr lang="en-US" sz="3600" dirty="0" smtClean="0">
+                <a:solidFill>
+                  <a:srgbClr val="FFFF00"/>
+                </a:solidFill>
+              </a:rPr>
+              <a:t>C/O ratio</a:t>
+            </a:r>
+            <a:r>
+              <a:rPr lang="en-US" sz="3600" dirty="0" smtClean="0"/>
+              <a:t> across the disk</a:t>
+            </a:r>
+            <a:endParaRPr lang="en-US" sz="3600" dirty="0"/>
+          </a:p>
+        </p:txBody>
+      </p:sp>
+      <p:pic>
+        <p:nvPicPr>
+          <p:cNvPr id="3" name="Picture 2" descr="C_O_ratio_passive_active_disk_many_colorbar_complete_new.pdf"/>
+          <p:cNvPicPr>
+            <a:picLocks noChangeAspect="1"/>
+          </p:cNvPicPr>
+          <p:nvPr/>
+        </p:nvPicPr>
+        <p:blipFill>
+          <a:blip r:embed="rId2">
+            <a:extLst>
+              <a:ext uri="{28A0092B-C50C-407E-A947-70E740481C1C}">
+                <a14:useLocalDpi xmlns:a14="http://schemas.microsoft.com/office/drawing/2010/main" val="0"/>
+              </a:ext>
+            </a:extLst>
+          </a:blip>
+          <a:stretch>
+            <a:fillRect/>
+          </a:stretch>
+        </p:blipFill>
+        <p:spPr>
+          <a:xfrm>
+            <a:off x="1961445" y="1163638"/>
+            <a:ext cx="5446888" cy="5446888"/>
+          </a:xfrm>
+          <a:prstGeom prst="rect">
+            <a:avLst/>
+          </a:prstGeom>
+        </p:spPr>
+      </p:pic>
+      <p:sp>
+        <p:nvSpPr>
+          <p:cNvPr id="5" name="TextBox 4"/>
+          <p:cNvSpPr txBox="1"/>
+          <p:nvPr/>
+        </p:nvSpPr>
+        <p:spPr>
+          <a:xfrm>
+            <a:off x="5504687" y="6289239"/>
+            <a:ext cx="2025254" cy="307777"/>
+          </a:xfrm>
+          <a:prstGeom prst="rect">
+            <a:avLst/>
+          </a:prstGeom>
+          <a:noFill/>
+        </p:spPr>
+        <p:txBody>
+          <a:bodyPr wrap="square" rtlCol="0">
+            <a:spAutoFit/>
+          </a:bodyPr>
+          <a:lstStyle/>
+          <a:p>
+            <a:r>
+              <a:rPr lang="en-US" sz="1400" dirty="0" smtClean="0">
+                <a:solidFill>
+                  <a:schemeClr val="bg1"/>
+                </a:solidFill>
+              </a:rPr>
+              <a:t>Piso, Oberg, et al. (2015)</a:t>
+            </a:r>
+            <a:endParaRPr lang="en-US" sz="1400" dirty="0">
               <a:solidFill>
-                <a:srgbClr val="FFFF00"/>
+                <a:schemeClr val="bg1"/>
               </a:solidFill>
             </a:endParaRPr>
-          </a:p>
-        </p:txBody>
-      </p:sp>
-      <p:sp>
-        <p:nvSpPr>
-          <p:cNvPr id="3" name="Content Placeholder 2"/>
-          <p:cNvSpPr>
-            <a:spLocks noGrp="1"/>
-          </p:cNvSpPr>
-          <p:nvPr>
-            <p:ph idx="1"/>
-          </p:nvPr>
-        </p:nvSpPr>
-        <p:spPr>
-          <a:xfrm>
-            <a:off x="457200" y="1417638"/>
-            <a:ext cx="8229600" cy="4708525"/>
-          </a:xfrm>
-        </p:spPr>
-        <p:txBody>
-          <a:bodyPr>
-            <a:normAutofit fontScale="85000" lnSpcReduction="10000"/>
-          </a:bodyPr>
-          <a:lstStyle/>
-          <a:p>
-            <a:r>
-              <a:rPr lang="en-US" dirty="0" smtClean="0">
-                <a:solidFill>
-                  <a:srgbClr val="FFFF00"/>
-                </a:solidFill>
-              </a:rPr>
-              <a:t>Radial drift</a:t>
-            </a:r>
-            <a:r>
-              <a:rPr lang="en-US" dirty="0" smtClean="0"/>
-              <a:t> and </a:t>
-            </a:r>
-            <a:r>
-              <a:rPr lang="en-US" dirty="0" smtClean="0">
-                <a:solidFill>
-                  <a:srgbClr val="FFFF00"/>
-                </a:solidFill>
-              </a:rPr>
-              <a:t>gas accretion </a:t>
-            </a:r>
-            <a:r>
-              <a:rPr lang="en-US" dirty="0" smtClean="0"/>
-              <a:t>affect desorption and </a:t>
-            </a:r>
-            <a:r>
-              <a:rPr lang="en-US" dirty="0" smtClean="0">
-                <a:solidFill>
-                  <a:srgbClr val="FFFF00"/>
-                </a:solidFill>
-              </a:rPr>
-              <a:t>move the snowline locations </a:t>
-            </a:r>
-            <a:r>
-              <a:rPr lang="en-US" dirty="0" smtClean="0"/>
-              <a:t>compared to a static disk</a:t>
-            </a:r>
-          </a:p>
-          <a:p>
-            <a:endParaRPr lang="en-US" dirty="0" smtClean="0"/>
-          </a:p>
-          <a:p>
-            <a:r>
-              <a:rPr lang="en-US" dirty="0" smtClean="0"/>
-              <a:t>The H</a:t>
-            </a:r>
-            <a:r>
-              <a:rPr lang="en-US" baseline="-25000" dirty="0" smtClean="0"/>
-              <a:t>2</a:t>
-            </a:r>
-            <a:r>
-              <a:rPr lang="en-US" dirty="0" smtClean="0"/>
-              <a:t>O, CO</a:t>
-            </a:r>
-            <a:r>
-              <a:rPr lang="en-US" baseline="-25000" dirty="0" smtClean="0"/>
-              <a:t>2</a:t>
-            </a:r>
-            <a:r>
-              <a:rPr lang="en-US" dirty="0" smtClean="0"/>
-              <a:t> and CO snowlines are created by the </a:t>
-            </a:r>
-            <a:r>
-              <a:rPr lang="en-US" dirty="0" smtClean="0">
-                <a:solidFill>
-                  <a:srgbClr val="FFFF00"/>
-                </a:solidFill>
-              </a:rPr>
-              <a:t>largest drifting particles </a:t>
-            </a:r>
-            <a:r>
-              <a:rPr lang="en-US" dirty="0" smtClean="0"/>
-              <a:t>in our model, i.e. </a:t>
-            </a:r>
-            <a:r>
-              <a:rPr lang="en-US" i="1" dirty="0" smtClean="0">
-                <a:solidFill>
-                  <a:srgbClr val="FFFF00"/>
-                </a:solidFill>
-              </a:rPr>
-              <a:t>s</a:t>
-            </a:r>
-            <a:r>
-              <a:rPr lang="en-US" dirty="0" smtClean="0">
-                <a:solidFill>
-                  <a:srgbClr val="FFFF00"/>
-                </a:solidFill>
-              </a:rPr>
-              <a:t> ~ 7 m</a:t>
-            </a:r>
-          </a:p>
-          <a:p>
-            <a:endParaRPr lang="en-US" dirty="0" smtClean="0"/>
-          </a:p>
-          <a:p>
-            <a:r>
-              <a:rPr lang="en-US" dirty="0" smtClean="0"/>
-              <a:t>Snowlines move </a:t>
-            </a:r>
-            <a:r>
-              <a:rPr lang="en-US" dirty="0" smtClean="0">
-                <a:solidFill>
-                  <a:srgbClr val="FFFF00"/>
-                </a:solidFill>
-              </a:rPr>
-              <a:t>inwards</a:t>
-            </a:r>
-            <a:r>
-              <a:rPr lang="en-US" dirty="0" smtClean="0"/>
-              <a:t> as the </a:t>
-            </a:r>
-            <a:r>
-              <a:rPr lang="en-US" dirty="0" smtClean="0">
-                <a:solidFill>
-                  <a:srgbClr val="FFFF00"/>
-                </a:solidFill>
-              </a:rPr>
-              <a:t>particle size increases </a:t>
-            </a:r>
-          </a:p>
-          <a:p>
-            <a:pPr lvl="1"/>
-            <a:r>
-              <a:rPr lang="en-US" dirty="0" smtClean="0">
-                <a:solidFill>
-                  <a:srgbClr val="FFFF00"/>
-                </a:solidFill>
-              </a:rPr>
-              <a:t>~60% </a:t>
-            </a:r>
-            <a:r>
-              <a:rPr lang="en-US" dirty="0" smtClean="0"/>
-              <a:t>for</a:t>
-            </a:r>
-            <a:r>
-              <a:rPr lang="en-US" dirty="0" smtClean="0">
-                <a:solidFill>
-                  <a:srgbClr val="FFFF00"/>
-                </a:solidFill>
-              </a:rPr>
-              <a:t> H</a:t>
-            </a:r>
-            <a:r>
-              <a:rPr lang="en-US" baseline="-25000" dirty="0" smtClean="0">
-                <a:solidFill>
-                  <a:srgbClr val="FFFF00"/>
-                </a:solidFill>
-              </a:rPr>
-              <a:t>2</a:t>
-            </a:r>
-            <a:r>
-              <a:rPr lang="en-US" dirty="0" smtClean="0">
-                <a:solidFill>
-                  <a:srgbClr val="FFFF00"/>
-                </a:solidFill>
-              </a:rPr>
-              <a:t>O</a:t>
-            </a:r>
-          </a:p>
-          <a:p>
-            <a:pPr lvl="1"/>
-            <a:r>
-              <a:rPr lang="en-US" dirty="0" smtClean="0">
-                <a:solidFill>
-                  <a:srgbClr val="FFFF00"/>
-                </a:solidFill>
-              </a:rPr>
-              <a:t>~60% </a:t>
-            </a:r>
-            <a:r>
-              <a:rPr lang="en-US" dirty="0" smtClean="0">
-                <a:solidFill>
-                  <a:srgbClr val="FFFFFF"/>
-                </a:solidFill>
-              </a:rPr>
-              <a:t>for</a:t>
-            </a:r>
-            <a:r>
-              <a:rPr lang="en-US" dirty="0" smtClean="0">
-                <a:solidFill>
-                  <a:srgbClr val="FFFF00"/>
-                </a:solidFill>
-              </a:rPr>
-              <a:t> CO</a:t>
-            </a:r>
-            <a:r>
-              <a:rPr lang="en-US" baseline="-25000" dirty="0" smtClean="0">
-                <a:solidFill>
-                  <a:srgbClr val="FFFF00"/>
-                </a:solidFill>
-              </a:rPr>
-              <a:t>2</a:t>
-            </a:r>
-            <a:endParaRPr lang="en-US" dirty="0" smtClean="0">
-              <a:solidFill>
-                <a:srgbClr val="FFFF00"/>
-              </a:solidFill>
-            </a:endParaRPr>
-          </a:p>
-          <a:p>
-            <a:pPr lvl="1"/>
-            <a:r>
-              <a:rPr lang="en-US" dirty="0" smtClean="0">
-                <a:solidFill>
-                  <a:srgbClr val="FFFF00"/>
-                </a:solidFill>
-              </a:rPr>
-              <a:t>~50% </a:t>
-            </a:r>
-            <a:r>
-              <a:rPr lang="en-US" dirty="0" smtClean="0">
-                <a:solidFill>
-                  <a:srgbClr val="FFFFFF"/>
-                </a:solidFill>
-              </a:rPr>
-              <a:t>for</a:t>
-            </a:r>
-            <a:r>
-              <a:rPr lang="en-US" dirty="0" smtClean="0">
-                <a:solidFill>
-                  <a:srgbClr val="FFFF00"/>
-                </a:solidFill>
-              </a:rPr>
-              <a:t> CO</a:t>
-            </a:r>
-          </a:p>
-          <a:p>
-            <a:endParaRPr lang="en-US" dirty="0" smtClean="0"/>
-          </a:p>
-          <a:p>
-            <a:endParaRPr lang="en-US" dirty="0" smtClean="0"/>
-          </a:p>
-          <a:p>
-            <a:endParaRPr lang="en-US" dirty="0"/>
           </a:p>
         </p:txBody>
       </p:sp>
     </p:spTree>
     <p:extLst>
       <p:ext uri="{BB962C8B-B14F-4D97-AF65-F5344CB8AC3E}">
-        <p14:creationId xmlns:p14="http://schemas.microsoft.com/office/powerpoint/2010/main" val="2696013150"/>
+        <p14:creationId xmlns:p14="http://schemas.microsoft.com/office/powerpoint/2010/main" val="1605698527"/>
       </p:ext>
     </p:extLst>
   </p:cSld>
@@ -17930,25 +18170,22 @@
             <p:ph type="title"/>
           </p:nvPr>
         </p:nvSpPr>
-        <p:spPr>
-          <a:xfrm>
-            <a:off x="673387" y="27020"/>
-            <a:ext cx="8229600" cy="1143000"/>
-          </a:xfrm>
-        </p:spPr>
-        <p:txBody>
-          <a:bodyPr>
-            <a:noAutofit/>
-          </a:bodyPr>
+        <p:spPr/>
+        <p:txBody>
+          <a:bodyPr/>
           <a:lstStyle/>
           <a:p>
             <a:r>
+              <a:rPr lang="en-US" dirty="0" smtClean="0"/>
+              <a:t>Summary of </a:t>
+            </a:r>
+            <a:r>
               <a:rPr lang="en-US" dirty="0" smtClean="0">
                 <a:solidFill>
                   <a:srgbClr val="FFFF00"/>
                 </a:solidFill>
               </a:rPr>
-              <a:t>NEXT STEPS</a:t>
+              <a:t>Part II</a:t>
             </a:r>
             <a:endParaRPr lang="en-US" dirty="0">
               <a:solidFill>
@@ -17958,74 +18195,268 @@
           </a:p>
         </p:txBody>
       </p:sp>
-      <p:pic>
-        <p:nvPicPr>
-          <p:cNvPr id="3" name="Picture 2" descr="disk_semenov.png"/>
-          <p:cNvPicPr>
-            <a:picLocks noChangeAspect="1"/>
-          </p:cNvPicPr>
-          <p:nvPr/>
-        </p:nvPicPr>
-        <p:blipFill>
-          <a:blip r:embed="rId2">
-            <a:extLst>
-              <a:ext uri="{28A0092B-C50C-407E-A947-70E740481C1C}">
-                <a14:useLocalDpi xmlns:a14="http://schemas.microsoft.com/office/drawing/2010/main" val="0"/>
-              </a:ext>
-            </a:extLst>
-          </a:blip>
-          <a:stretch>
-            <a:fillRect/>
-          </a:stretch>
-        </p:blipFill>
-        <p:spPr>
-          <a:xfrm>
-            <a:off x="157325" y="1016834"/>
-            <a:ext cx="8972172" cy="5154892"/>
-          </a:xfrm>
-          <a:prstGeom prst="rect">
-            <a:avLst/>
-          </a:prstGeom>
-        </p:spPr>
-      </p:pic>
-      <p:sp>
-        <p:nvSpPr>
-          <p:cNvPr id="4" name="TextBox 3"/>
-          <p:cNvSpPr txBox="1"/>
-          <p:nvPr/>
-        </p:nvSpPr>
-        <p:spPr>
-          <a:xfrm>
-            <a:off x="6637474" y="6208221"/>
-            <a:ext cx="2492023" cy="307777"/>
-          </a:xfrm>
-          <a:prstGeom prst="rect">
-            <a:avLst/>
-          </a:prstGeom>
-          <a:noFill/>
-        </p:spPr>
-        <p:txBody>
-          <a:bodyPr wrap="square" rtlCol="0">
-            <a:spAutoFit/>
+      <p:sp>
+        <p:nvSpPr>
+          <p:cNvPr id="3" name="Content Placeholder 2"/>
+          <p:cNvSpPr>
+            <a:spLocks noGrp="1"/>
+          </p:cNvSpPr>
+          <p:nvPr>
+            <p:ph idx="1"/>
+          </p:nvPr>
+        </p:nvSpPr>
+        <p:spPr>
+          <a:xfrm>
+            <a:off x="457200" y="1417638"/>
+            <a:ext cx="8229600" cy="4708525"/>
+          </a:xfrm>
+        </p:spPr>
+        <p:txBody>
+          <a:bodyPr>
+            <a:normAutofit fontScale="85000" lnSpcReduction="10000"/>
           </a:bodyPr>
           <a:lstStyle/>
           <a:p>
             <a:r>
-              <a:rPr lang="en-US" sz="1400" dirty="0" err="1" smtClean="0"/>
-              <a:t>Henning&amp;Semenov</a:t>
-            </a:r>
-            <a:r>
-              <a:rPr lang="en-US" sz="1400" dirty="0" smtClean="0"/>
-              <a:t> (2013)</a:t>
-            </a:r>
-            <a:endParaRPr lang="en-US" sz="1400" dirty="0"/>
+              <a:rPr lang="en-US" dirty="0" smtClean="0">
+                <a:solidFill>
+                  <a:srgbClr val="FFFF00"/>
+                </a:solidFill>
+              </a:rPr>
+              <a:t>Radial drift</a:t>
+            </a:r>
+            <a:r>
+              <a:rPr lang="en-US" dirty="0" smtClean="0"/>
+              <a:t> and </a:t>
+            </a:r>
+            <a:r>
+              <a:rPr lang="en-US" dirty="0" smtClean="0">
+                <a:solidFill>
+                  <a:srgbClr val="FFFF00"/>
+                </a:solidFill>
+              </a:rPr>
+              <a:t>gas accretion </a:t>
+            </a:r>
+            <a:r>
+              <a:rPr lang="en-US" dirty="0" smtClean="0"/>
+              <a:t>affect desorption and </a:t>
+            </a:r>
+            <a:r>
+              <a:rPr lang="en-US" dirty="0" smtClean="0">
+                <a:solidFill>
+                  <a:srgbClr val="FFFF00"/>
+                </a:solidFill>
+              </a:rPr>
+              <a:t>move the snowline locations </a:t>
+            </a:r>
+            <a:r>
+              <a:rPr lang="en-US" dirty="0" smtClean="0"/>
+              <a:t>compared to a static disk</a:t>
+            </a:r>
+          </a:p>
+          <a:p>
+            <a:endParaRPr lang="en-US" dirty="0" smtClean="0"/>
+          </a:p>
+          <a:p>
+            <a:r>
+              <a:rPr lang="en-US" dirty="0" smtClean="0"/>
+              <a:t>The H</a:t>
+            </a:r>
+            <a:r>
+              <a:rPr lang="en-US" baseline="-25000" dirty="0" smtClean="0"/>
+              <a:t>2</a:t>
+            </a:r>
+            <a:r>
+              <a:rPr lang="en-US" dirty="0" smtClean="0"/>
+              <a:t>O, CO</a:t>
+            </a:r>
+            <a:r>
+              <a:rPr lang="en-US" baseline="-25000" dirty="0" smtClean="0"/>
+              <a:t>2</a:t>
+            </a:r>
+            <a:r>
+              <a:rPr lang="en-US" dirty="0" smtClean="0"/>
+              <a:t> and CO snowlines are created by the </a:t>
+            </a:r>
+            <a:r>
+              <a:rPr lang="en-US" dirty="0" smtClean="0">
+                <a:solidFill>
+                  <a:srgbClr val="FFFF00"/>
+                </a:solidFill>
+              </a:rPr>
+              <a:t>largest drifting particles </a:t>
+            </a:r>
+            <a:r>
+              <a:rPr lang="en-US" dirty="0" smtClean="0"/>
+              <a:t>in our model, i.e. </a:t>
+            </a:r>
+            <a:r>
+              <a:rPr lang="en-US" i="1" dirty="0" smtClean="0">
+                <a:solidFill>
+                  <a:srgbClr val="FFFF00"/>
+                </a:solidFill>
+              </a:rPr>
+              <a:t>s</a:t>
+            </a:r>
+            <a:r>
+              <a:rPr lang="en-US" dirty="0" smtClean="0">
+                <a:solidFill>
+                  <a:srgbClr val="FFFF00"/>
+                </a:solidFill>
+              </a:rPr>
+              <a:t> ~ 7 m</a:t>
+            </a:r>
+          </a:p>
+          <a:p>
+            <a:endParaRPr lang="en-US" dirty="0" smtClean="0"/>
+          </a:p>
+          <a:p>
+            <a:r>
+              <a:rPr lang="en-US" dirty="0" smtClean="0"/>
+              <a:t>Snowlines move </a:t>
+            </a:r>
+            <a:r>
+              <a:rPr lang="en-US" dirty="0" smtClean="0">
+                <a:solidFill>
+                  <a:srgbClr val="FFFF00"/>
+                </a:solidFill>
+              </a:rPr>
+              <a:t>inwards</a:t>
+            </a:r>
+            <a:r>
+              <a:rPr lang="en-US" dirty="0" smtClean="0"/>
+              <a:t> as the </a:t>
+            </a:r>
+            <a:r>
+              <a:rPr lang="en-US" dirty="0" smtClean="0">
+                <a:solidFill>
+                  <a:srgbClr val="FFFF00"/>
+                </a:solidFill>
+              </a:rPr>
+              <a:t>particle size increases </a:t>
+            </a:r>
+          </a:p>
+          <a:p>
+            <a:pPr lvl="1"/>
+            <a:r>
+              <a:rPr lang="en-US" dirty="0" smtClean="0">
+                <a:solidFill>
+                  <a:srgbClr val="FFFF00"/>
+                </a:solidFill>
+              </a:rPr>
+              <a:t>~60% </a:t>
+            </a:r>
+            <a:r>
+              <a:rPr lang="en-US" dirty="0" smtClean="0"/>
+              <a:t>for</a:t>
+            </a:r>
+            <a:r>
+              <a:rPr lang="en-US" dirty="0" smtClean="0">
+                <a:solidFill>
+                  <a:srgbClr val="FFFF00"/>
+                </a:solidFill>
+              </a:rPr>
+              <a:t> H</a:t>
+            </a:r>
+            <a:r>
+              <a:rPr lang="en-US" baseline="-25000" dirty="0" smtClean="0">
+                <a:solidFill>
+                  <a:srgbClr val="FFFF00"/>
+                </a:solidFill>
+              </a:rPr>
+              <a:t>2</a:t>
+            </a:r>
+            <a:r>
+              <a:rPr lang="en-US" dirty="0" smtClean="0">
+                <a:solidFill>
+                  <a:srgbClr val="FFFF00"/>
+                </a:solidFill>
+              </a:rPr>
+              <a:t>O</a:t>
+            </a:r>
+          </a:p>
+          <a:p>
+            <a:pPr lvl="1"/>
+            <a:r>
+              <a:rPr lang="en-US" dirty="0" smtClean="0">
+                <a:solidFill>
+                  <a:srgbClr val="FFFF00"/>
+                </a:solidFill>
+              </a:rPr>
+              <a:t>~60% </a:t>
+            </a:r>
+            <a:r>
+              <a:rPr lang="en-US" dirty="0" smtClean="0">
+                <a:solidFill>
+                  <a:srgbClr val="FFFFFF"/>
+                </a:solidFill>
+              </a:rPr>
+              <a:t>for</a:t>
+            </a:r>
+            <a:r>
+              <a:rPr lang="en-US" dirty="0" smtClean="0">
+                <a:solidFill>
+                  <a:srgbClr val="FFFF00"/>
+                </a:solidFill>
+              </a:rPr>
+              <a:t> CO</a:t>
+            </a:r>
+            <a:r>
+              <a:rPr lang="en-US" baseline="-25000" dirty="0" smtClean="0">
+                <a:solidFill>
+                  <a:srgbClr val="FFFF00"/>
+                </a:solidFill>
+              </a:rPr>
+              <a:t>2</a:t>
+            </a:r>
+            <a:endParaRPr lang="en-US" dirty="0" smtClean="0">
+              <a:solidFill>
+                <a:srgbClr val="FFFF00"/>
+              </a:solidFill>
+            </a:endParaRPr>
+          </a:p>
+          <a:p>
+            <a:pPr lvl="1"/>
+            <a:r>
+              <a:rPr lang="en-US" dirty="0" smtClean="0">
+                <a:solidFill>
+                  <a:srgbClr val="FFFF00"/>
+                </a:solidFill>
+              </a:rPr>
+              <a:t>~50% </a:t>
+            </a:r>
+            <a:r>
+              <a:rPr lang="en-US" dirty="0" smtClean="0">
+                <a:solidFill>
+                  <a:srgbClr val="FFFFFF"/>
+                </a:solidFill>
+              </a:rPr>
+              <a:t>for</a:t>
+            </a:r>
+            <a:r>
+              <a:rPr lang="en-US" dirty="0" smtClean="0">
+                <a:solidFill>
+                  <a:srgbClr val="FFFF00"/>
+                </a:solidFill>
+              </a:rPr>
+              <a:t> CO</a:t>
+            </a:r>
+          </a:p>
+          <a:p>
+            <a:endParaRPr lang="en-US" dirty="0" smtClean="0"/>
+          </a:p>
+          <a:p>
+            <a:endParaRPr lang="en-US" dirty="0" smtClean="0"/>
+          </a:p>
+          <a:p>
+            <a:endParaRPr lang="en-US" dirty="0"/>
           </a:p>
         </p:txBody>
       </p:sp>
     </p:spTree>
     <p:extLst>
       <p:ext uri="{BB962C8B-B14F-4D97-AF65-F5344CB8AC3E}">
-        <p14:creationId xmlns:p14="http://schemas.microsoft.com/office/powerpoint/2010/main" val="587156780"/>
+        <p14:creationId xmlns:p14="http://schemas.microsoft.com/office/powerpoint/2010/main" val="2696013150"/>
       </p:ext>
     </p:extLst>
   </p:cSld>
@@ -18071,6 +18502,145 @@
         </p:nvSpPr>
         <p:spPr>
           <a:xfrm>
+            <a:off x="673387" y="27020"/>
+            <a:ext cx="8229600" cy="1143000"/>
+          </a:xfrm>
+        </p:spPr>
+        <p:txBody>
+          <a:bodyPr>
+            <a:noAutofit/>
+          </a:bodyPr>
+          <a:lstStyle/>
+          <a:p>
+            <a:r>
+              <a:rPr lang="en-US" dirty="0" smtClean="0">
+                <a:solidFill>
+                  <a:srgbClr val="FFFF00"/>
+                </a:solidFill>
+              </a:rPr>
+              <a:t>NEXT STEPS</a:t>
+            </a:r>
+            <a:endParaRPr lang="en-US" dirty="0">
+              <a:solidFill>
+                <a:srgbClr val="FFFF00"/>
+              </a:solidFill>
+            </a:endParaRPr>
+          </a:p>
+        </p:txBody>
+      </p:sp>
+      <p:pic>
+        <p:nvPicPr>
+          <p:cNvPr id="3" name="Picture 2" descr="disk_semenov.png"/>
+          <p:cNvPicPr>
+            <a:picLocks noChangeAspect="1"/>
+          </p:cNvPicPr>
+          <p:nvPr/>
+        </p:nvPicPr>
+        <p:blipFill>
+          <a:blip r:embed="rId2">
+            <a:extLst>
+              <a:ext uri="{28A0092B-C50C-407E-A947-70E740481C1C}">
+                <a14:useLocalDpi xmlns:a14="http://schemas.microsoft.com/office/drawing/2010/main" val="0"/>
+              </a:ext>
+            </a:extLst>
+          </a:blip>
+          <a:stretch>
+            <a:fillRect/>
+          </a:stretch>
+        </p:blipFill>
+        <p:spPr>
+          <a:xfrm>
+            <a:off x="157325" y="1016834"/>
+            <a:ext cx="8972172" cy="5154892"/>
+          </a:xfrm>
+          <a:prstGeom prst="rect">
+            <a:avLst/>
+          </a:prstGeom>
+        </p:spPr>
+      </p:pic>
+      <p:sp>
+        <p:nvSpPr>
+          <p:cNvPr id="4" name="TextBox 3"/>
+          <p:cNvSpPr txBox="1"/>
+          <p:nvPr/>
+        </p:nvSpPr>
+        <p:spPr>
+          <a:xfrm>
+            <a:off x="6637474" y="6208221"/>
+            <a:ext cx="2492023" cy="307777"/>
+          </a:xfrm>
+          <a:prstGeom prst="rect">
+            <a:avLst/>
+          </a:prstGeom>
+          <a:noFill/>
+        </p:spPr>
+        <p:txBody>
+          <a:bodyPr wrap="square" rtlCol="0">
+            <a:spAutoFit/>
+          </a:bodyPr>
+          <a:lstStyle/>
+          <a:p>
+            <a:r>
+              <a:rPr lang="en-US" sz="1400" dirty="0" err="1" smtClean="0"/>
+              <a:t>Henning&amp;Semenov</a:t>
+            </a:r>
+            <a:r>
+              <a:rPr lang="en-US" sz="1400" dirty="0" smtClean="0"/>
+              <a:t> (2013)</a:t>
+            </a:r>
+            <a:endParaRPr lang="en-US" sz="1400" dirty="0"/>
+          </a:p>
+        </p:txBody>
+      </p:sp>
+    </p:spTree>
+    <p:extLst>
+      <p:ext uri="{BB962C8B-B14F-4D97-AF65-F5344CB8AC3E}">
+        <p14:creationId xmlns:p14="http://schemas.microsoft.com/office/powerpoint/2010/main" val="587156780"/>
+      </p:ext>
+    </p:extLst>
+  </p:cSld>
+  <p:clrMapOvr>
+    <a:masterClrMapping/>
+  </p:clrMapOvr>
+  <p:timing>
+    <p:tnLst>
+      <p:par>
+        <p:cTn xmlns:p14="http://schemas.microsoft.com/office/powerpoint/2010/main" id="1" dur="indefinite" restart="never" nodeType="tmRoot"/>
+      </p:par>
+    </p:tnLst>
+  </p:timing>
+</p:sld>
+</file>
+
+<file path=ppt/slides/slide48.xml><?xml version="1.0" encoding="utf-8"?>
+<p:sld xmlns:a="http://schemas.openxmlformats.org/drawingml/2006/main" xmlns:r="http://schemas.openxmlformats.org/officeDocument/2006/relationships" xmlns:p="http://schemas.openxmlformats.org/presentationml/2006/main">
+  <p:cSld>
+    <p:spTree>
+      <p:nvGrpSpPr>
+        <p:cNvPr id="1" name=""/>
+        <p:cNvGrpSpPr/>
+        <p:nvPr/>
+      </p:nvGrpSpPr>
+      <p:grpSpPr>
+        <a:xfrm>
+          <a:off x="0" y="0"/>
+          <a:ext cx="0" cy="0"/>
+          <a:chOff x="0" y="0"/>
+          <a:chExt cx="0" cy="0"/>
+        </a:xfrm>
+      </p:grpSpPr>
+      <p:sp>
+        <p:nvSpPr>
+          <p:cNvPr id="2" name="Title 1"/>
+          <p:cNvSpPr>
+            <a:spLocks noGrp="1"/>
+          </p:cNvSpPr>
+          <p:nvPr>
+            <p:ph type="title"/>
+          </p:nvPr>
+        </p:nvSpPr>
+        <p:spPr>
+          <a:xfrm>
             <a:off x="457200" y="110004"/>
             <a:ext cx="8229600" cy="1143000"/>
           </a:xfrm>
@@ -18183,7 +18753,7 @@
 </p:sld>
 </file>
 
-<file path=ppt/slides/slide48.xml><?xml version="1.0" encoding="utf-8"?>
+<file path=ppt/slides/slide49.xml><?xml version="1.0" encoding="utf-8"?>
 <p:sld xmlns:a="http://schemas.openxmlformats.org/drawingml/2006/main" xmlns:r="http://schemas.openxmlformats.org/officeDocument/2006/relationships" xmlns:p="http://schemas.openxmlformats.org/presentationml/2006/main">
   <p:cSld>
     <p:spTree>
@@ -18752,123 +19322,6 @@
 </p:sld>
 </file>
 
-<file path=ppt/slides/slide49.xml><?xml version="1.0" encoding="utf-8"?>
-<p:sld xmlns:a="http://schemas.openxmlformats.org/drawingml/2006/main" xmlns:r="http://schemas.openxmlformats.org/officeDocument/2006/relationships" xmlns:p="http://schemas.openxmlformats.org/presentationml/2006/main">
-  <p:cSld>
-    <p:spTree>
-      <p:nvGrpSpPr>
-        <p:cNvPr id="1" name=""/>
-        <p:cNvGrpSpPr/>
-        <p:nvPr/>
-      </p:nvGrpSpPr>
-      <p:grpSpPr>
-        <a:xfrm>
-          <a:off x="0" y="0"/>
-          <a:ext cx="0" cy="0"/>
-          <a:chOff x="0" y="0"/>
-          <a:chExt cx="0" cy="0"/>
-        </a:xfrm>
-      </p:grpSpPr>
-      <p:sp>
-        <p:nvSpPr>
-          <p:cNvPr id="2" name="Title 1"/>
-          <p:cNvSpPr>
-            <a:spLocks noGrp="1"/>
-          </p:cNvSpPr>
-          <p:nvPr>
-            <p:ph type="title"/>
-          </p:nvPr>
-        </p:nvSpPr>
-        <p:spPr/>
-        <p:txBody>
-          <a:bodyPr/>
-          <a:lstStyle/>
-          <a:p>
-            <a:r>
-              <a:rPr lang="en-US" dirty="0" smtClean="0">
-                <a:solidFill>
-                  <a:srgbClr val="FFFF00"/>
-                </a:solidFill>
-              </a:rPr>
-              <a:t>TAKEAWAY POINT</a:t>
-            </a:r>
-            <a:endParaRPr lang="en-US" dirty="0">
-              <a:solidFill>
-                <a:srgbClr val="FFFF00"/>
-              </a:solidFill>
-            </a:endParaRPr>
-          </a:p>
-        </p:txBody>
-      </p:sp>
-      <p:sp>
-        <p:nvSpPr>
-          <p:cNvPr id="4" name="Content Placeholder 2"/>
-          <p:cNvSpPr>
-            <a:spLocks noGrp="1"/>
-          </p:cNvSpPr>
-          <p:nvPr>
-            <p:ph idx="1"/>
-          </p:nvPr>
-        </p:nvSpPr>
-        <p:spPr>
-          <a:xfrm>
-            <a:off x="457200" y="1840090"/>
-            <a:ext cx="8404578" cy="2802466"/>
-          </a:xfrm>
-          <a:solidFill>
-            <a:srgbClr val="FFFF00"/>
-          </a:solidFill>
-          <a:ln w="63500">
-            <a:solidFill>
-              <a:srgbClr val="3366FF"/>
-            </a:solidFill>
-          </a:ln>
-        </p:spPr>
-        <p:txBody>
-          <a:bodyPr>
-            <a:normAutofit/>
-          </a:bodyPr>
-          <a:lstStyle/>
-          <a:p>
-            <a:pPr marL="0" indent="0" algn="ctr">
-              <a:buNone/>
-            </a:pPr>
-            <a:r>
-              <a:rPr lang="en-US" dirty="0" smtClean="0">
-                <a:solidFill>
-                  <a:schemeClr val="bg1"/>
-                </a:solidFill>
-              </a:rPr>
-              <a:t>Radial drift and viscous gas accretion move the snowline locations inwards. This affects the C/O ratio in gas and dust throughout the disk, and thus has direct implications in shaping the compositions of nascent giant planets.</a:t>
-            </a:r>
-            <a:endParaRPr lang="en-US" dirty="0">
-              <a:solidFill>
-                <a:schemeClr val="bg1"/>
-              </a:solidFill>
-            </a:endParaRPr>
-          </a:p>
-        </p:txBody>
-      </p:sp>
-    </p:spTree>
-    <p:extLst>
-      <p:ext uri="{BB962C8B-B14F-4D97-AF65-F5344CB8AC3E}">
-        <p14:creationId xmlns:p14="http://schemas.microsoft.com/office/powerpoint/2010/main" val="743145369"/>
-      </p:ext>
-    </p:extLst>
-  </p:cSld>
-  <p:clrMapOvr>
-    <a:masterClrMapping/>
-  </p:clrMapOvr>
-  <p:timing>
-    <p:tnLst>
-      <p:par>
-        <p:cTn xmlns:p14="http://schemas.microsoft.com/office/powerpoint/2010/main" id="1" dur="indefinite" restart="never" nodeType="tmRoot"/>
-      </p:par>
-    </p:tnLst>
-  </p:timing>
-</p:sld>
-</file>
-
 <file path=ppt/slides/slide5.xml><?xml version="1.0" encoding="utf-8"?>
 <p:sld xmlns:a="http://schemas.openxmlformats.org/drawingml/2006/main" xmlns:r="http://schemas.openxmlformats.org/officeDocument/2006/relationships" xmlns:p="http://schemas.openxmlformats.org/presentationml/2006/main">
   <p:cSld>
@@ -18944,6 +19397,123 @@
     <p:extLst>
       <p:ext uri="{BB962C8B-B14F-4D97-AF65-F5344CB8AC3E}">
         <p14:creationId xmlns:p14="http://schemas.microsoft.com/office/powerpoint/2010/main" val="1952300335"/>
+      </p:ext>
+    </p:extLst>
+  </p:cSld>
+  <p:clrMapOvr>
+    <a:masterClrMapping/>
+  </p:clrMapOvr>
+  <p:timing>
+    <p:tnLst>
+      <p:par>
+        <p:cTn xmlns:p14="http://schemas.microsoft.com/office/powerpoint/2010/main" id="1" dur="indefinite" restart="never" nodeType="tmRoot"/>
+      </p:par>
+    </p:tnLst>
+  </p:timing>
+</p:sld>
+</file>
+
+<file path=ppt/slides/slide50.xml><?xml version="1.0" encoding="utf-8"?>
+<p:sld xmlns:a="http://schemas.openxmlformats.org/drawingml/2006/main" xmlns:r="http://schemas.openxmlformats.org/officeDocument/2006/relationships" xmlns:p="http://schemas.openxmlformats.org/presentationml/2006/main">
+  <p:cSld>
+    <p:spTree>
+      <p:nvGrpSpPr>
+        <p:cNvPr id="1" name=""/>
+        <p:cNvGrpSpPr/>
+        <p:nvPr/>
+      </p:nvGrpSpPr>
+      <p:grpSpPr>
+        <a:xfrm>
+          <a:off x="0" y="0"/>
+          <a:ext cx="0" cy="0"/>
+          <a:chOff x="0" y="0"/>
+          <a:chExt cx="0" cy="0"/>
+        </a:xfrm>
+      </p:grpSpPr>
+      <p:sp>
+        <p:nvSpPr>
+          <p:cNvPr id="2" name="Title 1"/>
+          <p:cNvSpPr>
+            <a:spLocks noGrp="1"/>
+          </p:cNvSpPr>
+          <p:nvPr>
+            <p:ph type="title"/>
+          </p:nvPr>
+        </p:nvSpPr>
+        <p:spPr/>
+        <p:txBody>
+          <a:bodyPr/>
+          <a:lstStyle/>
+          <a:p>
+            <a:r>
+              <a:rPr lang="en-US" dirty="0" smtClean="0">
+                <a:solidFill>
+                  <a:srgbClr val="FFFF00"/>
+                </a:solidFill>
+              </a:rPr>
+              <a:t>TAKEAWAY POINT</a:t>
+            </a:r>
+            <a:endParaRPr lang="en-US" dirty="0">
+              <a:solidFill>
+                <a:srgbClr val="FFFF00"/>
+              </a:solidFill>
+            </a:endParaRPr>
+          </a:p>
+        </p:txBody>
+      </p:sp>
+      <p:sp>
+        <p:nvSpPr>
+          <p:cNvPr id="4" name="Content Placeholder 2"/>
+          <p:cNvSpPr>
+            <a:spLocks noGrp="1"/>
+          </p:cNvSpPr>
+          <p:nvPr>
+            <p:ph idx="1"/>
+          </p:nvPr>
+        </p:nvSpPr>
+        <p:spPr>
+          <a:xfrm>
+            <a:off x="457200" y="1840090"/>
+            <a:ext cx="8404578" cy="2802466"/>
+          </a:xfrm>
+          <a:solidFill>
+            <a:srgbClr val="FFFF00"/>
+          </a:solidFill>
+          <a:ln w="63500">
+            <a:solidFill>
+              <a:srgbClr val="3366FF"/>
+            </a:solidFill>
+          </a:ln>
+        </p:spPr>
+        <p:txBody>
+          <a:bodyPr>
+            <a:normAutofit/>
+          </a:bodyPr>
+          <a:lstStyle/>
+          <a:p>
+            <a:pPr marL="0" indent="0" algn="ctr">
+              <a:buNone/>
+            </a:pPr>
+            <a:r>
+              <a:rPr lang="en-US" dirty="0" smtClean="0">
+                <a:solidFill>
+                  <a:schemeClr val="bg1"/>
+                </a:solidFill>
+              </a:rPr>
+              <a:t>Radial drift and viscous gas accretion move the snowline locations inwards. This affects the C/O ratio in gas and dust throughout the disk, and thus has direct implications in shaping the compositions of nascent giant planets.</a:t>
+            </a:r>
+            <a:endParaRPr lang="en-US" dirty="0">
+              <a:solidFill>
+                <a:schemeClr val="bg1"/>
+              </a:solidFill>
+            </a:endParaRPr>
+          </a:p>
+        </p:txBody>
+      </p:sp>
+    </p:spTree>
+    <p:extLst>
+      <p:ext uri="{BB962C8B-B14F-4D97-AF65-F5344CB8AC3E}">
+        <p14:creationId xmlns:p14="http://schemas.microsoft.com/office/powerpoint/2010/main" val="743145369"/>
       </p:ext>
     </p:extLst>
   </p:cSld>

--- a/slides/MET_talk.pptx
+++ b/slides/MET_talk.pptx
@@ -5065,8 +5065,8 @@
         </p:nvSpPr>
         <p:spPr>
           <a:xfrm>
-            <a:off x="2106706" y="4739521"/>
-            <a:ext cx="4781176" cy="430887"/>
+            <a:off x="2106705" y="4739521"/>
+            <a:ext cx="5192465" cy="430887"/>
           </a:xfrm>
           <a:prstGeom prst="rect">
             <a:avLst/>
@@ -5082,23 +5082,19 @@
             <a:pPr algn="ctr"/>
             <a:r>
               <a:rPr lang="en-US" sz="2200" dirty="0" smtClean="0"/>
-              <a:t>CIPS Seminar</a:t>
-            </a:r>
-            <a:r>
-              <a:rPr lang="en-US" sz="2200" dirty="0"/>
-              <a:t>:</a:t>
+              <a:t>MIT </a:t>
+            </a:r>
+            <a:r>
+              <a:rPr lang="en-US" sz="2200" dirty="0" err="1" smtClean="0"/>
+              <a:t>Exoplanet</a:t>
             </a:r>
             <a:r>
               <a:rPr lang="en-US" sz="2200" dirty="0" smtClean="0"/>
-              <a:t> September 30</a:t>
-            </a:r>
-            <a:r>
-              <a:rPr lang="en-US" sz="2200" baseline="30000" dirty="0" smtClean="0"/>
-              <a:t>th</a:t>
+              <a:t> Tea: October 7th, </a:t>
             </a:r>
             <a:r>
               <a:rPr lang="en-US" sz="2200" dirty="0" smtClean="0"/>
-              <a:t> , 2015 </a:t>
+              <a:t>2015 </a:t>
             </a:r>
             <a:endParaRPr lang="en-US" sz="2200" dirty="0"/>
           </a:p>
